--- a/apresentação.pptx
+++ b/apresentação.pptx
@@ -7,12 +7,24 @@
   <p:sldIdLst>
     <p:sldId id="256" r:id="rId2"/>
     <p:sldId id="261" r:id="rId3"/>
-    <p:sldId id="262" r:id="rId4"/>
-    <p:sldId id="263" r:id="rId5"/>
-    <p:sldId id="264" r:id="rId6"/>
-    <p:sldId id="265" r:id="rId7"/>
-    <p:sldId id="266" r:id="rId8"/>
-    <p:sldId id="267" r:id="rId9"/>
+    <p:sldId id="268" r:id="rId4"/>
+    <p:sldId id="277" r:id="rId5"/>
+    <p:sldId id="262" r:id="rId6"/>
+    <p:sldId id="263" r:id="rId7"/>
+    <p:sldId id="264" r:id="rId8"/>
+    <p:sldId id="265" r:id="rId9"/>
+    <p:sldId id="266" r:id="rId10"/>
+    <p:sldId id="267" r:id="rId11"/>
+    <p:sldId id="269" r:id="rId12"/>
+    <p:sldId id="271" r:id="rId13"/>
+    <p:sldId id="272" r:id="rId14"/>
+    <p:sldId id="276" r:id="rId15"/>
+    <p:sldId id="278" r:id="rId16"/>
+    <p:sldId id="280" r:id="rId17"/>
+    <p:sldId id="281" r:id="rId18"/>
+    <p:sldId id="279" r:id="rId19"/>
+    <p:sldId id="282" r:id="rId20"/>
+    <p:sldId id="283" r:id="rId21"/>
   </p:sldIdLst>
   <p:sldSz cx="12192000" cy="6858000"/>
   <p:notesSz cx="6858000" cy="9144000"/>
@@ -111,6 +123,11 @@
       </a:defRPr>
     </a:lvl9pPr>
   </p:defaultTextStyle>
+  <p:extLst>
+    <p:ext uri="{EFAFB233-063F-42B5-8137-9DF3F51BA10A}">
+      <p15:sldGuideLst xmlns:p15="http://schemas.microsoft.com/office/powerpoint/2012/main"/>
+    </p:ext>
+  </p:extLst>
 </p:presentation>
 </file>
 
@@ -282,7 +299,7 @@
           <a:p>
             <a:fld id="{43D2D168-2116-461F-96E0-C6E1DAA0DBEE}" type="datetimeFigureOut">
               <a:rPr lang="pt-BR" smtClean="0"/>
-              <a:t>09/08/2022</a:t>
+              <a:t>12/08/2022</a:t>
             </a:fld>
             <a:endParaRPr lang="pt-BR"/>
           </a:p>
@@ -510,7 +527,7 @@
           <a:p>
             <a:fld id="{43D2D168-2116-461F-96E0-C6E1DAA0DBEE}" type="datetimeFigureOut">
               <a:rPr lang="pt-BR" smtClean="0"/>
-              <a:t>09/08/2022</a:t>
+              <a:t>12/08/2022</a:t>
             </a:fld>
             <a:endParaRPr lang="pt-BR"/>
           </a:p>
@@ -690,7 +707,7 @@
           <a:p>
             <a:fld id="{43D2D168-2116-461F-96E0-C6E1DAA0DBEE}" type="datetimeFigureOut">
               <a:rPr lang="pt-BR" smtClean="0"/>
-              <a:t>09/08/2022</a:t>
+              <a:t>12/08/2022</a:t>
             </a:fld>
             <a:endParaRPr lang="pt-BR"/>
           </a:p>
@@ -860,7 +877,7 @@
           <a:p>
             <a:fld id="{43D2D168-2116-461F-96E0-C6E1DAA0DBEE}" type="datetimeFigureOut">
               <a:rPr lang="pt-BR" smtClean="0"/>
-              <a:t>09/08/2022</a:t>
+              <a:t>12/08/2022</a:t>
             </a:fld>
             <a:endParaRPr lang="pt-BR"/>
           </a:p>
@@ -1114,7 +1131,7 @@
           <a:p>
             <a:fld id="{43D2D168-2116-461F-96E0-C6E1DAA0DBEE}" type="datetimeFigureOut">
               <a:rPr lang="pt-BR" smtClean="0"/>
-              <a:t>09/08/2022</a:t>
+              <a:t>12/08/2022</a:t>
             </a:fld>
             <a:endParaRPr lang="pt-BR"/>
           </a:p>
@@ -1440,7 +1457,7 @@
           <a:p>
             <a:fld id="{43D2D168-2116-461F-96E0-C6E1DAA0DBEE}" type="datetimeFigureOut">
               <a:rPr lang="pt-BR" smtClean="0"/>
-              <a:t>09/08/2022</a:t>
+              <a:t>12/08/2022</a:t>
             </a:fld>
             <a:endParaRPr lang="pt-BR"/>
           </a:p>
@@ -1891,7 +1908,7 @@
           <a:p>
             <a:fld id="{43D2D168-2116-461F-96E0-C6E1DAA0DBEE}" type="datetimeFigureOut">
               <a:rPr lang="pt-BR" smtClean="0"/>
-              <a:t>09/08/2022</a:t>
+              <a:t>12/08/2022</a:t>
             </a:fld>
             <a:endParaRPr lang="pt-BR"/>
           </a:p>
@@ -2009,7 +2026,7 @@
           <a:p>
             <a:fld id="{43D2D168-2116-461F-96E0-C6E1DAA0DBEE}" type="datetimeFigureOut">
               <a:rPr lang="pt-BR" smtClean="0"/>
-              <a:t>09/08/2022</a:t>
+              <a:t>12/08/2022</a:t>
             </a:fld>
             <a:endParaRPr lang="pt-BR"/>
           </a:p>
@@ -2104,7 +2121,7 @@
           <a:p>
             <a:fld id="{43D2D168-2116-461F-96E0-C6E1DAA0DBEE}" type="datetimeFigureOut">
               <a:rPr lang="pt-BR" smtClean="0"/>
-              <a:t>09/08/2022</a:t>
+              <a:t>12/08/2022</a:t>
             </a:fld>
             <a:endParaRPr lang="pt-BR"/>
           </a:p>
@@ -2391,7 +2408,7 @@
           <a:p>
             <a:fld id="{43D2D168-2116-461F-96E0-C6E1DAA0DBEE}" type="datetimeFigureOut">
               <a:rPr lang="pt-BR" smtClean="0"/>
-              <a:t>09/08/2022</a:t>
+              <a:t>12/08/2022</a:t>
             </a:fld>
             <a:endParaRPr lang="pt-BR"/>
           </a:p>
@@ -2713,7 +2730,7 @@
           <a:p>
             <a:fld id="{43D2D168-2116-461F-96E0-C6E1DAA0DBEE}" type="datetimeFigureOut">
               <a:rPr lang="pt-BR" smtClean="0"/>
-              <a:t>09/08/2022</a:t>
+              <a:t>12/08/2022</a:t>
             </a:fld>
             <a:endParaRPr lang="pt-BR"/>
           </a:p>
@@ -2967,7 +2984,7 @@
           <a:p>
             <a:fld id="{43D2D168-2116-461F-96E0-C6E1DAA0DBEE}" type="datetimeFigureOut">
               <a:rPr lang="pt-BR" smtClean="0"/>
-              <a:t>09/08/2022</a:t>
+              <a:t>12/08/2022</a:t>
             </a:fld>
             <a:endParaRPr lang="pt-BR"/>
           </a:p>
@@ -3548,7 +3565,7 @@
 </p:sld>
 </file>
 
-<file path=ppt/slides/slide2.xml><?xml version="1.0" encoding="utf-8"?>
+<file path=ppt/slides/slide10.xml><?xml version="1.0" encoding="utf-8"?>
 <p:sld xmlns:a="http://schemas.openxmlformats.org/drawingml/2006/main" xmlns:r="http://schemas.openxmlformats.org/officeDocument/2006/relationships" xmlns:p="http://schemas.openxmlformats.org/presentationml/2006/main">
   <p:cSld>
     <p:spTree>
@@ -3570,918 +3587,6 @@
           <p:cNvPr id="2" name="Título 1">
             <a:extLst>
               <a:ext uri="{FF2B5EF4-FFF2-40B4-BE49-F238E27FC236}">
-                <a16:creationId xmlns:a16="http://schemas.microsoft.com/office/drawing/2014/main" id="{53E34F15-1401-6555-7E0C-0775BD73A80D}"/>
-              </a:ext>
-            </a:extLst>
-          </p:cNvPr>
-          <p:cNvSpPr>
-            <a:spLocks noGrp="1"/>
-          </p:cNvSpPr>
-          <p:nvPr>
-            <p:ph type="title"/>
-          </p:nvPr>
-        </p:nvSpPr>
-        <p:spPr/>
-        <p:txBody>
-          <a:bodyPr/>
-          <a:lstStyle/>
-          <a:p>
-            <a:r>
-              <a:rPr lang="pt-BR" sz="3600" dirty="0"/>
-              <a:t>Classificador</a:t>
-            </a:r>
-            <a:endParaRPr lang="pt-BR" dirty="0"/>
-          </a:p>
-        </p:txBody>
-      </p:sp>
-      <p:sp>
-        <p:nvSpPr>
-          <p:cNvPr id="3" name="Espaço Reservado para Conteúdo 2">
-            <a:extLst>
-              <a:ext uri="{FF2B5EF4-FFF2-40B4-BE49-F238E27FC236}">
-                <a16:creationId xmlns:a16="http://schemas.microsoft.com/office/drawing/2014/main" id="{3954702C-87FE-AE79-69A5-4DEF476A7AED}"/>
-              </a:ext>
-            </a:extLst>
-          </p:cNvPr>
-          <p:cNvSpPr>
-            <a:spLocks noGrp="1"/>
-          </p:cNvSpPr>
-          <p:nvPr>
-            <p:ph idx="1"/>
-          </p:nvPr>
-        </p:nvSpPr>
-        <p:spPr/>
-        <p:txBody>
-          <a:bodyPr>
-            <a:normAutofit/>
-          </a:bodyPr>
-          <a:lstStyle/>
-          <a:p>
-            <a:endParaRPr lang="pt-BR" sz="1800" dirty="0">
-              <a:solidFill>
-                <a:srgbClr val="000000"/>
-              </a:solidFill>
-              <a:effectLst/>
-              <a:latin typeface="Times New Roman" panose="02020603050405020304" pitchFamily="18" charset="0"/>
-              <a:ea typeface="Calibri" panose="020F0502020204030204" pitchFamily="34" charset="0"/>
-            </a:endParaRPr>
-          </a:p>
-          <a:p>
-            <a:r>
-              <a:rPr lang="pt-BR" sz="1800" dirty="0">
-                <a:solidFill>
-                  <a:srgbClr val="000000"/>
-                </a:solidFill>
-                <a:effectLst/>
-                <a:latin typeface="Times New Roman" panose="02020603050405020304" pitchFamily="18" charset="0"/>
-                <a:ea typeface="Calibri" panose="020F0502020204030204" pitchFamily="34" charset="0"/>
-              </a:rPr>
-              <a:t>Criar um classificador que indique caso de AVC ou não a partir de dados sobre indivíduos</a:t>
-            </a:r>
-          </a:p>
-          <a:p>
-            <a:endParaRPr lang="pt-BR" dirty="0">
-              <a:solidFill>
-                <a:srgbClr val="000000"/>
-              </a:solidFill>
-              <a:latin typeface="Times New Roman" panose="02020603050405020304" pitchFamily="18" charset="0"/>
-              <a:ea typeface="Calibri" panose="020F0502020204030204" pitchFamily="34" charset="0"/>
-            </a:endParaRPr>
-          </a:p>
-          <a:p>
-            <a:pPr marL="0" indent="0">
-              <a:buNone/>
-            </a:pPr>
-            <a:r>
-              <a:rPr lang="pt-BR" b="1" dirty="0">
-                <a:solidFill>
-                  <a:srgbClr val="000000"/>
-                </a:solidFill>
-                <a:latin typeface="Times New Roman" panose="02020603050405020304" pitchFamily="18" charset="0"/>
-                <a:ea typeface="Calibri" panose="020F0502020204030204" pitchFamily="34" charset="0"/>
-              </a:rPr>
-              <a:t>Fases da criação:</a:t>
-            </a:r>
-            <a:endParaRPr lang="pt-BR" b="1" dirty="0">
-              <a:solidFill>
-                <a:srgbClr val="000000"/>
-              </a:solidFill>
-              <a:effectLst/>
-              <a:latin typeface="Times New Roman" panose="02020603050405020304" pitchFamily="18" charset="0"/>
-              <a:ea typeface="Calibri" panose="020F0502020204030204" pitchFamily="34" charset="0"/>
-            </a:endParaRPr>
-          </a:p>
-          <a:p>
-            <a:pPr marL="342900" indent="-342900">
-              <a:buFont typeface="+mj-lt"/>
-              <a:buAutoNum type="arabicPeriod"/>
-            </a:pPr>
-            <a:r>
-              <a:rPr lang="pt-BR" sz="1800" dirty="0">
-                <a:solidFill>
-                  <a:srgbClr val="000000"/>
-                </a:solidFill>
-                <a:latin typeface="Times New Roman" panose="02020603050405020304" pitchFamily="18" charset="0"/>
-                <a:ea typeface="Calibri" panose="020F0502020204030204" pitchFamily="34" charset="0"/>
-              </a:rPr>
-              <a:t>Preparação dos dados</a:t>
-            </a:r>
-          </a:p>
-          <a:p>
-            <a:pPr marL="342900" indent="-342900">
-              <a:buFont typeface="+mj-lt"/>
-              <a:buAutoNum type="arabicPeriod"/>
-            </a:pPr>
-            <a:r>
-              <a:rPr lang="pt-BR" sz="1800" dirty="0">
-                <a:solidFill>
-                  <a:srgbClr val="000000"/>
-                </a:solidFill>
-                <a:latin typeface="Times New Roman" panose="02020603050405020304" pitchFamily="18" charset="0"/>
-                <a:ea typeface="Calibri" panose="020F0502020204030204" pitchFamily="34" charset="0"/>
-              </a:rPr>
-              <a:t>Modelagem</a:t>
-            </a:r>
-          </a:p>
-          <a:p>
-            <a:pPr marL="342900" indent="-342900">
-              <a:buFont typeface="+mj-lt"/>
-              <a:buAutoNum type="arabicPeriod"/>
-            </a:pPr>
-            <a:r>
-              <a:rPr lang="pt-BR" dirty="0">
-                <a:solidFill>
-                  <a:srgbClr val="000000"/>
-                </a:solidFill>
-                <a:effectLst/>
-                <a:latin typeface="Times New Roman" panose="02020603050405020304" pitchFamily="18" charset="0"/>
-                <a:ea typeface="Calibri" panose="020F0502020204030204" pitchFamily="34" charset="0"/>
-              </a:rPr>
-              <a:t>Avaliação dos resultados</a:t>
-            </a:r>
-            <a:endParaRPr lang="pt-BR" sz="1800" dirty="0">
-              <a:solidFill>
-                <a:srgbClr val="000000"/>
-              </a:solidFill>
-              <a:effectLst/>
-              <a:latin typeface="Times New Roman" panose="02020603050405020304" pitchFamily="18" charset="0"/>
-              <a:ea typeface="Calibri" panose="020F0502020204030204" pitchFamily="34" charset="0"/>
-            </a:endParaRPr>
-          </a:p>
-        </p:txBody>
-      </p:sp>
-    </p:spTree>
-    <p:extLst>
-      <p:ext uri="{BB962C8B-B14F-4D97-AF65-F5344CB8AC3E}">
-        <p14:creationId xmlns:p14="http://schemas.microsoft.com/office/powerpoint/2010/main" val="1319688595"/>
-      </p:ext>
-    </p:extLst>
-  </p:cSld>
-  <p:clrMapOvr>
-    <a:masterClrMapping/>
-  </p:clrMapOvr>
-</p:sld>
-</file>
-
-<file path=ppt/slides/slide3.xml><?xml version="1.0" encoding="utf-8"?>
-<p:sld xmlns:a="http://schemas.openxmlformats.org/drawingml/2006/main" xmlns:r="http://schemas.openxmlformats.org/officeDocument/2006/relationships" xmlns:p="http://schemas.openxmlformats.org/presentationml/2006/main">
-  <p:cSld>
-    <p:spTree>
-      <p:nvGrpSpPr>
-        <p:cNvPr id="1" name=""/>
-        <p:cNvGrpSpPr/>
-        <p:nvPr/>
-      </p:nvGrpSpPr>
-      <p:grpSpPr>
-        <a:xfrm>
-          <a:off x="0" y="0"/>
-          <a:ext cx="0" cy="0"/>
-          <a:chOff x="0" y="0"/>
-          <a:chExt cx="0" cy="0"/>
-        </a:xfrm>
-      </p:grpSpPr>
-      <p:sp>
-        <p:nvSpPr>
-          <p:cNvPr id="2" name="Título 1">
-            <a:extLst>
-              <a:ext uri="{FF2B5EF4-FFF2-40B4-BE49-F238E27FC236}">
-                <a16:creationId xmlns:a16="http://schemas.microsoft.com/office/drawing/2014/main" id="{8D3FA761-08B7-45D9-F3E8-04323A55D0BF}"/>
-              </a:ext>
-            </a:extLst>
-          </p:cNvPr>
-          <p:cNvSpPr>
-            <a:spLocks noGrp="1"/>
-          </p:cNvSpPr>
-          <p:nvPr>
-            <p:ph type="title"/>
-          </p:nvPr>
-        </p:nvSpPr>
-        <p:spPr/>
-        <p:txBody>
-          <a:bodyPr>
-            <a:normAutofit/>
-          </a:bodyPr>
-          <a:lstStyle/>
-          <a:p>
-            <a:r>
-              <a:rPr lang="pt-BR" sz="3200" dirty="0"/>
-              <a:t>Preparação dos dados - balanceamento</a:t>
-            </a:r>
-          </a:p>
-        </p:txBody>
-      </p:sp>
-      <p:sp>
-        <p:nvSpPr>
-          <p:cNvPr id="3" name="Espaço Reservado para Conteúdo 2">
-            <a:extLst>
-              <a:ext uri="{FF2B5EF4-FFF2-40B4-BE49-F238E27FC236}">
-                <a16:creationId xmlns:a16="http://schemas.microsoft.com/office/drawing/2014/main" id="{F86AB755-B867-90E9-6738-B6EAF65FA8C4}"/>
-              </a:ext>
-            </a:extLst>
-          </p:cNvPr>
-          <p:cNvSpPr>
-            <a:spLocks noGrp="1"/>
-          </p:cNvSpPr>
-          <p:nvPr>
-            <p:ph idx="1"/>
-          </p:nvPr>
-        </p:nvSpPr>
-        <p:spPr/>
-        <p:txBody>
-          <a:bodyPr>
-            <a:normAutofit/>
-          </a:bodyPr>
-          <a:lstStyle/>
-          <a:p>
-            <a:endParaRPr lang="pt-BR" dirty="0"/>
-          </a:p>
-          <a:p>
-            <a:r>
-              <a:rPr lang="pt-BR" dirty="0"/>
-              <a:t>Distribuição da variável alvo:</a:t>
-            </a:r>
-          </a:p>
-          <a:p>
-            <a:pPr lvl="1" algn="just">
-              <a:lnSpc>
-                <a:spcPct val="150000"/>
-              </a:lnSpc>
-              <a:spcAft>
-                <a:spcPts val="800"/>
-              </a:spcAft>
-            </a:pPr>
-            <a:r>
-              <a:rPr lang="pt-BR" dirty="0">
-                <a:effectLst/>
-                <a:latin typeface="Times New Roman" panose="02020603050405020304" pitchFamily="18" charset="0"/>
-                <a:ea typeface="Calibri" panose="020F0502020204030204" pitchFamily="34" charset="0"/>
-                <a:cs typeface="Times New Roman" panose="02020603050405020304" pitchFamily="18" charset="0"/>
-              </a:rPr>
-              <a:t>249 casos para ocorrência de AVC</a:t>
-            </a:r>
-          </a:p>
-          <a:p>
-            <a:pPr lvl="1" algn="just">
-              <a:lnSpc>
-                <a:spcPct val="150000"/>
-              </a:lnSpc>
-              <a:spcAft>
-                <a:spcPts val="800"/>
-              </a:spcAft>
-            </a:pPr>
-            <a:r>
-              <a:rPr lang="pt-BR" dirty="0">
-                <a:effectLst/>
-                <a:latin typeface="Times New Roman" panose="02020603050405020304" pitchFamily="18" charset="0"/>
-                <a:ea typeface="Calibri" panose="020F0502020204030204" pitchFamily="34" charset="0"/>
-                <a:cs typeface="Times New Roman" panose="02020603050405020304" pitchFamily="18" charset="0"/>
-              </a:rPr>
-              <a:t>4861 casos de não ocorrência de AVC </a:t>
-            </a:r>
-          </a:p>
-          <a:p>
-            <a:pPr algn="just">
-              <a:lnSpc>
-                <a:spcPct val="150000"/>
-              </a:lnSpc>
-              <a:spcAft>
-                <a:spcPts val="800"/>
-              </a:spcAft>
-            </a:pPr>
-            <a:r>
-              <a:rPr lang="pt-BR" dirty="0">
-                <a:latin typeface="Times New Roman" panose="02020603050405020304" pitchFamily="18" charset="0"/>
-                <a:ea typeface="Calibri" panose="020F0502020204030204" pitchFamily="34" charset="0"/>
-                <a:cs typeface="Times New Roman" panose="02020603050405020304" pitchFamily="18" charset="0"/>
-              </a:rPr>
-              <a:t>Sem balanceamento classificador fica tendencioso</a:t>
-            </a:r>
-          </a:p>
-        </p:txBody>
-      </p:sp>
-    </p:spTree>
-    <p:extLst>
-      <p:ext uri="{BB962C8B-B14F-4D97-AF65-F5344CB8AC3E}">
-        <p14:creationId xmlns:p14="http://schemas.microsoft.com/office/powerpoint/2010/main" val="1501323548"/>
-      </p:ext>
-    </p:extLst>
-  </p:cSld>
-  <p:clrMapOvr>
-    <a:masterClrMapping/>
-  </p:clrMapOvr>
-</p:sld>
-</file>
-
-<file path=ppt/slides/slide4.xml><?xml version="1.0" encoding="utf-8"?>
-<p:sld xmlns:a="http://schemas.openxmlformats.org/drawingml/2006/main" xmlns:r="http://schemas.openxmlformats.org/officeDocument/2006/relationships" xmlns:p="http://schemas.openxmlformats.org/presentationml/2006/main">
-  <p:cSld>
-    <p:spTree>
-      <p:nvGrpSpPr>
-        <p:cNvPr id="1" name=""/>
-        <p:cNvGrpSpPr/>
-        <p:nvPr/>
-      </p:nvGrpSpPr>
-      <p:grpSpPr>
-        <a:xfrm>
-          <a:off x="0" y="0"/>
-          <a:ext cx="0" cy="0"/>
-          <a:chOff x="0" y="0"/>
-          <a:chExt cx="0" cy="0"/>
-        </a:xfrm>
-      </p:grpSpPr>
-      <p:sp>
-        <p:nvSpPr>
-          <p:cNvPr id="2" name="Título 1">
-            <a:extLst>
-              <a:ext uri="{FF2B5EF4-FFF2-40B4-BE49-F238E27FC236}">
-                <a16:creationId xmlns:a16="http://schemas.microsoft.com/office/drawing/2014/main" id="{8D3FA761-08B7-45D9-F3E8-04323A55D0BF}"/>
-              </a:ext>
-            </a:extLst>
-          </p:cNvPr>
-          <p:cNvSpPr>
-            <a:spLocks noGrp="1"/>
-          </p:cNvSpPr>
-          <p:nvPr>
-            <p:ph type="title"/>
-          </p:nvPr>
-        </p:nvSpPr>
-        <p:spPr/>
-        <p:txBody>
-          <a:bodyPr>
-            <a:normAutofit/>
-          </a:bodyPr>
-          <a:lstStyle/>
-          <a:p>
-            <a:r>
-              <a:rPr lang="pt-BR" sz="3200" dirty="0"/>
-              <a:t>Preparação dos dados - balanceamento</a:t>
-            </a:r>
-          </a:p>
-        </p:txBody>
-      </p:sp>
-      <p:sp>
-        <p:nvSpPr>
-          <p:cNvPr id="3" name="Espaço Reservado para Conteúdo 2">
-            <a:extLst>
-              <a:ext uri="{FF2B5EF4-FFF2-40B4-BE49-F238E27FC236}">
-                <a16:creationId xmlns:a16="http://schemas.microsoft.com/office/drawing/2014/main" id="{F86AB755-B867-90E9-6738-B6EAF65FA8C4}"/>
-              </a:ext>
-            </a:extLst>
-          </p:cNvPr>
-          <p:cNvSpPr>
-            <a:spLocks noGrp="1"/>
-          </p:cNvSpPr>
-          <p:nvPr>
-            <p:ph idx="1"/>
-          </p:nvPr>
-        </p:nvSpPr>
-        <p:spPr/>
-        <p:txBody>
-          <a:bodyPr>
-            <a:normAutofit/>
-          </a:bodyPr>
-          <a:lstStyle/>
-          <a:p>
-            <a:endParaRPr lang="pt-BR" dirty="0"/>
-          </a:p>
-          <a:p>
-            <a:pPr marL="0" indent="0">
-              <a:buNone/>
-            </a:pPr>
-            <a:endParaRPr lang="pt-BR" sz="1800" dirty="0">
-              <a:effectLst/>
-              <a:latin typeface="Times New Roman" panose="02020603050405020304" pitchFamily="18" charset="0"/>
-              <a:ea typeface="Calibri" panose="020F0502020204030204" pitchFamily="34" charset="0"/>
-              <a:cs typeface="Times New Roman" panose="02020603050405020304" pitchFamily="18" charset="0"/>
-            </a:endParaRPr>
-          </a:p>
-          <a:p>
-            <a:pPr marL="0" indent="0">
-              <a:buNone/>
-            </a:pPr>
-            <a:r>
-              <a:rPr lang="pt-BR" sz="1800" dirty="0">
-                <a:effectLst/>
-                <a:latin typeface="Times New Roman" panose="02020603050405020304" pitchFamily="18" charset="0"/>
-                <a:ea typeface="Calibri" panose="020F0502020204030204" pitchFamily="34" charset="0"/>
-                <a:cs typeface="Times New Roman" panose="02020603050405020304" pitchFamily="18" charset="0"/>
-              </a:rPr>
-              <a:t>1. Separação do conjunto total a partir das duas classes:</a:t>
-            </a:r>
-            <a:endParaRPr lang="pt-BR" sz="1800" dirty="0">
-              <a:effectLst/>
-              <a:latin typeface="Calibri" panose="020F0502020204030204" pitchFamily="34" charset="0"/>
-              <a:ea typeface="Calibri" panose="020F0502020204030204" pitchFamily="34" charset="0"/>
-              <a:cs typeface="Times New Roman" panose="02020603050405020304" pitchFamily="18" charset="0"/>
-            </a:endParaRPr>
-          </a:p>
-          <a:p>
-            <a:endParaRPr lang="pt-BR" dirty="0">
-              <a:latin typeface="Times New Roman" panose="02020603050405020304" pitchFamily="18" charset="0"/>
-              <a:ea typeface="Calibri" panose="020F0502020204030204" pitchFamily="34" charset="0"/>
-              <a:cs typeface="Times New Roman" panose="02020603050405020304" pitchFamily="18" charset="0"/>
-            </a:endParaRPr>
-          </a:p>
-        </p:txBody>
-      </p:sp>
-      <p:pic>
-        <p:nvPicPr>
-          <p:cNvPr id="7" name="Imagem 6">
-            <a:extLst>
-              <a:ext uri="{FF2B5EF4-FFF2-40B4-BE49-F238E27FC236}">
-                <a16:creationId xmlns:a16="http://schemas.microsoft.com/office/drawing/2014/main" id="{B1B74E42-48DE-029E-F55A-EFC12117B168}"/>
-              </a:ext>
-            </a:extLst>
-          </p:cNvPr>
-          <p:cNvPicPr>
-            <a:picLocks noChangeAspect="1"/>
-          </p:cNvPicPr>
-          <p:nvPr/>
-        </p:nvPicPr>
-        <p:blipFill>
-          <a:blip r:embed="rId2">
-            <a:extLst>
-              <a:ext uri="{28A0092B-C50C-407E-A947-70E740481C1C}">
-                <a14:useLocalDpi xmlns:a14="http://schemas.microsoft.com/office/drawing/2010/main" val="0"/>
-              </a:ext>
-            </a:extLst>
-          </a:blip>
-          <a:srcRect/>
-          <a:stretch>
-            <a:fillRect/>
-          </a:stretch>
-        </p:blipFill>
-        <p:spPr bwMode="auto">
-          <a:xfrm>
-            <a:off x="3608382" y="3429000"/>
-            <a:ext cx="4359937" cy="1355481"/>
-          </a:xfrm>
-          <a:prstGeom prst="rect">
-            <a:avLst/>
-          </a:prstGeom>
-          <a:noFill/>
-          <a:ln>
-            <a:noFill/>
-          </a:ln>
-        </p:spPr>
-      </p:pic>
-    </p:spTree>
-    <p:extLst>
-      <p:ext uri="{BB962C8B-B14F-4D97-AF65-F5344CB8AC3E}">
-        <p14:creationId xmlns:p14="http://schemas.microsoft.com/office/powerpoint/2010/main" val="2158900547"/>
-      </p:ext>
-    </p:extLst>
-  </p:cSld>
-  <p:clrMapOvr>
-    <a:masterClrMapping/>
-  </p:clrMapOvr>
-</p:sld>
-</file>
-
-<file path=ppt/slides/slide5.xml><?xml version="1.0" encoding="utf-8"?>
-<p:sld xmlns:a="http://schemas.openxmlformats.org/drawingml/2006/main" xmlns:r="http://schemas.openxmlformats.org/officeDocument/2006/relationships" xmlns:p="http://schemas.openxmlformats.org/presentationml/2006/main">
-  <p:cSld>
-    <p:spTree>
-      <p:nvGrpSpPr>
-        <p:cNvPr id="1" name=""/>
-        <p:cNvGrpSpPr/>
-        <p:nvPr/>
-      </p:nvGrpSpPr>
-      <p:grpSpPr>
-        <a:xfrm>
-          <a:off x="0" y="0"/>
-          <a:ext cx="0" cy="0"/>
-          <a:chOff x="0" y="0"/>
-          <a:chExt cx="0" cy="0"/>
-        </a:xfrm>
-      </p:grpSpPr>
-      <p:sp>
-        <p:nvSpPr>
-          <p:cNvPr id="2" name="Título 1">
-            <a:extLst>
-              <a:ext uri="{FF2B5EF4-FFF2-40B4-BE49-F238E27FC236}">
-                <a16:creationId xmlns:a16="http://schemas.microsoft.com/office/drawing/2014/main" id="{8D3FA761-08B7-45D9-F3E8-04323A55D0BF}"/>
-              </a:ext>
-            </a:extLst>
-          </p:cNvPr>
-          <p:cNvSpPr>
-            <a:spLocks noGrp="1"/>
-          </p:cNvSpPr>
-          <p:nvPr>
-            <p:ph type="title"/>
-          </p:nvPr>
-        </p:nvSpPr>
-        <p:spPr/>
-        <p:txBody>
-          <a:bodyPr>
-            <a:normAutofit/>
-          </a:bodyPr>
-          <a:lstStyle/>
-          <a:p>
-            <a:r>
-              <a:rPr lang="pt-BR" sz="3200" dirty="0"/>
-              <a:t>Preparação dos dados - balanceamento</a:t>
-            </a:r>
-          </a:p>
-        </p:txBody>
-      </p:sp>
-      <p:sp>
-        <p:nvSpPr>
-          <p:cNvPr id="3" name="Espaço Reservado para Conteúdo 2">
-            <a:extLst>
-              <a:ext uri="{FF2B5EF4-FFF2-40B4-BE49-F238E27FC236}">
-                <a16:creationId xmlns:a16="http://schemas.microsoft.com/office/drawing/2014/main" id="{F86AB755-B867-90E9-6738-B6EAF65FA8C4}"/>
-              </a:ext>
-            </a:extLst>
-          </p:cNvPr>
-          <p:cNvSpPr>
-            <a:spLocks noGrp="1"/>
-          </p:cNvSpPr>
-          <p:nvPr>
-            <p:ph idx="1"/>
-          </p:nvPr>
-        </p:nvSpPr>
-        <p:spPr/>
-        <p:txBody>
-          <a:bodyPr>
-            <a:normAutofit/>
-          </a:bodyPr>
-          <a:lstStyle/>
-          <a:p>
-            <a:pPr marL="0" lvl="0" indent="0" algn="just">
-              <a:lnSpc>
-                <a:spcPct val="150000"/>
-              </a:lnSpc>
-              <a:spcAft>
-                <a:spcPts val="800"/>
-              </a:spcAft>
-              <a:buNone/>
-            </a:pPr>
-            <a:endParaRPr lang="pt-BR" dirty="0"/>
-          </a:p>
-          <a:p>
-            <a:pPr marL="0" lvl="0" indent="0" algn="just">
-              <a:lnSpc>
-                <a:spcPct val="150000"/>
-              </a:lnSpc>
-              <a:spcAft>
-                <a:spcPts val="800"/>
-              </a:spcAft>
-              <a:buNone/>
-            </a:pPr>
-            <a:r>
-              <a:rPr lang="pt-BR" sz="1800" dirty="0">
-                <a:effectLst/>
-                <a:latin typeface="Times New Roman" panose="02020603050405020304" pitchFamily="18" charset="0"/>
-                <a:ea typeface="Calibri" panose="020F0502020204030204" pitchFamily="34" charset="0"/>
-                <a:cs typeface="Times New Roman" panose="02020603050405020304" pitchFamily="18" charset="0"/>
-              </a:rPr>
-              <a:t>2. Subamostragem do conjunto de dados da classe </a:t>
-            </a:r>
-            <a:r>
-              <a:rPr lang="pt-BR" sz="1800" i="1" dirty="0">
-                <a:effectLst/>
-                <a:latin typeface="Times New Roman" panose="02020603050405020304" pitchFamily="18" charset="0"/>
-                <a:ea typeface="Calibri" panose="020F0502020204030204" pitchFamily="34" charset="0"/>
-                <a:cs typeface="Times New Roman" panose="02020603050405020304" pitchFamily="18" charset="0"/>
-              </a:rPr>
-              <a:t>não AVC</a:t>
-            </a:r>
-            <a:r>
-              <a:rPr lang="pt-BR" sz="1800" dirty="0">
-                <a:effectLst/>
-                <a:latin typeface="Times New Roman" panose="02020603050405020304" pitchFamily="18" charset="0"/>
-                <a:ea typeface="Calibri" panose="020F0502020204030204" pitchFamily="34" charset="0"/>
-                <a:cs typeface="Times New Roman" panose="02020603050405020304" pitchFamily="18" charset="0"/>
-              </a:rPr>
-              <a:t>:</a:t>
-            </a:r>
-            <a:endParaRPr lang="pt-BR" sz="1800" dirty="0">
-              <a:effectLst/>
-              <a:latin typeface="Calibri" panose="020F0502020204030204" pitchFamily="34" charset="0"/>
-              <a:ea typeface="Calibri" panose="020F0502020204030204" pitchFamily="34" charset="0"/>
-              <a:cs typeface="Times New Roman" panose="02020603050405020304" pitchFamily="18" charset="0"/>
-            </a:endParaRPr>
-          </a:p>
-          <a:p>
-            <a:endParaRPr lang="pt-BR" dirty="0">
-              <a:latin typeface="Times New Roman" panose="02020603050405020304" pitchFamily="18" charset="0"/>
-              <a:ea typeface="Calibri" panose="020F0502020204030204" pitchFamily="34" charset="0"/>
-              <a:cs typeface="Times New Roman" panose="02020603050405020304" pitchFamily="18" charset="0"/>
-            </a:endParaRPr>
-          </a:p>
-        </p:txBody>
-      </p:sp>
-      <p:pic>
-        <p:nvPicPr>
-          <p:cNvPr id="4" name="Imagem 3">
-            <a:extLst>
-              <a:ext uri="{FF2B5EF4-FFF2-40B4-BE49-F238E27FC236}">
-                <a16:creationId xmlns:a16="http://schemas.microsoft.com/office/drawing/2014/main" id="{E0517B1F-5D95-0618-EA79-B4C3568A35E0}"/>
-              </a:ext>
-            </a:extLst>
-          </p:cNvPr>
-          <p:cNvPicPr>
-            <a:picLocks noChangeAspect="1"/>
-          </p:cNvPicPr>
-          <p:nvPr/>
-        </p:nvPicPr>
-        <p:blipFill>
-          <a:blip r:embed="rId2">
-            <a:extLst>
-              <a:ext uri="{28A0092B-C50C-407E-A947-70E740481C1C}">
-                <a14:useLocalDpi xmlns:a14="http://schemas.microsoft.com/office/drawing/2010/main" val="0"/>
-              </a:ext>
-            </a:extLst>
-          </a:blip>
-          <a:srcRect/>
-          <a:stretch>
-            <a:fillRect/>
-          </a:stretch>
-        </p:blipFill>
-        <p:spPr bwMode="auto">
-          <a:xfrm>
-            <a:off x="3560253" y="3429000"/>
-            <a:ext cx="4241510" cy="1295046"/>
-          </a:xfrm>
-          <a:prstGeom prst="rect">
-            <a:avLst/>
-          </a:prstGeom>
-          <a:noFill/>
-          <a:ln>
-            <a:noFill/>
-          </a:ln>
-        </p:spPr>
-      </p:pic>
-    </p:spTree>
-    <p:extLst>
-      <p:ext uri="{BB962C8B-B14F-4D97-AF65-F5344CB8AC3E}">
-        <p14:creationId xmlns:p14="http://schemas.microsoft.com/office/powerpoint/2010/main" val="2981701091"/>
-      </p:ext>
-    </p:extLst>
-  </p:cSld>
-  <p:clrMapOvr>
-    <a:masterClrMapping/>
-  </p:clrMapOvr>
-</p:sld>
-</file>
-
-<file path=ppt/slides/slide6.xml><?xml version="1.0" encoding="utf-8"?>
-<p:sld xmlns:a="http://schemas.openxmlformats.org/drawingml/2006/main" xmlns:r="http://schemas.openxmlformats.org/officeDocument/2006/relationships" xmlns:p="http://schemas.openxmlformats.org/presentationml/2006/main">
-  <p:cSld>
-    <p:spTree>
-      <p:nvGrpSpPr>
-        <p:cNvPr id="1" name=""/>
-        <p:cNvGrpSpPr/>
-        <p:nvPr/>
-      </p:nvGrpSpPr>
-      <p:grpSpPr>
-        <a:xfrm>
-          <a:off x="0" y="0"/>
-          <a:ext cx="0" cy="0"/>
-          <a:chOff x="0" y="0"/>
-          <a:chExt cx="0" cy="0"/>
-        </a:xfrm>
-      </p:grpSpPr>
-      <p:sp>
-        <p:nvSpPr>
-          <p:cNvPr id="2" name="Título 1">
-            <a:extLst>
-              <a:ext uri="{FF2B5EF4-FFF2-40B4-BE49-F238E27FC236}">
-                <a16:creationId xmlns:a16="http://schemas.microsoft.com/office/drawing/2014/main" id="{8D3FA761-08B7-45D9-F3E8-04323A55D0BF}"/>
-              </a:ext>
-            </a:extLst>
-          </p:cNvPr>
-          <p:cNvSpPr>
-            <a:spLocks noGrp="1"/>
-          </p:cNvSpPr>
-          <p:nvPr>
-            <p:ph type="title"/>
-          </p:nvPr>
-        </p:nvSpPr>
-        <p:spPr/>
-        <p:txBody>
-          <a:bodyPr>
-            <a:normAutofit/>
-          </a:bodyPr>
-          <a:lstStyle/>
-          <a:p>
-            <a:r>
-              <a:rPr lang="pt-BR" sz="3200" dirty="0"/>
-              <a:t>Preparação dos dados - balanceamento</a:t>
-            </a:r>
-          </a:p>
-        </p:txBody>
-      </p:sp>
-      <p:sp>
-        <p:nvSpPr>
-          <p:cNvPr id="3" name="Espaço Reservado para Conteúdo 2">
-            <a:extLst>
-              <a:ext uri="{FF2B5EF4-FFF2-40B4-BE49-F238E27FC236}">
-                <a16:creationId xmlns:a16="http://schemas.microsoft.com/office/drawing/2014/main" id="{F86AB755-B867-90E9-6738-B6EAF65FA8C4}"/>
-              </a:ext>
-            </a:extLst>
-          </p:cNvPr>
-          <p:cNvSpPr>
-            <a:spLocks noGrp="1"/>
-          </p:cNvSpPr>
-          <p:nvPr>
-            <p:ph idx="1"/>
-          </p:nvPr>
-        </p:nvSpPr>
-        <p:spPr/>
-        <p:txBody>
-          <a:bodyPr>
-            <a:normAutofit/>
-          </a:bodyPr>
-          <a:lstStyle/>
-          <a:p>
-            <a:pPr marL="0" lvl="0" indent="0" algn="just">
-              <a:lnSpc>
-                <a:spcPct val="150000"/>
-              </a:lnSpc>
-              <a:spcAft>
-                <a:spcPts val="800"/>
-              </a:spcAft>
-              <a:buNone/>
-            </a:pPr>
-            <a:endParaRPr lang="pt-BR" dirty="0"/>
-          </a:p>
-          <a:p>
-            <a:pPr marL="0" lvl="0" indent="0" algn="just">
-              <a:lnSpc>
-                <a:spcPct val="150000"/>
-              </a:lnSpc>
-              <a:spcAft>
-                <a:spcPts val="800"/>
-              </a:spcAft>
-              <a:buNone/>
-            </a:pPr>
-            <a:r>
-              <a:rPr lang="pt-BR" dirty="0">
-                <a:latin typeface="Times New Roman" panose="02020603050405020304" pitchFamily="18" charset="0"/>
-                <a:ea typeface="Calibri" panose="020F0502020204030204" pitchFamily="34" charset="0"/>
-                <a:cs typeface="Times New Roman" panose="02020603050405020304" pitchFamily="18" charset="0"/>
-              </a:rPr>
-              <a:t>3</a:t>
-            </a:r>
-            <a:r>
-              <a:rPr lang="pt-BR" sz="1800" dirty="0">
-                <a:effectLst/>
-                <a:latin typeface="Times New Roman" panose="02020603050405020304" pitchFamily="18" charset="0"/>
-                <a:ea typeface="Calibri" panose="020F0502020204030204" pitchFamily="34" charset="0"/>
-                <a:cs typeface="Times New Roman" panose="02020603050405020304" pitchFamily="18" charset="0"/>
-              </a:rPr>
-              <a:t>. Junção do conjunto de dados da classe </a:t>
-            </a:r>
-            <a:r>
-              <a:rPr lang="pt-BR" sz="1800" i="1" dirty="0">
-                <a:effectLst/>
-                <a:latin typeface="Times New Roman" panose="02020603050405020304" pitchFamily="18" charset="0"/>
-                <a:ea typeface="Calibri" panose="020F0502020204030204" pitchFamily="34" charset="0"/>
-                <a:cs typeface="Times New Roman" panose="02020603050405020304" pitchFamily="18" charset="0"/>
-              </a:rPr>
-              <a:t>AVC</a:t>
-            </a:r>
-            <a:r>
-              <a:rPr lang="pt-BR" sz="1800" dirty="0">
-                <a:effectLst/>
-                <a:latin typeface="Times New Roman" panose="02020603050405020304" pitchFamily="18" charset="0"/>
-                <a:ea typeface="Calibri" panose="020F0502020204030204" pitchFamily="34" charset="0"/>
-                <a:cs typeface="Times New Roman" panose="02020603050405020304" pitchFamily="18" charset="0"/>
-              </a:rPr>
-              <a:t> com o novo conjunto de dados da classe </a:t>
-            </a:r>
-            <a:r>
-              <a:rPr lang="pt-BR" sz="1800" i="1" dirty="0">
-                <a:effectLst/>
-                <a:latin typeface="Times New Roman" panose="02020603050405020304" pitchFamily="18" charset="0"/>
-                <a:ea typeface="Calibri" panose="020F0502020204030204" pitchFamily="34" charset="0"/>
-                <a:cs typeface="Times New Roman" panose="02020603050405020304" pitchFamily="18" charset="0"/>
-              </a:rPr>
-              <a:t>não AVC</a:t>
-            </a:r>
-            <a:r>
-              <a:rPr lang="pt-BR" sz="1800" dirty="0">
-                <a:effectLst/>
-                <a:latin typeface="Times New Roman" panose="02020603050405020304" pitchFamily="18" charset="0"/>
-                <a:ea typeface="Calibri" panose="020F0502020204030204" pitchFamily="34" charset="0"/>
-                <a:cs typeface="Times New Roman" panose="02020603050405020304" pitchFamily="18" charset="0"/>
-              </a:rPr>
-              <a:t>:</a:t>
-            </a:r>
-            <a:endParaRPr lang="pt-BR" sz="1800" dirty="0">
-              <a:effectLst/>
-              <a:latin typeface="Calibri" panose="020F0502020204030204" pitchFamily="34" charset="0"/>
-              <a:ea typeface="Calibri" panose="020F0502020204030204" pitchFamily="34" charset="0"/>
-              <a:cs typeface="Times New Roman" panose="02020603050405020304" pitchFamily="18" charset="0"/>
-            </a:endParaRPr>
-          </a:p>
-          <a:p>
-            <a:endParaRPr lang="pt-BR" dirty="0">
-              <a:latin typeface="Times New Roman" panose="02020603050405020304" pitchFamily="18" charset="0"/>
-              <a:ea typeface="Calibri" panose="020F0502020204030204" pitchFamily="34" charset="0"/>
-              <a:cs typeface="Times New Roman" panose="02020603050405020304" pitchFamily="18" charset="0"/>
-            </a:endParaRPr>
-          </a:p>
-        </p:txBody>
-      </p:sp>
-      <p:pic>
-        <p:nvPicPr>
-          <p:cNvPr id="4" name="Imagem 3">
-            <a:extLst>
-              <a:ext uri="{FF2B5EF4-FFF2-40B4-BE49-F238E27FC236}">
-                <a16:creationId xmlns:a16="http://schemas.microsoft.com/office/drawing/2014/main" id="{7EC035F8-DC41-14DF-61F6-E45AE0346413}"/>
-              </a:ext>
-            </a:extLst>
-          </p:cNvPr>
-          <p:cNvPicPr>
-            <a:picLocks noChangeAspect="1"/>
-          </p:cNvPicPr>
-          <p:nvPr/>
-        </p:nvPicPr>
-        <p:blipFill>
-          <a:blip r:embed="rId2">
-            <a:extLst>
-              <a:ext uri="{28A0092B-C50C-407E-A947-70E740481C1C}">
-                <a14:useLocalDpi xmlns:a14="http://schemas.microsoft.com/office/drawing/2010/main" val="0"/>
-              </a:ext>
-            </a:extLst>
-          </a:blip>
-          <a:srcRect/>
-          <a:stretch>
-            <a:fillRect/>
-          </a:stretch>
-        </p:blipFill>
-        <p:spPr bwMode="auto">
-          <a:xfrm>
-            <a:off x="3386803" y="3546446"/>
-            <a:ext cx="4118383" cy="1319169"/>
-          </a:xfrm>
-          <a:prstGeom prst="rect">
-            <a:avLst/>
-          </a:prstGeom>
-          <a:noFill/>
-          <a:ln>
-            <a:noFill/>
-          </a:ln>
-        </p:spPr>
-      </p:pic>
-    </p:spTree>
-    <p:extLst>
-      <p:ext uri="{BB962C8B-B14F-4D97-AF65-F5344CB8AC3E}">
-        <p14:creationId xmlns:p14="http://schemas.microsoft.com/office/powerpoint/2010/main" val="3110985787"/>
-      </p:ext>
-    </p:extLst>
-  </p:cSld>
-  <p:clrMapOvr>
-    <a:masterClrMapping/>
-  </p:clrMapOvr>
-</p:sld>
-</file>
-
-<file path=ppt/slides/slide7.xml><?xml version="1.0" encoding="utf-8"?>
-<p:sld xmlns:a="http://schemas.openxmlformats.org/drawingml/2006/main" xmlns:r="http://schemas.openxmlformats.org/officeDocument/2006/relationships" xmlns:p="http://schemas.openxmlformats.org/presentationml/2006/main">
-  <p:cSld>
-    <p:spTree>
-      <p:nvGrpSpPr>
-        <p:cNvPr id="1" name=""/>
-        <p:cNvGrpSpPr/>
-        <p:nvPr/>
-      </p:nvGrpSpPr>
-      <p:grpSpPr>
-        <a:xfrm>
-          <a:off x="0" y="0"/>
-          <a:ext cx="0" cy="0"/>
-          <a:chOff x="0" y="0"/>
-          <a:chExt cx="0" cy="0"/>
-        </a:xfrm>
-      </p:grpSpPr>
-      <p:sp>
-        <p:nvSpPr>
-          <p:cNvPr id="2" name="Título 1">
-            <a:extLst>
-              <a:ext uri="{FF2B5EF4-FFF2-40B4-BE49-F238E27FC236}">
                 <a16:creationId xmlns:a16="http://schemas.microsoft.com/office/drawing/2014/main" id="{84149C11-9ED8-0425-6D7E-35F12A43F9AA}"/>
               </a:ext>
             </a:extLst>
@@ -4536,173 +3641,27 @@
           </a:p>
           <a:p>
             <a:r>
-              <a:rPr lang="pt-BR" sz="1800" dirty="0">
-                <a:effectLst/>
+              <a:rPr lang="pt-BR" dirty="0">
                 <a:latin typeface="Times New Roman" panose="02020603050405020304" pitchFamily="18" charset="0"/>
                 <a:ea typeface="Calibri" panose="020F0502020204030204" pitchFamily="34" charset="0"/>
               </a:rPr>
-              <a:t>Maioria dos algoritmos de Machine Learning conseguem trabalhar apenas com atributos de formato numérico</a:t>
+              <a:t>Correção para variáveis de texto com</a:t>
+            </a:r>
+            <a:r>
+              <a:rPr lang="pt-BR" sz="1800" dirty="0">
+                <a:effectLst/>
+                <a:latin typeface="Times New Roman" panose="02020603050405020304" pitchFamily="18" charset="0"/>
+                <a:ea typeface="Calibri" panose="020F0502020204030204" pitchFamily="34" charset="0"/>
+              </a:rPr>
+              <a:t> apenas dois possíveis valores: </a:t>
             </a:r>
           </a:p>
           <a:p>
             <a:endParaRPr lang="pt-BR" dirty="0">
               <a:latin typeface="Times New Roman" panose="02020603050405020304" pitchFamily="18" charset="0"/>
+              <a:ea typeface="Calibri" panose="020F0502020204030204" pitchFamily="34" charset="0"/>
             </a:endParaRPr>
           </a:p>
-          <a:p>
-            <a:endParaRPr lang="pt-BR" dirty="0"/>
-          </a:p>
-        </p:txBody>
-      </p:sp>
-      <p:sp>
-        <p:nvSpPr>
-          <p:cNvPr id="5" name="Rectangle 1">
-            <a:extLst>
-              <a:ext uri="{FF2B5EF4-FFF2-40B4-BE49-F238E27FC236}">
-                <a16:creationId xmlns:a16="http://schemas.microsoft.com/office/drawing/2014/main" id="{85D00092-D8EB-D925-D7FC-6B258B56F7EF}"/>
-              </a:ext>
-            </a:extLst>
-          </p:cNvPr>
-          <p:cNvSpPr>
-            <a:spLocks noChangeArrowheads="1"/>
-          </p:cNvSpPr>
-          <p:nvPr/>
-        </p:nvSpPr>
-        <p:spPr bwMode="auto">
-          <a:xfrm>
-            <a:off x="4179072" y="2728484"/>
-            <a:ext cx="15707208" cy="204983"/>
-          </a:xfrm>
-          <a:prstGeom prst="rect">
-            <a:avLst/>
-          </a:prstGeom>
-          <a:noFill/>
-          <a:ln>
-            <a:noFill/>
-          </a:ln>
-          <a:effectLst/>
-          <a:extLst>
-            <a:ext uri="{909E8E84-426E-40DD-AFC4-6F175D3DCCD1}">
-              <a14:hiddenFill xmlns:a14="http://schemas.microsoft.com/office/drawing/2010/main">
-                <a:solidFill>
-                  <a:schemeClr val="accent1"/>
-                </a:solidFill>
-              </a14:hiddenFill>
-            </a:ext>
-            <a:ext uri="{91240B29-F687-4F45-9708-019B960494DF}">
-              <a14:hiddenLine xmlns:a14="http://schemas.microsoft.com/office/drawing/2010/main" w="9525">
-                <a:solidFill>
-                  <a:schemeClr val="tx1"/>
-                </a:solidFill>
-                <a:miter lim="800000"/>
-                <a:headEnd/>
-                <a:tailEnd/>
-              </a14:hiddenLine>
-            </a:ext>
-            <a:ext uri="{AF507438-7753-43E0-B8FC-AC1667EBCBE1}">
-              <a14:hiddenEffects xmlns:a14="http://schemas.microsoft.com/office/drawing/2010/main">
-                <a:effectLst>
-                  <a:outerShdw dist="35921" dir="2700000" algn="ctr" rotWithShape="0">
-                    <a:schemeClr val="bg2"/>
-                  </a:outerShdw>
-                </a:effectLst>
-              </a14:hiddenEffects>
-            </a:ext>
-          </a:extLst>
-        </p:spPr>
-        <p:txBody>
-          <a:bodyPr vert="horz" wrap="square" lIns="91440" tIns="45720" rIns="91440" bIns="45720" numCol="1" anchor="ctr" anchorCtr="0" compatLnSpc="1">
-            <a:prstTxWarp prst="textNoShape">
-              <a:avLst/>
-            </a:prstTxWarp>
-            <a:spAutoFit/>
-          </a:bodyPr>
-          <a:lstStyle/>
-          <a:p>
-            <a:endParaRPr lang="pt-BR"/>
-          </a:p>
-        </p:txBody>
-      </p:sp>
-    </p:spTree>
-    <p:extLst>
-      <p:ext uri="{BB962C8B-B14F-4D97-AF65-F5344CB8AC3E}">
-        <p14:creationId xmlns:p14="http://schemas.microsoft.com/office/powerpoint/2010/main" val="129950208"/>
-      </p:ext>
-    </p:extLst>
-  </p:cSld>
-  <p:clrMapOvr>
-    <a:masterClrMapping/>
-  </p:clrMapOvr>
-</p:sld>
-</file>
-
-<file path=ppt/slides/slide8.xml><?xml version="1.0" encoding="utf-8"?>
-<p:sld xmlns:a="http://schemas.openxmlformats.org/drawingml/2006/main" xmlns:r="http://schemas.openxmlformats.org/officeDocument/2006/relationships" xmlns:p="http://schemas.openxmlformats.org/presentationml/2006/main">
-  <p:cSld>
-    <p:spTree>
-      <p:nvGrpSpPr>
-        <p:cNvPr id="1" name=""/>
-        <p:cNvGrpSpPr/>
-        <p:nvPr/>
-      </p:nvGrpSpPr>
-      <p:grpSpPr>
-        <a:xfrm>
-          <a:off x="0" y="0"/>
-          <a:ext cx="0" cy="0"/>
-          <a:chOff x="0" y="0"/>
-          <a:chExt cx="0" cy="0"/>
-        </a:xfrm>
-      </p:grpSpPr>
-      <p:sp>
-        <p:nvSpPr>
-          <p:cNvPr id="2" name="Título 1">
-            <a:extLst>
-              <a:ext uri="{FF2B5EF4-FFF2-40B4-BE49-F238E27FC236}">
-                <a16:creationId xmlns:a16="http://schemas.microsoft.com/office/drawing/2014/main" id="{84149C11-9ED8-0425-6D7E-35F12A43F9AA}"/>
-              </a:ext>
-            </a:extLst>
-          </p:cNvPr>
-          <p:cNvSpPr>
-            <a:spLocks noGrp="1"/>
-          </p:cNvSpPr>
-          <p:nvPr>
-            <p:ph type="title"/>
-          </p:nvPr>
-        </p:nvSpPr>
-        <p:spPr/>
-        <p:txBody>
-          <a:bodyPr>
-            <a:normAutofit/>
-          </a:bodyPr>
-          <a:lstStyle/>
-          <a:p>
-            <a:r>
-              <a:rPr lang="pt-BR" sz="3200" dirty="0"/>
-              <a:t>Preparação dos dados – correção de formato</a:t>
-            </a:r>
-          </a:p>
-        </p:txBody>
-      </p:sp>
-      <p:sp>
-        <p:nvSpPr>
-          <p:cNvPr id="3" name="Espaço Reservado para Conteúdo 2">
-            <a:extLst>
-              <a:ext uri="{FF2B5EF4-FFF2-40B4-BE49-F238E27FC236}">
-                <a16:creationId xmlns:a16="http://schemas.microsoft.com/office/drawing/2014/main" id="{ED5B44EC-AFD8-9AA1-FDE4-CBCB7A90067F}"/>
-              </a:ext>
-            </a:extLst>
-          </p:cNvPr>
-          <p:cNvSpPr>
-            <a:spLocks noGrp="1"/>
-          </p:cNvSpPr>
-          <p:nvPr>
-            <p:ph idx="1"/>
-          </p:nvPr>
-        </p:nvSpPr>
-        <p:spPr/>
-        <p:txBody>
-          <a:bodyPr/>
-          <a:lstStyle/>
           <a:p>
             <a:endParaRPr lang="pt-BR" sz="1800" dirty="0">
               <a:effectLst/>
@@ -4711,23 +3670,6 @@
             </a:endParaRPr>
           </a:p>
           <a:p>
-            <a:r>
-              <a:rPr lang="pt-BR" dirty="0">
-                <a:latin typeface="Times New Roman" panose="02020603050405020304" pitchFamily="18" charset="0"/>
-                <a:ea typeface="Calibri" panose="020F0502020204030204" pitchFamily="34" charset="0"/>
-              </a:rPr>
-              <a:t>Correção para variáveis com</a:t>
-            </a:r>
-            <a:r>
-              <a:rPr lang="pt-BR" sz="1800" dirty="0">
-                <a:effectLst/>
-                <a:latin typeface="Times New Roman" panose="02020603050405020304" pitchFamily="18" charset="0"/>
-                <a:ea typeface="Calibri" panose="020F0502020204030204" pitchFamily="34" charset="0"/>
-              </a:rPr>
-              <a:t> apenas dois possíveis valores: </a:t>
-            </a:r>
-          </a:p>
-          <a:p>
             <a:endParaRPr lang="pt-BR" dirty="0">
               <a:latin typeface="Times New Roman" panose="02020603050405020304" pitchFamily="18" charset="0"/>
               <a:ea typeface="Calibri" panose="020F0502020204030204" pitchFamily="34" charset="0"/>
@@ -4754,19 +3696,6 @@
             </a:endParaRPr>
           </a:p>
           <a:p>
-            <a:endParaRPr lang="pt-BR" dirty="0">
-              <a:latin typeface="Times New Roman" panose="02020603050405020304" pitchFamily="18" charset="0"/>
-              <a:ea typeface="Calibri" panose="020F0502020204030204" pitchFamily="34" charset="0"/>
-            </a:endParaRPr>
-          </a:p>
-          <a:p>
-            <a:endParaRPr lang="pt-BR" sz="1800" dirty="0">
-              <a:effectLst/>
-              <a:latin typeface="Times New Roman" panose="02020603050405020304" pitchFamily="18" charset="0"/>
-              <a:ea typeface="Calibri" panose="020F0502020204030204" pitchFamily="34" charset="0"/>
-            </a:endParaRPr>
-          </a:p>
-          <a:p>
             <a:pPr marL="0" indent="0">
               <a:buNone/>
             </a:pPr>
@@ -4782,114 +3711,6 @@
           </a:p>
         </p:txBody>
       </p:sp>
-      <p:sp>
-        <p:nvSpPr>
-          <p:cNvPr id="5" name="Rectangle 1">
-            <a:extLst>
-              <a:ext uri="{FF2B5EF4-FFF2-40B4-BE49-F238E27FC236}">
-                <a16:creationId xmlns:a16="http://schemas.microsoft.com/office/drawing/2014/main" id="{85D00092-D8EB-D925-D7FC-6B258B56F7EF}"/>
-              </a:ext>
-            </a:extLst>
-          </p:cNvPr>
-          <p:cNvSpPr>
-            <a:spLocks noChangeArrowheads="1"/>
-          </p:cNvSpPr>
-          <p:nvPr/>
-        </p:nvSpPr>
-        <p:spPr bwMode="auto">
-          <a:xfrm>
-            <a:off x="4179072" y="2728484"/>
-            <a:ext cx="15707208" cy="204983"/>
-          </a:xfrm>
-          <a:prstGeom prst="rect">
-            <a:avLst/>
-          </a:prstGeom>
-          <a:noFill/>
-          <a:ln>
-            <a:noFill/>
-          </a:ln>
-          <a:effectLst/>
-          <a:extLst>
-            <a:ext uri="{909E8E84-426E-40DD-AFC4-6F175D3DCCD1}">
-              <a14:hiddenFill xmlns:a14="http://schemas.microsoft.com/office/drawing/2010/main">
-                <a:solidFill>
-                  <a:schemeClr val="accent1"/>
-                </a:solidFill>
-              </a14:hiddenFill>
-            </a:ext>
-            <a:ext uri="{91240B29-F687-4F45-9708-019B960494DF}">
-              <a14:hiddenLine xmlns:a14="http://schemas.microsoft.com/office/drawing/2010/main" w="9525">
-                <a:solidFill>
-                  <a:schemeClr val="tx1"/>
-                </a:solidFill>
-                <a:miter lim="800000"/>
-                <a:headEnd/>
-                <a:tailEnd/>
-              </a14:hiddenLine>
-            </a:ext>
-            <a:ext uri="{AF507438-7753-43E0-B8FC-AC1667EBCBE1}">
-              <a14:hiddenEffects xmlns:a14="http://schemas.microsoft.com/office/drawing/2010/main">
-                <a:effectLst>
-                  <a:outerShdw dist="35921" dir="2700000" algn="ctr" rotWithShape="0">
-                    <a:schemeClr val="bg2"/>
-                  </a:outerShdw>
-                </a:effectLst>
-              </a14:hiddenEffects>
-            </a:ext>
-          </a:extLst>
-        </p:spPr>
-        <p:txBody>
-          <a:bodyPr vert="horz" wrap="square" lIns="91440" tIns="45720" rIns="91440" bIns="45720" numCol="1" anchor="ctr" anchorCtr="0" compatLnSpc="1">
-            <a:prstTxWarp prst="textNoShape">
-              <a:avLst/>
-            </a:prstTxWarp>
-            <a:spAutoFit/>
-          </a:bodyPr>
-          <a:lstStyle/>
-          <a:p>
-            <a:endParaRPr lang="pt-BR"/>
-          </a:p>
-        </p:txBody>
-      </p:sp>
-      <p:cxnSp>
-        <p:nvCxnSpPr>
-          <p:cNvPr id="6" name="Conector de Seta Reta 5">
-            <a:extLst>
-              <a:ext uri="{FF2B5EF4-FFF2-40B4-BE49-F238E27FC236}">
-                <a16:creationId xmlns:a16="http://schemas.microsoft.com/office/drawing/2014/main" id="{8C10FCA6-B25A-563B-F997-451A19197550}"/>
-              </a:ext>
-            </a:extLst>
-          </p:cNvPr>
-          <p:cNvCxnSpPr/>
-          <p:nvPr/>
-        </p:nvCxnSpPr>
-        <p:spPr>
-          <a:xfrm>
-            <a:off x="11025188" y="13542040"/>
-            <a:ext cx="952500" cy="0"/>
-          </a:xfrm>
-          <a:prstGeom prst="straightConnector1">
-            <a:avLst/>
-          </a:prstGeom>
-          <a:ln>
-            <a:tailEnd type="triangle"/>
-          </a:ln>
-        </p:spPr>
-        <p:style>
-          <a:lnRef idx="1">
-            <a:schemeClr val="dk1"/>
-          </a:lnRef>
-          <a:fillRef idx="0">
-            <a:schemeClr val="dk1"/>
-          </a:fillRef>
-          <a:effectRef idx="0">
-            <a:schemeClr val="dk1"/>
-          </a:effectRef>
-          <a:fontRef idx="minor">
-            <a:schemeClr val="tx1"/>
-          </a:fontRef>
-        </p:style>
-      </p:cxnSp>
       <p:sp>
         <p:nvSpPr>
           <p:cNvPr id="7" name="Rectangle 2">
@@ -5410,6 +4231,4850 @@
     <p:extLst>
       <p:ext uri="{BB962C8B-B14F-4D97-AF65-F5344CB8AC3E}">
         <p14:creationId xmlns:p14="http://schemas.microsoft.com/office/powerpoint/2010/main" val="2668680467"/>
+      </p:ext>
+    </p:extLst>
+  </p:cSld>
+  <p:clrMapOvr>
+    <a:masterClrMapping/>
+  </p:clrMapOvr>
+</p:sld>
+</file>
+
+<file path=ppt/slides/slide11.xml><?xml version="1.0" encoding="utf-8"?>
+<p:sld xmlns:a="http://schemas.openxmlformats.org/drawingml/2006/main" xmlns:r="http://schemas.openxmlformats.org/officeDocument/2006/relationships" xmlns:p="http://schemas.openxmlformats.org/presentationml/2006/main">
+  <p:cSld>
+    <p:spTree>
+      <p:nvGrpSpPr>
+        <p:cNvPr id="1" name=""/>
+        <p:cNvGrpSpPr/>
+        <p:nvPr/>
+      </p:nvGrpSpPr>
+      <p:grpSpPr>
+        <a:xfrm>
+          <a:off x="0" y="0"/>
+          <a:ext cx="0" cy="0"/>
+          <a:chOff x="0" y="0"/>
+          <a:chExt cx="0" cy="0"/>
+        </a:xfrm>
+      </p:grpSpPr>
+      <p:sp>
+        <p:nvSpPr>
+          <p:cNvPr id="2" name="Título 1">
+            <a:extLst>
+              <a:ext uri="{FF2B5EF4-FFF2-40B4-BE49-F238E27FC236}">
+                <a16:creationId xmlns:a16="http://schemas.microsoft.com/office/drawing/2014/main" id="{84149C11-9ED8-0425-6D7E-35F12A43F9AA}"/>
+              </a:ext>
+            </a:extLst>
+          </p:cNvPr>
+          <p:cNvSpPr>
+            <a:spLocks noGrp="1"/>
+          </p:cNvSpPr>
+          <p:nvPr>
+            <p:ph type="title"/>
+          </p:nvPr>
+        </p:nvSpPr>
+        <p:spPr/>
+        <p:txBody>
+          <a:bodyPr>
+            <a:normAutofit/>
+          </a:bodyPr>
+          <a:lstStyle/>
+          <a:p>
+            <a:r>
+              <a:rPr lang="pt-BR" sz="3200" dirty="0"/>
+              <a:t>Preparação dos dados – correção de formato</a:t>
+            </a:r>
+          </a:p>
+        </p:txBody>
+      </p:sp>
+      <p:sp>
+        <p:nvSpPr>
+          <p:cNvPr id="3" name="Espaço Reservado para Conteúdo 2">
+            <a:extLst>
+              <a:ext uri="{FF2B5EF4-FFF2-40B4-BE49-F238E27FC236}">
+                <a16:creationId xmlns:a16="http://schemas.microsoft.com/office/drawing/2014/main" id="{ED5B44EC-AFD8-9AA1-FDE4-CBCB7A90067F}"/>
+              </a:ext>
+            </a:extLst>
+          </p:cNvPr>
+          <p:cNvSpPr>
+            <a:spLocks noGrp="1"/>
+          </p:cNvSpPr>
+          <p:nvPr>
+            <p:ph idx="1"/>
+          </p:nvPr>
+        </p:nvSpPr>
+        <p:spPr/>
+        <p:txBody>
+          <a:bodyPr/>
+          <a:lstStyle/>
+          <a:p>
+            <a:endParaRPr lang="pt-BR" sz="1800" dirty="0">
+              <a:effectLst/>
+              <a:latin typeface="Times New Roman" panose="02020603050405020304" pitchFamily="18" charset="0"/>
+              <a:ea typeface="Calibri" panose="020F0502020204030204" pitchFamily="34" charset="0"/>
+            </a:endParaRPr>
+          </a:p>
+          <a:p>
+            <a:r>
+              <a:rPr lang="pt-BR" dirty="0">
+                <a:latin typeface="Times New Roman" panose="02020603050405020304" pitchFamily="18" charset="0"/>
+                <a:ea typeface="Calibri" panose="020F0502020204030204" pitchFamily="34" charset="0"/>
+              </a:rPr>
+              <a:t>Correção para variáveis de texto com</a:t>
+            </a:r>
+            <a:r>
+              <a:rPr lang="pt-BR" sz="1800" dirty="0">
+                <a:effectLst/>
+                <a:latin typeface="Times New Roman" panose="02020603050405020304" pitchFamily="18" charset="0"/>
+                <a:ea typeface="Calibri" panose="020F0502020204030204" pitchFamily="34" charset="0"/>
+              </a:rPr>
+              <a:t> vários possíveis valores: </a:t>
+            </a:r>
+          </a:p>
+          <a:p>
+            <a:endParaRPr lang="pt-BR" dirty="0">
+              <a:latin typeface="Times New Roman" panose="02020603050405020304" pitchFamily="18" charset="0"/>
+              <a:ea typeface="Calibri" panose="020F0502020204030204" pitchFamily="34" charset="0"/>
+            </a:endParaRPr>
+          </a:p>
+          <a:p>
+            <a:endParaRPr lang="pt-BR" sz="1800" dirty="0">
+              <a:effectLst/>
+              <a:latin typeface="Times New Roman" panose="02020603050405020304" pitchFamily="18" charset="0"/>
+              <a:ea typeface="Calibri" panose="020F0502020204030204" pitchFamily="34" charset="0"/>
+            </a:endParaRPr>
+          </a:p>
+          <a:p>
+            <a:endParaRPr lang="pt-BR" dirty="0">
+              <a:latin typeface="Times New Roman" panose="02020603050405020304" pitchFamily="18" charset="0"/>
+              <a:ea typeface="Calibri" panose="020F0502020204030204" pitchFamily="34" charset="0"/>
+            </a:endParaRPr>
+          </a:p>
+          <a:p>
+            <a:endParaRPr lang="pt-BR" sz="1800" dirty="0">
+              <a:effectLst/>
+              <a:latin typeface="Times New Roman" panose="02020603050405020304" pitchFamily="18" charset="0"/>
+              <a:ea typeface="Calibri" panose="020F0502020204030204" pitchFamily="34" charset="0"/>
+            </a:endParaRPr>
+          </a:p>
+          <a:p>
+            <a:endParaRPr lang="pt-BR" dirty="0">
+              <a:latin typeface="Times New Roman" panose="02020603050405020304" pitchFamily="18" charset="0"/>
+              <a:ea typeface="Calibri" panose="020F0502020204030204" pitchFamily="34" charset="0"/>
+            </a:endParaRPr>
+          </a:p>
+          <a:p>
+            <a:endParaRPr lang="pt-BR" sz="1800" dirty="0">
+              <a:effectLst/>
+              <a:latin typeface="Times New Roman" panose="02020603050405020304" pitchFamily="18" charset="0"/>
+              <a:ea typeface="Calibri" panose="020F0502020204030204" pitchFamily="34" charset="0"/>
+            </a:endParaRPr>
+          </a:p>
+          <a:p>
+            <a:pPr marL="0" indent="0">
+              <a:buNone/>
+            </a:pPr>
+            <a:r>
+              <a:rPr lang="pt-BR" sz="1800" dirty="0">
+                <a:effectLst/>
+                <a:latin typeface="Times New Roman" panose="02020603050405020304" pitchFamily="18" charset="0"/>
+                <a:ea typeface="Calibri" panose="020F0502020204030204" pitchFamily="34" charset="0"/>
+              </a:rPr>
+              <a:t>Nesses casos, para corrigir o formato dessas colunas para um formato numérico cria-se novas colunas binárias para cada um dos possíveis valores da coluna original.</a:t>
+            </a:r>
+            <a:endParaRPr lang="pt-BR" dirty="0"/>
+          </a:p>
+        </p:txBody>
+      </p:sp>
+      <p:sp>
+        <p:nvSpPr>
+          <p:cNvPr id="7" name="Rectangle 2">
+            <a:extLst>
+              <a:ext uri="{FF2B5EF4-FFF2-40B4-BE49-F238E27FC236}">
+                <a16:creationId xmlns:a16="http://schemas.microsoft.com/office/drawing/2014/main" id="{D574DC2C-93C8-A657-C451-3D19DE37B4E7}"/>
+              </a:ext>
+            </a:extLst>
+          </p:cNvPr>
+          <p:cNvSpPr>
+            <a:spLocks noChangeArrowheads="1"/>
+          </p:cNvSpPr>
+          <p:nvPr/>
+        </p:nvSpPr>
+        <p:spPr bwMode="auto">
+          <a:xfrm>
+            <a:off x="7604125" y="4812377"/>
+            <a:ext cx="12192000" cy="457200"/>
+          </a:xfrm>
+          <a:prstGeom prst="rect">
+            <a:avLst/>
+          </a:prstGeom>
+          <a:noFill/>
+          <a:ln>
+            <a:noFill/>
+          </a:ln>
+          <a:effectLst/>
+          <a:extLst>
+            <a:ext uri="{909E8E84-426E-40DD-AFC4-6F175D3DCCD1}">
+              <a14:hiddenFill xmlns:a14="http://schemas.microsoft.com/office/drawing/2010/main">
+                <a:solidFill>
+                  <a:schemeClr val="accent1"/>
+                </a:solidFill>
+              </a14:hiddenFill>
+            </a:ext>
+            <a:ext uri="{91240B29-F687-4F45-9708-019B960494DF}">
+              <a14:hiddenLine xmlns:a14="http://schemas.microsoft.com/office/drawing/2010/main" w="9525">
+                <a:solidFill>
+                  <a:schemeClr val="tx1"/>
+                </a:solidFill>
+                <a:miter lim="800000"/>
+                <a:headEnd/>
+                <a:tailEnd/>
+              </a14:hiddenLine>
+            </a:ext>
+            <a:ext uri="{AF507438-7753-43E0-B8FC-AC1667EBCBE1}">
+              <a14:hiddenEffects xmlns:a14="http://schemas.microsoft.com/office/drawing/2010/main">
+                <a:effectLst>
+                  <a:outerShdw dist="35921" dir="2700000" algn="ctr" rotWithShape="0">
+                    <a:schemeClr val="bg2"/>
+                  </a:outerShdw>
+                </a:effectLst>
+              </a14:hiddenEffects>
+            </a:ext>
+          </a:extLst>
+        </p:spPr>
+        <p:txBody>
+          <a:bodyPr vert="horz" wrap="none" lIns="91440" tIns="45720" rIns="91440" bIns="45720" numCol="1" anchor="ctr" anchorCtr="0" compatLnSpc="1">
+            <a:prstTxWarp prst="textNoShape">
+              <a:avLst/>
+            </a:prstTxWarp>
+            <a:spAutoFit/>
+          </a:bodyPr>
+          <a:lstStyle/>
+          <a:p>
+            <a:endParaRPr lang="pt-BR"/>
+          </a:p>
+        </p:txBody>
+      </p:sp>
+      <p:graphicFrame>
+        <p:nvGraphicFramePr>
+          <p:cNvPr id="9" name="Tabela 9">
+            <a:extLst>
+              <a:ext uri="{FF2B5EF4-FFF2-40B4-BE49-F238E27FC236}">
+                <a16:creationId xmlns:a16="http://schemas.microsoft.com/office/drawing/2014/main" id="{EE61E27B-D777-37A6-E0EB-E0107F373387}"/>
+              </a:ext>
+            </a:extLst>
+          </p:cNvPr>
+          <p:cNvGraphicFramePr>
+            <a:graphicFrameLocks noGrp="1"/>
+          </p:cNvGraphicFramePr>
+          <p:nvPr>
+            <p:extLst>
+              <p:ext uri="{D42A27DB-BD31-4B8C-83A1-F6EECF244321}">
+                <p14:modId xmlns:p14="http://schemas.microsoft.com/office/powerpoint/2010/main" val="4143008637"/>
+              </p:ext>
+            </p:extLst>
+          </p:nvPr>
+        </p:nvGraphicFramePr>
+        <p:xfrm>
+          <a:off x="1452785" y="2920767"/>
+          <a:ext cx="1520771" cy="2194560"/>
+        </p:xfrm>
+        <a:graphic>
+          <a:graphicData uri="http://schemas.openxmlformats.org/drawingml/2006/table">
+            <a:tbl>
+              <a:tblPr firstRow="1" bandRow="1">
+                <a:tableStyleId>{5C22544A-7EE6-4342-B048-85BDC9FD1C3A}</a:tableStyleId>
+              </a:tblPr>
+              <a:tblGrid>
+                <a:gridCol w="1520771">
+                  <a:extLst>
+                    <a:ext uri="{9D8B030D-6E8A-4147-A177-3AD203B41FA5}">
+                      <a16:colId xmlns:a16="http://schemas.microsoft.com/office/drawing/2014/main" val="759926701"/>
+                    </a:ext>
+                  </a:extLst>
+                </a:gridCol>
+              </a:tblGrid>
+              <a:tr h="188346">
+                <a:tc>
+                  <a:txBody>
+                    <a:bodyPr/>
+                    <a:lstStyle/>
+                    <a:p>
+                      <a:r>
+                        <a:rPr lang="pt-BR" sz="1200" dirty="0"/>
+                        <a:t>Tipo de emprego</a:t>
+                      </a:r>
+                    </a:p>
+                  </a:txBody>
+                  <a:tcPr/>
+                </a:tc>
+                <a:extLst>
+                  <a:ext uri="{0D108BD9-81ED-4DB2-BD59-A6C34878D82A}">
+                    <a16:rowId xmlns:a16="http://schemas.microsoft.com/office/drawing/2014/main" val="4234962694"/>
+                  </a:ext>
+                </a:extLst>
+              </a:tr>
+              <a:tr h="188346">
+                <a:tc>
+                  <a:txBody>
+                    <a:bodyPr/>
+                    <a:lstStyle/>
+                    <a:p>
+                      <a:r>
+                        <a:rPr lang="pt-BR" sz="1200" dirty="0"/>
+                        <a:t>Privado</a:t>
+                      </a:r>
+                    </a:p>
+                  </a:txBody>
+                  <a:tcPr/>
+                </a:tc>
+                <a:extLst>
+                  <a:ext uri="{0D108BD9-81ED-4DB2-BD59-A6C34878D82A}">
+                    <a16:rowId xmlns:a16="http://schemas.microsoft.com/office/drawing/2014/main" val="4004447559"/>
+                  </a:ext>
+                </a:extLst>
+              </a:tr>
+              <a:tr h="188346">
+                <a:tc>
+                  <a:txBody>
+                    <a:bodyPr/>
+                    <a:lstStyle/>
+                    <a:p>
+                      <a:r>
+                        <a:rPr lang="pt-BR" sz="1200" dirty="0"/>
+                        <a:t>Privado</a:t>
+                      </a:r>
+                    </a:p>
+                  </a:txBody>
+                  <a:tcPr/>
+                </a:tc>
+                <a:extLst>
+                  <a:ext uri="{0D108BD9-81ED-4DB2-BD59-A6C34878D82A}">
+                    <a16:rowId xmlns:a16="http://schemas.microsoft.com/office/drawing/2014/main" val="410487615"/>
+                  </a:ext>
+                </a:extLst>
+              </a:tr>
+              <a:tr h="188346">
+                <a:tc>
+                  <a:txBody>
+                    <a:bodyPr/>
+                    <a:lstStyle/>
+                    <a:p>
+                      <a:r>
+                        <a:rPr lang="pt-BR" sz="1200" dirty="0"/>
+                        <a:t>Autônomo</a:t>
+                      </a:r>
+                    </a:p>
+                  </a:txBody>
+                  <a:tcPr/>
+                </a:tc>
+                <a:extLst>
+                  <a:ext uri="{0D108BD9-81ED-4DB2-BD59-A6C34878D82A}">
+                    <a16:rowId xmlns:a16="http://schemas.microsoft.com/office/drawing/2014/main" val="823462370"/>
+                  </a:ext>
+                </a:extLst>
+              </a:tr>
+              <a:tr h="188346">
+                <a:tc>
+                  <a:txBody>
+                    <a:bodyPr/>
+                    <a:lstStyle/>
+                    <a:p>
+                      <a:r>
+                        <a:rPr lang="pt-BR" sz="1200" dirty="0"/>
+                        <a:t>Privado</a:t>
+                      </a:r>
+                    </a:p>
+                  </a:txBody>
+                  <a:tcPr/>
+                </a:tc>
+                <a:extLst>
+                  <a:ext uri="{0D108BD9-81ED-4DB2-BD59-A6C34878D82A}">
+                    <a16:rowId xmlns:a16="http://schemas.microsoft.com/office/drawing/2014/main" val="1682717224"/>
+                  </a:ext>
+                </a:extLst>
+              </a:tr>
+              <a:tr h="188346">
+                <a:tc>
+                  <a:txBody>
+                    <a:bodyPr/>
+                    <a:lstStyle/>
+                    <a:p>
+                      <a:r>
+                        <a:rPr lang="pt-BR" sz="1200" dirty="0"/>
+                        <a:t>Criança</a:t>
+                      </a:r>
+                    </a:p>
+                  </a:txBody>
+                  <a:tcPr/>
+                </a:tc>
+                <a:extLst>
+                  <a:ext uri="{0D108BD9-81ED-4DB2-BD59-A6C34878D82A}">
+                    <a16:rowId xmlns:a16="http://schemas.microsoft.com/office/drawing/2014/main" val="1952071186"/>
+                  </a:ext>
+                </a:extLst>
+              </a:tr>
+              <a:tr h="188346">
+                <a:tc>
+                  <a:txBody>
+                    <a:bodyPr/>
+                    <a:lstStyle/>
+                    <a:p>
+                      <a:r>
+                        <a:rPr lang="pt-BR" sz="1200" dirty="0"/>
+                        <a:t>Cargo público</a:t>
+                      </a:r>
+                    </a:p>
+                  </a:txBody>
+                  <a:tcPr/>
+                </a:tc>
+                <a:extLst>
+                  <a:ext uri="{0D108BD9-81ED-4DB2-BD59-A6C34878D82A}">
+                    <a16:rowId xmlns:a16="http://schemas.microsoft.com/office/drawing/2014/main" val="1060577784"/>
+                  </a:ext>
+                </a:extLst>
+              </a:tr>
+              <a:tr h="188346">
+                <a:tc>
+                  <a:txBody>
+                    <a:bodyPr/>
+                    <a:lstStyle/>
+                    <a:p>
+                      <a:r>
+                        <a:rPr lang="pt-BR" sz="1200" dirty="0"/>
+                        <a:t>Autônomo</a:t>
+                      </a:r>
+                    </a:p>
+                  </a:txBody>
+                  <a:tcPr/>
+                </a:tc>
+                <a:extLst>
+                  <a:ext uri="{0D108BD9-81ED-4DB2-BD59-A6C34878D82A}">
+                    <a16:rowId xmlns:a16="http://schemas.microsoft.com/office/drawing/2014/main" val="3015703833"/>
+                  </a:ext>
+                </a:extLst>
+              </a:tr>
+            </a:tbl>
+          </a:graphicData>
+        </a:graphic>
+      </p:graphicFrame>
+      <p:graphicFrame>
+        <p:nvGraphicFramePr>
+          <p:cNvPr id="10" name="Tabela 10">
+            <a:extLst>
+              <a:ext uri="{FF2B5EF4-FFF2-40B4-BE49-F238E27FC236}">
+                <a16:creationId xmlns:a16="http://schemas.microsoft.com/office/drawing/2014/main" id="{54AF1B0F-EFB5-AE9D-5309-29B6DAB8E9EB}"/>
+              </a:ext>
+            </a:extLst>
+          </p:cNvPr>
+          <p:cNvGraphicFramePr>
+            <a:graphicFrameLocks noGrp="1"/>
+          </p:cNvGraphicFramePr>
+          <p:nvPr>
+            <p:extLst>
+              <p:ext uri="{D42A27DB-BD31-4B8C-83A1-F6EECF244321}">
+                <p14:modId xmlns:p14="http://schemas.microsoft.com/office/powerpoint/2010/main" val="3824667988"/>
+              </p:ext>
+            </p:extLst>
+          </p:nvPr>
+        </p:nvGraphicFramePr>
+        <p:xfrm>
+          <a:off x="4316924" y="2920767"/>
+          <a:ext cx="5262912" cy="2194560"/>
+        </p:xfrm>
+        <a:graphic>
+          <a:graphicData uri="http://schemas.openxmlformats.org/drawingml/2006/table">
+            <a:tbl>
+              <a:tblPr firstRow="1" bandRow="1">
+                <a:tableStyleId>{5C22544A-7EE6-4342-B048-85BDC9FD1C3A}</a:tableStyleId>
+              </a:tblPr>
+              <a:tblGrid>
+                <a:gridCol w="1315728">
+                  <a:extLst>
+                    <a:ext uri="{9D8B030D-6E8A-4147-A177-3AD203B41FA5}">
+                      <a16:colId xmlns:a16="http://schemas.microsoft.com/office/drawing/2014/main" val="568815146"/>
+                    </a:ext>
+                  </a:extLst>
+                </a:gridCol>
+                <a:gridCol w="1315728">
+                  <a:extLst>
+                    <a:ext uri="{9D8B030D-6E8A-4147-A177-3AD203B41FA5}">
+                      <a16:colId xmlns:a16="http://schemas.microsoft.com/office/drawing/2014/main" val="892819291"/>
+                    </a:ext>
+                  </a:extLst>
+                </a:gridCol>
+                <a:gridCol w="1315728">
+                  <a:extLst>
+                    <a:ext uri="{9D8B030D-6E8A-4147-A177-3AD203B41FA5}">
+                      <a16:colId xmlns:a16="http://schemas.microsoft.com/office/drawing/2014/main" val="406992494"/>
+                    </a:ext>
+                  </a:extLst>
+                </a:gridCol>
+                <a:gridCol w="1315728">
+                  <a:extLst>
+                    <a:ext uri="{9D8B030D-6E8A-4147-A177-3AD203B41FA5}">
+                      <a16:colId xmlns:a16="http://schemas.microsoft.com/office/drawing/2014/main" val="2585797532"/>
+                    </a:ext>
+                  </a:extLst>
+                </a:gridCol>
+              </a:tblGrid>
+              <a:tr h="222648">
+                <a:tc>
+                  <a:txBody>
+                    <a:bodyPr/>
+                    <a:lstStyle/>
+                    <a:p>
+                      <a:pPr algn="l"/>
+                      <a:r>
+                        <a:rPr lang="pt-BR" sz="1200" dirty="0"/>
+                        <a:t>Privado</a:t>
+                      </a:r>
+                    </a:p>
+                  </a:txBody>
+                  <a:tcPr/>
+                </a:tc>
+                <a:tc>
+                  <a:txBody>
+                    <a:bodyPr/>
+                    <a:lstStyle/>
+                    <a:p>
+                      <a:pPr algn="l"/>
+                      <a:r>
+                        <a:rPr lang="pt-BR" sz="1200" dirty="0"/>
+                        <a:t>Autônomo</a:t>
+                      </a:r>
+                    </a:p>
+                  </a:txBody>
+                  <a:tcPr/>
+                </a:tc>
+                <a:tc>
+                  <a:txBody>
+                    <a:bodyPr/>
+                    <a:lstStyle/>
+                    <a:p>
+                      <a:pPr algn="l"/>
+                      <a:r>
+                        <a:rPr lang="pt-BR" sz="1200" dirty="0"/>
+                        <a:t>Cargo público</a:t>
+                      </a:r>
+                    </a:p>
+                  </a:txBody>
+                  <a:tcPr/>
+                </a:tc>
+                <a:tc>
+                  <a:txBody>
+                    <a:bodyPr/>
+                    <a:lstStyle/>
+                    <a:p>
+                      <a:pPr algn="l"/>
+                      <a:r>
+                        <a:rPr lang="pt-BR" sz="1200" dirty="0"/>
+                        <a:t>Criança</a:t>
+                      </a:r>
+                    </a:p>
+                  </a:txBody>
+                  <a:tcPr/>
+                </a:tc>
+                <a:extLst>
+                  <a:ext uri="{0D108BD9-81ED-4DB2-BD59-A6C34878D82A}">
+                    <a16:rowId xmlns:a16="http://schemas.microsoft.com/office/drawing/2014/main" val="1668869411"/>
+                  </a:ext>
+                </a:extLst>
+              </a:tr>
+              <a:tr h="222648">
+                <a:tc>
+                  <a:txBody>
+                    <a:bodyPr/>
+                    <a:lstStyle/>
+                    <a:p>
+                      <a:r>
+                        <a:rPr lang="pt-BR" sz="1200" dirty="0"/>
+                        <a:t>1</a:t>
+                      </a:r>
+                    </a:p>
+                  </a:txBody>
+                  <a:tcPr/>
+                </a:tc>
+                <a:tc>
+                  <a:txBody>
+                    <a:bodyPr/>
+                    <a:lstStyle/>
+                    <a:p>
+                      <a:r>
+                        <a:rPr lang="pt-BR" sz="1200" dirty="0"/>
+                        <a:t>0</a:t>
+                      </a:r>
+                    </a:p>
+                  </a:txBody>
+                  <a:tcPr/>
+                </a:tc>
+                <a:tc>
+                  <a:txBody>
+                    <a:bodyPr/>
+                    <a:lstStyle/>
+                    <a:p>
+                      <a:r>
+                        <a:rPr lang="pt-BR" sz="1200" dirty="0"/>
+                        <a:t>0</a:t>
+                      </a:r>
+                    </a:p>
+                  </a:txBody>
+                  <a:tcPr/>
+                </a:tc>
+                <a:tc>
+                  <a:txBody>
+                    <a:bodyPr/>
+                    <a:lstStyle/>
+                    <a:p>
+                      <a:r>
+                        <a:rPr lang="pt-BR" sz="1200" dirty="0"/>
+                        <a:t>0</a:t>
+                      </a:r>
+                    </a:p>
+                  </a:txBody>
+                  <a:tcPr/>
+                </a:tc>
+                <a:extLst>
+                  <a:ext uri="{0D108BD9-81ED-4DB2-BD59-A6C34878D82A}">
+                    <a16:rowId xmlns:a16="http://schemas.microsoft.com/office/drawing/2014/main" val="2126899683"/>
+                  </a:ext>
+                </a:extLst>
+              </a:tr>
+              <a:tr h="222648">
+                <a:tc>
+                  <a:txBody>
+                    <a:bodyPr/>
+                    <a:lstStyle/>
+                    <a:p>
+                      <a:r>
+                        <a:rPr lang="pt-BR" sz="1200" dirty="0"/>
+                        <a:t>1</a:t>
+                      </a:r>
+                    </a:p>
+                  </a:txBody>
+                  <a:tcPr/>
+                </a:tc>
+                <a:tc>
+                  <a:txBody>
+                    <a:bodyPr/>
+                    <a:lstStyle/>
+                    <a:p>
+                      <a:r>
+                        <a:rPr lang="pt-BR" sz="1200" dirty="0"/>
+                        <a:t>0</a:t>
+                      </a:r>
+                    </a:p>
+                  </a:txBody>
+                  <a:tcPr/>
+                </a:tc>
+                <a:tc>
+                  <a:txBody>
+                    <a:bodyPr/>
+                    <a:lstStyle/>
+                    <a:p>
+                      <a:r>
+                        <a:rPr lang="pt-BR" sz="1200" dirty="0"/>
+                        <a:t>0</a:t>
+                      </a:r>
+                    </a:p>
+                  </a:txBody>
+                  <a:tcPr/>
+                </a:tc>
+                <a:tc>
+                  <a:txBody>
+                    <a:bodyPr/>
+                    <a:lstStyle/>
+                    <a:p>
+                      <a:r>
+                        <a:rPr lang="pt-BR" sz="1200" dirty="0"/>
+                        <a:t>0</a:t>
+                      </a:r>
+                    </a:p>
+                  </a:txBody>
+                  <a:tcPr/>
+                </a:tc>
+                <a:extLst>
+                  <a:ext uri="{0D108BD9-81ED-4DB2-BD59-A6C34878D82A}">
+                    <a16:rowId xmlns:a16="http://schemas.microsoft.com/office/drawing/2014/main" val="1592243536"/>
+                  </a:ext>
+                </a:extLst>
+              </a:tr>
+              <a:tr h="222648">
+                <a:tc>
+                  <a:txBody>
+                    <a:bodyPr/>
+                    <a:lstStyle/>
+                    <a:p>
+                      <a:r>
+                        <a:rPr lang="pt-BR" sz="1200" dirty="0"/>
+                        <a:t>0</a:t>
+                      </a:r>
+                    </a:p>
+                  </a:txBody>
+                  <a:tcPr/>
+                </a:tc>
+                <a:tc>
+                  <a:txBody>
+                    <a:bodyPr/>
+                    <a:lstStyle/>
+                    <a:p>
+                      <a:r>
+                        <a:rPr lang="pt-BR" sz="1200" dirty="0"/>
+                        <a:t>1</a:t>
+                      </a:r>
+                    </a:p>
+                  </a:txBody>
+                  <a:tcPr/>
+                </a:tc>
+                <a:tc>
+                  <a:txBody>
+                    <a:bodyPr/>
+                    <a:lstStyle/>
+                    <a:p>
+                      <a:r>
+                        <a:rPr lang="pt-BR" sz="1200" dirty="0"/>
+                        <a:t>0</a:t>
+                      </a:r>
+                    </a:p>
+                  </a:txBody>
+                  <a:tcPr/>
+                </a:tc>
+                <a:tc>
+                  <a:txBody>
+                    <a:bodyPr/>
+                    <a:lstStyle/>
+                    <a:p>
+                      <a:r>
+                        <a:rPr lang="pt-BR" sz="1200" dirty="0"/>
+                        <a:t>0</a:t>
+                      </a:r>
+                    </a:p>
+                  </a:txBody>
+                  <a:tcPr/>
+                </a:tc>
+                <a:extLst>
+                  <a:ext uri="{0D108BD9-81ED-4DB2-BD59-A6C34878D82A}">
+                    <a16:rowId xmlns:a16="http://schemas.microsoft.com/office/drawing/2014/main" val="2600943644"/>
+                  </a:ext>
+                </a:extLst>
+              </a:tr>
+              <a:tr h="222648">
+                <a:tc>
+                  <a:txBody>
+                    <a:bodyPr/>
+                    <a:lstStyle/>
+                    <a:p>
+                      <a:r>
+                        <a:rPr lang="pt-BR" sz="1200" dirty="0"/>
+                        <a:t>1</a:t>
+                      </a:r>
+                    </a:p>
+                  </a:txBody>
+                  <a:tcPr/>
+                </a:tc>
+                <a:tc>
+                  <a:txBody>
+                    <a:bodyPr/>
+                    <a:lstStyle/>
+                    <a:p>
+                      <a:r>
+                        <a:rPr lang="pt-BR" sz="1200" dirty="0"/>
+                        <a:t>0</a:t>
+                      </a:r>
+                    </a:p>
+                  </a:txBody>
+                  <a:tcPr/>
+                </a:tc>
+                <a:tc>
+                  <a:txBody>
+                    <a:bodyPr/>
+                    <a:lstStyle/>
+                    <a:p>
+                      <a:r>
+                        <a:rPr lang="pt-BR" sz="1200" dirty="0"/>
+                        <a:t>0</a:t>
+                      </a:r>
+                    </a:p>
+                  </a:txBody>
+                  <a:tcPr/>
+                </a:tc>
+                <a:tc>
+                  <a:txBody>
+                    <a:bodyPr/>
+                    <a:lstStyle/>
+                    <a:p>
+                      <a:r>
+                        <a:rPr lang="pt-BR" sz="1200" dirty="0"/>
+                        <a:t>0</a:t>
+                      </a:r>
+                    </a:p>
+                  </a:txBody>
+                  <a:tcPr/>
+                </a:tc>
+                <a:extLst>
+                  <a:ext uri="{0D108BD9-81ED-4DB2-BD59-A6C34878D82A}">
+                    <a16:rowId xmlns:a16="http://schemas.microsoft.com/office/drawing/2014/main" val="1997845081"/>
+                  </a:ext>
+                </a:extLst>
+              </a:tr>
+              <a:tr h="222648">
+                <a:tc>
+                  <a:txBody>
+                    <a:bodyPr/>
+                    <a:lstStyle/>
+                    <a:p>
+                      <a:r>
+                        <a:rPr lang="pt-BR" sz="1200" dirty="0"/>
+                        <a:t>0</a:t>
+                      </a:r>
+                    </a:p>
+                  </a:txBody>
+                  <a:tcPr/>
+                </a:tc>
+                <a:tc>
+                  <a:txBody>
+                    <a:bodyPr/>
+                    <a:lstStyle/>
+                    <a:p>
+                      <a:r>
+                        <a:rPr lang="pt-BR" sz="1200" dirty="0"/>
+                        <a:t>0</a:t>
+                      </a:r>
+                    </a:p>
+                  </a:txBody>
+                  <a:tcPr/>
+                </a:tc>
+                <a:tc>
+                  <a:txBody>
+                    <a:bodyPr/>
+                    <a:lstStyle/>
+                    <a:p>
+                      <a:r>
+                        <a:rPr lang="pt-BR" sz="1200" dirty="0"/>
+                        <a:t>0</a:t>
+                      </a:r>
+                    </a:p>
+                  </a:txBody>
+                  <a:tcPr/>
+                </a:tc>
+                <a:tc>
+                  <a:txBody>
+                    <a:bodyPr/>
+                    <a:lstStyle/>
+                    <a:p>
+                      <a:r>
+                        <a:rPr lang="pt-BR" sz="1200" dirty="0"/>
+                        <a:t>1</a:t>
+                      </a:r>
+                    </a:p>
+                  </a:txBody>
+                  <a:tcPr/>
+                </a:tc>
+                <a:extLst>
+                  <a:ext uri="{0D108BD9-81ED-4DB2-BD59-A6C34878D82A}">
+                    <a16:rowId xmlns:a16="http://schemas.microsoft.com/office/drawing/2014/main" val="1101223339"/>
+                  </a:ext>
+                </a:extLst>
+              </a:tr>
+              <a:tr h="164698">
+                <a:tc>
+                  <a:txBody>
+                    <a:bodyPr/>
+                    <a:lstStyle/>
+                    <a:p>
+                      <a:r>
+                        <a:rPr lang="pt-BR" sz="1200" dirty="0"/>
+                        <a:t>0</a:t>
+                      </a:r>
+                    </a:p>
+                  </a:txBody>
+                  <a:tcPr/>
+                </a:tc>
+                <a:tc>
+                  <a:txBody>
+                    <a:bodyPr/>
+                    <a:lstStyle/>
+                    <a:p>
+                      <a:r>
+                        <a:rPr lang="pt-BR" sz="1200" dirty="0"/>
+                        <a:t>0</a:t>
+                      </a:r>
+                    </a:p>
+                  </a:txBody>
+                  <a:tcPr/>
+                </a:tc>
+                <a:tc>
+                  <a:txBody>
+                    <a:bodyPr/>
+                    <a:lstStyle/>
+                    <a:p>
+                      <a:r>
+                        <a:rPr lang="pt-BR" sz="1200" dirty="0"/>
+                        <a:t>1</a:t>
+                      </a:r>
+                    </a:p>
+                  </a:txBody>
+                  <a:tcPr/>
+                </a:tc>
+                <a:tc>
+                  <a:txBody>
+                    <a:bodyPr/>
+                    <a:lstStyle/>
+                    <a:p>
+                      <a:r>
+                        <a:rPr lang="pt-BR" sz="1200" dirty="0"/>
+                        <a:t>0</a:t>
+                      </a:r>
+                    </a:p>
+                  </a:txBody>
+                  <a:tcPr/>
+                </a:tc>
+                <a:extLst>
+                  <a:ext uri="{0D108BD9-81ED-4DB2-BD59-A6C34878D82A}">
+                    <a16:rowId xmlns:a16="http://schemas.microsoft.com/office/drawing/2014/main" val="3013756241"/>
+                  </a:ext>
+                </a:extLst>
+              </a:tr>
+              <a:tr h="222648">
+                <a:tc>
+                  <a:txBody>
+                    <a:bodyPr/>
+                    <a:lstStyle/>
+                    <a:p>
+                      <a:r>
+                        <a:rPr lang="pt-BR" sz="1200" dirty="0"/>
+                        <a:t>0</a:t>
+                      </a:r>
+                    </a:p>
+                  </a:txBody>
+                  <a:tcPr/>
+                </a:tc>
+                <a:tc>
+                  <a:txBody>
+                    <a:bodyPr/>
+                    <a:lstStyle/>
+                    <a:p>
+                      <a:r>
+                        <a:rPr lang="pt-BR" sz="1200" dirty="0"/>
+                        <a:t>1</a:t>
+                      </a:r>
+                    </a:p>
+                  </a:txBody>
+                  <a:tcPr/>
+                </a:tc>
+                <a:tc>
+                  <a:txBody>
+                    <a:bodyPr/>
+                    <a:lstStyle/>
+                    <a:p>
+                      <a:r>
+                        <a:rPr lang="pt-BR" sz="1200" dirty="0"/>
+                        <a:t>0</a:t>
+                      </a:r>
+                    </a:p>
+                  </a:txBody>
+                  <a:tcPr/>
+                </a:tc>
+                <a:tc>
+                  <a:txBody>
+                    <a:bodyPr/>
+                    <a:lstStyle/>
+                    <a:p>
+                      <a:r>
+                        <a:rPr lang="pt-BR" sz="1200" dirty="0"/>
+                        <a:t>0</a:t>
+                      </a:r>
+                    </a:p>
+                  </a:txBody>
+                  <a:tcPr/>
+                </a:tc>
+                <a:extLst>
+                  <a:ext uri="{0D108BD9-81ED-4DB2-BD59-A6C34878D82A}">
+                    <a16:rowId xmlns:a16="http://schemas.microsoft.com/office/drawing/2014/main" val="57345991"/>
+                  </a:ext>
+                </a:extLst>
+              </a:tr>
+            </a:tbl>
+          </a:graphicData>
+        </a:graphic>
+      </p:graphicFrame>
+      <p:cxnSp>
+        <p:nvCxnSpPr>
+          <p:cNvPr id="12" name="Conector de Seta Reta 11">
+            <a:extLst>
+              <a:ext uri="{FF2B5EF4-FFF2-40B4-BE49-F238E27FC236}">
+                <a16:creationId xmlns:a16="http://schemas.microsoft.com/office/drawing/2014/main" id="{FCAC4B9C-243E-1E7E-F355-4F0A6C53FA12}"/>
+              </a:ext>
+            </a:extLst>
+          </p:cNvPr>
+          <p:cNvCxnSpPr>
+            <a:cxnSpLocks/>
+          </p:cNvCxnSpPr>
+          <p:nvPr/>
+        </p:nvCxnSpPr>
+        <p:spPr>
+          <a:xfrm>
+            <a:off x="3217237" y="4004468"/>
+            <a:ext cx="856007" cy="0"/>
+          </a:xfrm>
+          <a:prstGeom prst="straightConnector1">
+            <a:avLst/>
+          </a:prstGeom>
+          <a:ln>
+            <a:tailEnd type="triangle"/>
+          </a:ln>
+        </p:spPr>
+        <p:style>
+          <a:lnRef idx="1">
+            <a:schemeClr val="accent1"/>
+          </a:lnRef>
+          <a:fillRef idx="0">
+            <a:schemeClr val="accent1"/>
+          </a:fillRef>
+          <a:effectRef idx="0">
+            <a:schemeClr val="accent1"/>
+          </a:effectRef>
+          <a:fontRef idx="minor">
+            <a:schemeClr val="tx1"/>
+          </a:fontRef>
+        </p:style>
+      </p:cxnSp>
+    </p:spTree>
+    <p:extLst>
+      <p:ext uri="{BB962C8B-B14F-4D97-AF65-F5344CB8AC3E}">
+        <p14:creationId xmlns:p14="http://schemas.microsoft.com/office/powerpoint/2010/main" val="1890510541"/>
+      </p:ext>
+    </p:extLst>
+  </p:cSld>
+  <p:clrMapOvr>
+    <a:masterClrMapping/>
+  </p:clrMapOvr>
+</p:sld>
+</file>
+
+<file path=ppt/slides/slide12.xml><?xml version="1.0" encoding="utf-8"?>
+<p:sld xmlns:a="http://schemas.openxmlformats.org/drawingml/2006/main" xmlns:r="http://schemas.openxmlformats.org/officeDocument/2006/relationships" xmlns:p="http://schemas.openxmlformats.org/presentationml/2006/main">
+  <p:cSld>
+    <p:spTree>
+      <p:nvGrpSpPr>
+        <p:cNvPr id="1" name=""/>
+        <p:cNvGrpSpPr/>
+        <p:nvPr/>
+      </p:nvGrpSpPr>
+      <p:grpSpPr>
+        <a:xfrm>
+          <a:off x="0" y="0"/>
+          <a:ext cx="0" cy="0"/>
+          <a:chOff x="0" y="0"/>
+          <a:chExt cx="0" cy="0"/>
+        </a:xfrm>
+      </p:grpSpPr>
+      <p:sp>
+        <p:nvSpPr>
+          <p:cNvPr id="2" name="Título 1">
+            <a:extLst>
+              <a:ext uri="{FF2B5EF4-FFF2-40B4-BE49-F238E27FC236}">
+                <a16:creationId xmlns:a16="http://schemas.microsoft.com/office/drawing/2014/main" id="{84149C11-9ED8-0425-6D7E-35F12A43F9AA}"/>
+              </a:ext>
+            </a:extLst>
+          </p:cNvPr>
+          <p:cNvSpPr>
+            <a:spLocks noGrp="1"/>
+          </p:cNvSpPr>
+          <p:nvPr>
+            <p:ph type="title"/>
+          </p:nvPr>
+        </p:nvSpPr>
+        <p:spPr/>
+        <p:txBody>
+          <a:bodyPr>
+            <a:normAutofit/>
+          </a:bodyPr>
+          <a:lstStyle/>
+          <a:p>
+            <a:r>
+              <a:rPr lang="pt-BR" sz="3200" dirty="0"/>
+              <a:t>Preparação dos dados – correção de dados nulos</a:t>
+            </a:r>
+          </a:p>
+        </p:txBody>
+      </p:sp>
+      <p:sp>
+        <p:nvSpPr>
+          <p:cNvPr id="3" name="Espaço Reservado para Conteúdo 2">
+            <a:extLst>
+              <a:ext uri="{FF2B5EF4-FFF2-40B4-BE49-F238E27FC236}">
+                <a16:creationId xmlns:a16="http://schemas.microsoft.com/office/drawing/2014/main" id="{ED5B44EC-AFD8-9AA1-FDE4-CBCB7A90067F}"/>
+              </a:ext>
+            </a:extLst>
+          </p:cNvPr>
+          <p:cNvSpPr>
+            <a:spLocks noGrp="1"/>
+          </p:cNvSpPr>
+          <p:nvPr>
+            <p:ph idx="1"/>
+          </p:nvPr>
+        </p:nvSpPr>
+        <p:spPr/>
+        <p:txBody>
+          <a:bodyPr/>
+          <a:lstStyle/>
+          <a:p>
+            <a:endParaRPr lang="pt-BR" sz="1800" dirty="0">
+              <a:effectLst/>
+              <a:latin typeface="Times New Roman" panose="02020603050405020304" pitchFamily="18" charset="0"/>
+              <a:ea typeface="Calibri" panose="020F0502020204030204" pitchFamily="34" charset="0"/>
+            </a:endParaRPr>
+          </a:p>
+          <a:p>
+            <a:pPr marL="0" indent="0">
+              <a:buNone/>
+            </a:pPr>
+            <a:endParaRPr lang="pt-BR" sz="1800" dirty="0">
+              <a:effectLst/>
+              <a:latin typeface="Times New Roman" panose="02020603050405020304" pitchFamily="18" charset="0"/>
+              <a:ea typeface="Calibri" panose="020F0502020204030204" pitchFamily="34" charset="0"/>
+            </a:endParaRPr>
+          </a:p>
+          <a:p>
+            <a:r>
+              <a:rPr lang="pt-BR" sz="1800" dirty="0">
+                <a:effectLst/>
+                <a:latin typeface="Times New Roman" panose="02020603050405020304" pitchFamily="18" charset="0"/>
+                <a:ea typeface="Calibri" panose="020F0502020204030204" pitchFamily="34" charset="0"/>
+              </a:rPr>
+              <a:t>Dados nulos não trazem informação</a:t>
+            </a:r>
+          </a:p>
+          <a:p>
+            <a:r>
+              <a:rPr lang="pt-BR" sz="1800" dirty="0">
+                <a:effectLst/>
+                <a:latin typeface="Times New Roman" panose="02020603050405020304" pitchFamily="18" charset="0"/>
+                <a:ea typeface="Calibri" panose="020F0502020204030204" pitchFamily="34" charset="0"/>
+              </a:rPr>
+              <a:t>Classificador não consegue interpretá-los</a:t>
+            </a:r>
+            <a:endParaRPr lang="pt-BR" dirty="0">
+              <a:latin typeface="Times New Roman" panose="02020603050405020304" pitchFamily="18" charset="0"/>
+              <a:ea typeface="Calibri" panose="020F0502020204030204" pitchFamily="34" charset="0"/>
+            </a:endParaRPr>
+          </a:p>
+          <a:p>
+            <a:r>
+              <a:rPr lang="pt-BR" sz="1800" b="1" dirty="0">
+                <a:effectLst/>
+                <a:latin typeface="Times New Roman" panose="02020603050405020304" pitchFamily="18" charset="0"/>
+                <a:ea typeface="Calibri" panose="020F0502020204030204" pitchFamily="34" charset="0"/>
+              </a:rPr>
+              <a:t>Correção: </a:t>
+            </a:r>
+            <a:r>
+              <a:rPr lang="pt-BR" sz="1800" dirty="0">
+                <a:effectLst/>
+                <a:latin typeface="Times New Roman" panose="02020603050405020304" pitchFamily="18" charset="0"/>
+                <a:ea typeface="Calibri" panose="020F0502020204030204" pitchFamily="34" charset="0"/>
+              </a:rPr>
+              <a:t>substituição pela média, mediana... ou </a:t>
+            </a:r>
+            <a:r>
+              <a:rPr lang="pt-BR" dirty="0">
+                <a:latin typeface="Times New Roman" panose="02020603050405020304" pitchFamily="18" charset="0"/>
+                <a:ea typeface="Calibri" panose="020F0502020204030204" pitchFamily="34" charset="0"/>
+              </a:rPr>
+              <a:t>e</a:t>
+            </a:r>
+            <a:r>
+              <a:rPr lang="pt-BR" sz="1800" dirty="0">
+                <a:effectLst/>
+                <a:latin typeface="Times New Roman" panose="02020603050405020304" pitchFamily="18" charset="0"/>
+                <a:ea typeface="Calibri" panose="020F0502020204030204" pitchFamily="34" charset="0"/>
+              </a:rPr>
+              <a:t>liminação</a:t>
+            </a:r>
+          </a:p>
+        </p:txBody>
+      </p:sp>
+    </p:spTree>
+    <p:extLst>
+      <p:ext uri="{BB962C8B-B14F-4D97-AF65-F5344CB8AC3E}">
+        <p14:creationId xmlns:p14="http://schemas.microsoft.com/office/powerpoint/2010/main" val="2111789964"/>
+      </p:ext>
+    </p:extLst>
+  </p:cSld>
+  <p:clrMapOvr>
+    <a:masterClrMapping/>
+  </p:clrMapOvr>
+</p:sld>
+</file>
+
+<file path=ppt/slides/slide13.xml><?xml version="1.0" encoding="utf-8"?>
+<p:sld xmlns:a="http://schemas.openxmlformats.org/drawingml/2006/main" xmlns:r="http://schemas.openxmlformats.org/officeDocument/2006/relationships" xmlns:p="http://schemas.openxmlformats.org/presentationml/2006/main">
+  <p:cSld>
+    <p:spTree>
+      <p:nvGrpSpPr>
+        <p:cNvPr id="1" name=""/>
+        <p:cNvGrpSpPr/>
+        <p:nvPr/>
+      </p:nvGrpSpPr>
+      <p:grpSpPr>
+        <a:xfrm>
+          <a:off x="0" y="0"/>
+          <a:ext cx="0" cy="0"/>
+          <a:chOff x="0" y="0"/>
+          <a:chExt cx="0" cy="0"/>
+        </a:xfrm>
+      </p:grpSpPr>
+      <p:sp>
+        <p:nvSpPr>
+          <p:cNvPr id="2" name="Título 1">
+            <a:extLst>
+              <a:ext uri="{FF2B5EF4-FFF2-40B4-BE49-F238E27FC236}">
+                <a16:creationId xmlns:a16="http://schemas.microsoft.com/office/drawing/2014/main" id="{84149C11-9ED8-0425-6D7E-35F12A43F9AA}"/>
+              </a:ext>
+            </a:extLst>
+          </p:cNvPr>
+          <p:cNvSpPr>
+            <a:spLocks noGrp="1"/>
+          </p:cNvSpPr>
+          <p:nvPr>
+            <p:ph type="title"/>
+          </p:nvPr>
+        </p:nvSpPr>
+        <p:spPr/>
+        <p:txBody>
+          <a:bodyPr>
+            <a:normAutofit/>
+          </a:bodyPr>
+          <a:lstStyle/>
+          <a:p>
+            <a:r>
+              <a:rPr lang="pt-BR" sz="3200" dirty="0"/>
+              <a:t>Preparação dos dados – correção de dados nulos</a:t>
+            </a:r>
+          </a:p>
+        </p:txBody>
+      </p:sp>
+      <p:sp>
+        <p:nvSpPr>
+          <p:cNvPr id="3" name="Espaço Reservado para Conteúdo 2">
+            <a:extLst>
+              <a:ext uri="{FF2B5EF4-FFF2-40B4-BE49-F238E27FC236}">
+                <a16:creationId xmlns:a16="http://schemas.microsoft.com/office/drawing/2014/main" id="{ED5B44EC-AFD8-9AA1-FDE4-CBCB7A90067F}"/>
+              </a:ext>
+            </a:extLst>
+          </p:cNvPr>
+          <p:cNvSpPr>
+            <a:spLocks noGrp="1"/>
+          </p:cNvSpPr>
+          <p:nvPr>
+            <p:ph idx="1"/>
+          </p:nvPr>
+        </p:nvSpPr>
+        <p:spPr/>
+        <p:txBody>
+          <a:bodyPr/>
+          <a:lstStyle/>
+          <a:p>
+            <a:endParaRPr lang="pt-BR" sz="1800" dirty="0">
+              <a:effectLst/>
+              <a:latin typeface="Times New Roman" panose="02020603050405020304" pitchFamily="18" charset="0"/>
+              <a:ea typeface="Calibri" panose="020F0502020204030204" pitchFamily="34" charset="0"/>
+            </a:endParaRPr>
+          </a:p>
+          <a:p>
+            <a:pPr marL="0" indent="0">
+              <a:buNone/>
+            </a:pPr>
+            <a:endParaRPr lang="pt-BR" sz="1800" dirty="0">
+              <a:effectLst/>
+              <a:latin typeface="Times New Roman" panose="02020603050405020304" pitchFamily="18" charset="0"/>
+              <a:ea typeface="Calibri" panose="020F0502020204030204" pitchFamily="34" charset="0"/>
+            </a:endParaRPr>
+          </a:p>
+          <a:p>
+            <a:r>
+              <a:rPr lang="pt-BR" sz="1800" dirty="0">
+                <a:effectLst/>
+                <a:latin typeface="Times New Roman" panose="02020603050405020304" pitchFamily="18" charset="0"/>
+                <a:ea typeface="Calibri" panose="020F0502020204030204" pitchFamily="34" charset="0"/>
+              </a:rPr>
+              <a:t>Única coluna com dados nulos foi </a:t>
+            </a:r>
+            <a:r>
+              <a:rPr lang="pt-BR" sz="1800" i="1" dirty="0" err="1">
+                <a:effectLst/>
+                <a:latin typeface="Times New Roman" panose="02020603050405020304" pitchFamily="18" charset="0"/>
+                <a:ea typeface="Calibri" panose="020F0502020204030204" pitchFamily="34" charset="0"/>
+              </a:rPr>
+              <a:t>bmi</a:t>
+            </a:r>
+            <a:r>
+              <a:rPr lang="pt-BR" sz="1800" dirty="0">
+                <a:effectLst/>
+                <a:latin typeface="Times New Roman" panose="02020603050405020304" pitchFamily="18" charset="0"/>
+                <a:ea typeface="Calibri" panose="020F0502020204030204" pitchFamily="34" charset="0"/>
+              </a:rPr>
+              <a:t>: </a:t>
+            </a:r>
+          </a:p>
+          <a:p>
+            <a:endParaRPr lang="pt-BR" dirty="0">
+              <a:latin typeface="Times New Roman" panose="02020603050405020304" pitchFamily="18" charset="0"/>
+              <a:ea typeface="Calibri" panose="020F0502020204030204" pitchFamily="34" charset="0"/>
+            </a:endParaRPr>
+          </a:p>
+          <a:p>
+            <a:endParaRPr lang="pt-BR" sz="1800" dirty="0">
+              <a:effectLst/>
+              <a:latin typeface="Times New Roman" panose="02020603050405020304" pitchFamily="18" charset="0"/>
+              <a:ea typeface="Calibri" panose="020F0502020204030204" pitchFamily="34" charset="0"/>
+            </a:endParaRPr>
+          </a:p>
+          <a:p>
+            <a:endParaRPr lang="pt-BR" dirty="0">
+              <a:latin typeface="Times New Roman" panose="02020603050405020304" pitchFamily="18" charset="0"/>
+              <a:ea typeface="Calibri" panose="020F0502020204030204" pitchFamily="34" charset="0"/>
+            </a:endParaRPr>
+          </a:p>
+          <a:p>
+            <a:endParaRPr lang="pt-BR" sz="1800" dirty="0">
+              <a:effectLst/>
+              <a:latin typeface="Times New Roman" panose="02020603050405020304" pitchFamily="18" charset="0"/>
+              <a:ea typeface="Calibri" panose="020F0502020204030204" pitchFamily="34" charset="0"/>
+            </a:endParaRPr>
+          </a:p>
+          <a:p>
+            <a:endParaRPr lang="pt-BR" dirty="0">
+              <a:latin typeface="Times New Roman" panose="02020603050405020304" pitchFamily="18" charset="0"/>
+              <a:ea typeface="Calibri" panose="020F0502020204030204" pitchFamily="34" charset="0"/>
+            </a:endParaRPr>
+          </a:p>
+          <a:p>
+            <a:r>
+              <a:rPr lang="pt-BR" dirty="0">
+                <a:latin typeface="Times New Roman" panose="02020603050405020304" pitchFamily="18" charset="0"/>
+                <a:ea typeface="Calibri" panose="020F0502020204030204" pitchFamily="34" charset="0"/>
+              </a:rPr>
+              <a:t>Correção feita: substituição pela mediana</a:t>
+            </a:r>
+          </a:p>
+        </p:txBody>
+      </p:sp>
+      <p:graphicFrame>
+        <p:nvGraphicFramePr>
+          <p:cNvPr id="4" name="Tabela 3">
+            <a:extLst>
+              <a:ext uri="{FF2B5EF4-FFF2-40B4-BE49-F238E27FC236}">
+                <a16:creationId xmlns:a16="http://schemas.microsoft.com/office/drawing/2014/main" id="{D9F66D3D-2E38-1F7E-224A-6B66EC04B017}"/>
+              </a:ext>
+            </a:extLst>
+          </p:cNvPr>
+          <p:cNvGraphicFramePr>
+            <a:graphicFrameLocks noGrp="1"/>
+          </p:cNvGraphicFramePr>
+          <p:nvPr>
+            <p:extLst>
+              <p:ext uri="{D42A27DB-BD31-4B8C-83A1-F6EECF244321}">
+                <p14:modId xmlns:p14="http://schemas.microsoft.com/office/powerpoint/2010/main" val="967895234"/>
+              </p:ext>
+            </p:extLst>
+          </p:nvPr>
+        </p:nvGraphicFramePr>
+        <p:xfrm>
+          <a:off x="2190559" y="3286125"/>
+          <a:ext cx="6737985" cy="1987550"/>
+        </p:xfrm>
+        <a:graphic>
+          <a:graphicData uri="http://schemas.openxmlformats.org/drawingml/2006/table">
+            <a:tbl>
+              <a:tblPr firstRow="1" firstCol="1" bandRow="1">
+                <a:tableStyleId>{5C22544A-7EE6-4342-B048-85BDC9FD1C3A}</a:tableStyleId>
+              </a:tblPr>
+              <a:tblGrid>
+                <a:gridCol w="2245995">
+                  <a:extLst>
+                    <a:ext uri="{9D8B030D-6E8A-4147-A177-3AD203B41FA5}">
+                      <a16:colId xmlns:a16="http://schemas.microsoft.com/office/drawing/2014/main" val="175596780"/>
+                    </a:ext>
+                  </a:extLst>
+                </a:gridCol>
+                <a:gridCol w="2245995">
+                  <a:extLst>
+                    <a:ext uri="{9D8B030D-6E8A-4147-A177-3AD203B41FA5}">
+                      <a16:colId xmlns:a16="http://schemas.microsoft.com/office/drawing/2014/main" val="4203103227"/>
+                    </a:ext>
+                  </a:extLst>
+                </a:gridCol>
+                <a:gridCol w="2245995">
+                  <a:extLst>
+                    <a:ext uri="{9D8B030D-6E8A-4147-A177-3AD203B41FA5}">
+                      <a16:colId xmlns:a16="http://schemas.microsoft.com/office/drawing/2014/main" val="1685441160"/>
+                    </a:ext>
+                  </a:extLst>
+                </a:gridCol>
+              </a:tblGrid>
+              <a:tr h="375285">
+                <a:tc gridSpan="3">
+                  <a:txBody>
+                    <a:bodyPr/>
+                    <a:lstStyle/>
+                    <a:p>
+                      <a:pPr algn="ctr">
+                        <a:lnSpc>
+                          <a:spcPct val="107000"/>
+                        </a:lnSpc>
+                        <a:spcAft>
+                          <a:spcPts val="800"/>
+                        </a:spcAft>
+                      </a:pPr>
+                      <a:r>
+                        <a:rPr lang="pt-BR" sz="1200">
+                          <a:effectLst/>
+                        </a:rPr>
+                        <a:t>Distribuição da variável BMI com relação a dados nulos</a:t>
+                      </a:r>
+                      <a:endParaRPr lang="pt-BR" sz="1100">
+                        <a:effectLst/>
+                        <a:latin typeface="Calibri" panose="020F0502020204030204" pitchFamily="34" charset="0"/>
+                        <a:ea typeface="Calibri" panose="020F0502020204030204" pitchFamily="34" charset="0"/>
+                        <a:cs typeface="Times New Roman" panose="02020603050405020304" pitchFamily="18" charset="0"/>
+                      </a:endParaRPr>
+                    </a:p>
+                  </a:txBody>
+                  <a:tcPr marL="68580" marR="68580" marT="0" marB="0" anchor="ctr"/>
+                </a:tc>
+                <a:tc hMerge="1">
+                  <a:txBody>
+                    <a:bodyPr/>
+                    <a:lstStyle/>
+                    <a:p>
+                      <a:endParaRPr lang="pt-BR"/>
+                    </a:p>
+                  </a:txBody>
+                  <a:tcPr/>
+                </a:tc>
+                <a:tc hMerge="1">
+                  <a:txBody>
+                    <a:bodyPr/>
+                    <a:lstStyle/>
+                    <a:p>
+                      <a:endParaRPr lang="pt-BR"/>
+                    </a:p>
+                  </a:txBody>
+                  <a:tcPr/>
+                </a:tc>
+                <a:extLst>
+                  <a:ext uri="{0D108BD9-81ED-4DB2-BD59-A6C34878D82A}">
+                    <a16:rowId xmlns:a16="http://schemas.microsoft.com/office/drawing/2014/main" val="4038456728"/>
+                  </a:ext>
+                </a:extLst>
+              </a:tr>
+              <a:tr h="375285">
+                <a:tc rowSpan="4">
+                  <a:txBody>
+                    <a:bodyPr/>
+                    <a:lstStyle/>
+                    <a:p>
+                      <a:pPr algn="ctr">
+                        <a:lnSpc>
+                          <a:spcPct val="107000"/>
+                        </a:lnSpc>
+                        <a:spcAft>
+                          <a:spcPts val="800"/>
+                        </a:spcAft>
+                      </a:pPr>
+                      <a:r>
+                        <a:rPr lang="pt-BR" sz="1200" dirty="0">
+                          <a:effectLst/>
+                        </a:rPr>
+                        <a:t>Conjunto de dados total</a:t>
+                      </a:r>
+                      <a:endParaRPr lang="pt-BR" sz="1100" dirty="0">
+                        <a:effectLst/>
+                        <a:latin typeface="Calibri" panose="020F0502020204030204" pitchFamily="34" charset="0"/>
+                        <a:ea typeface="Calibri" panose="020F0502020204030204" pitchFamily="34" charset="0"/>
+                        <a:cs typeface="Times New Roman" panose="02020603050405020304" pitchFamily="18" charset="0"/>
+                      </a:endParaRPr>
+                    </a:p>
+                  </a:txBody>
+                  <a:tcPr marL="68580" marR="68580" marT="0" marB="0" anchor="ctr"/>
+                </a:tc>
+                <a:tc rowSpan="2">
+                  <a:txBody>
+                    <a:bodyPr/>
+                    <a:lstStyle/>
+                    <a:p>
+                      <a:pPr algn="ctr">
+                        <a:lnSpc>
+                          <a:spcPct val="107000"/>
+                        </a:lnSpc>
+                        <a:spcAft>
+                          <a:spcPts val="800"/>
+                        </a:spcAft>
+                      </a:pPr>
+                      <a:r>
+                        <a:rPr lang="pt-BR" sz="1200">
+                          <a:effectLst/>
+                        </a:rPr>
+                        <a:t>249 casos de AVC</a:t>
+                      </a:r>
+                      <a:endParaRPr lang="pt-BR" sz="1100">
+                        <a:effectLst/>
+                        <a:latin typeface="Calibri" panose="020F0502020204030204" pitchFamily="34" charset="0"/>
+                        <a:ea typeface="Calibri" panose="020F0502020204030204" pitchFamily="34" charset="0"/>
+                        <a:cs typeface="Times New Roman" panose="02020603050405020304" pitchFamily="18" charset="0"/>
+                      </a:endParaRPr>
+                    </a:p>
+                  </a:txBody>
+                  <a:tcPr marL="68580" marR="68580" marT="0" marB="0" anchor="ctr"/>
+                </a:tc>
+                <a:tc>
+                  <a:txBody>
+                    <a:bodyPr/>
+                    <a:lstStyle/>
+                    <a:p>
+                      <a:pPr algn="ctr">
+                        <a:lnSpc>
+                          <a:spcPct val="107000"/>
+                        </a:lnSpc>
+                        <a:spcAft>
+                          <a:spcPts val="800"/>
+                        </a:spcAft>
+                      </a:pPr>
+                      <a:r>
+                        <a:rPr lang="pt-BR" sz="1200">
+                          <a:effectLst/>
+                        </a:rPr>
+                        <a:t>209 valores não nulos (84%)</a:t>
+                      </a:r>
+                      <a:endParaRPr lang="pt-BR" sz="1100">
+                        <a:effectLst/>
+                        <a:latin typeface="Calibri" panose="020F0502020204030204" pitchFamily="34" charset="0"/>
+                        <a:ea typeface="Calibri" panose="020F0502020204030204" pitchFamily="34" charset="0"/>
+                        <a:cs typeface="Times New Roman" panose="02020603050405020304" pitchFamily="18" charset="0"/>
+                      </a:endParaRPr>
+                    </a:p>
+                  </a:txBody>
+                  <a:tcPr marL="68580" marR="68580" marT="0" marB="0" anchor="ctr"/>
+                </a:tc>
+                <a:extLst>
+                  <a:ext uri="{0D108BD9-81ED-4DB2-BD59-A6C34878D82A}">
+                    <a16:rowId xmlns:a16="http://schemas.microsoft.com/office/drawing/2014/main" val="2417468624"/>
+                  </a:ext>
+                </a:extLst>
+              </a:tr>
+              <a:tr h="369570">
+                <a:tc vMerge="1">
+                  <a:txBody>
+                    <a:bodyPr/>
+                    <a:lstStyle/>
+                    <a:p>
+                      <a:endParaRPr lang="pt-BR"/>
+                    </a:p>
+                  </a:txBody>
+                  <a:tcPr/>
+                </a:tc>
+                <a:tc vMerge="1">
+                  <a:txBody>
+                    <a:bodyPr/>
+                    <a:lstStyle/>
+                    <a:p>
+                      <a:endParaRPr lang="pt-BR"/>
+                    </a:p>
+                  </a:txBody>
+                  <a:tcPr/>
+                </a:tc>
+                <a:tc>
+                  <a:txBody>
+                    <a:bodyPr/>
+                    <a:lstStyle/>
+                    <a:p>
+                      <a:pPr algn="ctr">
+                        <a:lnSpc>
+                          <a:spcPct val="107000"/>
+                        </a:lnSpc>
+                        <a:spcAft>
+                          <a:spcPts val="800"/>
+                        </a:spcAft>
+                      </a:pPr>
+                      <a:r>
+                        <a:rPr lang="pt-BR" sz="1200">
+                          <a:effectLst/>
+                        </a:rPr>
+                        <a:t>40 valores nulos (16%)</a:t>
+                      </a:r>
+                      <a:endParaRPr lang="pt-BR" sz="1100">
+                        <a:effectLst/>
+                        <a:latin typeface="Calibri" panose="020F0502020204030204" pitchFamily="34" charset="0"/>
+                        <a:ea typeface="Calibri" panose="020F0502020204030204" pitchFamily="34" charset="0"/>
+                        <a:cs typeface="Times New Roman" panose="02020603050405020304" pitchFamily="18" charset="0"/>
+                      </a:endParaRPr>
+                    </a:p>
+                  </a:txBody>
+                  <a:tcPr marL="68580" marR="68580" marT="0" marB="0" anchor="ctr"/>
+                </a:tc>
+                <a:extLst>
+                  <a:ext uri="{0D108BD9-81ED-4DB2-BD59-A6C34878D82A}">
+                    <a16:rowId xmlns:a16="http://schemas.microsoft.com/office/drawing/2014/main" val="3193643054"/>
+                  </a:ext>
+                </a:extLst>
+              </a:tr>
+              <a:tr h="431165">
+                <a:tc vMerge="1">
+                  <a:txBody>
+                    <a:bodyPr/>
+                    <a:lstStyle/>
+                    <a:p>
+                      <a:endParaRPr lang="pt-BR"/>
+                    </a:p>
+                  </a:txBody>
+                  <a:tcPr/>
+                </a:tc>
+                <a:tc rowSpan="2">
+                  <a:txBody>
+                    <a:bodyPr/>
+                    <a:lstStyle/>
+                    <a:p>
+                      <a:pPr algn="ctr">
+                        <a:lnSpc>
+                          <a:spcPct val="107000"/>
+                        </a:lnSpc>
+                        <a:spcAft>
+                          <a:spcPts val="800"/>
+                        </a:spcAft>
+                      </a:pPr>
+                      <a:r>
+                        <a:rPr lang="pt-BR" sz="1200">
+                          <a:effectLst/>
+                        </a:rPr>
+                        <a:t>251 casos de não AVC</a:t>
+                      </a:r>
+                      <a:endParaRPr lang="pt-BR" sz="1100">
+                        <a:effectLst/>
+                        <a:latin typeface="Calibri" panose="020F0502020204030204" pitchFamily="34" charset="0"/>
+                        <a:ea typeface="Calibri" panose="020F0502020204030204" pitchFamily="34" charset="0"/>
+                        <a:cs typeface="Times New Roman" panose="02020603050405020304" pitchFamily="18" charset="0"/>
+                      </a:endParaRPr>
+                    </a:p>
+                  </a:txBody>
+                  <a:tcPr marL="68580" marR="68580" marT="0" marB="0" anchor="ctr"/>
+                </a:tc>
+                <a:tc>
+                  <a:txBody>
+                    <a:bodyPr/>
+                    <a:lstStyle/>
+                    <a:p>
+                      <a:pPr algn="ctr">
+                        <a:lnSpc>
+                          <a:spcPct val="107000"/>
+                        </a:lnSpc>
+                        <a:spcAft>
+                          <a:spcPts val="800"/>
+                        </a:spcAft>
+                      </a:pPr>
+                      <a:r>
+                        <a:rPr lang="pt-BR" sz="1200">
+                          <a:effectLst/>
+                        </a:rPr>
+                        <a:t>245 valores não nulos (98%)</a:t>
+                      </a:r>
+                      <a:endParaRPr lang="pt-BR" sz="1100">
+                        <a:effectLst/>
+                        <a:latin typeface="Calibri" panose="020F0502020204030204" pitchFamily="34" charset="0"/>
+                        <a:ea typeface="Calibri" panose="020F0502020204030204" pitchFamily="34" charset="0"/>
+                        <a:cs typeface="Times New Roman" panose="02020603050405020304" pitchFamily="18" charset="0"/>
+                      </a:endParaRPr>
+                    </a:p>
+                  </a:txBody>
+                  <a:tcPr marL="68580" marR="68580" marT="0" marB="0" anchor="ctr"/>
+                </a:tc>
+                <a:extLst>
+                  <a:ext uri="{0D108BD9-81ED-4DB2-BD59-A6C34878D82A}">
+                    <a16:rowId xmlns:a16="http://schemas.microsoft.com/office/drawing/2014/main" val="666317125"/>
+                  </a:ext>
+                </a:extLst>
+              </a:tr>
+              <a:tr h="436245">
+                <a:tc vMerge="1">
+                  <a:txBody>
+                    <a:bodyPr/>
+                    <a:lstStyle/>
+                    <a:p>
+                      <a:endParaRPr lang="pt-BR"/>
+                    </a:p>
+                  </a:txBody>
+                  <a:tcPr/>
+                </a:tc>
+                <a:tc vMerge="1">
+                  <a:txBody>
+                    <a:bodyPr/>
+                    <a:lstStyle/>
+                    <a:p>
+                      <a:endParaRPr lang="pt-BR"/>
+                    </a:p>
+                  </a:txBody>
+                  <a:tcPr/>
+                </a:tc>
+                <a:tc>
+                  <a:txBody>
+                    <a:bodyPr/>
+                    <a:lstStyle/>
+                    <a:p>
+                      <a:pPr algn="ctr">
+                        <a:lnSpc>
+                          <a:spcPct val="107000"/>
+                        </a:lnSpc>
+                        <a:spcAft>
+                          <a:spcPts val="800"/>
+                        </a:spcAft>
+                      </a:pPr>
+                      <a:r>
+                        <a:rPr lang="pt-BR" sz="1200" dirty="0">
+                          <a:effectLst/>
+                        </a:rPr>
+                        <a:t>6 valores nulos (2%)</a:t>
+                      </a:r>
+                      <a:endParaRPr lang="pt-BR" sz="1100" dirty="0">
+                        <a:effectLst/>
+                        <a:latin typeface="Calibri" panose="020F0502020204030204" pitchFamily="34" charset="0"/>
+                        <a:ea typeface="Calibri" panose="020F0502020204030204" pitchFamily="34" charset="0"/>
+                        <a:cs typeface="Times New Roman" panose="02020603050405020304" pitchFamily="18" charset="0"/>
+                      </a:endParaRPr>
+                    </a:p>
+                  </a:txBody>
+                  <a:tcPr marL="68580" marR="68580" marT="0" marB="0" anchor="ctr"/>
+                </a:tc>
+                <a:extLst>
+                  <a:ext uri="{0D108BD9-81ED-4DB2-BD59-A6C34878D82A}">
+                    <a16:rowId xmlns:a16="http://schemas.microsoft.com/office/drawing/2014/main" val="2915108915"/>
+                  </a:ext>
+                </a:extLst>
+              </a:tr>
+            </a:tbl>
+          </a:graphicData>
+        </a:graphic>
+      </p:graphicFrame>
+    </p:spTree>
+    <p:extLst>
+      <p:ext uri="{BB962C8B-B14F-4D97-AF65-F5344CB8AC3E}">
+        <p14:creationId xmlns:p14="http://schemas.microsoft.com/office/powerpoint/2010/main" val="3432276869"/>
+      </p:ext>
+    </p:extLst>
+  </p:cSld>
+  <p:clrMapOvr>
+    <a:masterClrMapping/>
+  </p:clrMapOvr>
+</p:sld>
+</file>
+
+<file path=ppt/slides/slide14.xml><?xml version="1.0" encoding="utf-8"?>
+<p:sld xmlns:a="http://schemas.openxmlformats.org/drawingml/2006/main" xmlns:r="http://schemas.openxmlformats.org/officeDocument/2006/relationships" xmlns:p="http://schemas.openxmlformats.org/presentationml/2006/main">
+  <p:cSld>
+    <p:spTree>
+      <p:nvGrpSpPr>
+        <p:cNvPr id="1" name=""/>
+        <p:cNvGrpSpPr/>
+        <p:nvPr/>
+      </p:nvGrpSpPr>
+      <p:grpSpPr>
+        <a:xfrm>
+          <a:off x="0" y="0"/>
+          <a:ext cx="0" cy="0"/>
+          <a:chOff x="0" y="0"/>
+          <a:chExt cx="0" cy="0"/>
+        </a:xfrm>
+      </p:grpSpPr>
+      <p:sp>
+        <p:nvSpPr>
+          <p:cNvPr id="2" name="Título 1">
+            <a:extLst>
+              <a:ext uri="{FF2B5EF4-FFF2-40B4-BE49-F238E27FC236}">
+                <a16:creationId xmlns:a16="http://schemas.microsoft.com/office/drawing/2014/main" id="{84149C11-9ED8-0425-6D7E-35F12A43F9AA}"/>
+              </a:ext>
+            </a:extLst>
+          </p:cNvPr>
+          <p:cNvSpPr>
+            <a:spLocks noGrp="1"/>
+          </p:cNvSpPr>
+          <p:nvPr>
+            <p:ph type="title"/>
+          </p:nvPr>
+        </p:nvSpPr>
+        <p:spPr/>
+        <p:txBody>
+          <a:bodyPr>
+            <a:normAutofit/>
+          </a:bodyPr>
+          <a:lstStyle/>
+          <a:p>
+            <a:r>
+              <a:rPr lang="pt-BR" sz="3200" dirty="0"/>
+              <a:t>Preparação dos dados – normalização</a:t>
+            </a:r>
+          </a:p>
+        </p:txBody>
+      </p:sp>
+      <p:sp>
+        <p:nvSpPr>
+          <p:cNvPr id="3" name="Espaço Reservado para Conteúdo 2">
+            <a:extLst>
+              <a:ext uri="{FF2B5EF4-FFF2-40B4-BE49-F238E27FC236}">
+                <a16:creationId xmlns:a16="http://schemas.microsoft.com/office/drawing/2014/main" id="{ED5B44EC-AFD8-9AA1-FDE4-CBCB7A90067F}"/>
+              </a:ext>
+            </a:extLst>
+          </p:cNvPr>
+          <p:cNvSpPr>
+            <a:spLocks noGrp="1"/>
+          </p:cNvSpPr>
+          <p:nvPr>
+            <p:ph idx="1"/>
+          </p:nvPr>
+        </p:nvSpPr>
+        <p:spPr/>
+        <p:txBody>
+          <a:bodyPr>
+            <a:normAutofit/>
+          </a:bodyPr>
+          <a:lstStyle/>
+          <a:p>
+            <a:endParaRPr lang="pt-BR" sz="1800" dirty="0">
+              <a:effectLst/>
+              <a:latin typeface="Times New Roman" panose="02020603050405020304" pitchFamily="18" charset="0"/>
+              <a:ea typeface="Calibri" panose="020F0502020204030204" pitchFamily="34" charset="0"/>
+            </a:endParaRPr>
+          </a:p>
+          <a:p>
+            <a:r>
+              <a:rPr lang="pt-BR" sz="1800" dirty="0">
+                <a:solidFill>
+                  <a:srgbClr val="171717"/>
+                </a:solidFill>
+                <a:effectLst/>
+                <a:latin typeface="Calibri" panose="020F0502020204030204" pitchFamily="34" charset="0"/>
+                <a:ea typeface="Calibri" panose="020F0502020204030204" pitchFamily="34" charset="0"/>
+                <a:cs typeface="Times New Roman" panose="02020603050405020304" pitchFamily="18" charset="0"/>
+              </a:rPr>
+              <a:t>Mudar os valores das colunas numéricas para usar uma escala comum sem distorcer as diferenças nos intervalos de valores</a:t>
+            </a:r>
+          </a:p>
+          <a:p>
+            <a:pPr marL="0" indent="0">
+              <a:buNone/>
+            </a:pPr>
+            <a:endParaRPr lang="pt-BR" sz="1800" dirty="0">
+              <a:solidFill>
+                <a:srgbClr val="171717"/>
+              </a:solidFill>
+              <a:effectLst/>
+              <a:latin typeface="Calibri" panose="020F0502020204030204" pitchFamily="34" charset="0"/>
+              <a:ea typeface="Calibri" panose="020F0502020204030204" pitchFamily="34" charset="0"/>
+              <a:cs typeface="Times New Roman" panose="02020603050405020304" pitchFamily="18" charset="0"/>
+            </a:endParaRPr>
+          </a:p>
+          <a:p>
+            <a:r>
+              <a:rPr lang="pt-BR" dirty="0">
+                <a:solidFill>
+                  <a:srgbClr val="171717"/>
+                </a:solidFill>
+                <a:latin typeface="Calibri" panose="020F0502020204030204" pitchFamily="34" charset="0"/>
+                <a:ea typeface="Calibri" panose="020F0502020204030204" pitchFamily="34" charset="0"/>
+                <a:cs typeface="Times New Roman" panose="02020603050405020304" pitchFamily="18" charset="0"/>
+              </a:rPr>
+              <a:t>N</a:t>
+            </a:r>
+            <a:r>
+              <a:rPr lang="pt-BR" sz="1800" dirty="0">
+                <a:solidFill>
+                  <a:srgbClr val="171717"/>
+                </a:solidFill>
+                <a:effectLst/>
+                <a:latin typeface="Calibri" panose="020F0502020204030204" pitchFamily="34" charset="0"/>
+                <a:ea typeface="Calibri" panose="020F0502020204030204" pitchFamily="34" charset="0"/>
+                <a:cs typeface="Times New Roman" panose="02020603050405020304" pitchFamily="18" charset="0"/>
+              </a:rPr>
+              <a:t>ecessária para alguns algoritmos modelarem os dados corretamente</a:t>
+            </a:r>
+          </a:p>
+          <a:p>
+            <a:pPr marL="0" indent="0">
+              <a:buNone/>
+            </a:pPr>
+            <a:endParaRPr lang="pt-BR" i="1" dirty="0">
+              <a:latin typeface="Times New Roman" panose="02020603050405020304" pitchFamily="18" charset="0"/>
+              <a:cs typeface="Times New Roman" panose="02020603050405020304" pitchFamily="18" charset="0"/>
+            </a:endParaRPr>
+          </a:p>
+          <a:p>
+            <a:r>
+              <a:rPr lang="pt-BR" dirty="0">
+                <a:latin typeface="Times New Roman" panose="02020603050405020304" pitchFamily="18" charset="0"/>
+                <a:ea typeface="Calibri" panose="020F0502020204030204" pitchFamily="34" charset="0"/>
+              </a:rPr>
+              <a:t>Normalização escolhida:</a:t>
+            </a:r>
+            <a:r>
+              <a:rPr lang="pt-BR" b="1" dirty="0">
+                <a:latin typeface="Times New Roman" panose="02020603050405020304" pitchFamily="18" charset="0"/>
+                <a:ea typeface="Calibri" panose="020F0502020204030204" pitchFamily="34" charset="0"/>
+              </a:rPr>
+              <a:t> </a:t>
+            </a:r>
+            <a:r>
+              <a:rPr lang="pt-BR" b="1" i="1" dirty="0">
+                <a:latin typeface="Times New Roman" panose="02020603050405020304" pitchFamily="18" charset="0"/>
+                <a:ea typeface="Calibri" panose="020F0502020204030204" pitchFamily="34" charset="0"/>
+              </a:rPr>
+              <a:t>min-</a:t>
+            </a:r>
+            <a:r>
+              <a:rPr lang="pt-BR" b="1" i="1" dirty="0" err="1">
+                <a:latin typeface="Times New Roman" panose="02020603050405020304" pitchFamily="18" charset="0"/>
+                <a:ea typeface="Calibri" panose="020F0502020204030204" pitchFamily="34" charset="0"/>
+              </a:rPr>
+              <a:t>max</a:t>
+            </a:r>
+            <a:endParaRPr lang="pt-BR" b="1" i="1" dirty="0">
+              <a:latin typeface="Times New Roman" panose="02020603050405020304" pitchFamily="18" charset="0"/>
+              <a:cs typeface="Times New Roman" panose="02020603050405020304" pitchFamily="18" charset="0"/>
+            </a:endParaRPr>
+          </a:p>
+          <a:p>
+            <a:pPr lvl="1"/>
+            <a:r>
+              <a:rPr lang="pt-BR" dirty="0">
+                <a:latin typeface="Times New Roman" panose="02020603050405020304" pitchFamily="18" charset="0"/>
+                <a:cs typeface="Times New Roman" panose="02020603050405020304" pitchFamily="18" charset="0"/>
+              </a:rPr>
+              <a:t>redimensiona para o intervalo [0,1] ou [-1, 1]</a:t>
+            </a:r>
+          </a:p>
+          <a:p>
+            <a:pPr lvl="1"/>
+            <a:r>
+              <a:rPr lang="pt-BR" dirty="0">
+                <a:solidFill>
+                  <a:schemeClr val="tx1"/>
+                </a:solidFill>
+                <a:latin typeface="Times New Roman" panose="02020603050405020304" pitchFamily="18" charset="0"/>
+                <a:ea typeface="Calibri" panose="020F0502020204030204" pitchFamily="34" charset="0"/>
+                <a:cs typeface="Times New Roman" panose="02020603050405020304" pitchFamily="18" charset="0"/>
+              </a:rPr>
+              <a:t>lida melhor com dados de distribuição não normal</a:t>
+            </a:r>
+          </a:p>
+        </p:txBody>
+      </p:sp>
+    </p:spTree>
+    <p:extLst>
+      <p:ext uri="{BB962C8B-B14F-4D97-AF65-F5344CB8AC3E}">
+        <p14:creationId xmlns:p14="http://schemas.microsoft.com/office/powerpoint/2010/main" val="472207730"/>
+      </p:ext>
+    </p:extLst>
+  </p:cSld>
+  <p:clrMapOvr>
+    <a:masterClrMapping/>
+  </p:clrMapOvr>
+</p:sld>
+</file>
+
+<file path=ppt/slides/slide15.xml><?xml version="1.0" encoding="utf-8"?>
+<p:sld xmlns:a="http://schemas.openxmlformats.org/drawingml/2006/main" xmlns:r="http://schemas.openxmlformats.org/officeDocument/2006/relationships" xmlns:p="http://schemas.openxmlformats.org/presentationml/2006/main">
+  <p:cSld>
+    <p:spTree>
+      <p:nvGrpSpPr>
+        <p:cNvPr id="1" name=""/>
+        <p:cNvGrpSpPr/>
+        <p:nvPr/>
+      </p:nvGrpSpPr>
+      <p:grpSpPr>
+        <a:xfrm>
+          <a:off x="0" y="0"/>
+          <a:ext cx="0" cy="0"/>
+          <a:chOff x="0" y="0"/>
+          <a:chExt cx="0" cy="0"/>
+        </a:xfrm>
+      </p:grpSpPr>
+      <p:sp>
+        <p:nvSpPr>
+          <p:cNvPr id="2" name="Título 1">
+            <a:extLst>
+              <a:ext uri="{FF2B5EF4-FFF2-40B4-BE49-F238E27FC236}">
+                <a16:creationId xmlns:a16="http://schemas.microsoft.com/office/drawing/2014/main" id="{E044AE5F-6C45-37FC-9916-D3C19DF8BF90}"/>
+              </a:ext>
+            </a:extLst>
+          </p:cNvPr>
+          <p:cNvSpPr>
+            <a:spLocks noGrp="1"/>
+          </p:cNvSpPr>
+          <p:nvPr>
+            <p:ph type="title"/>
+          </p:nvPr>
+        </p:nvSpPr>
+        <p:spPr>
+          <a:xfrm>
+            <a:off x="1386840" y="0"/>
+            <a:ext cx="9418320" cy="4041648"/>
+          </a:xfrm>
+        </p:spPr>
+        <p:txBody>
+          <a:bodyPr>
+            <a:normAutofit/>
+          </a:bodyPr>
+          <a:lstStyle/>
+          <a:p>
+            <a:r>
+              <a:rPr lang="pt-BR" sz="4400" dirty="0"/>
+              <a:t>Modelagem</a:t>
+            </a:r>
+          </a:p>
+        </p:txBody>
+      </p:sp>
+    </p:spTree>
+    <p:extLst>
+      <p:ext uri="{BB962C8B-B14F-4D97-AF65-F5344CB8AC3E}">
+        <p14:creationId xmlns:p14="http://schemas.microsoft.com/office/powerpoint/2010/main" val="1033565583"/>
+      </p:ext>
+    </p:extLst>
+  </p:cSld>
+  <p:clrMapOvr>
+    <a:masterClrMapping/>
+  </p:clrMapOvr>
+</p:sld>
+</file>
+
+<file path=ppt/slides/slide16.xml><?xml version="1.0" encoding="utf-8"?>
+<p:sld xmlns:a="http://schemas.openxmlformats.org/drawingml/2006/main" xmlns:r="http://schemas.openxmlformats.org/officeDocument/2006/relationships" xmlns:p="http://schemas.openxmlformats.org/presentationml/2006/main">
+  <p:cSld>
+    <p:spTree>
+      <p:nvGrpSpPr>
+        <p:cNvPr id="1" name=""/>
+        <p:cNvGrpSpPr/>
+        <p:nvPr/>
+      </p:nvGrpSpPr>
+      <p:grpSpPr>
+        <a:xfrm>
+          <a:off x="0" y="0"/>
+          <a:ext cx="0" cy="0"/>
+          <a:chOff x="0" y="0"/>
+          <a:chExt cx="0" cy="0"/>
+        </a:xfrm>
+      </p:grpSpPr>
+      <p:sp>
+        <p:nvSpPr>
+          <p:cNvPr id="2" name="Título 1">
+            <a:extLst>
+              <a:ext uri="{FF2B5EF4-FFF2-40B4-BE49-F238E27FC236}">
+                <a16:creationId xmlns:a16="http://schemas.microsoft.com/office/drawing/2014/main" id="{84149C11-9ED8-0425-6D7E-35F12A43F9AA}"/>
+              </a:ext>
+            </a:extLst>
+          </p:cNvPr>
+          <p:cNvSpPr>
+            <a:spLocks noGrp="1"/>
+          </p:cNvSpPr>
+          <p:nvPr>
+            <p:ph type="title"/>
+          </p:nvPr>
+        </p:nvSpPr>
+        <p:spPr/>
+        <p:txBody>
+          <a:bodyPr>
+            <a:normAutofit/>
+          </a:bodyPr>
+          <a:lstStyle/>
+          <a:p>
+            <a:r>
+              <a:rPr lang="pt-BR" sz="3200" dirty="0"/>
+              <a:t>Modelagem – algoritmos utilizados</a:t>
+            </a:r>
+          </a:p>
+        </p:txBody>
+      </p:sp>
+      <p:sp>
+        <p:nvSpPr>
+          <p:cNvPr id="3" name="Espaço Reservado para Conteúdo 2">
+            <a:extLst>
+              <a:ext uri="{FF2B5EF4-FFF2-40B4-BE49-F238E27FC236}">
+                <a16:creationId xmlns:a16="http://schemas.microsoft.com/office/drawing/2014/main" id="{ED5B44EC-AFD8-9AA1-FDE4-CBCB7A90067F}"/>
+              </a:ext>
+            </a:extLst>
+          </p:cNvPr>
+          <p:cNvSpPr>
+            <a:spLocks noGrp="1"/>
+          </p:cNvSpPr>
+          <p:nvPr>
+            <p:ph idx="1"/>
+          </p:nvPr>
+        </p:nvSpPr>
+        <p:spPr/>
+        <p:txBody>
+          <a:bodyPr>
+            <a:normAutofit/>
+          </a:bodyPr>
+          <a:lstStyle/>
+          <a:p>
+            <a:pPr marL="0" indent="0">
+              <a:buNone/>
+            </a:pPr>
+            <a:endParaRPr lang="pt-BR" sz="1800" dirty="0">
+              <a:effectLst/>
+              <a:latin typeface="Times New Roman" panose="02020603050405020304" pitchFamily="18" charset="0"/>
+              <a:ea typeface="Calibri" panose="020F0502020204030204" pitchFamily="34" charset="0"/>
+            </a:endParaRPr>
+          </a:p>
+          <a:p>
+            <a:r>
+              <a:rPr lang="pt-BR" dirty="0">
+                <a:latin typeface="Times New Roman" panose="02020603050405020304" pitchFamily="18" charset="0"/>
+                <a:ea typeface="Calibri" panose="020F0502020204030204" pitchFamily="34" charset="0"/>
+                <a:cs typeface="Times New Roman" panose="02020603050405020304" pitchFamily="18" charset="0"/>
+              </a:rPr>
+              <a:t>Algoritmos de aprendizado supervisionado:</a:t>
+            </a:r>
+          </a:p>
+          <a:p>
+            <a:pPr lvl="1"/>
+            <a:r>
+              <a:rPr lang="pt-BR" dirty="0">
+                <a:latin typeface="Times New Roman" panose="02020603050405020304" pitchFamily="18" charset="0"/>
+                <a:ea typeface="Calibri" panose="020F0502020204030204" pitchFamily="34" charset="0"/>
+                <a:cs typeface="Times New Roman" panose="02020603050405020304" pitchFamily="18" charset="0"/>
+              </a:rPr>
+              <a:t>Máquina de vetor de suporte (SVM)</a:t>
+            </a:r>
+          </a:p>
+          <a:p>
+            <a:pPr lvl="1"/>
+            <a:r>
+              <a:rPr lang="pt-BR" dirty="0">
+                <a:latin typeface="Times New Roman" panose="02020603050405020304" pitchFamily="18" charset="0"/>
+                <a:ea typeface="Calibri" panose="020F0502020204030204" pitchFamily="34" charset="0"/>
+                <a:cs typeface="Times New Roman" panose="02020603050405020304" pitchFamily="18" charset="0"/>
+              </a:rPr>
+              <a:t>Floresta aleatória</a:t>
+            </a:r>
+          </a:p>
+          <a:p>
+            <a:pPr marL="274320" lvl="1" indent="0">
+              <a:buNone/>
+            </a:pPr>
+            <a:endParaRPr lang="pt-BR" dirty="0">
+              <a:latin typeface="Times New Roman" panose="02020603050405020304" pitchFamily="18" charset="0"/>
+              <a:ea typeface="Calibri" panose="020F0502020204030204" pitchFamily="34" charset="0"/>
+              <a:cs typeface="Times New Roman" panose="02020603050405020304" pitchFamily="18" charset="0"/>
+            </a:endParaRPr>
+          </a:p>
+          <a:p>
+            <a:r>
+              <a:rPr lang="pt-BR" dirty="0">
+                <a:solidFill>
+                  <a:schemeClr val="tx1"/>
+                </a:solidFill>
+                <a:latin typeface="Times New Roman" panose="02020603050405020304" pitchFamily="18" charset="0"/>
+                <a:ea typeface="Calibri" panose="020F0502020204030204" pitchFamily="34" charset="0"/>
+                <a:cs typeface="Times New Roman" panose="02020603050405020304" pitchFamily="18" charset="0"/>
+              </a:rPr>
+              <a:t>Treinamentos feitos para cada um desses dois com intuito de se escolher o que melhor soluciona o problema</a:t>
+            </a:r>
+          </a:p>
+        </p:txBody>
+      </p:sp>
+    </p:spTree>
+    <p:extLst>
+      <p:ext uri="{BB962C8B-B14F-4D97-AF65-F5344CB8AC3E}">
+        <p14:creationId xmlns:p14="http://schemas.microsoft.com/office/powerpoint/2010/main" val="3233702223"/>
+      </p:ext>
+    </p:extLst>
+  </p:cSld>
+  <p:clrMapOvr>
+    <a:masterClrMapping/>
+  </p:clrMapOvr>
+</p:sld>
+</file>
+
+<file path=ppt/slides/slide17.xml><?xml version="1.0" encoding="utf-8"?>
+<p:sld xmlns:a="http://schemas.openxmlformats.org/drawingml/2006/main" xmlns:r="http://schemas.openxmlformats.org/officeDocument/2006/relationships" xmlns:p="http://schemas.openxmlformats.org/presentationml/2006/main">
+  <p:cSld>
+    <p:spTree>
+      <p:nvGrpSpPr>
+        <p:cNvPr id="1" name=""/>
+        <p:cNvGrpSpPr/>
+        <p:nvPr/>
+      </p:nvGrpSpPr>
+      <p:grpSpPr>
+        <a:xfrm>
+          <a:off x="0" y="0"/>
+          <a:ext cx="0" cy="0"/>
+          <a:chOff x="0" y="0"/>
+          <a:chExt cx="0" cy="0"/>
+        </a:xfrm>
+      </p:grpSpPr>
+      <p:sp>
+        <p:nvSpPr>
+          <p:cNvPr id="2" name="Título 1">
+            <a:extLst>
+              <a:ext uri="{FF2B5EF4-FFF2-40B4-BE49-F238E27FC236}">
+                <a16:creationId xmlns:a16="http://schemas.microsoft.com/office/drawing/2014/main" id="{84149C11-9ED8-0425-6D7E-35F12A43F9AA}"/>
+              </a:ext>
+            </a:extLst>
+          </p:cNvPr>
+          <p:cNvSpPr>
+            <a:spLocks noGrp="1"/>
+          </p:cNvSpPr>
+          <p:nvPr>
+            <p:ph type="title"/>
+          </p:nvPr>
+        </p:nvSpPr>
+        <p:spPr/>
+        <p:txBody>
+          <a:bodyPr>
+            <a:normAutofit/>
+          </a:bodyPr>
+          <a:lstStyle/>
+          <a:p>
+            <a:r>
+              <a:rPr lang="pt-BR" sz="3200" dirty="0"/>
+              <a:t>Modelagem – conjunto para treino e para teste</a:t>
+            </a:r>
+          </a:p>
+        </p:txBody>
+      </p:sp>
+      <p:sp>
+        <p:nvSpPr>
+          <p:cNvPr id="3" name="Espaço Reservado para Conteúdo 2">
+            <a:extLst>
+              <a:ext uri="{FF2B5EF4-FFF2-40B4-BE49-F238E27FC236}">
+                <a16:creationId xmlns:a16="http://schemas.microsoft.com/office/drawing/2014/main" id="{ED5B44EC-AFD8-9AA1-FDE4-CBCB7A90067F}"/>
+              </a:ext>
+            </a:extLst>
+          </p:cNvPr>
+          <p:cNvSpPr>
+            <a:spLocks noGrp="1"/>
+          </p:cNvSpPr>
+          <p:nvPr>
+            <p:ph idx="1"/>
+          </p:nvPr>
+        </p:nvSpPr>
+        <p:spPr/>
+        <p:txBody>
+          <a:bodyPr>
+            <a:normAutofit/>
+          </a:bodyPr>
+          <a:lstStyle/>
+          <a:p>
+            <a:endParaRPr lang="pt-BR" sz="1800" dirty="0">
+              <a:effectLst/>
+              <a:latin typeface="Times New Roman" panose="02020603050405020304" pitchFamily="18" charset="0"/>
+              <a:ea typeface="Calibri" panose="020F0502020204030204" pitchFamily="34" charset="0"/>
+            </a:endParaRPr>
+          </a:p>
+          <a:p>
+            <a:r>
+              <a:rPr lang="pt-BR" dirty="0">
+                <a:latin typeface="Times New Roman" panose="02020603050405020304" pitchFamily="18" charset="0"/>
+                <a:ea typeface="Calibri" panose="020F0502020204030204" pitchFamily="34" charset="0"/>
+                <a:cs typeface="Times New Roman" panose="02020603050405020304" pitchFamily="18" charset="0"/>
+              </a:rPr>
+              <a:t>Validação cruzada com </a:t>
+            </a:r>
+            <a:r>
+              <a:rPr lang="pt-BR" b="1" dirty="0">
+                <a:latin typeface="Times New Roman" panose="02020603050405020304" pitchFamily="18" charset="0"/>
+                <a:ea typeface="Calibri" panose="020F0502020204030204" pitchFamily="34" charset="0"/>
+                <a:cs typeface="Times New Roman" panose="02020603050405020304" pitchFamily="18" charset="0"/>
+              </a:rPr>
+              <a:t>cinco</a:t>
+            </a:r>
+            <a:r>
+              <a:rPr lang="pt-BR" dirty="0">
+                <a:latin typeface="Times New Roman" panose="02020603050405020304" pitchFamily="18" charset="0"/>
+                <a:ea typeface="Calibri" panose="020F0502020204030204" pitchFamily="34" charset="0"/>
+                <a:cs typeface="Times New Roman" panose="02020603050405020304" pitchFamily="18" charset="0"/>
+              </a:rPr>
+              <a:t> dobras diferentes:</a:t>
+            </a:r>
+          </a:p>
+          <a:p>
+            <a:pPr lvl="1"/>
+            <a:r>
+              <a:rPr lang="pt-BR" dirty="0">
+                <a:solidFill>
+                  <a:schemeClr val="tx1"/>
+                </a:solidFill>
+                <a:latin typeface="Times New Roman" panose="02020603050405020304" pitchFamily="18" charset="0"/>
+                <a:ea typeface="Calibri" panose="020F0502020204030204" pitchFamily="34" charset="0"/>
+                <a:cs typeface="Times New Roman" panose="02020603050405020304" pitchFamily="18" charset="0"/>
+              </a:rPr>
+              <a:t>500 elementos totais → 100 elementos por dobra (escolhidos aleatoriamente)</a:t>
+            </a:r>
+          </a:p>
+          <a:p>
+            <a:pPr lvl="1"/>
+            <a:endParaRPr lang="pt-BR" dirty="0">
+              <a:solidFill>
+                <a:schemeClr val="tx1"/>
+              </a:solidFill>
+              <a:latin typeface="Times New Roman" panose="02020603050405020304" pitchFamily="18" charset="0"/>
+              <a:ea typeface="Calibri" panose="020F0502020204030204" pitchFamily="34" charset="0"/>
+              <a:cs typeface="Times New Roman" panose="02020603050405020304" pitchFamily="18" charset="0"/>
+            </a:endParaRPr>
+          </a:p>
+          <a:p>
+            <a:r>
+              <a:rPr lang="pt-BR" dirty="0">
+                <a:solidFill>
+                  <a:schemeClr val="tx1"/>
+                </a:solidFill>
+                <a:latin typeface="Times New Roman" panose="02020603050405020304" pitchFamily="18" charset="0"/>
+                <a:ea typeface="Calibri" panose="020F0502020204030204" pitchFamily="34" charset="0"/>
+                <a:cs typeface="Times New Roman" panose="02020603050405020304" pitchFamily="18" charset="0"/>
+              </a:rPr>
+              <a:t>Uma dobra para teste e as demais para treino </a:t>
+            </a:r>
+          </a:p>
+          <a:p>
+            <a:pPr lvl="1"/>
+            <a:r>
+              <a:rPr lang="pt-BR" dirty="0">
+                <a:solidFill>
+                  <a:schemeClr val="tx1"/>
+                </a:solidFill>
+                <a:latin typeface="Times New Roman" panose="02020603050405020304" pitchFamily="18" charset="0"/>
+                <a:ea typeface="Calibri" panose="020F0502020204030204" pitchFamily="34" charset="0"/>
+                <a:cs typeface="Times New Roman" panose="02020603050405020304" pitchFamily="18" charset="0"/>
+              </a:rPr>
+              <a:t>100 elementos para teste (20% dos dados totais)</a:t>
+            </a:r>
+          </a:p>
+          <a:p>
+            <a:pPr lvl="1"/>
+            <a:r>
+              <a:rPr lang="pt-BR" dirty="0">
+                <a:solidFill>
+                  <a:schemeClr val="tx1"/>
+                </a:solidFill>
+                <a:latin typeface="Times New Roman" panose="02020603050405020304" pitchFamily="18" charset="0"/>
+                <a:ea typeface="Calibri" panose="020F0502020204030204" pitchFamily="34" charset="0"/>
+                <a:cs typeface="Times New Roman" panose="02020603050405020304" pitchFamily="18" charset="0"/>
+              </a:rPr>
+              <a:t>400 elementos para treino (80% dos dados totais)</a:t>
+            </a:r>
+          </a:p>
+          <a:p>
+            <a:pPr lvl="1"/>
+            <a:endParaRPr lang="pt-BR" dirty="0">
+              <a:solidFill>
+                <a:schemeClr val="tx1"/>
+              </a:solidFill>
+              <a:latin typeface="Times New Roman" panose="02020603050405020304" pitchFamily="18" charset="0"/>
+              <a:ea typeface="Calibri" panose="020F0502020204030204" pitchFamily="34" charset="0"/>
+              <a:cs typeface="Times New Roman" panose="02020603050405020304" pitchFamily="18" charset="0"/>
+            </a:endParaRPr>
+          </a:p>
+          <a:p>
+            <a:r>
+              <a:rPr lang="pt-BR" dirty="0">
+                <a:solidFill>
+                  <a:schemeClr val="tx1"/>
+                </a:solidFill>
+                <a:latin typeface="Times New Roman" panose="02020603050405020304" pitchFamily="18" charset="0"/>
+                <a:ea typeface="Calibri" panose="020F0502020204030204" pitchFamily="34" charset="0"/>
+                <a:cs typeface="Times New Roman" panose="02020603050405020304" pitchFamily="18" charset="0"/>
+              </a:rPr>
+              <a:t>Cinco possibilidades de treinamentos e testagens diferentes</a:t>
+            </a:r>
+            <a:endParaRPr lang="pt-BR" dirty="0">
+              <a:latin typeface="Times New Roman" panose="02020603050405020304" pitchFamily="18" charset="0"/>
+              <a:ea typeface="Calibri" panose="020F0502020204030204" pitchFamily="34" charset="0"/>
+              <a:cs typeface="Times New Roman" panose="02020603050405020304" pitchFamily="18" charset="0"/>
+            </a:endParaRPr>
+          </a:p>
+          <a:p>
+            <a:endParaRPr lang="pt-BR" dirty="0">
+              <a:solidFill>
+                <a:schemeClr val="tx1"/>
+              </a:solidFill>
+              <a:latin typeface="Times New Roman" panose="02020603050405020304" pitchFamily="18" charset="0"/>
+              <a:ea typeface="Calibri" panose="020F0502020204030204" pitchFamily="34" charset="0"/>
+              <a:cs typeface="Times New Roman" panose="02020603050405020304" pitchFamily="18" charset="0"/>
+            </a:endParaRPr>
+          </a:p>
+        </p:txBody>
+      </p:sp>
+    </p:spTree>
+    <p:extLst>
+      <p:ext uri="{BB962C8B-B14F-4D97-AF65-F5344CB8AC3E}">
+        <p14:creationId xmlns:p14="http://schemas.microsoft.com/office/powerpoint/2010/main" val="2415063985"/>
+      </p:ext>
+    </p:extLst>
+  </p:cSld>
+  <p:clrMapOvr>
+    <a:masterClrMapping/>
+  </p:clrMapOvr>
+</p:sld>
+</file>
+
+<file path=ppt/slides/slide18.xml><?xml version="1.0" encoding="utf-8"?>
+<p:sld xmlns:a="http://schemas.openxmlformats.org/drawingml/2006/main" xmlns:r="http://schemas.openxmlformats.org/officeDocument/2006/relationships" xmlns:p="http://schemas.openxmlformats.org/presentationml/2006/main">
+  <p:cSld>
+    <p:spTree>
+      <p:nvGrpSpPr>
+        <p:cNvPr id="1" name=""/>
+        <p:cNvGrpSpPr/>
+        <p:nvPr/>
+      </p:nvGrpSpPr>
+      <p:grpSpPr>
+        <a:xfrm>
+          <a:off x="0" y="0"/>
+          <a:ext cx="0" cy="0"/>
+          <a:chOff x="0" y="0"/>
+          <a:chExt cx="0" cy="0"/>
+        </a:xfrm>
+      </p:grpSpPr>
+      <p:sp>
+        <p:nvSpPr>
+          <p:cNvPr id="2" name="Título 1">
+            <a:extLst>
+              <a:ext uri="{FF2B5EF4-FFF2-40B4-BE49-F238E27FC236}">
+                <a16:creationId xmlns:a16="http://schemas.microsoft.com/office/drawing/2014/main" id="{84149C11-9ED8-0425-6D7E-35F12A43F9AA}"/>
+              </a:ext>
+            </a:extLst>
+          </p:cNvPr>
+          <p:cNvSpPr>
+            <a:spLocks noGrp="1"/>
+          </p:cNvSpPr>
+          <p:nvPr>
+            <p:ph type="title"/>
+          </p:nvPr>
+        </p:nvSpPr>
+        <p:spPr/>
+        <p:txBody>
+          <a:bodyPr>
+            <a:normAutofit/>
+          </a:bodyPr>
+          <a:lstStyle/>
+          <a:p>
+            <a:r>
+              <a:rPr lang="pt-BR" sz="3200" dirty="0"/>
+              <a:t>Modelagem – separação treino e teste</a:t>
+            </a:r>
+          </a:p>
+        </p:txBody>
+      </p:sp>
+      <p:sp>
+        <p:nvSpPr>
+          <p:cNvPr id="3" name="Espaço Reservado para Conteúdo 2">
+            <a:extLst>
+              <a:ext uri="{FF2B5EF4-FFF2-40B4-BE49-F238E27FC236}">
+                <a16:creationId xmlns:a16="http://schemas.microsoft.com/office/drawing/2014/main" id="{ED5B44EC-AFD8-9AA1-FDE4-CBCB7A90067F}"/>
+              </a:ext>
+            </a:extLst>
+          </p:cNvPr>
+          <p:cNvSpPr>
+            <a:spLocks noGrp="1"/>
+          </p:cNvSpPr>
+          <p:nvPr>
+            <p:ph idx="1"/>
+          </p:nvPr>
+        </p:nvSpPr>
+        <p:spPr/>
+        <p:txBody>
+          <a:bodyPr>
+            <a:normAutofit/>
+          </a:bodyPr>
+          <a:lstStyle/>
+          <a:p>
+            <a:endParaRPr lang="pt-BR" sz="1800" dirty="0">
+              <a:effectLst/>
+              <a:latin typeface="Times New Roman" panose="02020603050405020304" pitchFamily="18" charset="0"/>
+              <a:ea typeface="Calibri" panose="020F0502020204030204" pitchFamily="34" charset="0"/>
+            </a:endParaRPr>
+          </a:p>
+          <a:p>
+            <a:r>
+              <a:rPr lang="pt-BR" dirty="0">
+                <a:latin typeface="Times New Roman" panose="02020603050405020304" pitchFamily="18" charset="0"/>
+                <a:ea typeface="Calibri" panose="020F0502020204030204" pitchFamily="34" charset="0"/>
+                <a:cs typeface="Times New Roman" panose="02020603050405020304" pitchFamily="18" charset="0"/>
+              </a:rPr>
+              <a:t>Exemplo de validação cruzada com </a:t>
+            </a:r>
+            <a:r>
+              <a:rPr lang="pt-BR" b="1" dirty="0">
+                <a:latin typeface="Times New Roman" panose="02020603050405020304" pitchFamily="18" charset="0"/>
+                <a:ea typeface="Calibri" panose="020F0502020204030204" pitchFamily="34" charset="0"/>
+                <a:cs typeface="Times New Roman" panose="02020603050405020304" pitchFamily="18" charset="0"/>
+              </a:rPr>
+              <a:t>quatro dobras</a:t>
+            </a:r>
+            <a:r>
+              <a:rPr lang="pt-BR" dirty="0">
+                <a:latin typeface="Times New Roman" panose="02020603050405020304" pitchFamily="18" charset="0"/>
+                <a:ea typeface="Calibri" panose="020F0502020204030204" pitchFamily="34" charset="0"/>
+                <a:cs typeface="Times New Roman" panose="02020603050405020304" pitchFamily="18" charset="0"/>
+              </a:rPr>
+              <a:t>:</a:t>
+            </a:r>
+          </a:p>
+          <a:p>
+            <a:pPr marL="0" indent="0">
+              <a:buNone/>
+            </a:pPr>
+            <a:endParaRPr lang="pt-BR" dirty="0">
+              <a:solidFill>
+                <a:schemeClr val="tx1"/>
+              </a:solidFill>
+              <a:latin typeface="Times New Roman" panose="02020603050405020304" pitchFamily="18" charset="0"/>
+              <a:ea typeface="Calibri" panose="020F0502020204030204" pitchFamily="34" charset="0"/>
+              <a:cs typeface="Times New Roman" panose="02020603050405020304" pitchFamily="18" charset="0"/>
+            </a:endParaRPr>
+          </a:p>
+        </p:txBody>
+      </p:sp>
+      <p:pic>
+        <p:nvPicPr>
+          <p:cNvPr id="4" name="Imagem 3">
+            <a:extLst>
+              <a:ext uri="{FF2B5EF4-FFF2-40B4-BE49-F238E27FC236}">
+                <a16:creationId xmlns:a16="http://schemas.microsoft.com/office/drawing/2014/main" id="{E305E68E-E26B-6E3F-30FF-D19D9D35DC21}"/>
+              </a:ext>
+            </a:extLst>
+          </p:cNvPr>
+          <p:cNvPicPr>
+            <a:picLocks noChangeAspect="1"/>
+          </p:cNvPicPr>
+          <p:nvPr/>
+        </p:nvPicPr>
+        <p:blipFill>
+          <a:blip r:embed="rId2">
+            <a:extLst>
+              <a:ext uri="{28A0092B-C50C-407E-A947-70E740481C1C}">
+                <a14:useLocalDpi xmlns:a14="http://schemas.microsoft.com/office/drawing/2010/main" val="0"/>
+              </a:ext>
+            </a:extLst>
+          </a:blip>
+          <a:srcRect/>
+          <a:stretch>
+            <a:fillRect/>
+          </a:stretch>
+        </p:blipFill>
+        <p:spPr bwMode="auto">
+          <a:xfrm>
+            <a:off x="1972818" y="3073399"/>
+            <a:ext cx="7383442" cy="1862138"/>
+          </a:xfrm>
+          <a:prstGeom prst="rect">
+            <a:avLst/>
+          </a:prstGeom>
+          <a:noFill/>
+          <a:ln>
+            <a:noFill/>
+          </a:ln>
+        </p:spPr>
+      </p:pic>
+      <p:sp>
+        <p:nvSpPr>
+          <p:cNvPr id="6" name="CaixaDeTexto 5">
+            <a:extLst>
+              <a:ext uri="{FF2B5EF4-FFF2-40B4-BE49-F238E27FC236}">
+                <a16:creationId xmlns:a16="http://schemas.microsoft.com/office/drawing/2014/main" id="{DD1A9761-6541-A42C-83BE-66BBE2AB89FD}"/>
+              </a:ext>
+            </a:extLst>
+          </p:cNvPr>
+          <p:cNvSpPr txBox="1"/>
+          <p:nvPr/>
+        </p:nvSpPr>
+        <p:spPr>
+          <a:xfrm>
+            <a:off x="2334768" y="5021580"/>
+            <a:ext cx="6652783" cy="276999"/>
+          </a:xfrm>
+          <a:prstGeom prst="rect">
+            <a:avLst/>
+          </a:prstGeom>
+          <a:noFill/>
+        </p:spPr>
+        <p:txBody>
+          <a:bodyPr wrap="none" rtlCol="0">
+            <a:spAutoFit/>
+          </a:bodyPr>
+          <a:lstStyle/>
+          <a:p>
+            <a:r>
+              <a:rPr lang="pt-BR" sz="1200" dirty="0"/>
+              <a:t>Fonte: https://docs.aws.amazon.com/pt_br/machine-learning/latest/dg/cross-validation.html</a:t>
+            </a:r>
+          </a:p>
+        </p:txBody>
+      </p:sp>
+    </p:spTree>
+    <p:extLst>
+      <p:ext uri="{BB962C8B-B14F-4D97-AF65-F5344CB8AC3E}">
+        <p14:creationId xmlns:p14="http://schemas.microsoft.com/office/powerpoint/2010/main" val="449490633"/>
+      </p:ext>
+    </p:extLst>
+  </p:cSld>
+  <p:clrMapOvr>
+    <a:masterClrMapping/>
+  </p:clrMapOvr>
+</p:sld>
+</file>
+
+<file path=ppt/slides/slide19.xml><?xml version="1.0" encoding="utf-8"?>
+<p:sld xmlns:a="http://schemas.openxmlformats.org/drawingml/2006/main" xmlns:r="http://schemas.openxmlformats.org/officeDocument/2006/relationships" xmlns:p="http://schemas.openxmlformats.org/presentationml/2006/main">
+  <p:cSld>
+    <p:spTree>
+      <p:nvGrpSpPr>
+        <p:cNvPr id="1" name=""/>
+        <p:cNvGrpSpPr/>
+        <p:nvPr/>
+      </p:nvGrpSpPr>
+      <p:grpSpPr>
+        <a:xfrm>
+          <a:off x="0" y="0"/>
+          <a:ext cx="0" cy="0"/>
+          <a:chOff x="0" y="0"/>
+          <a:chExt cx="0" cy="0"/>
+        </a:xfrm>
+      </p:grpSpPr>
+      <p:sp>
+        <p:nvSpPr>
+          <p:cNvPr id="2" name="Título 1">
+            <a:extLst>
+              <a:ext uri="{FF2B5EF4-FFF2-40B4-BE49-F238E27FC236}">
+                <a16:creationId xmlns:a16="http://schemas.microsoft.com/office/drawing/2014/main" id="{E044AE5F-6C45-37FC-9916-D3C19DF8BF90}"/>
+              </a:ext>
+            </a:extLst>
+          </p:cNvPr>
+          <p:cNvSpPr>
+            <a:spLocks noGrp="1"/>
+          </p:cNvSpPr>
+          <p:nvPr>
+            <p:ph type="title"/>
+          </p:nvPr>
+        </p:nvSpPr>
+        <p:spPr>
+          <a:xfrm>
+            <a:off x="1386840" y="0"/>
+            <a:ext cx="9418320" cy="4041648"/>
+          </a:xfrm>
+        </p:spPr>
+        <p:txBody>
+          <a:bodyPr>
+            <a:normAutofit/>
+          </a:bodyPr>
+          <a:lstStyle/>
+          <a:p>
+            <a:r>
+              <a:rPr lang="pt-BR" sz="4400" dirty="0"/>
+              <a:t>Avaliação dos resultados</a:t>
+            </a:r>
+          </a:p>
+        </p:txBody>
+      </p:sp>
+    </p:spTree>
+    <p:extLst>
+      <p:ext uri="{BB962C8B-B14F-4D97-AF65-F5344CB8AC3E}">
+        <p14:creationId xmlns:p14="http://schemas.microsoft.com/office/powerpoint/2010/main" val="3761241485"/>
+      </p:ext>
+    </p:extLst>
+  </p:cSld>
+  <p:clrMapOvr>
+    <a:masterClrMapping/>
+  </p:clrMapOvr>
+</p:sld>
+</file>
+
+<file path=ppt/slides/slide2.xml><?xml version="1.0" encoding="utf-8"?>
+<p:sld xmlns:a="http://schemas.openxmlformats.org/drawingml/2006/main" xmlns:r="http://schemas.openxmlformats.org/officeDocument/2006/relationships" xmlns:p="http://schemas.openxmlformats.org/presentationml/2006/main">
+  <p:cSld>
+    <p:spTree>
+      <p:nvGrpSpPr>
+        <p:cNvPr id="1" name=""/>
+        <p:cNvGrpSpPr/>
+        <p:nvPr/>
+      </p:nvGrpSpPr>
+      <p:grpSpPr>
+        <a:xfrm>
+          <a:off x="0" y="0"/>
+          <a:ext cx="0" cy="0"/>
+          <a:chOff x="0" y="0"/>
+          <a:chExt cx="0" cy="0"/>
+        </a:xfrm>
+      </p:grpSpPr>
+      <p:sp>
+        <p:nvSpPr>
+          <p:cNvPr id="2" name="Título 1">
+            <a:extLst>
+              <a:ext uri="{FF2B5EF4-FFF2-40B4-BE49-F238E27FC236}">
+                <a16:creationId xmlns:a16="http://schemas.microsoft.com/office/drawing/2014/main" id="{53E34F15-1401-6555-7E0C-0775BD73A80D}"/>
+              </a:ext>
+            </a:extLst>
+          </p:cNvPr>
+          <p:cNvSpPr>
+            <a:spLocks noGrp="1"/>
+          </p:cNvSpPr>
+          <p:nvPr>
+            <p:ph type="title"/>
+          </p:nvPr>
+        </p:nvSpPr>
+        <p:spPr/>
+        <p:txBody>
+          <a:bodyPr/>
+          <a:lstStyle/>
+          <a:p>
+            <a:r>
+              <a:rPr lang="pt-BR" sz="3600" dirty="0"/>
+              <a:t>Base de dados para criação do classificador</a:t>
+            </a:r>
+            <a:endParaRPr lang="pt-BR" dirty="0"/>
+          </a:p>
+        </p:txBody>
+      </p:sp>
+      <p:sp>
+        <p:nvSpPr>
+          <p:cNvPr id="3" name="Espaço Reservado para Conteúdo 2">
+            <a:extLst>
+              <a:ext uri="{FF2B5EF4-FFF2-40B4-BE49-F238E27FC236}">
+                <a16:creationId xmlns:a16="http://schemas.microsoft.com/office/drawing/2014/main" id="{3954702C-87FE-AE79-69A5-4DEF476A7AED}"/>
+              </a:ext>
+            </a:extLst>
+          </p:cNvPr>
+          <p:cNvSpPr>
+            <a:spLocks noGrp="1"/>
+          </p:cNvSpPr>
+          <p:nvPr>
+            <p:ph idx="1"/>
+          </p:nvPr>
+        </p:nvSpPr>
+        <p:spPr/>
+        <p:txBody>
+          <a:bodyPr>
+            <a:normAutofit fontScale="92500" lnSpcReduction="20000"/>
+          </a:bodyPr>
+          <a:lstStyle/>
+          <a:p>
+            <a:endParaRPr lang="pt-BR" sz="1800" dirty="0">
+              <a:solidFill>
+                <a:srgbClr val="000000"/>
+              </a:solidFill>
+              <a:effectLst/>
+              <a:latin typeface="Times New Roman" panose="02020603050405020304" pitchFamily="18" charset="0"/>
+              <a:ea typeface="Calibri" panose="020F0502020204030204" pitchFamily="34" charset="0"/>
+            </a:endParaRPr>
+          </a:p>
+          <a:p>
+            <a:pPr algn="l" fontAlgn="base"/>
+            <a:r>
+              <a:rPr lang="pt-BR" dirty="0" err="1">
+                <a:latin typeface="Times New Roman" panose="02020603050405020304" pitchFamily="18" charset="0"/>
+                <a:cs typeface="Times New Roman" panose="02020603050405020304" pitchFamily="18" charset="0"/>
+              </a:rPr>
+              <a:t>Stroke</a:t>
+            </a:r>
+            <a:r>
+              <a:rPr lang="pt-BR" dirty="0">
+                <a:latin typeface="Times New Roman" panose="02020603050405020304" pitchFamily="18" charset="0"/>
+                <a:cs typeface="Times New Roman" panose="02020603050405020304" pitchFamily="18" charset="0"/>
+              </a:rPr>
+              <a:t> </a:t>
+            </a:r>
+            <a:r>
+              <a:rPr lang="pt-BR" dirty="0" err="1">
+                <a:latin typeface="Times New Roman" panose="02020603050405020304" pitchFamily="18" charset="0"/>
+                <a:cs typeface="Times New Roman" panose="02020603050405020304" pitchFamily="18" charset="0"/>
+              </a:rPr>
+              <a:t>Prediction</a:t>
+            </a:r>
+            <a:r>
+              <a:rPr lang="pt-BR" dirty="0">
+                <a:latin typeface="Times New Roman" panose="02020603050405020304" pitchFamily="18" charset="0"/>
+                <a:cs typeface="Times New Roman" panose="02020603050405020304" pitchFamily="18" charset="0"/>
+              </a:rPr>
+              <a:t> Dataset</a:t>
+            </a:r>
+            <a:endParaRPr lang="pt-BR" dirty="0">
+              <a:solidFill>
+                <a:srgbClr val="000000"/>
+              </a:solidFill>
+              <a:latin typeface="Times New Roman" panose="02020603050405020304" pitchFamily="18" charset="0"/>
+              <a:cs typeface="Times New Roman" panose="02020603050405020304" pitchFamily="18" charset="0"/>
+            </a:endParaRPr>
+          </a:p>
+          <a:p>
+            <a:pPr lvl="1" fontAlgn="base"/>
+            <a:r>
+              <a:rPr lang="pt-BR" dirty="0">
+                <a:solidFill>
+                  <a:srgbClr val="000000"/>
+                </a:solidFill>
+                <a:latin typeface="Times New Roman" panose="02020603050405020304" pitchFamily="18" charset="0"/>
+                <a:cs typeface="Times New Roman" panose="02020603050405020304" pitchFamily="18" charset="0"/>
+              </a:rPr>
+              <a:t>12 diferentes características e 5110 entradas</a:t>
+            </a:r>
+          </a:p>
+          <a:p>
+            <a:pPr algn="l" fontAlgn="base"/>
+            <a:r>
+              <a:rPr lang="pt-BR" dirty="0">
+                <a:solidFill>
+                  <a:srgbClr val="000000"/>
+                </a:solidFill>
+                <a:latin typeface="Times New Roman" panose="02020603050405020304" pitchFamily="18" charset="0"/>
+                <a:cs typeface="Times New Roman" panose="02020603050405020304" pitchFamily="18" charset="0"/>
+              </a:rPr>
+              <a:t>Informações presentes no conjunto:</a:t>
+            </a:r>
+          </a:p>
+          <a:p>
+            <a:pPr marL="617220" lvl="1" indent="-342900" fontAlgn="base">
+              <a:buFont typeface="+mj-lt"/>
+              <a:buAutoNum type="arabicPeriod"/>
+            </a:pPr>
+            <a:r>
+              <a:rPr lang="en-US" b="1" i="0" dirty="0">
+                <a:effectLst/>
+                <a:latin typeface="Inter"/>
+              </a:rPr>
+              <a:t>id: </a:t>
+            </a:r>
+            <a:r>
+              <a:rPr lang="en-US" b="0" i="0" dirty="0" err="1">
+                <a:effectLst/>
+                <a:latin typeface="Inter"/>
+              </a:rPr>
+              <a:t>identificador</a:t>
+            </a:r>
+            <a:r>
+              <a:rPr lang="en-US" b="0" i="0" dirty="0">
+                <a:effectLst/>
+                <a:latin typeface="Inter"/>
+              </a:rPr>
+              <a:t> </a:t>
+            </a:r>
+            <a:r>
+              <a:rPr lang="en-US" b="0" i="0" dirty="0" err="1">
+                <a:effectLst/>
+                <a:latin typeface="Inter"/>
+              </a:rPr>
+              <a:t>único</a:t>
+            </a:r>
+            <a:endParaRPr lang="en-US" b="0" i="0" dirty="0">
+              <a:effectLst/>
+              <a:latin typeface="Inter"/>
+            </a:endParaRPr>
+          </a:p>
+          <a:p>
+            <a:pPr marL="617220" lvl="1" indent="-342900" fontAlgn="base">
+              <a:buFont typeface="+mj-lt"/>
+              <a:buAutoNum type="arabicPeriod"/>
+            </a:pPr>
+            <a:r>
+              <a:rPr lang="en-US" b="1" i="0" dirty="0">
+                <a:effectLst/>
+                <a:latin typeface="Inter"/>
+              </a:rPr>
+              <a:t>gender: </a:t>
+            </a:r>
+            <a:r>
+              <a:rPr lang="en-US" b="0" i="0" dirty="0" err="1">
+                <a:effectLst/>
+                <a:latin typeface="Inter"/>
+              </a:rPr>
+              <a:t>sexo</a:t>
+            </a:r>
+            <a:endParaRPr lang="en-US" b="0" i="0" dirty="0">
+              <a:effectLst/>
+              <a:latin typeface="Inter"/>
+            </a:endParaRPr>
+          </a:p>
+          <a:p>
+            <a:pPr marL="617220" lvl="1" indent="-342900" fontAlgn="base">
+              <a:buFont typeface="+mj-lt"/>
+              <a:buAutoNum type="arabicPeriod"/>
+            </a:pPr>
+            <a:r>
+              <a:rPr lang="en-US" b="1" i="0" dirty="0">
+                <a:effectLst/>
+                <a:latin typeface="Inter"/>
+              </a:rPr>
+              <a:t>age: </a:t>
+            </a:r>
+            <a:r>
+              <a:rPr lang="en-US" b="0" i="0" dirty="0" err="1">
+                <a:effectLst/>
+                <a:latin typeface="Inter"/>
+              </a:rPr>
+              <a:t>idade</a:t>
+            </a:r>
+            <a:endParaRPr lang="en-US" b="0" i="0" dirty="0">
+              <a:effectLst/>
+              <a:latin typeface="Inter"/>
+            </a:endParaRPr>
+          </a:p>
+          <a:p>
+            <a:pPr marL="617220" lvl="1" indent="-342900" fontAlgn="base">
+              <a:buFont typeface="+mj-lt"/>
+              <a:buAutoNum type="arabicPeriod"/>
+            </a:pPr>
+            <a:r>
+              <a:rPr lang="en-US" b="1" i="0" dirty="0">
+                <a:effectLst/>
+                <a:latin typeface="Inter"/>
+              </a:rPr>
+              <a:t>hypertension: </a:t>
+            </a:r>
+            <a:r>
+              <a:rPr lang="en-US" i="0" dirty="0">
+                <a:effectLst/>
+                <a:latin typeface="Inter"/>
+              </a:rPr>
+              <a:t>indica se o </a:t>
+            </a:r>
+            <a:r>
+              <a:rPr lang="en-US" i="0" dirty="0" err="1">
+                <a:effectLst/>
+                <a:latin typeface="Inter"/>
+              </a:rPr>
+              <a:t>paciente</a:t>
+            </a:r>
+            <a:r>
+              <a:rPr lang="en-US" i="0" dirty="0">
+                <a:effectLst/>
+                <a:latin typeface="Inter"/>
+              </a:rPr>
+              <a:t> </a:t>
+            </a:r>
+            <a:r>
+              <a:rPr lang="en-US" i="0" dirty="0" err="1">
+                <a:effectLst/>
+                <a:latin typeface="Inter"/>
+              </a:rPr>
+              <a:t>tem</a:t>
+            </a:r>
+            <a:r>
+              <a:rPr lang="en-US" i="0" dirty="0">
+                <a:effectLst/>
+                <a:latin typeface="Inter"/>
+              </a:rPr>
+              <a:t> </a:t>
+            </a:r>
+            <a:r>
+              <a:rPr lang="en-US" i="0" dirty="0" err="1">
+                <a:effectLst/>
+                <a:latin typeface="Inter"/>
+              </a:rPr>
+              <a:t>hipertensão</a:t>
+            </a:r>
+            <a:endParaRPr lang="en-US" i="0" dirty="0">
+              <a:effectLst/>
+              <a:latin typeface="Inter"/>
+            </a:endParaRPr>
+          </a:p>
+          <a:p>
+            <a:pPr marL="617220" lvl="1" indent="-342900" fontAlgn="base">
+              <a:buFont typeface="+mj-lt"/>
+              <a:buAutoNum type="arabicPeriod"/>
+            </a:pPr>
+            <a:r>
+              <a:rPr lang="en-US" b="1" i="0" dirty="0" err="1">
+                <a:effectLst/>
+                <a:latin typeface="Inter"/>
+              </a:rPr>
+              <a:t>heart_disease</a:t>
+            </a:r>
+            <a:r>
+              <a:rPr lang="en-US" b="1" i="0" dirty="0">
+                <a:effectLst/>
+                <a:latin typeface="Inter"/>
+              </a:rPr>
+              <a:t>: </a:t>
+            </a:r>
+            <a:r>
+              <a:rPr lang="en-US" b="0" i="0" dirty="0">
+                <a:effectLst/>
+                <a:latin typeface="Inter"/>
+              </a:rPr>
+              <a:t>indica se o </a:t>
+            </a:r>
+            <a:r>
+              <a:rPr lang="en-US" b="0" i="0" dirty="0" err="1">
+                <a:effectLst/>
+                <a:latin typeface="Inter"/>
+              </a:rPr>
+              <a:t>paciente</a:t>
+            </a:r>
+            <a:r>
+              <a:rPr lang="en-US" b="0" i="0" dirty="0">
+                <a:effectLst/>
+                <a:latin typeface="Inter"/>
+              </a:rPr>
+              <a:t> </a:t>
+            </a:r>
+            <a:r>
+              <a:rPr lang="en-US" b="0" i="0" dirty="0" err="1">
+                <a:effectLst/>
+                <a:latin typeface="Inter"/>
+              </a:rPr>
+              <a:t>tem</a:t>
+            </a:r>
+            <a:r>
+              <a:rPr lang="en-US" b="0" i="0" dirty="0">
+                <a:effectLst/>
+                <a:latin typeface="Inter"/>
+              </a:rPr>
+              <a:t> </a:t>
+            </a:r>
+            <a:r>
+              <a:rPr lang="en-US" b="0" i="0" dirty="0" err="1">
+                <a:effectLst/>
+                <a:latin typeface="Inter"/>
+              </a:rPr>
+              <a:t>alguma</a:t>
+            </a:r>
+            <a:r>
+              <a:rPr lang="en-US" b="0" i="0" dirty="0">
+                <a:effectLst/>
+                <a:latin typeface="Inter"/>
+              </a:rPr>
+              <a:t> </a:t>
+            </a:r>
+            <a:r>
+              <a:rPr lang="en-US" b="0" i="0" dirty="0" err="1">
+                <a:effectLst/>
+                <a:latin typeface="Inter"/>
+              </a:rPr>
+              <a:t>doença</a:t>
+            </a:r>
+            <a:r>
+              <a:rPr lang="en-US" b="0" i="0" dirty="0">
+                <a:effectLst/>
+                <a:latin typeface="Inter"/>
+              </a:rPr>
+              <a:t> </a:t>
+            </a:r>
+            <a:r>
+              <a:rPr lang="en-US" b="0" i="0" dirty="0" err="1">
+                <a:effectLst/>
+                <a:latin typeface="Inter"/>
+              </a:rPr>
+              <a:t>cardíaca</a:t>
+            </a:r>
+            <a:endParaRPr lang="en-US" b="0" i="0" dirty="0">
+              <a:effectLst/>
+              <a:latin typeface="Inter"/>
+            </a:endParaRPr>
+          </a:p>
+          <a:p>
+            <a:pPr marL="617220" lvl="1" indent="-342900" fontAlgn="base">
+              <a:buFont typeface="+mj-lt"/>
+              <a:buAutoNum type="arabicPeriod"/>
+            </a:pPr>
+            <a:r>
+              <a:rPr lang="en-US" b="1" i="0" dirty="0" err="1">
+                <a:effectLst/>
+                <a:latin typeface="Inter"/>
+              </a:rPr>
+              <a:t>ever_married</a:t>
+            </a:r>
+            <a:r>
+              <a:rPr lang="en-US" b="1" i="0" dirty="0">
+                <a:effectLst/>
+                <a:latin typeface="Inter"/>
+              </a:rPr>
+              <a:t>: </a:t>
+            </a:r>
+            <a:r>
+              <a:rPr lang="en-US" b="0" i="0" dirty="0">
+                <a:effectLst/>
+                <a:latin typeface="Inter"/>
+              </a:rPr>
+              <a:t>indica se o </a:t>
+            </a:r>
+            <a:r>
+              <a:rPr lang="en-US" b="0" i="0" dirty="0" err="1">
+                <a:effectLst/>
+                <a:latin typeface="Inter"/>
+              </a:rPr>
+              <a:t>paciente</a:t>
+            </a:r>
+            <a:r>
+              <a:rPr lang="en-US" b="0" i="0" dirty="0">
+                <a:effectLst/>
+                <a:latin typeface="Inter"/>
+              </a:rPr>
+              <a:t> é </a:t>
+            </a:r>
+            <a:r>
+              <a:rPr lang="en-US" b="0" i="0" dirty="0" err="1">
+                <a:effectLst/>
+                <a:latin typeface="Inter"/>
+              </a:rPr>
+              <a:t>casado</a:t>
+            </a:r>
+            <a:endParaRPr lang="en-US" b="0" i="0" dirty="0">
+              <a:effectLst/>
+              <a:latin typeface="Inter"/>
+            </a:endParaRPr>
+          </a:p>
+          <a:p>
+            <a:pPr marL="617220" lvl="1" indent="-342900" fontAlgn="base">
+              <a:buFont typeface="+mj-lt"/>
+              <a:buAutoNum type="arabicPeriod"/>
+            </a:pPr>
+            <a:r>
+              <a:rPr lang="en-US" b="1" i="0" dirty="0" err="1">
+                <a:effectLst/>
+                <a:latin typeface="Inter"/>
+              </a:rPr>
+              <a:t>work_type</a:t>
+            </a:r>
+            <a:r>
+              <a:rPr lang="en-US" b="1" i="0" dirty="0">
+                <a:effectLst/>
+                <a:latin typeface="Inter"/>
+              </a:rPr>
+              <a:t>: </a:t>
+            </a:r>
+            <a:r>
+              <a:rPr lang="en-US" b="0" i="0" dirty="0">
+                <a:effectLst/>
+                <a:latin typeface="Inter"/>
+              </a:rPr>
+              <a:t>indica se o </a:t>
+            </a:r>
+            <a:r>
+              <a:rPr lang="en-US" b="0" i="0" dirty="0" err="1">
+                <a:effectLst/>
+                <a:latin typeface="Inter"/>
+              </a:rPr>
+              <a:t>paciente</a:t>
+            </a:r>
+            <a:r>
+              <a:rPr lang="en-US" b="0" i="0" dirty="0">
+                <a:effectLst/>
+                <a:latin typeface="Inter"/>
+              </a:rPr>
+              <a:t> </a:t>
+            </a:r>
+            <a:r>
+              <a:rPr lang="en-US" b="0" i="0" dirty="0" err="1">
+                <a:effectLst/>
+                <a:latin typeface="Inter"/>
+              </a:rPr>
+              <a:t>trabalha</a:t>
+            </a:r>
+            <a:r>
+              <a:rPr lang="en-US" b="0" i="0" dirty="0">
+                <a:effectLst/>
+                <a:latin typeface="Inter"/>
+              </a:rPr>
+              <a:t> e, se sim, qual o </a:t>
+            </a:r>
+            <a:r>
+              <a:rPr lang="en-US" b="0" i="0" dirty="0" err="1">
+                <a:effectLst/>
+                <a:latin typeface="Inter"/>
+              </a:rPr>
+              <a:t>tipo</a:t>
+            </a:r>
+            <a:r>
+              <a:rPr lang="en-US" b="0" i="0" dirty="0">
+                <a:effectLst/>
+                <a:latin typeface="Inter"/>
+              </a:rPr>
+              <a:t> de </a:t>
+            </a:r>
+            <a:r>
+              <a:rPr lang="en-US" b="0" i="0" dirty="0" err="1">
+                <a:effectLst/>
+                <a:latin typeface="Inter"/>
+              </a:rPr>
+              <a:t>emprego</a:t>
+            </a:r>
+            <a:endParaRPr lang="en-US" b="0" i="0" dirty="0">
+              <a:effectLst/>
+              <a:latin typeface="Inter"/>
+            </a:endParaRPr>
+          </a:p>
+          <a:p>
+            <a:pPr marL="617220" lvl="1" indent="-342900" fontAlgn="base">
+              <a:buFont typeface="+mj-lt"/>
+              <a:buAutoNum type="arabicPeriod"/>
+            </a:pPr>
+            <a:r>
+              <a:rPr lang="en-US" b="1" i="0" dirty="0" err="1">
+                <a:effectLst/>
+                <a:latin typeface="Inter"/>
+              </a:rPr>
+              <a:t>Residence_type</a:t>
+            </a:r>
+            <a:r>
+              <a:rPr lang="en-US" b="1" i="0" dirty="0">
+                <a:effectLst/>
+                <a:latin typeface="Inter"/>
+              </a:rPr>
+              <a:t>: </a:t>
+            </a:r>
+            <a:r>
+              <a:rPr lang="en-US" b="0" i="0" dirty="0" err="1">
+                <a:effectLst/>
+                <a:latin typeface="Inter"/>
+              </a:rPr>
+              <a:t>tipo</a:t>
+            </a:r>
+            <a:r>
+              <a:rPr lang="en-US" b="0" i="0" dirty="0">
+                <a:effectLst/>
+                <a:latin typeface="Inter"/>
+              </a:rPr>
+              <a:t> de residencia, rural </a:t>
+            </a:r>
+            <a:r>
+              <a:rPr lang="en-US" b="0" i="0" dirty="0" err="1">
+                <a:effectLst/>
+                <a:latin typeface="Inter"/>
+              </a:rPr>
+              <a:t>ou</a:t>
+            </a:r>
+            <a:r>
+              <a:rPr lang="en-US" b="0" i="0" dirty="0">
+                <a:effectLst/>
+                <a:latin typeface="Inter"/>
+              </a:rPr>
+              <a:t> </a:t>
+            </a:r>
+            <a:r>
+              <a:rPr lang="en-US" b="0" i="0" dirty="0" err="1">
+                <a:effectLst/>
+                <a:latin typeface="Inter"/>
+              </a:rPr>
+              <a:t>urbana</a:t>
+            </a:r>
+            <a:endParaRPr lang="en-US" b="0" i="0" dirty="0">
+              <a:effectLst/>
+              <a:latin typeface="Inter"/>
+            </a:endParaRPr>
+          </a:p>
+          <a:p>
+            <a:pPr marL="617220" lvl="1" indent="-342900" fontAlgn="base">
+              <a:buFont typeface="+mj-lt"/>
+              <a:buAutoNum type="arabicPeriod"/>
+            </a:pPr>
+            <a:r>
+              <a:rPr lang="en-US" b="1" i="0" dirty="0" err="1">
+                <a:effectLst/>
+                <a:latin typeface="Inter"/>
+              </a:rPr>
+              <a:t>avg_glucose_level</a:t>
+            </a:r>
+            <a:r>
+              <a:rPr lang="en-US" b="1" i="0" dirty="0">
+                <a:effectLst/>
+                <a:latin typeface="Inter"/>
+              </a:rPr>
+              <a:t>: </a:t>
+            </a:r>
+            <a:r>
+              <a:rPr lang="en-US" b="0" i="0" dirty="0">
+                <a:effectLst/>
+                <a:latin typeface="Inter"/>
+              </a:rPr>
+              <a:t>media do </a:t>
+            </a:r>
+            <a:r>
+              <a:rPr lang="en-US" b="0" i="0" dirty="0" err="1">
+                <a:effectLst/>
+                <a:latin typeface="Inter"/>
+              </a:rPr>
+              <a:t>nível</a:t>
+            </a:r>
+            <a:r>
+              <a:rPr lang="en-US" b="0" i="0" dirty="0">
+                <a:effectLst/>
+                <a:latin typeface="Inter"/>
+              </a:rPr>
+              <a:t> de </a:t>
+            </a:r>
+            <a:r>
+              <a:rPr lang="en-US" b="0" i="0" dirty="0" err="1">
+                <a:effectLst/>
+                <a:latin typeface="Inter"/>
+              </a:rPr>
+              <a:t>glicose</a:t>
+            </a:r>
+            <a:r>
+              <a:rPr lang="en-US" b="0" i="0" dirty="0">
+                <a:effectLst/>
+                <a:latin typeface="Inter"/>
+              </a:rPr>
+              <a:t> no </a:t>
+            </a:r>
+            <a:r>
+              <a:rPr lang="en-US" b="0" i="0" dirty="0" err="1">
+                <a:effectLst/>
+                <a:latin typeface="Inter"/>
+              </a:rPr>
+              <a:t>sangue</a:t>
+            </a:r>
+            <a:r>
+              <a:rPr lang="en-US" b="0" i="0" dirty="0">
+                <a:effectLst/>
+                <a:latin typeface="Inter"/>
+              </a:rPr>
+              <a:t> do </a:t>
+            </a:r>
+            <a:r>
+              <a:rPr lang="en-US" b="0" i="0" dirty="0" err="1">
+                <a:effectLst/>
+                <a:latin typeface="Inter"/>
+              </a:rPr>
+              <a:t>paciente</a:t>
+            </a:r>
+            <a:endParaRPr lang="en-US" b="0" i="0" dirty="0">
+              <a:effectLst/>
+              <a:latin typeface="Inter"/>
+            </a:endParaRPr>
+          </a:p>
+          <a:p>
+            <a:pPr marL="617220" lvl="1" indent="-342900" fontAlgn="base">
+              <a:buFont typeface="+mj-lt"/>
+              <a:buAutoNum type="arabicPeriod"/>
+            </a:pPr>
+            <a:r>
+              <a:rPr lang="en-US" b="1" i="0" dirty="0" err="1">
+                <a:effectLst/>
+                <a:latin typeface="Inter"/>
+              </a:rPr>
+              <a:t>bmi</a:t>
+            </a:r>
+            <a:r>
+              <a:rPr lang="en-US" b="1" i="0" dirty="0">
+                <a:effectLst/>
+                <a:latin typeface="Inter"/>
+              </a:rPr>
+              <a:t>: </a:t>
+            </a:r>
+            <a:r>
+              <a:rPr lang="en-US" b="0" i="0" dirty="0" err="1">
+                <a:effectLst/>
+                <a:latin typeface="Inter"/>
+              </a:rPr>
+              <a:t>índice</a:t>
+            </a:r>
+            <a:r>
+              <a:rPr lang="en-US" b="0" i="0" dirty="0">
+                <a:effectLst/>
+                <a:latin typeface="Inter"/>
+              </a:rPr>
+              <a:t> de </a:t>
+            </a:r>
+            <a:r>
+              <a:rPr lang="en-US" b="0" i="0" dirty="0" err="1">
+                <a:effectLst/>
+                <a:latin typeface="Inter"/>
+              </a:rPr>
+              <a:t>massa</a:t>
+            </a:r>
+            <a:r>
+              <a:rPr lang="en-US" b="0" i="0" dirty="0">
+                <a:effectLst/>
+                <a:latin typeface="Inter"/>
+              </a:rPr>
+              <a:t> corporal (</a:t>
+            </a:r>
+            <a:r>
+              <a:rPr lang="en-US" b="0" i="0" dirty="0" err="1">
+                <a:effectLst/>
+                <a:latin typeface="Inter"/>
+              </a:rPr>
+              <a:t>padrão</a:t>
+            </a:r>
+            <a:r>
+              <a:rPr lang="en-US" b="0" i="0" dirty="0">
+                <a:effectLst/>
+                <a:latin typeface="Inter"/>
+              </a:rPr>
+              <a:t> americano)</a:t>
+            </a:r>
+          </a:p>
+          <a:p>
+            <a:pPr marL="617220" lvl="1" indent="-342900" fontAlgn="base">
+              <a:buFont typeface="+mj-lt"/>
+              <a:buAutoNum type="arabicPeriod"/>
+            </a:pPr>
+            <a:r>
+              <a:rPr lang="en-US" b="1" i="0" dirty="0" err="1">
+                <a:effectLst/>
+                <a:latin typeface="Inter"/>
+              </a:rPr>
+              <a:t>smoking_status</a:t>
+            </a:r>
+            <a:r>
+              <a:rPr lang="en-US" b="1" i="0" dirty="0">
+                <a:effectLst/>
+                <a:latin typeface="Inter"/>
+              </a:rPr>
+              <a:t>: </a:t>
+            </a:r>
+            <a:r>
+              <a:rPr lang="en-US" b="0" i="0" dirty="0" err="1">
+                <a:effectLst/>
+                <a:latin typeface="Inter"/>
+              </a:rPr>
+              <a:t>situação</a:t>
+            </a:r>
+            <a:r>
+              <a:rPr lang="en-US" b="0" i="0" dirty="0">
+                <a:effectLst/>
+                <a:latin typeface="Inter"/>
+              </a:rPr>
+              <a:t> do </a:t>
+            </a:r>
+            <a:r>
+              <a:rPr lang="en-US" b="0" i="0" dirty="0" err="1">
+                <a:effectLst/>
+                <a:latin typeface="Inter"/>
+              </a:rPr>
+              <a:t>paciente</a:t>
+            </a:r>
+            <a:r>
+              <a:rPr lang="en-US" b="0" i="0" dirty="0">
+                <a:effectLst/>
+                <a:latin typeface="Inter"/>
+              </a:rPr>
+              <a:t> com </a:t>
+            </a:r>
+            <a:r>
+              <a:rPr lang="en-US" b="0" i="0" dirty="0" err="1">
+                <a:effectLst/>
+                <a:latin typeface="Inter"/>
+              </a:rPr>
+              <a:t>relação</a:t>
+            </a:r>
+            <a:r>
+              <a:rPr lang="en-US" b="0" i="0" dirty="0">
+                <a:effectLst/>
+                <a:latin typeface="Inter"/>
+              </a:rPr>
+              <a:t> a </a:t>
+            </a:r>
+            <a:r>
+              <a:rPr lang="en-US" b="0" i="0" dirty="0" err="1">
+                <a:effectLst/>
+                <a:latin typeface="Inter"/>
+              </a:rPr>
+              <a:t>fumar</a:t>
+            </a:r>
+            <a:endParaRPr lang="en-US" b="0" i="0" dirty="0">
+              <a:effectLst/>
+              <a:latin typeface="Inter"/>
+            </a:endParaRPr>
+          </a:p>
+          <a:p>
+            <a:pPr marL="617220" lvl="1" indent="-342900" fontAlgn="base">
+              <a:buFont typeface="+mj-lt"/>
+              <a:buAutoNum type="arabicPeriod"/>
+            </a:pPr>
+            <a:r>
+              <a:rPr lang="en-US" b="1" i="0" dirty="0">
+                <a:effectLst/>
+                <a:latin typeface="Inter"/>
+              </a:rPr>
+              <a:t>stroke: </a:t>
+            </a:r>
+            <a:r>
+              <a:rPr lang="en-US" b="0" i="0" dirty="0">
+                <a:effectLst/>
+                <a:latin typeface="Inter"/>
+              </a:rPr>
+              <a:t>indica se o </a:t>
+            </a:r>
+            <a:r>
+              <a:rPr lang="en-US" b="0" i="0" dirty="0" err="1">
+                <a:effectLst/>
+                <a:latin typeface="Inter"/>
+              </a:rPr>
+              <a:t>paciente</a:t>
+            </a:r>
+            <a:r>
+              <a:rPr lang="en-US" b="0" i="0" dirty="0">
+                <a:effectLst/>
+                <a:latin typeface="Inter"/>
+              </a:rPr>
+              <a:t> </a:t>
+            </a:r>
+            <a:r>
+              <a:rPr lang="en-US" b="0" i="0" dirty="0" err="1">
+                <a:effectLst/>
+                <a:latin typeface="Inter"/>
+              </a:rPr>
+              <a:t>teve</a:t>
+            </a:r>
+            <a:r>
+              <a:rPr lang="en-US" b="0" i="0" dirty="0">
+                <a:effectLst/>
+                <a:latin typeface="Inter"/>
+              </a:rPr>
+              <a:t> </a:t>
+            </a:r>
+            <a:r>
+              <a:rPr lang="en-US" b="0" i="0" dirty="0" err="1">
+                <a:effectLst/>
+                <a:latin typeface="Inter"/>
+              </a:rPr>
+              <a:t>ou</a:t>
+            </a:r>
+            <a:r>
+              <a:rPr lang="en-US" b="0" i="0" dirty="0">
+                <a:effectLst/>
+                <a:latin typeface="Inter"/>
+              </a:rPr>
+              <a:t> </a:t>
+            </a:r>
+            <a:r>
+              <a:rPr lang="en-US" b="0" i="0" dirty="0" err="1">
+                <a:effectLst/>
+                <a:latin typeface="Inter"/>
+              </a:rPr>
+              <a:t>não</a:t>
+            </a:r>
+            <a:r>
+              <a:rPr lang="en-US" b="0" i="0" dirty="0">
+                <a:effectLst/>
+                <a:latin typeface="Inter"/>
+              </a:rPr>
+              <a:t> </a:t>
+            </a:r>
+            <a:r>
+              <a:rPr lang="en-US" b="0" i="0" dirty="0" err="1">
+                <a:effectLst/>
+                <a:latin typeface="Inter"/>
+              </a:rPr>
+              <a:t>avc</a:t>
+            </a:r>
+            <a:endParaRPr lang="pt-BR" b="0" i="0" dirty="0">
+              <a:effectLst/>
+              <a:latin typeface="Times New Roman" panose="02020603050405020304" pitchFamily="18" charset="0"/>
+              <a:cs typeface="Times New Roman" panose="02020603050405020304" pitchFamily="18" charset="0"/>
+            </a:endParaRPr>
+          </a:p>
+          <a:p>
+            <a:pPr lvl="1" fontAlgn="base"/>
+            <a:endParaRPr lang="pt-BR" dirty="0">
+              <a:latin typeface="Times New Roman" panose="02020603050405020304" pitchFamily="18" charset="0"/>
+              <a:cs typeface="Times New Roman" panose="02020603050405020304" pitchFamily="18" charset="0"/>
+            </a:endParaRPr>
+          </a:p>
+          <a:p>
+            <a:pPr fontAlgn="base"/>
+            <a:endParaRPr lang="en-US" b="0" i="0" dirty="0">
+              <a:effectLst/>
+              <a:latin typeface="Inter"/>
+            </a:endParaRPr>
+          </a:p>
+        </p:txBody>
+      </p:sp>
+    </p:spTree>
+    <p:extLst>
+      <p:ext uri="{BB962C8B-B14F-4D97-AF65-F5344CB8AC3E}">
+        <p14:creationId xmlns:p14="http://schemas.microsoft.com/office/powerpoint/2010/main" val="1319688595"/>
+      </p:ext>
+    </p:extLst>
+  </p:cSld>
+  <p:clrMapOvr>
+    <a:masterClrMapping/>
+  </p:clrMapOvr>
+</p:sld>
+</file>
+
+<file path=ppt/slides/slide20.xml><?xml version="1.0" encoding="utf-8"?>
+<p:sld xmlns:a="http://schemas.openxmlformats.org/drawingml/2006/main" xmlns:r="http://schemas.openxmlformats.org/officeDocument/2006/relationships" xmlns:p="http://schemas.openxmlformats.org/presentationml/2006/main">
+  <p:cSld>
+    <p:spTree>
+      <p:nvGrpSpPr>
+        <p:cNvPr id="1" name=""/>
+        <p:cNvGrpSpPr/>
+        <p:nvPr/>
+      </p:nvGrpSpPr>
+      <p:grpSpPr>
+        <a:xfrm>
+          <a:off x="0" y="0"/>
+          <a:ext cx="0" cy="0"/>
+          <a:chOff x="0" y="0"/>
+          <a:chExt cx="0" cy="0"/>
+        </a:xfrm>
+      </p:grpSpPr>
+      <p:sp>
+        <p:nvSpPr>
+          <p:cNvPr id="2" name="Título 1">
+            <a:extLst>
+              <a:ext uri="{FF2B5EF4-FFF2-40B4-BE49-F238E27FC236}">
+                <a16:creationId xmlns:a16="http://schemas.microsoft.com/office/drawing/2014/main" id="{84149C11-9ED8-0425-6D7E-35F12A43F9AA}"/>
+              </a:ext>
+            </a:extLst>
+          </p:cNvPr>
+          <p:cNvSpPr>
+            <a:spLocks noGrp="1"/>
+          </p:cNvSpPr>
+          <p:nvPr>
+            <p:ph type="title"/>
+          </p:nvPr>
+        </p:nvSpPr>
+        <p:spPr/>
+        <p:txBody>
+          <a:bodyPr>
+            <a:normAutofit/>
+          </a:bodyPr>
+          <a:lstStyle/>
+          <a:p>
+            <a:r>
+              <a:rPr lang="pt-BR" sz="3200" dirty="0"/>
+              <a:t>Avaliação dos resultados – métricas escolhidas</a:t>
+            </a:r>
+          </a:p>
+        </p:txBody>
+      </p:sp>
+      <p:sp>
+        <p:nvSpPr>
+          <p:cNvPr id="3" name="Espaço Reservado para Conteúdo 2">
+            <a:extLst>
+              <a:ext uri="{FF2B5EF4-FFF2-40B4-BE49-F238E27FC236}">
+                <a16:creationId xmlns:a16="http://schemas.microsoft.com/office/drawing/2014/main" id="{ED5B44EC-AFD8-9AA1-FDE4-CBCB7A90067F}"/>
+              </a:ext>
+            </a:extLst>
+          </p:cNvPr>
+          <p:cNvSpPr>
+            <a:spLocks noGrp="1"/>
+          </p:cNvSpPr>
+          <p:nvPr>
+            <p:ph idx="1"/>
+          </p:nvPr>
+        </p:nvSpPr>
+        <p:spPr/>
+        <p:txBody>
+          <a:bodyPr>
+            <a:normAutofit/>
+          </a:bodyPr>
+          <a:lstStyle/>
+          <a:p>
+            <a:endParaRPr lang="pt-BR" sz="1800" dirty="0">
+              <a:effectLst/>
+              <a:latin typeface="Times New Roman" panose="02020603050405020304" pitchFamily="18" charset="0"/>
+              <a:ea typeface="Calibri" panose="020F0502020204030204" pitchFamily="34" charset="0"/>
+              <a:cs typeface="Times New Roman" panose="02020603050405020304" pitchFamily="18" charset="0"/>
+            </a:endParaRPr>
+          </a:p>
+          <a:p>
+            <a:r>
+              <a:rPr lang="pt-BR" sz="1800" dirty="0">
+                <a:effectLst/>
+                <a:latin typeface="Times New Roman" panose="02020603050405020304" pitchFamily="18" charset="0"/>
+                <a:ea typeface="Calibri" panose="020F0502020204030204" pitchFamily="34" charset="0"/>
+                <a:cs typeface="Times New Roman" panose="02020603050405020304" pitchFamily="18" charset="0"/>
+              </a:rPr>
+              <a:t>Métricas para </a:t>
+            </a:r>
+            <a:r>
+              <a:rPr lang="pt-BR" dirty="0">
+                <a:latin typeface="Times New Roman" panose="02020603050405020304" pitchFamily="18" charset="0"/>
+                <a:ea typeface="Calibri" panose="020F0502020204030204" pitchFamily="34" charset="0"/>
+                <a:cs typeface="Times New Roman" panose="02020603050405020304" pitchFamily="18" charset="0"/>
+              </a:rPr>
+              <a:t>avaliar </a:t>
+            </a:r>
+            <a:r>
+              <a:rPr lang="pt-BR" sz="1800" dirty="0">
+                <a:effectLst/>
+                <a:latin typeface="Times New Roman" panose="02020603050405020304" pitchFamily="18" charset="0"/>
+                <a:ea typeface="Calibri" panose="020F0502020204030204" pitchFamily="34" charset="0"/>
+                <a:cs typeface="Times New Roman" panose="02020603050405020304" pitchFamily="18" charset="0"/>
+              </a:rPr>
+              <a:t>classificação:</a:t>
+            </a:r>
+          </a:p>
+          <a:p>
+            <a:pPr lvl="1"/>
+            <a:r>
+              <a:rPr lang="pt-BR" dirty="0" err="1">
+                <a:effectLst/>
+                <a:latin typeface="Times New Roman" panose="02020603050405020304" pitchFamily="18" charset="0"/>
+                <a:ea typeface="Calibri" panose="020F0502020204030204" pitchFamily="34" charset="0"/>
+              </a:rPr>
+              <a:t>Precision</a:t>
+            </a:r>
+            <a:endParaRPr lang="pt-BR" dirty="0">
+              <a:effectLst/>
+              <a:latin typeface="Times New Roman" panose="02020603050405020304" pitchFamily="18" charset="0"/>
+              <a:ea typeface="Calibri" panose="020F0502020204030204" pitchFamily="34" charset="0"/>
+            </a:endParaRPr>
+          </a:p>
+          <a:p>
+            <a:pPr lvl="1"/>
+            <a:r>
+              <a:rPr lang="pt-BR" dirty="0">
+                <a:latin typeface="Times New Roman" panose="02020603050405020304" pitchFamily="18" charset="0"/>
+                <a:ea typeface="Calibri" panose="020F0502020204030204" pitchFamily="34" charset="0"/>
+              </a:rPr>
+              <a:t>Recall</a:t>
+            </a:r>
+          </a:p>
+          <a:p>
+            <a:pPr lvl="1"/>
+            <a:r>
+              <a:rPr lang="pt-BR" dirty="0">
+                <a:latin typeface="Times New Roman" panose="02020603050405020304" pitchFamily="18" charset="0"/>
+                <a:ea typeface="Calibri" panose="020F0502020204030204" pitchFamily="34" charset="0"/>
+              </a:rPr>
+              <a:t>F1-score</a:t>
+            </a:r>
+          </a:p>
+          <a:p>
+            <a:pPr lvl="1"/>
+            <a:r>
+              <a:rPr lang="pt-BR" dirty="0">
+                <a:effectLst/>
+                <a:latin typeface="Times New Roman" panose="02020603050405020304" pitchFamily="18" charset="0"/>
+                <a:ea typeface="Calibri" panose="020F0502020204030204" pitchFamily="34" charset="0"/>
+              </a:rPr>
+              <a:t>AUC ROC score</a:t>
+            </a:r>
+          </a:p>
+          <a:p>
+            <a:pPr lvl="1"/>
+            <a:endParaRPr lang="pt-BR" dirty="0">
+              <a:latin typeface="Times New Roman" panose="02020603050405020304" pitchFamily="18" charset="0"/>
+              <a:ea typeface="Calibri" panose="020F0502020204030204" pitchFamily="34" charset="0"/>
+            </a:endParaRPr>
+          </a:p>
+          <a:p>
+            <a:r>
+              <a:rPr lang="pt-BR" dirty="0">
+                <a:latin typeface="Times New Roman" panose="02020603050405020304" pitchFamily="18" charset="0"/>
+                <a:ea typeface="Calibri" panose="020F0502020204030204" pitchFamily="34" charset="0"/>
+              </a:rPr>
+              <a:t>Taxa de falso positivo</a:t>
+            </a:r>
+          </a:p>
+          <a:p>
+            <a:r>
+              <a:rPr lang="pt-BR" dirty="0">
+                <a:latin typeface="Times New Roman" panose="02020603050405020304" pitchFamily="18" charset="0"/>
+                <a:ea typeface="Calibri" panose="020F0502020204030204" pitchFamily="34" charset="0"/>
+              </a:rPr>
+              <a:t>Taxa de falso negativo</a:t>
+            </a:r>
+          </a:p>
+        </p:txBody>
+      </p:sp>
+    </p:spTree>
+    <p:extLst>
+      <p:ext uri="{BB962C8B-B14F-4D97-AF65-F5344CB8AC3E}">
+        <p14:creationId xmlns:p14="http://schemas.microsoft.com/office/powerpoint/2010/main" val="2717822608"/>
+      </p:ext>
+    </p:extLst>
+  </p:cSld>
+  <p:clrMapOvr>
+    <a:masterClrMapping/>
+  </p:clrMapOvr>
+</p:sld>
+</file>
+
+<file path=ppt/slides/slide3.xml><?xml version="1.0" encoding="utf-8"?>
+<p:sld xmlns:a="http://schemas.openxmlformats.org/drawingml/2006/main" xmlns:r="http://schemas.openxmlformats.org/officeDocument/2006/relationships" xmlns:p="http://schemas.openxmlformats.org/presentationml/2006/main">
+  <p:cSld>
+    <p:spTree>
+      <p:nvGrpSpPr>
+        <p:cNvPr id="1" name=""/>
+        <p:cNvGrpSpPr/>
+        <p:nvPr/>
+      </p:nvGrpSpPr>
+      <p:grpSpPr>
+        <a:xfrm>
+          <a:off x="0" y="0"/>
+          <a:ext cx="0" cy="0"/>
+          <a:chOff x="0" y="0"/>
+          <a:chExt cx="0" cy="0"/>
+        </a:xfrm>
+      </p:grpSpPr>
+      <p:sp>
+        <p:nvSpPr>
+          <p:cNvPr id="2" name="Título 1">
+            <a:extLst>
+              <a:ext uri="{FF2B5EF4-FFF2-40B4-BE49-F238E27FC236}">
+                <a16:creationId xmlns:a16="http://schemas.microsoft.com/office/drawing/2014/main" id="{53E34F15-1401-6555-7E0C-0775BD73A80D}"/>
+              </a:ext>
+            </a:extLst>
+          </p:cNvPr>
+          <p:cNvSpPr>
+            <a:spLocks noGrp="1"/>
+          </p:cNvSpPr>
+          <p:nvPr>
+            <p:ph type="title"/>
+          </p:nvPr>
+        </p:nvSpPr>
+        <p:spPr/>
+        <p:txBody>
+          <a:bodyPr/>
+          <a:lstStyle/>
+          <a:p>
+            <a:r>
+              <a:rPr lang="pt-BR" sz="3600" dirty="0"/>
+              <a:t>Classificador</a:t>
+            </a:r>
+            <a:endParaRPr lang="pt-BR" dirty="0"/>
+          </a:p>
+        </p:txBody>
+      </p:sp>
+      <p:sp>
+        <p:nvSpPr>
+          <p:cNvPr id="3" name="Espaço Reservado para Conteúdo 2">
+            <a:extLst>
+              <a:ext uri="{FF2B5EF4-FFF2-40B4-BE49-F238E27FC236}">
+                <a16:creationId xmlns:a16="http://schemas.microsoft.com/office/drawing/2014/main" id="{3954702C-87FE-AE79-69A5-4DEF476A7AED}"/>
+              </a:ext>
+            </a:extLst>
+          </p:cNvPr>
+          <p:cNvSpPr>
+            <a:spLocks noGrp="1"/>
+          </p:cNvSpPr>
+          <p:nvPr>
+            <p:ph idx="1"/>
+          </p:nvPr>
+        </p:nvSpPr>
+        <p:spPr/>
+        <p:txBody>
+          <a:bodyPr>
+            <a:normAutofit/>
+          </a:bodyPr>
+          <a:lstStyle/>
+          <a:p>
+            <a:endParaRPr lang="pt-BR" sz="1800" dirty="0">
+              <a:solidFill>
+                <a:srgbClr val="000000"/>
+              </a:solidFill>
+              <a:effectLst/>
+              <a:latin typeface="Times New Roman" panose="02020603050405020304" pitchFamily="18" charset="0"/>
+              <a:ea typeface="Calibri" panose="020F0502020204030204" pitchFamily="34" charset="0"/>
+            </a:endParaRPr>
+          </a:p>
+          <a:p>
+            <a:r>
+              <a:rPr lang="pt-BR" sz="1800" dirty="0">
+                <a:solidFill>
+                  <a:srgbClr val="000000"/>
+                </a:solidFill>
+                <a:effectLst/>
+                <a:latin typeface="Times New Roman" panose="02020603050405020304" pitchFamily="18" charset="0"/>
+                <a:ea typeface="Calibri" panose="020F0502020204030204" pitchFamily="34" charset="0"/>
+              </a:rPr>
+              <a:t>Criar um classificador que indique caso de AVC ou não a partir de dados sobre indivíduos</a:t>
+            </a:r>
+          </a:p>
+          <a:p>
+            <a:endParaRPr lang="pt-BR" dirty="0">
+              <a:solidFill>
+                <a:srgbClr val="000000"/>
+              </a:solidFill>
+              <a:latin typeface="Times New Roman" panose="02020603050405020304" pitchFamily="18" charset="0"/>
+              <a:ea typeface="Calibri" panose="020F0502020204030204" pitchFamily="34" charset="0"/>
+            </a:endParaRPr>
+          </a:p>
+          <a:p>
+            <a:pPr marL="0" indent="0">
+              <a:buNone/>
+            </a:pPr>
+            <a:r>
+              <a:rPr lang="pt-BR" b="1" dirty="0">
+                <a:solidFill>
+                  <a:srgbClr val="000000"/>
+                </a:solidFill>
+                <a:latin typeface="Times New Roman" panose="02020603050405020304" pitchFamily="18" charset="0"/>
+                <a:ea typeface="Calibri" panose="020F0502020204030204" pitchFamily="34" charset="0"/>
+              </a:rPr>
+              <a:t>Fases da criação:</a:t>
+            </a:r>
+            <a:endParaRPr lang="pt-BR" b="1" dirty="0">
+              <a:solidFill>
+                <a:srgbClr val="000000"/>
+              </a:solidFill>
+              <a:effectLst/>
+              <a:latin typeface="Times New Roman" panose="02020603050405020304" pitchFamily="18" charset="0"/>
+              <a:ea typeface="Calibri" panose="020F0502020204030204" pitchFamily="34" charset="0"/>
+            </a:endParaRPr>
+          </a:p>
+          <a:p>
+            <a:pPr marL="342900" indent="-342900">
+              <a:buFont typeface="+mj-lt"/>
+              <a:buAutoNum type="arabicPeriod"/>
+            </a:pPr>
+            <a:r>
+              <a:rPr lang="pt-BR" sz="1800" dirty="0">
+                <a:solidFill>
+                  <a:srgbClr val="000000"/>
+                </a:solidFill>
+                <a:latin typeface="Times New Roman" panose="02020603050405020304" pitchFamily="18" charset="0"/>
+                <a:ea typeface="Calibri" panose="020F0502020204030204" pitchFamily="34" charset="0"/>
+              </a:rPr>
+              <a:t>Preparação dos dados</a:t>
+            </a:r>
+          </a:p>
+          <a:p>
+            <a:pPr marL="342900" indent="-342900">
+              <a:buFont typeface="+mj-lt"/>
+              <a:buAutoNum type="arabicPeriod"/>
+            </a:pPr>
+            <a:r>
+              <a:rPr lang="pt-BR" sz="1800" dirty="0">
+                <a:solidFill>
+                  <a:srgbClr val="000000"/>
+                </a:solidFill>
+                <a:latin typeface="Times New Roman" panose="02020603050405020304" pitchFamily="18" charset="0"/>
+                <a:ea typeface="Calibri" panose="020F0502020204030204" pitchFamily="34" charset="0"/>
+              </a:rPr>
+              <a:t>Modelagem</a:t>
+            </a:r>
+          </a:p>
+          <a:p>
+            <a:pPr marL="342900" indent="-342900">
+              <a:buFont typeface="+mj-lt"/>
+              <a:buAutoNum type="arabicPeriod"/>
+            </a:pPr>
+            <a:r>
+              <a:rPr lang="pt-BR" dirty="0">
+                <a:solidFill>
+                  <a:srgbClr val="000000"/>
+                </a:solidFill>
+                <a:effectLst/>
+                <a:latin typeface="Times New Roman" panose="02020603050405020304" pitchFamily="18" charset="0"/>
+                <a:ea typeface="Calibri" panose="020F0502020204030204" pitchFamily="34" charset="0"/>
+              </a:rPr>
+              <a:t>Avaliação dos resultados</a:t>
+            </a:r>
+            <a:endParaRPr lang="pt-BR" sz="1800" dirty="0">
+              <a:solidFill>
+                <a:srgbClr val="000000"/>
+              </a:solidFill>
+              <a:effectLst/>
+              <a:latin typeface="Times New Roman" panose="02020603050405020304" pitchFamily="18" charset="0"/>
+              <a:ea typeface="Calibri" panose="020F0502020204030204" pitchFamily="34" charset="0"/>
+            </a:endParaRPr>
+          </a:p>
+        </p:txBody>
+      </p:sp>
+    </p:spTree>
+    <p:extLst>
+      <p:ext uri="{BB962C8B-B14F-4D97-AF65-F5344CB8AC3E}">
+        <p14:creationId xmlns:p14="http://schemas.microsoft.com/office/powerpoint/2010/main" val="736646105"/>
+      </p:ext>
+    </p:extLst>
+  </p:cSld>
+  <p:clrMapOvr>
+    <a:masterClrMapping/>
+  </p:clrMapOvr>
+</p:sld>
+</file>
+
+<file path=ppt/slides/slide4.xml><?xml version="1.0" encoding="utf-8"?>
+<p:sld xmlns:a="http://schemas.openxmlformats.org/drawingml/2006/main" xmlns:r="http://schemas.openxmlformats.org/officeDocument/2006/relationships" xmlns:p="http://schemas.openxmlformats.org/presentationml/2006/main">
+  <p:cSld>
+    <p:spTree>
+      <p:nvGrpSpPr>
+        <p:cNvPr id="1" name=""/>
+        <p:cNvGrpSpPr/>
+        <p:nvPr/>
+      </p:nvGrpSpPr>
+      <p:grpSpPr>
+        <a:xfrm>
+          <a:off x="0" y="0"/>
+          <a:ext cx="0" cy="0"/>
+          <a:chOff x="0" y="0"/>
+          <a:chExt cx="0" cy="0"/>
+        </a:xfrm>
+      </p:grpSpPr>
+      <p:sp>
+        <p:nvSpPr>
+          <p:cNvPr id="2" name="Título 1">
+            <a:extLst>
+              <a:ext uri="{FF2B5EF4-FFF2-40B4-BE49-F238E27FC236}">
+                <a16:creationId xmlns:a16="http://schemas.microsoft.com/office/drawing/2014/main" id="{E044AE5F-6C45-37FC-9916-D3C19DF8BF90}"/>
+              </a:ext>
+            </a:extLst>
+          </p:cNvPr>
+          <p:cNvSpPr>
+            <a:spLocks noGrp="1"/>
+          </p:cNvSpPr>
+          <p:nvPr>
+            <p:ph type="title"/>
+          </p:nvPr>
+        </p:nvSpPr>
+        <p:spPr>
+          <a:xfrm>
+            <a:off x="1386840" y="0"/>
+            <a:ext cx="9418320" cy="4041648"/>
+          </a:xfrm>
+        </p:spPr>
+        <p:txBody>
+          <a:bodyPr>
+            <a:normAutofit/>
+          </a:bodyPr>
+          <a:lstStyle/>
+          <a:p>
+            <a:r>
+              <a:rPr lang="pt-BR" sz="4400" dirty="0"/>
+              <a:t>Preparação dos dados</a:t>
+            </a:r>
+          </a:p>
+        </p:txBody>
+      </p:sp>
+    </p:spTree>
+    <p:extLst>
+      <p:ext uri="{BB962C8B-B14F-4D97-AF65-F5344CB8AC3E}">
+        <p14:creationId xmlns:p14="http://schemas.microsoft.com/office/powerpoint/2010/main" val="3288043394"/>
+      </p:ext>
+    </p:extLst>
+  </p:cSld>
+  <p:clrMapOvr>
+    <a:masterClrMapping/>
+  </p:clrMapOvr>
+</p:sld>
+</file>
+
+<file path=ppt/slides/slide5.xml><?xml version="1.0" encoding="utf-8"?>
+<p:sld xmlns:a="http://schemas.openxmlformats.org/drawingml/2006/main" xmlns:r="http://schemas.openxmlformats.org/officeDocument/2006/relationships" xmlns:p="http://schemas.openxmlformats.org/presentationml/2006/main">
+  <p:cSld>
+    <p:spTree>
+      <p:nvGrpSpPr>
+        <p:cNvPr id="1" name=""/>
+        <p:cNvGrpSpPr/>
+        <p:nvPr/>
+      </p:nvGrpSpPr>
+      <p:grpSpPr>
+        <a:xfrm>
+          <a:off x="0" y="0"/>
+          <a:ext cx="0" cy="0"/>
+          <a:chOff x="0" y="0"/>
+          <a:chExt cx="0" cy="0"/>
+        </a:xfrm>
+      </p:grpSpPr>
+      <p:sp>
+        <p:nvSpPr>
+          <p:cNvPr id="2" name="Título 1">
+            <a:extLst>
+              <a:ext uri="{FF2B5EF4-FFF2-40B4-BE49-F238E27FC236}">
+                <a16:creationId xmlns:a16="http://schemas.microsoft.com/office/drawing/2014/main" id="{8D3FA761-08B7-45D9-F3E8-04323A55D0BF}"/>
+              </a:ext>
+            </a:extLst>
+          </p:cNvPr>
+          <p:cNvSpPr>
+            <a:spLocks noGrp="1"/>
+          </p:cNvSpPr>
+          <p:nvPr>
+            <p:ph type="title"/>
+          </p:nvPr>
+        </p:nvSpPr>
+        <p:spPr/>
+        <p:txBody>
+          <a:bodyPr>
+            <a:normAutofit/>
+          </a:bodyPr>
+          <a:lstStyle/>
+          <a:p>
+            <a:r>
+              <a:rPr lang="pt-BR" sz="3200" dirty="0"/>
+              <a:t>Preparação dos dados - balanceamento</a:t>
+            </a:r>
+          </a:p>
+        </p:txBody>
+      </p:sp>
+      <p:sp>
+        <p:nvSpPr>
+          <p:cNvPr id="3" name="Espaço Reservado para Conteúdo 2">
+            <a:extLst>
+              <a:ext uri="{FF2B5EF4-FFF2-40B4-BE49-F238E27FC236}">
+                <a16:creationId xmlns:a16="http://schemas.microsoft.com/office/drawing/2014/main" id="{F86AB755-B867-90E9-6738-B6EAF65FA8C4}"/>
+              </a:ext>
+            </a:extLst>
+          </p:cNvPr>
+          <p:cNvSpPr>
+            <a:spLocks noGrp="1"/>
+          </p:cNvSpPr>
+          <p:nvPr>
+            <p:ph idx="1"/>
+          </p:nvPr>
+        </p:nvSpPr>
+        <p:spPr/>
+        <p:txBody>
+          <a:bodyPr>
+            <a:normAutofit/>
+          </a:bodyPr>
+          <a:lstStyle/>
+          <a:p>
+            <a:endParaRPr lang="pt-BR" dirty="0"/>
+          </a:p>
+          <a:p>
+            <a:r>
+              <a:rPr lang="pt-BR" dirty="0"/>
+              <a:t>Distribuição original da variável alvo:</a:t>
+            </a:r>
+          </a:p>
+          <a:p>
+            <a:pPr lvl="1" algn="just">
+              <a:lnSpc>
+                <a:spcPct val="150000"/>
+              </a:lnSpc>
+              <a:spcAft>
+                <a:spcPts val="800"/>
+              </a:spcAft>
+            </a:pPr>
+            <a:r>
+              <a:rPr lang="pt-BR" dirty="0">
+                <a:effectLst/>
+                <a:latin typeface="Times New Roman" panose="02020603050405020304" pitchFamily="18" charset="0"/>
+                <a:ea typeface="Calibri" panose="020F0502020204030204" pitchFamily="34" charset="0"/>
+                <a:cs typeface="Times New Roman" panose="02020603050405020304" pitchFamily="18" charset="0"/>
+              </a:rPr>
+              <a:t>249 casos para ocorrência de AVC (5%)</a:t>
+            </a:r>
+          </a:p>
+          <a:p>
+            <a:pPr lvl="1" algn="just">
+              <a:lnSpc>
+                <a:spcPct val="150000"/>
+              </a:lnSpc>
+              <a:spcAft>
+                <a:spcPts val="800"/>
+              </a:spcAft>
+            </a:pPr>
+            <a:r>
+              <a:rPr lang="pt-BR" dirty="0">
+                <a:effectLst/>
+                <a:latin typeface="Times New Roman" panose="02020603050405020304" pitchFamily="18" charset="0"/>
+                <a:ea typeface="Calibri" panose="020F0502020204030204" pitchFamily="34" charset="0"/>
+                <a:cs typeface="Times New Roman" panose="02020603050405020304" pitchFamily="18" charset="0"/>
+              </a:rPr>
+              <a:t>4861 casos de não ocorrência de AVC  (95%)</a:t>
+            </a:r>
+          </a:p>
+          <a:p>
+            <a:pPr algn="just">
+              <a:lnSpc>
+                <a:spcPct val="150000"/>
+              </a:lnSpc>
+              <a:spcAft>
+                <a:spcPts val="800"/>
+              </a:spcAft>
+            </a:pPr>
+            <a:r>
+              <a:rPr lang="pt-BR" b="1" dirty="0">
+                <a:latin typeface="Times New Roman" panose="02020603050405020304" pitchFamily="18" charset="0"/>
+                <a:ea typeface="Calibri" panose="020F0502020204030204" pitchFamily="34" charset="0"/>
+                <a:cs typeface="Times New Roman" panose="02020603050405020304" pitchFamily="18" charset="0"/>
+              </a:rPr>
+              <a:t>Problema:</a:t>
+            </a:r>
+            <a:r>
+              <a:rPr lang="pt-BR" dirty="0">
+                <a:latin typeface="Times New Roman" panose="02020603050405020304" pitchFamily="18" charset="0"/>
+                <a:ea typeface="Calibri" panose="020F0502020204030204" pitchFamily="34" charset="0"/>
+                <a:cs typeface="Times New Roman" panose="02020603050405020304" pitchFamily="18" charset="0"/>
+              </a:rPr>
+              <a:t> sem balanceamento, classificador fica tendencioso</a:t>
+            </a:r>
+          </a:p>
+        </p:txBody>
+      </p:sp>
+    </p:spTree>
+    <p:extLst>
+      <p:ext uri="{BB962C8B-B14F-4D97-AF65-F5344CB8AC3E}">
+        <p14:creationId xmlns:p14="http://schemas.microsoft.com/office/powerpoint/2010/main" val="1501323548"/>
+      </p:ext>
+    </p:extLst>
+  </p:cSld>
+  <p:clrMapOvr>
+    <a:masterClrMapping/>
+  </p:clrMapOvr>
+</p:sld>
+</file>
+
+<file path=ppt/slides/slide6.xml><?xml version="1.0" encoding="utf-8"?>
+<p:sld xmlns:a="http://schemas.openxmlformats.org/drawingml/2006/main" xmlns:r="http://schemas.openxmlformats.org/officeDocument/2006/relationships" xmlns:p="http://schemas.openxmlformats.org/presentationml/2006/main">
+  <p:cSld>
+    <p:spTree>
+      <p:nvGrpSpPr>
+        <p:cNvPr id="1" name=""/>
+        <p:cNvGrpSpPr/>
+        <p:nvPr/>
+      </p:nvGrpSpPr>
+      <p:grpSpPr>
+        <a:xfrm>
+          <a:off x="0" y="0"/>
+          <a:ext cx="0" cy="0"/>
+          <a:chOff x="0" y="0"/>
+          <a:chExt cx="0" cy="0"/>
+        </a:xfrm>
+      </p:grpSpPr>
+      <p:sp>
+        <p:nvSpPr>
+          <p:cNvPr id="2" name="Título 1">
+            <a:extLst>
+              <a:ext uri="{FF2B5EF4-FFF2-40B4-BE49-F238E27FC236}">
+                <a16:creationId xmlns:a16="http://schemas.microsoft.com/office/drawing/2014/main" id="{8D3FA761-08B7-45D9-F3E8-04323A55D0BF}"/>
+              </a:ext>
+            </a:extLst>
+          </p:cNvPr>
+          <p:cNvSpPr>
+            <a:spLocks noGrp="1"/>
+          </p:cNvSpPr>
+          <p:nvPr>
+            <p:ph type="title"/>
+          </p:nvPr>
+        </p:nvSpPr>
+        <p:spPr/>
+        <p:txBody>
+          <a:bodyPr>
+            <a:normAutofit/>
+          </a:bodyPr>
+          <a:lstStyle/>
+          <a:p>
+            <a:r>
+              <a:rPr lang="pt-BR" sz="3200" dirty="0"/>
+              <a:t>Preparação dos dados - balanceamento</a:t>
+            </a:r>
+          </a:p>
+        </p:txBody>
+      </p:sp>
+      <p:sp>
+        <p:nvSpPr>
+          <p:cNvPr id="3" name="Espaço Reservado para Conteúdo 2">
+            <a:extLst>
+              <a:ext uri="{FF2B5EF4-FFF2-40B4-BE49-F238E27FC236}">
+                <a16:creationId xmlns:a16="http://schemas.microsoft.com/office/drawing/2014/main" id="{F86AB755-B867-90E9-6738-B6EAF65FA8C4}"/>
+              </a:ext>
+            </a:extLst>
+          </p:cNvPr>
+          <p:cNvSpPr>
+            <a:spLocks noGrp="1"/>
+          </p:cNvSpPr>
+          <p:nvPr>
+            <p:ph idx="1"/>
+          </p:nvPr>
+        </p:nvSpPr>
+        <p:spPr/>
+        <p:txBody>
+          <a:bodyPr>
+            <a:normAutofit/>
+          </a:bodyPr>
+          <a:lstStyle/>
+          <a:p>
+            <a:endParaRPr lang="pt-BR" dirty="0"/>
+          </a:p>
+          <a:p>
+            <a:pPr marL="0" indent="0">
+              <a:buNone/>
+            </a:pPr>
+            <a:endParaRPr lang="pt-BR" sz="1800" dirty="0">
+              <a:effectLst/>
+              <a:latin typeface="Times New Roman" panose="02020603050405020304" pitchFamily="18" charset="0"/>
+              <a:ea typeface="Calibri" panose="020F0502020204030204" pitchFamily="34" charset="0"/>
+              <a:cs typeface="Times New Roman" panose="02020603050405020304" pitchFamily="18" charset="0"/>
+            </a:endParaRPr>
+          </a:p>
+          <a:p>
+            <a:pPr marL="0" indent="0">
+              <a:buNone/>
+            </a:pPr>
+            <a:r>
+              <a:rPr lang="pt-BR" sz="1800" dirty="0">
+                <a:effectLst/>
+                <a:latin typeface="Times New Roman" panose="02020603050405020304" pitchFamily="18" charset="0"/>
+                <a:ea typeface="Calibri" panose="020F0502020204030204" pitchFamily="34" charset="0"/>
+                <a:cs typeface="Times New Roman" panose="02020603050405020304" pitchFamily="18" charset="0"/>
+              </a:rPr>
+              <a:t>1. Separação do conjunto total a partir das duas classes:</a:t>
+            </a:r>
+            <a:endParaRPr lang="pt-BR" sz="1800" dirty="0">
+              <a:effectLst/>
+              <a:latin typeface="Calibri" panose="020F0502020204030204" pitchFamily="34" charset="0"/>
+              <a:ea typeface="Calibri" panose="020F0502020204030204" pitchFamily="34" charset="0"/>
+              <a:cs typeface="Times New Roman" panose="02020603050405020304" pitchFamily="18" charset="0"/>
+            </a:endParaRPr>
+          </a:p>
+          <a:p>
+            <a:endParaRPr lang="pt-BR" dirty="0">
+              <a:latin typeface="Times New Roman" panose="02020603050405020304" pitchFamily="18" charset="0"/>
+              <a:ea typeface="Calibri" panose="020F0502020204030204" pitchFamily="34" charset="0"/>
+              <a:cs typeface="Times New Roman" panose="02020603050405020304" pitchFamily="18" charset="0"/>
+            </a:endParaRPr>
+          </a:p>
+        </p:txBody>
+      </p:sp>
+      <p:pic>
+        <p:nvPicPr>
+          <p:cNvPr id="7" name="Imagem 6">
+            <a:extLst>
+              <a:ext uri="{FF2B5EF4-FFF2-40B4-BE49-F238E27FC236}">
+                <a16:creationId xmlns:a16="http://schemas.microsoft.com/office/drawing/2014/main" id="{B1B74E42-48DE-029E-F55A-EFC12117B168}"/>
+              </a:ext>
+            </a:extLst>
+          </p:cNvPr>
+          <p:cNvPicPr>
+            <a:picLocks noChangeAspect="1"/>
+          </p:cNvPicPr>
+          <p:nvPr/>
+        </p:nvPicPr>
+        <p:blipFill>
+          <a:blip r:embed="rId2">
+            <a:extLst>
+              <a:ext uri="{28A0092B-C50C-407E-A947-70E740481C1C}">
+                <a14:useLocalDpi xmlns:a14="http://schemas.microsoft.com/office/drawing/2010/main" val="0"/>
+              </a:ext>
+            </a:extLst>
+          </a:blip>
+          <a:srcRect/>
+          <a:stretch>
+            <a:fillRect/>
+          </a:stretch>
+        </p:blipFill>
+        <p:spPr bwMode="auto">
+          <a:xfrm>
+            <a:off x="3608382" y="3429000"/>
+            <a:ext cx="4359937" cy="1355481"/>
+          </a:xfrm>
+          <a:prstGeom prst="rect">
+            <a:avLst/>
+          </a:prstGeom>
+          <a:noFill/>
+          <a:ln>
+            <a:noFill/>
+          </a:ln>
+        </p:spPr>
+      </p:pic>
+    </p:spTree>
+    <p:extLst>
+      <p:ext uri="{BB962C8B-B14F-4D97-AF65-F5344CB8AC3E}">
+        <p14:creationId xmlns:p14="http://schemas.microsoft.com/office/powerpoint/2010/main" val="2158900547"/>
+      </p:ext>
+    </p:extLst>
+  </p:cSld>
+  <p:clrMapOvr>
+    <a:masterClrMapping/>
+  </p:clrMapOvr>
+</p:sld>
+</file>
+
+<file path=ppt/slides/slide7.xml><?xml version="1.0" encoding="utf-8"?>
+<p:sld xmlns:a="http://schemas.openxmlformats.org/drawingml/2006/main" xmlns:r="http://schemas.openxmlformats.org/officeDocument/2006/relationships" xmlns:p="http://schemas.openxmlformats.org/presentationml/2006/main">
+  <p:cSld>
+    <p:spTree>
+      <p:nvGrpSpPr>
+        <p:cNvPr id="1" name=""/>
+        <p:cNvGrpSpPr/>
+        <p:nvPr/>
+      </p:nvGrpSpPr>
+      <p:grpSpPr>
+        <a:xfrm>
+          <a:off x="0" y="0"/>
+          <a:ext cx="0" cy="0"/>
+          <a:chOff x="0" y="0"/>
+          <a:chExt cx="0" cy="0"/>
+        </a:xfrm>
+      </p:grpSpPr>
+      <p:sp>
+        <p:nvSpPr>
+          <p:cNvPr id="2" name="Título 1">
+            <a:extLst>
+              <a:ext uri="{FF2B5EF4-FFF2-40B4-BE49-F238E27FC236}">
+                <a16:creationId xmlns:a16="http://schemas.microsoft.com/office/drawing/2014/main" id="{8D3FA761-08B7-45D9-F3E8-04323A55D0BF}"/>
+              </a:ext>
+            </a:extLst>
+          </p:cNvPr>
+          <p:cNvSpPr>
+            <a:spLocks noGrp="1"/>
+          </p:cNvSpPr>
+          <p:nvPr>
+            <p:ph type="title"/>
+          </p:nvPr>
+        </p:nvSpPr>
+        <p:spPr/>
+        <p:txBody>
+          <a:bodyPr>
+            <a:normAutofit/>
+          </a:bodyPr>
+          <a:lstStyle/>
+          <a:p>
+            <a:r>
+              <a:rPr lang="pt-BR" sz="3200" dirty="0"/>
+              <a:t>Preparação dos dados - balanceamento</a:t>
+            </a:r>
+          </a:p>
+        </p:txBody>
+      </p:sp>
+      <p:sp>
+        <p:nvSpPr>
+          <p:cNvPr id="3" name="Espaço Reservado para Conteúdo 2">
+            <a:extLst>
+              <a:ext uri="{FF2B5EF4-FFF2-40B4-BE49-F238E27FC236}">
+                <a16:creationId xmlns:a16="http://schemas.microsoft.com/office/drawing/2014/main" id="{F86AB755-B867-90E9-6738-B6EAF65FA8C4}"/>
+              </a:ext>
+            </a:extLst>
+          </p:cNvPr>
+          <p:cNvSpPr>
+            <a:spLocks noGrp="1"/>
+          </p:cNvSpPr>
+          <p:nvPr>
+            <p:ph idx="1"/>
+          </p:nvPr>
+        </p:nvSpPr>
+        <p:spPr/>
+        <p:txBody>
+          <a:bodyPr>
+            <a:normAutofit/>
+          </a:bodyPr>
+          <a:lstStyle/>
+          <a:p>
+            <a:pPr marL="0" lvl="0" indent="0" algn="just">
+              <a:lnSpc>
+                <a:spcPct val="150000"/>
+              </a:lnSpc>
+              <a:spcAft>
+                <a:spcPts val="800"/>
+              </a:spcAft>
+              <a:buNone/>
+            </a:pPr>
+            <a:endParaRPr lang="pt-BR" dirty="0"/>
+          </a:p>
+          <a:p>
+            <a:pPr marL="0" lvl="0" indent="0" algn="just">
+              <a:lnSpc>
+                <a:spcPct val="150000"/>
+              </a:lnSpc>
+              <a:spcAft>
+                <a:spcPts val="800"/>
+              </a:spcAft>
+              <a:buNone/>
+            </a:pPr>
+            <a:r>
+              <a:rPr lang="pt-BR" sz="1800" dirty="0">
+                <a:effectLst/>
+                <a:latin typeface="Times New Roman" panose="02020603050405020304" pitchFamily="18" charset="0"/>
+                <a:ea typeface="Calibri" panose="020F0502020204030204" pitchFamily="34" charset="0"/>
+                <a:cs typeface="Times New Roman" panose="02020603050405020304" pitchFamily="18" charset="0"/>
+              </a:rPr>
+              <a:t>2. Subamostragem do conjunto de dados da classe </a:t>
+            </a:r>
+            <a:r>
+              <a:rPr lang="pt-BR" sz="1800" i="1" dirty="0">
+                <a:effectLst/>
+                <a:latin typeface="Times New Roman" panose="02020603050405020304" pitchFamily="18" charset="0"/>
+                <a:ea typeface="Calibri" panose="020F0502020204030204" pitchFamily="34" charset="0"/>
+                <a:cs typeface="Times New Roman" panose="02020603050405020304" pitchFamily="18" charset="0"/>
+              </a:rPr>
+              <a:t>não AVC</a:t>
+            </a:r>
+            <a:r>
+              <a:rPr lang="pt-BR" sz="1800" dirty="0">
+                <a:effectLst/>
+                <a:latin typeface="Times New Roman" panose="02020603050405020304" pitchFamily="18" charset="0"/>
+                <a:ea typeface="Calibri" panose="020F0502020204030204" pitchFamily="34" charset="0"/>
+                <a:cs typeface="Times New Roman" panose="02020603050405020304" pitchFamily="18" charset="0"/>
+              </a:rPr>
+              <a:t>:</a:t>
+            </a:r>
+            <a:endParaRPr lang="pt-BR" sz="1800" dirty="0">
+              <a:effectLst/>
+              <a:latin typeface="Calibri" panose="020F0502020204030204" pitchFamily="34" charset="0"/>
+              <a:ea typeface="Calibri" panose="020F0502020204030204" pitchFamily="34" charset="0"/>
+              <a:cs typeface="Times New Roman" panose="02020603050405020304" pitchFamily="18" charset="0"/>
+            </a:endParaRPr>
+          </a:p>
+          <a:p>
+            <a:endParaRPr lang="pt-BR" dirty="0">
+              <a:latin typeface="Times New Roman" panose="02020603050405020304" pitchFamily="18" charset="0"/>
+              <a:ea typeface="Calibri" panose="020F0502020204030204" pitchFamily="34" charset="0"/>
+              <a:cs typeface="Times New Roman" panose="02020603050405020304" pitchFamily="18" charset="0"/>
+            </a:endParaRPr>
+          </a:p>
+        </p:txBody>
+      </p:sp>
+      <p:pic>
+        <p:nvPicPr>
+          <p:cNvPr id="4" name="Imagem 3">
+            <a:extLst>
+              <a:ext uri="{FF2B5EF4-FFF2-40B4-BE49-F238E27FC236}">
+                <a16:creationId xmlns:a16="http://schemas.microsoft.com/office/drawing/2014/main" id="{E0517B1F-5D95-0618-EA79-B4C3568A35E0}"/>
+              </a:ext>
+            </a:extLst>
+          </p:cNvPr>
+          <p:cNvPicPr>
+            <a:picLocks noChangeAspect="1"/>
+          </p:cNvPicPr>
+          <p:nvPr/>
+        </p:nvPicPr>
+        <p:blipFill>
+          <a:blip r:embed="rId2">
+            <a:extLst>
+              <a:ext uri="{28A0092B-C50C-407E-A947-70E740481C1C}">
+                <a14:useLocalDpi xmlns:a14="http://schemas.microsoft.com/office/drawing/2010/main" val="0"/>
+              </a:ext>
+            </a:extLst>
+          </a:blip>
+          <a:srcRect/>
+          <a:stretch>
+            <a:fillRect/>
+          </a:stretch>
+        </p:blipFill>
+        <p:spPr bwMode="auto">
+          <a:xfrm>
+            <a:off x="3560253" y="3429000"/>
+            <a:ext cx="4241510" cy="1295046"/>
+          </a:xfrm>
+          <a:prstGeom prst="rect">
+            <a:avLst/>
+          </a:prstGeom>
+          <a:noFill/>
+          <a:ln>
+            <a:noFill/>
+          </a:ln>
+        </p:spPr>
+      </p:pic>
+    </p:spTree>
+    <p:extLst>
+      <p:ext uri="{BB962C8B-B14F-4D97-AF65-F5344CB8AC3E}">
+        <p14:creationId xmlns:p14="http://schemas.microsoft.com/office/powerpoint/2010/main" val="2981701091"/>
+      </p:ext>
+    </p:extLst>
+  </p:cSld>
+  <p:clrMapOvr>
+    <a:masterClrMapping/>
+  </p:clrMapOvr>
+</p:sld>
+</file>
+
+<file path=ppt/slides/slide8.xml><?xml version="1.0" encoding="utf-8"?>
+<p:sld xmlns:a="http://schemas.openxmlformats.org/drawingml/2006/main" xmlns:r="http://schemas.openxmlformats.org/officeDocument/2006/relationships" xmlns:p="http://schemas.openxmlformats.org/presentationml/2006/main">
+  <p:cSld>
+    <p:spTree>
+      <p:nvGrpSpPr>
+        <p:cNvPr id="1" name=""/>
+        <p:cNvGrpSpPr/>
+        <p:nvPr/>
+      </p:nvGrpSpPr>
+      <p:grpSpPr>
+        <a:xfrm>
+          <a:off x="0" y="0"/>
+          <a:ext cx="0" cy="0"/>
+          <a:chOff x="0" y="0"/>
+          <a:chExt cx="0" cy="0"/>
+        </a:xfrm>
+      </p:grpSpPr>
+      <p:sp>
+        <p:nvSpPr>
+          <p:cNvPr id="2" name="Título 1">
+            <a:extLst>
+              <a:ext uri="{FF2B5EF4-FFF2-40B4-BE49-F238E27FC236}">
+                <a16:creationId xmlns:a16="http://schemas.microsoft.com/office/drawing/2014/main" id="{8D3FA761-08B7-45D9-F3E8-04323A55D0BF}"/>
+              </a:ext>
+            </a:extLst>
+          </p:cNvPr>
+          <p:cNvSpPr>
+            <a:spLocks noGrp="1"/>
+          </p:cNvSpPr>
+          <p:nvPr>
+            <p:ph type="title"/>
+          </p:nvPr>
+        </p:nvSpPr>
+        <p:spPr/>
+        <p:txBody>
+          <a:bodyPr>
+            <a:normAutofit/>
+          </a:bodyPr>
+          <a:lstStyle/>
+          <a:p>
+            <a:r>
+              <a:rPr lang="pt-BR" sz="3200" dirty="0"/>
+              <a:t>Preparação dos dados - balanceamento</a:t>
+            </a:r>
+          </a:p>
+        </p:txBody>
+      </p:sp>
+      <p:sp>
+        <p:nvSpPr>
+          <p:cNvPr id="3" name="Espaço Reservado para Conteúdo 2">
+            <a:extLst>
+              <a:ext uri="{FF2B5EF4-FFF2-40B4-BE49-F238E27FC236}">
+                <a16:creationId xmlns:a16="http://schemas.microsoft.com/office/drawing/2014/main" id="{F86AB755-B867-90E9-6738-B6EAF65FA8C4}"/>
+              </a:ext>
+            </a:extLst>
+          </p:cNvPr>
+          <p:cNvSpPr>
+            <a:spLocks noGrp="1"/>
+          </p:cNvSpPr>
+          <p:nvPr>
+            <p:ph idx="1"/>
+          </p:nvPr>
+        </p:nvSpPr>
+        <p:spPr/>
+        <p:txBody>
+          <a:bodyPr>
+            <a:normAutofit/>
+          </a:bodyPr>
+          <a:lstStyle/>
+          <a:p>
+            <a:pPr marL="0" lvl="0" indent="0" algn="just">
+              <a:lnSpc>
+                <a:spcPct val="150000"/>
+              </a:lnSpc>
+              <a:spcAft>
+                <a:spcPts val="800"/>
+              </a:spcAft>
+              <a:buNone/>
+            </a:pPr>
+            <a:endParaRPr lang="pt-BR" dirty="0"/>
+          </a:p>
+          <a:p>
+            <a:pPr marL="0" lvl="0" indent="0" algn="just">
+              <a:lnSpc>
+                <a:spcPct val="150000"/>
+              </a:lnSpc>
+              <a:spcAft>
+                <a:spcPts val="800"/>
+              </a:spcAft>
+              <a:buNone/>
+            </a:pPr>
+            <a:r>
+              <a:rPr lang="pt-BR" dirty="0">
+                <a:latin typeface="Times New Roman" panose="02020603050405020304" pitchFamily="18" charset="0"/>
+                <a:ea typeface="Calibri" panose="020F0502020204030204" pitchFamily="34" charset="0"/>
+                <a:cs typeface="Times New Roman" panose="02020603050405020304" pitchFamily="18" charset="0"/>
+              </a:rPr>
+              <a:t>3</a:t>
+            </a:r>
+            <a:r>
+              <a:rPr lang="pt-BR" sz="1800" dirty="0">
+                <a:effectLst/>
+                <a:latin typeface="Times New Roman" panose="02020603050405020304" pitchFamily="18" charset="0"/>
+                <a:ea typeface="Calibri" panose="020F0502020204030204" pitchFamily="34" charset="0"/>
+                <a:cs typeface="Times New Roman" panose="02020603050405020304" pitchFamily="18" charset="0"/>
+              </a:rPr>
+              <a:t>. Junção do conjunto de dados da classe </a:t>
+            </a:r>
+            <a:r>
+              <a:rPr lang="pt-BR" sz="1800" i="1" dirty="0">
+                <a:effectLst/>
+                <a:latin typeface="Times New Roman" panose="02020603050405020304" pitchFamily="18" charset="0"/>
+                <a:ea typeface="Calibri" panose="020F0502020204030204" pitchFamily="34" charset="0"/>
+                <a:cs typeface="Times New Roman" panose="02020603050405020304" pitchFamily="18" charset="0"/>
+              </a:rPr>
+              <a:t>AVC</a:t>
+            </a:r>
+            <a:r>
+              <a:rPr lang="pt-BR" sz="1800" dirty="0">
+                <a:effectLst/>
+                <a:latin typeface="Times New Roman" panose="02020603050405020304" pitchFamily="18" charset="0"/>
+                <a:ea typeface="Calibri" panose="020F0502020204030204" pitchFamily="34" charset="0"/>
+                <a:cs typeface="Times New Roman" panose="02020603050405020304" pitchFamily="18" charset="0"/>
+              </a:rPr>
+              <a:t> com o novo conjunto de dados da classe </a:t>
+            </a:r>
+            <a:r>
+              <a:rPr lang="pt-BR" sz="1800" i="1" dirty="0">
+                <a:effectLst/>
+                <a:latin typeface="Times New Roman" panose="02020603050405020304" pitchFamily="18" charset="0"/>
+                <a:ea typeface="Calibri" panose="020F0502020204030204" pitchFamily="34" charset="0"/>
+                <a:cs typeface="Times New Roman" panose="02020603050405020304" pitchFamily="18" charset="0"/>
+              </a:rPr>
+              <a:t>não AVC</a:t>
+            </a:r>
+            <a:r>
+              <a:rPr lang="pt-BR" sz="1800" dirty="0">
+                <a:effectLst/>
+                <a:latin typeface="Times New Roman" panose="02020603050405020304" pitchFamily="18" charset="0"/>
+                <a:ea typeface="Calibri" panose="020F0502020204030204" pitchFamily="34" charset="0"/>
+                <a:cs typeface="Times New Roman" panose="02020603050405020304" pitchFamily="18" charset="0"/>
+              </a:rPr>
+              <a:t>:</a:t>
+            </a:r>
+            <a:endParaRPr lang="pt-BR" sz="1800" dirty="0">
+              <a:effectLst/>
+              <a:latin typeface="Calibri" panose="020F0502020204030204" pitchFamily="34" charset="0"/>
+              <a:ea typeface="Calibri" panose="020F0502020204030204" pitchFamily="34" charset="0"/>
+              <a:cs typeface="Times New Roman" panose="02020603050405020304" pitchFamily="18" charset="0"/>
+            </a:endParaRPr>
+          </a:p>
+          <a:p>
+            <a:endParaRPr lang="pt-BR" dirty="0">
+              <a:latin typeface="Times New Roman" panose="02020603050405020304" pitchFamily="18" charset="0"/>
+              <a:ea typeface="Calibri" panose="020F0502020204030204" pitchFamily="34" charset="0"/>
+              <a:cs typeface="Times New Roman" panose="02020603050405020304" pitchFamily="18" charset="0"/>
+            </a:endParaRPr>
+          </a:p>
+        </p:txBody>
+      </p:sp>
+      <p:pic>
+        <p:nvPicPr>
+          <p:cNvPr id="4" name="Imagem 3">
+            <a:extLst>
+              <a:ext uri="{FF2B5EF4-FFF2-40B4-BE49-F238E27FC236}">
+                <a16:creationId xmlns:a16="http://schemas.microsoft.com/office/drawing/2014/main" id="{7EC035F8-DC41-14DF-61F6-E45AE0346413}"/>
+              </a:ext>
+            </a:extLst>
+          </p:cNvPr>
+          <p:cNvPicPr>
+            <a:picLocks noChangeAspect="1"/>
+          </p:cNvPicPr>
+          <p:nvPr/>
+        </p:nvPicPr>
+        <p:blipFill>
+          <a:blip r:embed="rId2">
+            <a:extLst>
+              <a:ext uri="{28A0092B-C50C-407E-A947-70E740481C1C}">
+                <a14:useLocalDpi xmlns:a14="http://schemas.microsoft.com/office/drawing/2010/main" val="0"/>
+              </a:ext>
+            </a:extLst>
+          </a:blip>
+          <a:srcRect/>
+          <a:stretch>
+            <a:fillRect/>
+          </a:stretch>
+        </p:blipFill>
+        <p:spPr bwMode="auto">
+          <a:xfrm>
+            <a:off x="3386803" y="3546446"/>
+            <a:ext cx="4118383" cy="1319169"/>
+          </a:xfrm>
+          <a:prstGeom prst="rect">
+            <a:avLst/>
+          </a:prstGeom>
+          <a:noFill/>
+          <a:ln>
+            <a:noFill/>
+          </a:ln>
+        </p:spPr>
+      </p:pic>
+    </p:spTree>
+    <p:extLst>
+      <p:ext uri="{BB962C8B-B14F-4D97-AF65-F5344CB8AC3E}">
+        <p14:creationId xmlns:p14="http://schemas.microsoft.com/office/powerpoint/2010/main" val="3110985787"/>
+      </p:ext>
+    </p:extLst>
+  </p:cSld>
+  <p:clrMapOvr>
+    <a:masterClrMapping/>
+  </p:clrMapOvr>
+</p:sld>
+</file>
+
+<file path=ppt/slides/slide9.xml><?xml version="1.0" encoding="utf-8"?>
+<p:sld xmlns:a="http://schemas.openxmlformats.org/drawingml/2006/main" xmlns:r="http://schemas.openxmlformats.org/officeDocument/2006/relationships" xmlns:p="http://schemas.openxmlformats.org/presentationml/2006/main">
+  <p:cSld>
+    <p:spTree>
+      <p:nvGrpSpPr>
+        <p:cNvPr id="1" name=""/>
+        <p:cNvGrpSpPr/>
+        <p:nvPr/>
+      </p:nvGrpSpPr>
+      <p:grpSpPr>
+        <a:xfrm>
+          <a:off x="0" y="0"/>
+          <a:ext cx="0" cy="0"/>
+          <a:chOff x="0" y="0"/>
+          <a:chExt cx="0" cy="0"/>
+        </a:xfrm>
+      </p:grpSpPr>
+      <p:sp>
+        <p:nvSpPr>
+          <p:cNvPr id="2" name="Título 1">
+            <a:extLst>
+              <a:ext uri="{FF2B5EF4-FFF2-40B4-BE49-F238E27FC236}">
+                <a16:creationId xmlns:a16="http://schemas.microsoft.com/office/drawing/2014/main" id="{84149C11-9ED8-0425-6D7E-35F12A43F9AA}"/>
+              </a:ext>
+            </a:extLst>
+          </p:cNvPr>
+          <p:cNvSpPr>
+            <a:spLocks noGrp="1"/>
+          </p:cNvSpPr>
+          <p:nvPr>
+            <p:ph type="title"/>
+          </p:nvPr>
+        </p:nvSpPr>
+        <p:spPr/>
+        <p:txBody>
+          <a:bodyPr>
+            <a:normAutofit/>
+          </a:bodyPr>
+          <a:lstStyle/>
+          <a:p>
+            <a:r>
+              <a:rPr lang="pt-BR" sz="3200" dirty="0"/>
+              <a:t>Preparação dos dados – correção de formato</a:t>
+            </a:r>
+          </a:p>
+        </p:txBody>
+      </p:sp>
+      <p:sp>
+        <p:nvSpPr>
+          <p:cNvPr id="3" name="Espaço Reservado para Conteúdo 2">
+            <a:extLst>
+              <a:ext uri="{FF2B5EF4-FFF2-40B4-BE49-F238E27FC236}">
+                <a16:creationId xmlns:a16="http://schemas.microsoft.com/office/drawing/2014/main" id="{ED5B44EC-AFD8-9AA1-FDE4-CBCB7A90067F}"/>
+              </a:ext>
+            </a:extLst>
+          </p:cNvPr>
+          <p:cNvSpPr>
+            <a:spLocks noGrp="1"/>
+          </p:cNvSpPr>
+          <p:nvPr>
+            <p:ph idx="1"/>
+          </p:nvPr>
+        </p:nvSpPr>
+        <p:spPr/>
+        <p:txBody>
+          <a:bodyPr/>
+          <a:lstStyle/>
+          <a:p>
+            <a:endParaRPr lang="pt-BR" sz="1800" dirty="0">
+              <a:effectLst/>
+              <a:latin typeface="Times New Roman" panose="02020603050405020304" pitchFamily="18" charset="0"/>
+              <a:ea typeface="Calibri" panose="020F0502020204030204" pitchFamily="34" charset="0"/>
+            </a:endParaRPr>
+          </a:p>
+          <a:p>
+            <a:endParaRPr lang="pt-BR" dirty="0">
+              <a:effectLst/>
+              <a:latin typeface="Times New Roman" panose="02020603050405020304" pitchFamily="18" charset="0"/>
+              <a:ea typeface="Calibri" panose="020F0502020204030204" pitchFamily="34" charset="0"/>
+            </a:endParaRPr>
+          </a:p>
+          <a:p>
+            <a:r>
+              <a:rPr lang="pt-BR" sz="1800" dirty="0">
+                <a:effectLst/>
+                <a:latin typeface="Times New Roman" panose="02020603050405020304" pitchFamily="18" charset="0"/>
+                <a:ea typeface="Calibri" panose="020F0502020204030204" pitchFamily="34" charset="0"/>
+              </a:rPr>
+              <a:t>Maioria dos algoritmos de Machine Learning conseguem trabalhar apenas com atributos de formato numérico</a:t>
+            </a:r>
+          </a:p>
+          <a:p>
+            <a:endParaRPr lang="pt-BR" dirty="0">
+              <a:latin typeface="Times New Roman" panose="02020603050405020304" pitchFamily="18" charset="0"/>
+            </a:endParaRPr>
+          </a:p>
+          <a:p>
+            <a:r>
+              <a:rPr lang="pt-BR" dirty="0"/>
+              <a:t>Necessário conversão dos dados para este formato</a:t>
+            </a:r>
+          </a:p>
+        </p:txBody>
+      </p:sp>
+    </p:spTree>
+    <p:extLst>
+      <p:ext uri="{BB962C8B-B14F-4D97-AF65-F5344CB8AC3E}">
+        <p14:creationId xmlns:p14="http://schemas.microsoft.com/office/powerpoint/2010/main" val="129950208"/>
       </p:ext>
     </p:extLst>
   </p:cSld>

--- a/apresentação.pptx
+++ b/apresentação.pptx
@@ -11,20 +11,20 @@
     <p:sldId id="277" r:id="rId5"/>
     <p:sldId id="262" r:id="rId6"/>
     <p:sldId id="263" r:id="rId7"/>
-    <p:sldId id="264" r:id="rId8"/>
-    <p:sldId id="265" r:id="rId9"/>
-    <p:sldId id="266" r:id="rId10"/>
-    <p:sldId id="267" r:id="rId11"/>
-    <p:sldId id="269" r:id="rId12"/>
-    <p:sldId id="271" r:id="rId13"/>
-    <p:sldId id="272" r:id="rId14"/>
-    <p:sldId id="276" r:id="rId15"/>
-    <p:sldId id="278" r:id="rId16"/>
-    <p:sldId id="280" r:id="rId17"/>
-    <p:sldId id="281" r:id="rId18"/>
-    <p:sldId id="279" r:id="rId19"/>
-    <p:sldId id="282" r:id="rId20"/>
-    <p:sldId id="283" r:id="rId21"/>
+    <p:sldId id="266" r:id="rId8"/>
+    <p:sldId id="267" r:id="rId9"/>
+    <p:sldId id="269" r:id="rId10"/>
+    <p:sldId id="271" r:id="rId11"/>
+    <p:sldId id="272" r:id="rId12"/>
+    <p:sldId id="276" r:id="rId13"/>
+    <p:sldId id="285" r:id="rId14"/>
+    <p:sldId id="278" r:id="rId15"/>
+    <p:sldId id="280" r:id="rId16"/>
+    <p:sldId id="281" r:id="rId17"/>
+    <p:sldId id="279" r:id="rId18"/>
+    <p:sldId id="282" r:id="rId19"/>
+    <p:sldId id="283" r:id="rId20"/>
+    <p:sldId id="284" r:id="rId21"/>
   </p:sldIdLst>
   <p:sldSz cx="12192000" cy="6858000"/>
   <p:notesSz cx="6858000" cy="9144000"/>
@@ -131,6 +131,324 @@
 </p:presentation>
 </file>
 
+<file path=ppt/changesInfos/changesInfo1.xml><?xml version="1.0" encoding="utf-8"?>
+<pc:chgInfo xmlns:a="http://schemas.openxmlformats.org/drawingml/2006/main" xmlns:r="http://schemas.openxmlformats.org/officeDocument/2006/relationships" xmlns:ac="http://schemas.microsoft.com/office/drawing/2013/main/command" xmlns:pc="http://schemas.microsoft.com/office/powerpoint/2013/main/command">
+  <pc:docChgLst>
+    <pc:chgData name="Vinícius Pilan" userId="3dbf9e420f9d8bd1" providerId="LiveId" clId="{6657F40D-B5BB-40E9-A23D-B538D5DAF91B}"/>
+    <pc:docChg chg="custSel addSld delSld modSld sldOrd">
+      <pc:chgData name="Vinícius Pilan" userId="3dbf9e420f9d8bd1" providerId="LiveId" clId="{6657F40D-B5BB-40E9-A23D-B538D5DAF91B}" dt="2022-08-15T13:16:55.698" v="266" actId="20577"/>
+      <pc:docMkLst>
+        <pc:docMk/>
+      </pc:docMkLst>
+      <pc:sldChg chg="modSp mod">
+        <pc:chgData name="Vinícius Pilan" userId="3dbf9e420f9d8bd1" providerId="LiveId" clId="{6657F40D-B5BB-40E9-A23D-B538D5DAF91B}" dt="2022-08-15T12:45:52.501" v="128" actId="20577"/>
+        <pc:sldMkLst>
+          <pc:docMk/>
+          <pc:sldMk cId="1501323548" sldId="262"/>
+        </pc:sldMkLst>
+        <pc:spChg chg="mod">
+          <ac:chgData name="Vinícius Pilan" userId="3dbf9e420f9d8bd1" providerId="LiveId" clId="{6657F40D-B5BB-40E9-A23D-B538D5DAF91B}" dt="2022-08-15T12:45:52.501" v="128" actId="20577"/>
+          <ac:spMkLst>
+            <pc:docMk/>
+            <pc:sldMk cId="1501323548" sldId="262"/>
+            <ac:spMk id="2" creationId="{8D3FA761-08B7-45D9-F3E8-04323A55D0BF}"/>
+          </ac:spMkLst>
+        </pc:spChg>
+      </pc:sldChg>
+      <pc:sldChg chg="delSp modSp mod">
+        <pc:chgData name="Vinícius Pilan" userId="3dbf9e420f9d8bd1" providerId="LiveId" clId="{6657F40D-B5BB-40E9-A23D-B538D5DAF91B}" dt="2022-08-15T12:47:43.953" v="203" actId="12"/>
+        <pc:sldMkLst>
+          <pc:docMk/>
+          <pc:sldMk cId="2158900547" sldId="263"/>
+        </pc:sldMkLst>
+        <pc:spChg chg="mod">
+          <ac:chgData name="Vinícius Pilan" userId="3dbf9e420f9d8bd1" providerId="LiveId" clId="{6657F40D-B5BB-40E9-A23D-B538D5DAF91B}" dt="2022-08-15T12:46:00.563" v="130" actId="20577"/>
+          <ac:spMkLst>
+            <pc:docMk/>
+            <pc:sldMk cId="2158900547" sldId="263"/>
+            <ac:spMk id="2" creationId="{8D3FA761-08B7-45D9-F3E8-04323A55D0BF}"/>
+          </ac:spMkLst>
+        </pc:spChg>
+        <pc:spChg chg="mod">
+          <ac:chgData name="Vinícius Pilan" userId="3dbf9e420f9d8bd1" providerId="LiveId" clId="{6657F40D-B5BB-40E9-A23D-B538D5DAF91B}" dt="2022-08-15T12:47:43.953" v="203" actId="12"/>
+          <ac:spMkLst>
+            <pc:docMk/>
+            <pc:sldMk cId="2158900547" sldId="263"/>
+            <ac:spMk id="3" creationId="{F86AB755-B867-90E9-6738-B6EAF65FA8C4}"/>
+          </ac:spMkLst>
+        </pc:spChg>
+        <pc:picChg chg="del">
+          <ac:chgData name="Vinícius Pilan" userId="3dbf9e420f9d8bd1" providerId="LiveId" clId="{6657F40D-B5BB-40E9-A23D-B538D5DAF91B}" dt="2022-08-15T12:39:49.068" v="0" actId="478"/>
+          <ac:picMkLst>
+            <pc:docMk/>
+            <pc:sldMk cId="2158900547" sldId="263"/>
+            <ac:picMk id="7" creationId="{B1B74E42-48DE-029E-F55A-EFC12117B168}"/>
+          </ac:picMkLst>
+        </pc:picChg>
+      </pc:sldChg>
+      <pc:sldChg chg="delSp modSp del mod">
+        <pc:chgData name="Vinícius Pilan" userId="3dbf9e420f9d8bd1" providerId="LiveId" clId="{6657F40D-B5BB-40E9-A23D-B538D5DAF91B}" dt="2022-08-15T12:40:01.456" v="4" actId="47"/>
+        <pc:sldMkLst>
+          <pc:docMk/>
+          <pc:sldMk cId="2981701091" sldId="264"/>
+        </pc:sldMkLst>
+        <pc:spChg chg="mod">
+          <ac:chgData name="Vinícius Pilan" userId="3dbf9e420f9d8bd1" providerId="LiveId" clId="{6657F40D-B5BB-40E9-A23D-B538D5DAF91B}" dt="2022-08-15T12:39:56.535" v="2" actId="21"/>
+          <ac:spMkLst>
+            <pc:docMk/>
+            <pc:sldMk cId="2981701091" sldId="264"/>
+            <ac:spMk id="3" creationId="{F86AB755-B867-90E9-6738-B6EAF65FA8C4}"/>
+          </ac:spMkLst>
+        </pc:spChg>
+        <pc:picChg chg="del">
+          <ac:chgData name="Vinícius Pilan" userId="3dbf9e420f9d8bd1" providerId="LiveId" clId="{6657F40D-B5BB-40E9-A23D-B538D5DAF91B}" dt="2022-08-15T12:39:51.630" v="1" actId="478"/>
+          <ac:picMkLst>
+            <pc:docMk/>
+            <pc:sldMk cId="2981701091" sldId="264"/>
+            <ac:picMk id="4" creationId="{E0517B1F-5D95-0618-EA79-B4C3568A35E0}"/>
+          </ac:picMkLst>
+        </pc:picChg>
+      </pc:sldChg>
+      <pc:sldChg chg="delSp modSp del mod">
+        <pc:chgData name="Vinícius Pilan" userId="3dbf9e420f9d8bd1" providerId="LiveId" clId="{6657F40D-B5BB-40E9-A23D-B538D5DAF91B}" dt="2022-08-15T12:40:07.096" v="7" actId="47"/>
+        <pc:sldMkLst>
+          <pc:docMk/>
+          <pc:sldMk cId="3110985787" sldId="265"/>
+        </pc:sldMkLst>
+        <pc:spChg chg="mod">
+          <ac:chgData name="Vinícius Pilan" userId="3dbf9e420f9d8bd1" providerId="LiveId" clId="{6657F40D-B5BB-40E9-A23D-B538D5DAF91B}" dt="2022-08-15T12:40:05.550" v="6" actId="21"/>
+          <ac:spMkLst>
+            <pc:docMk/>
+            <pc:sldMk cId="3110985787" sldId="265"/>
+            <ac:spMk id="3" creationId="{F86AB755-B867-90E9-6738-B6EAF65FA8C4}"/>
+          </ac:spMkLst>
+        </pc:spChg>
+        <pc:picChg chg="del">
+          <ac:chgData name="Vinícius Pilan" userId="3dbf9e420f9d8bd1" providerId="LiveId" clId="{6657F40D-B5BB-40E9-A23D-B538D5DAF91B}" dt="2022-08-15T12:40:02.925" v="5" actId="478"/>
+          <ac:picMkLst>
+            <pc:docMk/>
+            <pc:sldMk cId="3110985787" sldId="265"/>
+            <ac:picMk id="4" creationId="{7EC035F8-DC41-14DF-61F6-E45AE0346413}"/>
+          </ac:picMkLst>
+        </pc:picChg>
+      </pc:sldChg>
+      <pc:sldChg chg="modSp mod">
+        <pc:chgData name="Vinícius Pilan" userId="3dbf9e420f9d8bd1" providerId="LiveId" clId="{6657F40D-B5BB-40E9-A23D-B538D5DAF91B}" dt="2022-08-15T12:46:05.751" v="133" actId="20577"/>
+        <pc:sldMkLst>
+          <pc:docMk/>
+          <pc:sldMk cId="129950208" sldId="266"/>
+        </pc:sldMkLst>
+        <pc:spChg chg="mod">
+          <ac:chgData name="Vinícius Pilan" userId="3dbf9e420f9d8bd1" providerId="LiveId" clId="{6657F40D-B5BB-40E9-A23D-B538D5DAF91B}" dt="2022-08-15T12:46:05.751" v="133" actId="20577"/>
+          <ac:spMkLst>
+            <pc:docMk/>
+            <pc:sldMk cId="129950208" sldId="266"/>
+            <ac:spMk id="2" creationId="{84149C11-9ED8-0425-6D7E-35F12A43F9AA}"/>
+          </ac:spMkLst>
+        </pc:spChg>
+      </pc:sldChg>
+      <pc:sldChg chg="modSp mod">
+        <pc:chgData name="Vinícius Pilan" userId="3dbf9e420f9d8bd1" providerId="LiveId" clId="{6657F40D-B5BB-40E9-A23D-B538D5DAF91B}" dt="2022-08-15T12:46:12.251" v="139" actId="20577"/>
+        <pc:sldMkLst>
+          <pc:docMk/>
+          <pc:sldMk cId="2668680467" sldId="267"/>
+        </pc:sldMkLst>
+        <pc:spChg chg="mod">
+          <ac:chgData name="Vinícius Pilan" userId="3dbf9e420f9d8bd1" providerId="LiveId" clId="{6657F40D-B5BB-40E9-A23D-B538D5DAF91B}" dt="2022-08-15T12:46:12.251" v="139" actId="20577"/>
+          <ac:spMkLst>
+            <pc:docMk/>
+            <pc:sldMk cId="2668680467" sldId="267"/>
+            <ac:spMk id="2" creationId="{84149C11-9ED8-0425-6D7E-35F12A43F9AA}"/>
+          </ac:spMkLst>
+        </pc:spChg>
+      </pc:sldChg>
+      <pc:sldChg chg="modSp mod">
+        <pc:chgData name="Vinícius Pilan" userId="3dbf9e420f9d8bd1" providerId="LiveId" clId="{6657F40D-B5BB-40E9-A23D-B538D5DAF91B}" dt="2022-08-15T12:46:20.860" v="145" actId="20577"/>
+        <pc:sldMkLst>
+          <pc:docMk/>
+          <pc:sldMk cId="1890510541" sldId="269"/>
+        </pc:sldMkLst>
+        <pc:spChg chg="mod">
+          <ac:chgData name="Vinícius Pilan" userId="3dbf9e420f9d8bd1" providerId="LiveId" clId="{6657F40D-B5BB-40E9-A23D-B538D5DAF91B}" dt="2022-08-15T12:46:20.860" v="145" actId="20577"/>
+          <ac:spMkLst>
+            <pc:docMk/>
+            <pc:sldMk cId="1890510541" sldId="269"/>
+            <ac:spMk id="2" creationId="{84149C11-9ED8-0425-6D7E-35F12A43F9AA}"/>
+          </ac:spMkLst>
+        </pc:spChg>
+      </pc:sldChg>
+      <pc:sldChg chg="modSp mod">
+        <pc:chgData name="Vinícius Pilan" userId="3dbf9e420f9d8bd1" providerId="LiveId" clId="{6657F40D-B5BB-40E9-A23D-B538D5DAF91B}" dt="2022-08-15T12:46:30.423" v="162" actId="20577"/>
+        <pc:sldMkLst>
+          <pc:docMk/>
+          <pc:sldMk cId="2111789964" sldId="271"/>
+        </pc:sldMkLst>
+        <pc:spChg chg="mod">
+          <ac:chgData name="Vinícius Pilan" userId="3dbf9e420f9d8bd1" providerId="LiveId" clId="{6657F40D-B5BB-40E9-A23D-B538D5DAF91B}" dt="2022-08-15T12:46:30.423" v="162" actId="20577"/>
+          <ac:spMkLst>
+            <pc:docMk/>
+            <pc:sldMk cId="2111789964" sldId="271"/>
+            <ac:spMk id="2" creationId="{84149C11-9ED8-0425-6D7E-35F12A43F9AA}"/>
+          </ac:spMkLst>
+        </pc:spChg>
+      </pc:sldChg>
+      <pc:sldChg chg="modSp mod">
+        <pc:chgData name="Vinícius Pilan" userId="3dbf9e420f9d8bd1" providerId="LiveId" clId="{6657F40D-B5BB-40E9-A23D-B538D5DAF91B}" dt="2022-08-15T12:46:44.465" v="180" actId="20577"/>
+        <pc:sldMkLst>
+          <pc:docMk/>
+          <pc:sldMk cId="3432276869" sldId="272"/>
+        </pc:sldMkLst>
+        <pc:spChg chg="mod">
+          <ac:chgData name="Vinícius Pilan" userId="3dbf9e420f9d8bd1" providerId="LiveId" clId="{6657F40D-B5BB-40E9-A23D-B538D5DAF91B}" dt="2022-08-15T12:46:44.465" v="180" actId="20577"/>
+          <ac:spMkLst>
+            <pc:docMk/>
+            <pc:sldMk cId="3432276869" sldId="272"/>
+            <ac:spMk id="2" creationId="{84149C11-9ED8-0425-6D7E-35F12A43F9AA}"/>
+          </ac:spMkLst>
+        </pc:spChg>
+      </pc:sldChg>
+      <pc:sldChg chg="addSp delSp modSp mod">
+        <pc:chgData name="Vinícius Pilan" userId="3dbf9e420f9d8bd1" providerId="LiveId" clId="{6657F40D-B5BB-40E9-A23D-B538D5DAF91B}" dt="2022-08-15T13:16:55.698" v="266" actId="20577"/>
+        <pc:sldMkLst>
+          <pc:docMk/>
+          <pc:sldMk cId="472207730" sldId="276"/>
+        </pc:sldMkLst>
+        <pc:spChg chg="mod">
+          <ac:chgData name="Vinícius Pilan" userId="3dbf9e420f9d8bd1" providerId="LiveId" clId="{6657F40D-B5BB-40E9-A23D-B538D5DAF91B}" dt="2022-08-15T12:46:51.149" v="181" actId="20577"/>
+          <ac:spMkLst>
+            <pc:docMk/>
+            <pc:sldMk cId="472207730" sldId="276"/>
+            <ac:spMk id="2" creationId="{84149C11-9ED8-0425-6D7E-35F12A43F9AA}"/>
+          </ac:spMkLst>
+        </pc:spChg>
+        <pc:spChg chg="mod">
+          <ac:chgData name="Vinícius Pilan" userId="3dbf9e420f9d8bd1" providerId="LiveId" clId="{6657F40D-B5BB-40E9-A23D-B538D5DAF91B}" dt="2022-08-15T13:16:55.698" v="266" actId="20577"/>
+          <ac:spMkLst>
+            <pc:docMk/>
+            <pc:sldMk cId="472207730" sldId="276"/>
+            <ac:spMk id="3" creationId="{ED5B44EC-AFD8-9AA1-FDE4-CBCB7A90067F}"/>
+          </ac:spMkLst>
+        </pc:spChg>
+        <pc:picChg chg="add del mod">
+          <ac:chgData name="Vinícius Pilan" userId="3dbf9e420f9d8bd1" providerId="LiveId" clId="{6657F40D-B5BB-40E9-A23D-B538D5DAF91B}" dt="2022-08-15T13:03:29.469" v="236"/>
+          <ac:picMkLst>
+            <pc:docMk/>
+            <pc:sldMk cId="472207730" sldId="276"/>
+            <ac:picMk id="1026" creationId="{119BE7CD-2393-91F7-5477-2FCEF8E41A29}"/>
+          </ac:picMkLst>
+        </pc:picChg>
+      </pc:sldChg>
+      <pc:sldChg chg="modSp mod">
+        <pc:chgData name="Vinícius Pilan" userId="3dbf9e420f9d8bd1" providerId="LiveId" clId="{6657F40D-B5BB-40E9-A23D-B538D5DAF91B}" dt="2022-08-15T12:47:09.479" v="184" actId="20577"/>
+        <pc:sldMkLst>
+          <pc:docMk/>
+          <pc:sldMk cId="449490633" sldId="279"/>
+        </pc:sldMkLst>
+        <pc:spChg chg="mod">
+          <ac:chgData name="Vinícius Pilan" userId="3dbf9e420f9d8bd1" providerId="LiveId" clId="{6657F40D-B5BB-40E9-A23D-B538D5DAF91B}" dt="2022-08-15T12:47:09.479" v="184" actId="20577"/>
+          <ac:spMkLst>
+            <pc:docMk/>
+            <pc:sldMk cId="449490633" sldId="279"/>
+            <ac:spMk id="2" creationId="{84149C11-9ED8-0425-6D7E-35F12A43F9AA}"/>
+          </ac:spMkLst>
+        </pc:spChg>
+      </pc:sldChg>
+      <pc:sldChg chg="modSp mod">
+        <pc:chgData name="Vinícius Pilan" userId="3dbf9e420f9d8bd1" providerId="LiveId" clId="{6657F40D-B5BB-40E9-A23D-B538D5DAF91B}" dt="2022-08-15T13:16:50.942" v="265" actId="20577"/>
+        <pc:sldMkLst>
+          <pc:docMk/>
+          <pc:sldMk cId="3233702223" sldId="280"/>
+        </pc:sldMkLst>
+        <pc:spChg chg="mod">
+          <ac:chgData name="Vinícius Pilan" userId="3dbf9e420f9d8bd1" providerId="LiveId" clId="{6657F40D-B5BB-40E9-A23D-B538D5DAF91B}" dt="2022-08-15T12:46:58.636" v="182" actId="20577"/>
+          <ac:spMkLst>
+            <pc:docMk/>
+            <pc:sldMk cId="3233702223" sldId="280"/>
+            <ac:spMk id="2" creationId="{84149C11-9ED8-0425-6D7E-35F12A43F9AA}"/>
+          </ac:spMkLst>
+        </pc:spChg>
+        <pc:spChg chg="mod">
+          <ac:chgData name="Vinícius Pilan" userId="3dbf9e420f9d8bd1" providerId="LiveId" clId="{6657F40D-B5BB-40E9-A23D-B538D5DAF91B}" dt="2022-08-15T13:16:50.942" v="265" actId="20577"/>
+          <ac:spMkLst>
+            <pc:docMk/>
+            <pc:sldMk cId="3233702223" sldId="280"/>
+            <ac:spMk id="3" creationId="{ED5B44EC-AFD8-9AA1-FDE4-CBCB7A90067F}"/>
+          </ac:spMkLst>
+        </pc:spChg>
+      </pc:sldChg>
+      <pc:sldChg chg="modSp mod">
+        <pc:chgData name="Vinícius Pilan" userId="3dbf9e420f9d8bd1" providerId="LiveId" clId="{6657F40D-B5BB-40E9-A23D-B538D5DAF91B}" dt="2022-08-15T12:47:03.526" v="183" actId="20577"/>
+        <pc:sldMkLst>
+          <pc:docMk/>
+          <pc:sldMk cId="2415063985" sldId="281"/>
+        </pc:sldMkLst>
+        <pc:spChg chg="mod">
+          <ac:chgData name="Vinícius Pilan" userId="3dbf9e420f9d8bd1" providerId="LiveId" clId="{6657F40D-B5BB-40E9-A23D-B538D5DAF91B}" dt="2022-08-15T12:47:03.526" v="183" actId="20577"/>
+          <ac:spMkLst>
+            <pc:docMk/>
+            <pc:sldMk cId="2415063985" sldId="281"/>
+            <ac:spMk id="2" creationId="{84149C11-9ED8-0425-6D7E-35F12A43F9AA}"/>
+          </ac:spMkLst>
+        </pc:spChg>
+      </pc:sldChg>
+      <pc:sldChg chg="modSp mod">
+        <pc:chgData name="Vinícius Pilan" userId="3dbf9e420f9d8bd1" providerId="LiveId" clId="{6657F40D-B5BB-40E9-A23D-B538D5DAF91B}" dt="2022-08-15T12:47:19.215" v="193" actId="20577"/>
+        <pc:sldMkLst>
+          <pc:docMk/>
+          <pc:sldMk cId="2717822608" sldId="283"/>
+        </pc:sldMkLst>
+        <pc:spChg chg="mod">
+          <ac:chgData name="Vinícius Pilan" userId="3dbf9e420f9d8bd1" providerId="LiveId" clId="{6657F40D-B5BB-40E9-A23D-B538D5DAF91B}" dt="2022-08-15T12:47:19.215" v="193" actId="20577"/>
+          <ac:spMkLst>
+            <pc:docMk/>
+            <pc:sldMk cId="2717822608" sldId="283"/>
+            <ac:spMk id="2" creationId="{84149C11-9ED8-0425-6D7E-35F12A43F9AA}"/>
+          </ac:spMkLst>
+        </pc:spChg>
+      </pc:sldChg>
+      <pc:sldChg chg="modSp add mod ord">
+        <pc:chgData name="Vinícius Pilan" userId="3dbf9e420f9d8bd1" providerId="LiveId" clId="{6657F40D-B5BB-40E9-A23D-B538D5DAF91B}" dt="2022-08-15T13:01:50.293" v="228" actId="20577"/>
+        <pc:sldMkLst>
+          <pc:docMk/>
+          <pc:sldMk cId="2067173605" sldId="284"/>
+        </pc:sldMkLst>
+        <pc:spChg chg="mod">
+          <ac:chgData name="Vinícius Pilan" userId="3dbf9e420f9d8bd1" providerId="LiveId" clId="{6657F40D-B5BB-40E9-A23D-B538D5DAF91B}" dt="2022-08-15T13:01:50.293" v="228" actId="20577"/>
+          <ac:spMkLst>
+            <pc:docMk/>
+            <pc:sldMk cId="2067173605" sldId="284"/>
+            <ac:spMk id="2" creationId="{E044AE5F-6C45-37FC-9916-D3C19DF8BF90}"/>
+          </ac:spMkLst>
+        </pc:spChg>
+      </pc:sldChg>
+      <pc:sldChg chg="addSp modSp add mod">
+        <pc:chgData name="Vinícius Pilan" userId="3dbf9e420f9d8bd1" providerId="LiveId" clId="{6657F40D-B5BB-40E9-A23D-B538D5DAF91B}" dt="2022-08-15T13:05:12.968" v="264" actId="1076"/>
+        <pc:sldMkLst>
+          <pc:docMk/>
+          <pc:sldMk cId="3735381996" sldId="285"/>
+        </pc:sldMkLst>
+        <pc:spChg chg="mod">
+          <ac:chgData name="Vinícius Pilan" userId="3dbf9e420f9d8bd1" providerId="LiveId" clId="{6657F40D-B5BB-40E9-A23D-B538D5DAF91B}" dt="2022-08-15T13:05:10.600" v="263" actId="20577"/>
+          <ac:spMkLst>
+            <pc:docMk/>
+            <pc:sldMk cId="3735381996" sldId="285"/>
+            <ac:spMk id="3" creationId="{ED5B44EC-AFD8-9AA1-FDE4-CBCB7A90067F}"/>
+          </ac:spMkLst>
+        </pc:spChg>
+        <pc:picChg chg="add mod">
+          <ac:chgData name="Vinícius Pilan" userId="3dbf9e420f9d8bd1" providerId="LiveId" clId="{6657F40D-B5BB-40E9-A23D-B538D5DAF91B}" dt="2022-08-15T13:05:12.968" v="264" actId="1076"/>
+          <ac:picMkLst>
+            <pc:docMk/>
+            <pc:sldMk cId="3735381996" sldId="285"/>
+            <ac:picMk id="2050" creationId="{790B74A4-1372-CC13-2E40-012045D8CCE0}"/>
+          </ac:picMkLst>
+        </pc:picChg>
+      </pc:sldChg>
+    </pc:docChg>
+  </pc:docChgLst>
+</pc:chgInfo>
+</file>
+
 <file path=ppt/slideLayouts/slideLayout1.xml><?xml version="1.0" encoding="utf-8"?>
 <p:sldLayout xmlns:a="http://schemas.openxmlformats.org/drawingml/2006/main" xmlns:r="http://schemas.openxmlformats.org/officeDocument/2006/relationships" xmlns:p="http://schemas.openxmlformats.org/presentationml/2006/main" showMasterSp="0" type="title" preserve="1">
   <p:cSld name="Slide de Título">
@@ -299,7 +617,7 @@
           <a:p>
             <a:fld id="{43D2D168-2116-461F-96E0-C6E1DAA0DBEE}" type="datetimeFigureOut">
               <a:rPr lang="pt-BR" smtClean="0"/>
-              <a:t>12/08/2022</a:t>
+              <a:t>15/08/2022</a:t>
             </a:fld>
             <a:endParaRPr lang="pt-BR"/>
           </a:p>
@@ -527,7 +845,7 @@
           <a:p>
             <a:fld id="{43D2D168-2116-461F-96E0-C6E1DAA0DBEE}" type="datetimeFigureOut">
               <a:rPr lang="pt-BR" smtClean="0"/>
-              <a:t>12/08/2022</a:t>
+              <a:t>15/08/2022</a:t>
             </a:fld>
             <a:endParaRPr lang="pt-BR"/>
           </a:p>
@@ -707,7 +1025,7 @@
           <a:p>
             <a:fld id="{43D2D168-2116-461F-96E0-C6E1DAA0DBEE}" type="datetimeFigureOut">
               <a:rPr lang="pt-BR" smtClean="0"/>
-              <a:t>12/08/2022</a:t>
+              <a:t>15/08/2022</a:t>
             </a:fld>
             <a:endParaRPr lang="pt-BR"/>
           </a:p>
@@ -877,7 +1195,7 @@
           <a:p>
             <a:fld id="{43D2D168-2116-461F-96E0-C6E1DAA0DBEE}" type="datetimeFigureOut">
               <a:rPr lang="pt-BR" smtClean="0"/>
-              <a:t>12/08/2022</a:t>
+              <a:t>15/08/2022</a:t>
             </a:fld>
             <a:endParaRPr lang="pt-BR"/>
           </a:p>
@@ -1131,7 +1449,7 @@
           <a:p>
             <a:fld id="{43D2D168-2116-461F-96E0-C6E1DAA0DBEE}" type="datetimeFigureOut">
               <a:rPr lang="pt-BR" smtClean="0"/>
-              <a:t>12/08/2022</a:t>
+              <a:t>15/08/2022</a:t>
             </a:fld>
             <a:endParaRPr lang="pt-BR"/>
           </a:p>
@@ -1457,7 +1775,7 @@
           <a:p>
             <a:fld id="{43D2D168-2116-461F-96E0-C6E1DAA0DBEE}" type="datetimeFigureOut">
               <a:rPr lang="pt-BR" smtClean="0"/>
-              <a:t>12/08/2022</a:t>
+              <a:t>15/08/2022</a:t>
             </a:fld>
             <a:endParaRPr lang="pt-BR"/>
           </a:p>
@@ -1908,7 +2226,7 @@
           <a:p>
             <a:fld id="{43D2D168-2116-461F-96E0-C6E1DAA0DBEE}" type="datetimeFigureOut">
               <a:rPr lang="pt-BR" smtClean="0"/>
-              <a:t>12/08/2022</a:t>
+              <a:t>15/08/2022</a:t>
             </a:fld>
             <a:endParaRPr lang="pt-BR"/>
           </a:p>
@@ -2026,7 +2344,7 @@
           <a:p>
             <a:fld id="{43D2D168-2116-461F-96E0-C6E1DAA0DBEE}" type="datetimeFigureOut">
               <a:rPr lang="pt-BR" smtClean="0"/>
-              <a:t>12/08/2022</a:t>
+              <a:t>15/08/2022</a:t>
             </a:fld>
             <a:endParaRPr lang="pt-BR"/>
           </a:p>
@@ -2121,7 +2439,7 @@
           <a:p>
             <a:fld id="{43D2D168-2116-461F-96E0-C6E1DAA0DBEE}" type="datetimeFigureOut">
               <a:rPr lang="pt-BR" smtClean="0"/>
-              <a:t>12/08/2022</a:t>
+              <a:t>15/08/2022</a:t>
             </a:fld>
             <a:endParaRPr lang="pt-BR"/>
           </a:p>
@@ -2408,7 +2726,7 @@
           <a:p>
             <a:fld id="{43D2D168-2116-461F-96E0-C6E1DAA0DBEE}" type="datetimeFigureOut">
               <a:rPr lang="pt-BR" smtClean="0"/>
-              <a:t>12/08/2022</a:t>
+              <a:t>15/08/2022</a:t>
             </a:fld>
             <a:endParaRPr lang="pt-BR"/>
           </a:p>
@@ -2730,7 +3048,7 @@
           <a:p>
             <a:fld id="{43D2D168-2116-461F-96E0-C6E1DAA0DBEE}" type="datetimeFigureOut">
               <a:rPr lang="pt-BR" smtClean="0"/>
-              <a:t>12/08/2022</a:t>
+              <a:t>15/08/2022</a:t>
             </a:fld>
             <a:endParaRPr lang="pt-BR"/>
           </a:p>
@@ -2984,7 +3302,7 @@
           <a:p>
             <a:fld id="{43D2D168-2116-461F-96E0-C6E1DAA0DBEE}" type="datetimeFigureOut">
               <a:rPr lang="pt-BR" smtClean="0"/>
-              <a:t>12/08/2022</a:t>
+              <a:t>15/08/2022</a:t>
             </a:fld>
             <a:endParaRPr lang="pt-BR"/>
           </a:p>
@@ -3607,7 +3925,3800 @@
           <a:p>
             <a:r>
               <a:rPr lang="pt-BR" sz="3200" dirty="0"/>
-              <a:t>Preparação dos dados – correção de formato</a:t>
+              <a:t>Tratamento de dados nulos</a:t>
+            </a:r>
+          </a:p>
+        </p:txBody>
+      </p:sp>
+      <p:sp>
+        <p:nvSpPr>
+          <p:cNvPr id="3" name="Espaço Reservado para Conteúdo 2">
+            <a:extLst>
+              <a:ext uri="{FF2B5EF4-FFF2-40B4-BE49-F238E27FC236}">
+                <a16:creationId xmlns:a16="http://schemas.microsoft.com/office/drawing/2014/main" id="{ED5B44EC-AFD8-9AA1-FDE4-CBCB7A90067F}"/>
+              </a:ext>
+            </a:extLst>
+          </p:cNvPr>
+          <p:cNvSpPr>
+            <a:spLocks noGrp="1"/>
+          </p:cNvSpPr>
+          <p:nvPr>
+            <p:ph idx="1"/>
+          </p:nvPr>
+        </p:nvSpPr>
+        <p:spPr/>
+        <p:txBody>
+          <a:bodyPr/>
+          <a:lstStyle/>
+          <a:p>
+            <a:endParaRPr lang="pt-BR" sz="1800" dirty="0">
+              <a:effectLst/>
+              <a:latin typeface="Times New Roman" panose="02020603050405020304" pitchFamily="18" charset="0"/>
+              <a:ea typeface="Calibri" panose="020F0502020204030204" pitchFamily="34" charset="0"/>
+            </a:endParaRPr>
+          </a:p>
+          <a:p>
+            <a:pPr marL="0" indent="0">
+              <a:buNone/>
+            </a:pPr>
+            <a:endParaRPr lang="pt-BR" sz="1800" dirty="0">
+              <a:effectLst/>
+              <a:latin typeface="Times New Roman" panose="02020603050405020304" pitchFamily="18" charset="0"/>
+              <a:ea typeface="Calibri" panose="020F0502020204030204" pitchFamily="34" charset="0"/>
+            </a:endParaRPr>
+          </a:p>
+          <a:p>
+            <a:r>
+              <a:rPr lang="pt-BR" sz="1800" dirty="0">
+                <a:effectLst/>
+                <a:latin typeface="Times New Roman" panose="02020603050405020304" pitchFamily="18" charset="0"/>
+                <a:ea typeface="Calibri" panose="020F0502020204030204" pitchFamily="34" charset="0"/>
+              </a:rPr>
+              <a:t>Dados nulos não trazem informação</a:t>
+            </a:r>
+          </a:p>
+          <a:p>
+            <a:r>
+              <a:rPr lang="pt-BR" sz="1800" dirty="0">
+                <a:effectLst/>
+                <a:latin typeface="Times New Roman" panose="02020603050405020304" pitchFamily="18" charset="0"/>
+                <a:ea typeface="Calibri" panose="020F0502020204030204" pitchFamily="34" charset="0"/>
+              </a:rPr>
+              <a:t>Classificador não consegue interpretá-los</a:t>
+            </a:r>
+            <a:endParaRPr lang="pt-BR" dirty="0">
+              <a:latin typeface="Times New Roman" panose="02020603050405020304" pitchFamily="18" charset="0"/>
+              <a:ea typeface="Calibri" panose="020F0502020204030204" pitchFamily="34" charset="0"/>
+            </a:endParaRPr>
+          </a:p>
+          <a:p>
+            <a:r>
+              <a:rPr lang="pt-BR" sz="1800" b="1" dirty="0">
+                <a:effectLst/>
+                <a:latin typeface="Times New Roman" panose="02020603050405020304" pitchFamily="18" charset="0"/>
+                <a:ea typeface="Calibri" panose="020F0502020204030204" pitchFamily="34" charset="0"/>
+              </a:rPr>
+              <a:t>Correção: </a:t>
+            </a:r>
+            <a:r>
+              <a:rPr lang="pt-BR" sz="1800" dirty="0">
+                <a:effectLst/>
+                <a:latin typeface="Times New Roman" panose="02020603050405020304" pitchFamily="18" charset="0"/>
+                <a:ea typeface="Calibri" panose="020F0502020204030204" pitchFamily="34" charset="0"/>
+              </a:rPr>
+              <a:t>substituição pela média, mediana... ou </a:t>
+            </a:r>
+            <a:r>
+              <a:rPr lang="pt-BR" dirty="0">
+                <a:latin typeface="Times New Roman" panose="02020603050405020304" pitchFamily="18" charset="0"/>
+                <a:ea typeface="Calibri" panose="020F0502020204030204" pitchFamily="34" charset="0"/>
+              </a:rPr>
+              <a:t>e</a:t>
+            </a:r>
+            <a:r>
+              <a:rPr lang="pt-BR" sz="1800" dirty="0">
+                <a:effectLst/>
+                <a:latin typeface="Times New Roman" panose="02020603050405020304" pitchFamily="18" charset="0"/>
+                <a:ea typeface="Calibri" panose="020F0502020204030204" pitchFamily="34" charset="0"/>
+              </a:rPr>
+              <a:t>liminação</a:t>
+            </a:r>
+          </a:p>
+        </p:txBody>
+      </p:sp>
+    </p:spTree>
+    <p:extLst>
+      <p:ext uri="{BB962C8B-B14F-4D97-AF65-F5344CB8AC3E}">
+        <p14:creationId xmlns:p14="http://schemas.microsoft.com/office/powerpoint/2010/main" val="2111789964"/>
+      </p:ext>
+    </p:extLst>
+  </p:cSld>
+  <p:clrMapOvr>
+    <a:masterClrMapping/>
+  </p:clrMapOvr>
+</p:sld>
+</file>
+
+<file path=ppt/slides/slide11.xml><?xml version="1.0" encoding="utf-8"?>
+<p:sld xmlns:a="http://schemas.openxmlformats.org/drawingml/2006/main" xmlns:r="http://schemas.openxmlformats.org/officeDocument/2006/relationships" xmlns:p="http://schemas.openxmlformats.org/presentationml/2006/main">
+  <p:cSld>
+    <p:spTree>
+      <p:nvGrpSpPr>
+        <p:cNvPr id="1" name=""/>
+        <p:cNvGrpSpPr/>
+        <p:nvPr/>
+      </p:nvGrpSpPr>
+      <p:grpSpPr>
+        <a:xfrm>
+          <a:off x="0" y="0"/>
+          <a:ext cx="0" cy="0"/>
+          <a:chOff x="0" y="0"/>
+          <a:chExt cx="0" cy="0"/>
+        </a:xfrm>
+      </p:grpSpPr>
+      <p:sp>
+        <p:nvSpPr>
+          <p:cNvPr id="2" name="Título 1">
+            <a:extLst>
+              <a:ext uri="{FF2B5EF4-FFF2-40B4-BE49-F238E27FC236}">
+                <a16:creationId xmlns:a16="http://schemas.microsoft.com/office/drawing/2014/main" id="{84149C11-9ED8-0425-6D7E-35F12A43F9AA}"/>
+              </a:ext>
+            </a:extLst>
+          </p:cNvPr>
+          <p:cNvSpPr>
+            <a:spLocks noGrp="1"/>
+          </p:cNvSpPr>
+          <p:nvPr>
+            <p:ph type="title"/>
+          </p:nvPr>
+        </p:nvSpPr>
+        <p:spPr/>
+        <p:txBody>
+          <a:bodyPr>
+            <a:normAutofit/>
+          </a:bodyPr>
+          <a:lstStyle/>
+          <a:p>
+            <a:r>
+              <a:rPr lang="pt-BR" sz="3200" dirty="0"/>
+              <a:t>Tratamento de dados nulos</a:t>
+            </a:r>
+          </a:p>
+        </p:txBody>
+      </p:sp>
+      <p:sp>
+        <p:nvSpPr>
+          <p:cNvPr id="3" name="Espaço Reservado para Conteúdo 2">
+            <a:extLst>
+              <a:ext uri="{FF2B5EF4-FFF2-40B4-BE49-F238E27FC236}">
+                <a16:creationId xmlns:a16="http://schemas.microsoft.com/office/drawing/2014/main" id="{ED5B44EC-AFD8-9AA1-FDE4-CBCB7A90067F}"/>
+              </a:ext>
+            </a:extLst>
+          </p:cNvPr>
+          <p:cNvSpPr>
+            <a:spLocks noGrp="1"/>
+          </p:cNvSpPr>
+          <p:nvPr>
+            <p:ph idx="1"/>
+          </p:nvPr>
+        </p:nvSpPr>
+        <p:spPr/>
+        <p:txBody>
+          <a:bodyPr/>
+          <a:lstStyle/>
+          <a:p>
+            <a:endParaRPr lang="pt-BR" sz="1800" dirty="0">
+              <a:effectLst/>
+              <a:latin typeface="Times New Roman" panose="02020603050405020304" pitchFamily="18" charset="0"/>
+              <a:ea typeface="Calibri" panose="020F0502020204030204" pitchFamily="34" charset="0"/>
+            </a:endParaRPr>
+          </a:p>
+          <a:p>
+            <a:pPr marL="0" indent="0">
+              <a:buNone/>
+            </a:pPr>
+            <a:endParaRPr lang="pt-BR" sz="1800" dirty="0">
+              <a:effectLst/>
+              <a:latin typeface="Times New Roman" panose="02020603050405020304" pitchFamily="18" charset="0"/>
+              <a:ea typeface="Calibri" panose="020F0502020204030204" pitchFamily="34" charset="0"/>
+            </a:endParaRPr>
+          </a:p>
+          <a:p>
+            <a:r>
+              <a:rPr lang="pt-BR" sz="1800" dirty="0">
+                <a:effectLst/>
+                <a:latin typeface="Times New Roman" panose="02020603050405020304" pitchFamily="18" charset="0"/>
+                <a:ea typeface="Calibri" panose="020F0502020204030204" pitchFamily="34" charset="0"/>
+              </a:rPr>
+              <a:t>Única coluna com dados nulos foi </a:t>
+            </a:r>
+            <a:r>
+              <a:rPr lang="pt-BR" sz="1800" i="1" dirty="0" err="1">
+                <a:effectLst/>
+                <a:latin typeface="Times New Roman" panose="02020603050405020304" pitchFamily="18" charset="0"/>
+                <a:ea typeface="Calibri" panose="020F0502020204030204" pitchFamily="34" charset="0"/>
+              </a:rPr>
+              <a:t>bmi</a:t>
+            </a:r>
+            <a:r>
+              <a:rPr lang="pt-BR" sz="1800" dirty="0">
+                <a:effectLst/>
+                <a:latin typeface="Times New Roman" panose="02020603050405020304" pitchFamily="18" charset="0"/>
+                <a:ea typeface="Calibri" panose="020F0502020204030204" pitchFamily="34" charset="0"/>
+              </a:rPr>
+              <a:t>: </a:t>
+            </a:r>
+          </a:p>
+          <a:p>
+            <a:endParaRPr lang="pt-BR" dirty="0">
+              <a:latin typeface="Times New Roman" panose="02020603050405020304" pitchFamily="18" charset="0"/>
+              <a:ea typeface="Calibri" panose="020F0502020204030204" pitchFamily="34" charset="0"/>
+            </a:endParaRPr>
+          </a:p>
+          <a:p>
+            <a:endParaRPr lang="pt-BR" sz="1800" dirty="0">
+              <a:effectLst/>
+              <a:latin typeface="Times New Roman" panose="02020603050405020304" pitchFamily="18" charset="0"/>
+              <a:ea typeface="Calibri" panose="020F0502020204030204" pitchFamily="34" charset="0"/>
+            </a:endParaRPr>
+          </a:p>
+          <a:p>
+            <a:endParaRPr lang="pt-BR" dirty="0">
+              <a:latin typeface="Times New Roman" panose="02020603050405020304" pitchFamily="18" charset="0"/>
+              <a:ea typeface="Calibri" panose="020F0502020204030204" pitchFamily="34" charset="0"/>
+            </a:endParaRPr>
+          </a:p>
+          <a:p>
+            <a:endParaRPr lang="pt-BR" sz="1800" dirty="0">
+              <a:effectLst/>
+              <a:latin typeface="Times New Roman" panose="02020603050405020304" pitchFamily="18" charset="0"/>
+              <a:ea typeface="Calibri" panose="020F0502020204030204" pitchFamily="34" charset="0"/>
+            </a:endParaRPr>
+          </a:p>
+          <a:p>
+            <a:endParaRPr lang="pt-BR" dirty="0">
+              <a:latin typeface="Times New Roman" panose="02020603050405020304" pitchFamily="18" charset="0"/>
+              <a:ea typeface="Calibri" panose="020F0502020204030204" pitchFamily="34" charset="0"/>
+            </a:endParaRPr>
+          </a:p>
+          <a:p>
+            <a:r>
+              <a:rPr lang="pt-BR" dirty="0">
+                <a:latin typeface="Times New Roman" panose="02020603050405020304" pitchFamily="18" charset="0"/>
+                <a:ea typeface="Calibri" panose="020F0502020204030204" pitchFamily="34" charset="0"/>
+              </a:rPr>
+              <a:t>Correção feita: substituição pela mediana</a:t>
+            </a:r>
+          </a:p>
+        </p:txBody>
+      </p:sp>
+      <p:graphicFrame>
+        <p:nvGraphicFramePr>
+          <p:cNvPr id="4" name="Tabela 3">
+            <a:extLst>
+              <a:ext uri="{FF2B5EF4-FFF2-40B4-BE49-F238E27FC236}">
+                <a16:creationId xmlns:a16="http://schemas.microsoft.com/office/drawing/2014/main" id="{D9F66D3D-2E38-1F7E-224A-6B66EC04B017}"/>
+              </a:ext>
+            </a:extLst>
+          </p:cNvPr>
+          <p:cNvGraphicFramePr>
+            <a:graphicFrameLocks noGrp="1"/>
+          </p:cNvGraphicFramePr>
+          <p:nvPr>
+            <p:extLst>
+              <p:ext uri="{D42A27DB-BD31-4B8C-83A1-F6EECF244321}">
+                <p14:modId xmlns:p14="http://schemas.microsoft.com/office/powerpoint/2010/main" val="967895234"/>
+              </p:ext>
+            </p:extLst>
+          </p:nvPr>
+        </p:nvGraphicFramePr>
+        <p:xfrm>
+          <a:off x="2190559" y="3286125"/>
+          <a:ext cx="6737985" cy="1987550"/>
+        </p:xfrm>
+        <a:graphic>
+          <a:graphicData uri="http://schemas.openxmlformats.org/drawingml/2006/table">
+            <a:tbl>
+              <a:tblPr firstRow="1" firstCol="1" bandRow="1">
+                <a:tableStyleId>{5C22544A-7EE6-4342-B048-85BDC9FD1C3A}</a:tableStyleId>
+              </a:tblPr>
+              <a:tblGrid>
+                <a:gridCol w="2245995">
+                  <a:extLst>
+                    <a:ext uri="{9D8B030D-6E8A-4147-A177-3AD203B41FA5}">
+                      <a16:colId xmlns:a16="http://schemas.microsoft.com/office/drawing/2014/main" val="175596780"/>
+                    </a:ext>
+                  </a:extLst>
+                </a:gridCol>
+                <a:gridCol w="2245995">
+                  <a:extLst>
+                    <a:ext uri="{9D8B030D-6E8A-4147-A177-3AD203B41FA5}">
+                      <a16:colId xmlns:a16="http://schemas.microsoft.com/office/drawing/2014/main" val="4203103227"/>
+                    </a:ext>
+                  </a:extLst>
+                </a:gridCol>
+                <a:gridCol w="2245995">
+                  <a:extLst>
+                    <a:ext uri="{9D8B030D-6E8A-4147-A177-3AD203B41FA5}">
+                      <a16:colId xmlns:a16="http://schemas.microsoft.com/office/drawing/2014/main" val="1685441160"/>
+                    </a:ext>
+                  </a:extLst>
+                </a:gridCol>
+              </a:tblGrid>
+              <a:tr h="375285">
+                <a:tc gridSpan="3">
+                  <a:txBody>
+                    <a:bodyPr/>
+                    <a:lstStyle/>
+                    <a:p>
+                      <a:pPr algn="ctr">
+                        <a:lnSpc>
+                          <a:spcPct val="107000"/>
+                        </a:lnSpc>
+                        <a:spcAft>
+                          <a:spcPts val="800"/>
+                        </a:spcAft>
+                      </a:pPr>
+                      <a:r>
+                        <a:rPr lang="pt-BR" sz="1200">
+                          <a:effectLst/>
+                        </a:rPr>
+                        <a:t>Distribuição da variável BMI com relação a dados nulos</a:t>
+                      </a:r>
+                      <a:endParaRPr lang="pt-BR" sz="1100">
+                        <a:effectLst/>
+                        <a:latin typeface="Calibri" panose="020F0502020204030204" pitchFamily="34" charset="0"/>
+                        <a:ea typeface="Calibri" panose="020F0502020204030204" pitchFamily="34" charset="0"/>
+                        <a:cs typeface="Times New Roman" panose="02020603050405020304" pitchFamily="18" charset="0"/>
+                      </a:endParaRPr>
+                    </a:p>
+                  </a:txBody>
+                  <a:tcPr marL="68580" marR="68580" marT="0" marB="0" anchor="ctr"/>
+                </a:tc>
+                <a:tc hMerge="1">
+                  <a:txBody>
+                    <a:bodyPr/>
+                    <a:lstStyle/>
+                    <a:p>
+                      <a:endParaRPr lang="pt-BR"/>
+                    </a:p>
+                  </a:txBody>
+                  <a:tcPr/>
+                </a:tc>
+                <a:tc hMerge="1">
+                  <a:txBody>
+                    <a:bodyPr/>
+                    <a:lstStyle/>
+                    <a:p>
+                      <a:endParaRPr lang="pt-BR"/>
+                    </a:p>
+                  </a:txBody>
+                  <a:tcPr/>
+                </a:tc>
+                <a:extLst>
+                  <a:ext uri="{0D108BD9-81ED-4DB2-BD59-A6C34878D82A}">
+                    <a16:rowId xmlns:a16="http://schemas.microsoft.com/office/drawing/2014/main" val="4038456728"/>
+                  </a:ext>
+                </a:extLst>
+              </a:tr>
+              <a:tr h="375285">
+                <a:tc rowSpan="4">
+                  <a:txBody>
+                    <a:bodyPr/>
+                    <a:lstStyle/>
+                    <a:p>
+                      <a:pPr algn="ctr">
+                        <a:lnSpc>
+                          <a:spcPct val="107000"/>
+                        </a:lnSpc>
+                        <a:spcAft>
+                          <a:spcPts val="800"/>
+                        </a:spcAft>
+                      </a:pPr>
+                      <a:r>
+                        <a:rPr lang="pt-BR" sz="1200" dirty="0">
+                          <a:effectLst/>
+                        </a:rPr>
+                        <a:t>Conjunto de dados total</a:t>
+                      </a:r>
+                      <a:endParaRPr lang="pt-BR" sz="1100" dirty="0">
+                        <a:effectLst/>
+                        <a:latin typeface="Calibri" panose="020F0502020204030204" pitchFamily="34" charset="0"/>
+                        <a:ea typeface="Calibri" panose="020F0502020204030204" pitchFamily="34" charset="0"/>
+                        <a:cs typeface="Times New Roman" panose="02020603050405020304" pitchFamily="18" charset="0"/>
+                      </a:endParaRPr>
+                    </a:p>
+                  </a:txBody>
+                  <a:tcPr marL="68580" marR="68580" marT="0" marB="0" anchor="ctr"/>
+                </a:tc>
+                <a:tc rowSpan="2">
+                  <a:txBody>
+                    <a:bodyPr/>
+                    <a:lstStyle/>
+                    <a:p>
+                      <a:pPr algn="ctr">
+                        <a:lnSpc>
+                          <a:spcPct val="107000"/>
+                        </a:lnSpc>
+                        <a:spcAft>
+                          <a:spcPts val="800"/>
+                        </a:spcAft>
+                      </a:pPr>
+                      <a:r>
+                        <a:rPr lang="pt-BR" sz="1200">
+                          <a:effectLst/>
+                        </a:rPr>
+                        <a:t>249 casos de AVC</a:t>
+                      </a:r>
+                      <a:endParaRPr lang="pt-BR" sz="1100">
+                        <a:effectLst/>
+                        <a:latin typeface="Calibri" panose="020F0502020204030204" pitchFamily="34" charset="0"/>
+                        <a:ea typeface="Calibri" panose="020F0502020204030204" pitchFamily="34" charset="0"/>
+                        <a:cs typeface="Times New Roman" panose="02020603050405020304" pitchFamily="18" charset="0"/>
+                      </a:endParaRPr>
+                    </a:p>
+                  </a:txBody>
+                  <a:tcPr marL="68580" marR="68580" marT="0" marB="0" anchor="ctr"/>
+                </a:tc>
+                <a:tc>
+                  <a:txBody>
+                    <a:bodyPr/>
+                    <a:lstStyle/>
+                    <a:p>
+                      <a:pPr algn="ctr">
+                        <a:lnSpc>
+                          <a:spcPct val="107000"/>
+                        </a:lnSpc>
+                        <a:spcAft>
+                          <a:spcPts val="800"/>
+                        </a:spcAft>
+                      </a:pPr>
+                      <a:r>
+                        <a:rPr lang="pt-BR" sz="1200">
+                          <a:effectLst/>
+                        </a:rPr>
+                        <a:t>209 valores não nulos (84%)</a:t>
+                      </a:r>
+                      <a:endParaRPr lang="pt-BR" sz="1100">
+                        <a:effectLst/>
+                        <a:latin typeface="Calibri" panose="020F0502020204030204" pitchFamily="34" charset="0"/>
+                        <a:ea typeface="Calibri" panose="020F0502020204030204" pitchFamily="34" charset="0"/>
+                        <a:cs typeface="Times New Roman" panose="02020603050405020304" pitchFamily="18" charset="0"/>
+                      </a:endParaRPr>
+                    </a:p>
+                  </a:txBody>
+                  <a:tcPr marL="68580" marR="68580" marT="0" marB="0" anchor="ctr"/>
+                </a:tc>
+                <a:extLst>
+                  <a:ext uri="{0D108BD9-81ED-4DB2-BD59-A6C34878D82A}">
+                    <a16:rowId xmlns:a16="http://schemas.microsoft.com/office/drawing/2014/main" val="2417468624"/>
+                  </a:ext>
+                </a:extLst>
+              </a:tr>
+              <a:tr h="369570">
+                <a:tc vMerge="1">
+                  <a:txBody>
+                    <a:bodyPr/>
+                    <a:lstStyle/>
+                    <a:p>
+                      <a:endParaRPr lang="pt-BR"/>
+                    </a:p>
+                  </a:txBody>
+                  <a:tcPr/>
+                </a:tc>
+                <a:tc vMerge="1">
+                  <a:txBody>
+                    <a:bodyPr/>
+                    <a:lstStyle/>
+                    <a:p>
+                      <a:endParaRPr lang="pt-BR"/>
+                    </a:p>
+                  </a:txBody>
+                  <a:tcPr/>
+                </a:tc>
+                <a:tc>
+                  <a:txBody>
+                    <a:bodyPr/>
+                    <a:lstStyle/>
+                    <a:p>
+                      <a:pPr algn="ctr">
+                        <a:lnSpc>
+                          <a:spcPct val="107000"/>
+                        </a:lnSpc>
+                        <a:spcAft>
+                          <a:spcPts val="800"/>
+                        </a:spcAft>
+                      </a:pPr>
+                      <a:r>
+                        <a:rPr lang="pt-BR" sz="1200">
+                          <a:effectLst/>
+                        </a:rPr>
+                        <a:t>40 valores nulos (16%)</a:t>
+                      </a:r>
+                      <a:endParaRPr lang="pt-BR" sz="1100">
+                        <a:effectLst/>
+                        <a:latin typeface="Calibri" panose="020F0502020204030204" pitchFamily="34" charset="0"/>
+                        <a:ea typeface="Calibri" panose="020F0502020204030204" pitchFamily="34" charset="0"/>
+                        <a:cs typeface="Times New Roman" panose="02020603050405020304" pitchFamily="18" charset="0"/>
+                      </a:endParaRPr>
+                    </a:p>
+                  </a:txBody>
+                  <a:tcPr marL="68580" marR="68580" marT="0" marB="0" anchor="ctr"/>
+                </a:tc>
+                <a:extLst>
+                  <a:ext uri="{0D108BD9-81ED-4DB2-BD59-A6C34878D82A}">
+                    <a16:rowId xmlns:a16="http://schemas.microsoft.com/office/drawing/2014/main" val="3193643054"/>
+                  </a:ext>
+                </a:extLst>
+              </a:tr>
+              <a:tr h="431165">
+                <a:tc vMerge="1">
+                  <a:txBody>
+                    <a:bodyPr/>
+                    <a:lstStyle/>
+                    <a:p>
+                      <a:endParaRPr lang="pt-BR"/>
+                    </a:p>
+                  </a:txBody>
+                  <a:tcPr/>
+                </a:tc>
+                <a:tc rowSpan="2">
+                  <a:txBody>
+                    <a:bodyPr/>
+                    <a:lstStyle/>
+                    <a:p>
+                      <a:pPr algn="ctr">
+                        <a:lnSpc>
+                          <a:spcPct val="107000"/>
+                        </a:lnSpc>
+                        <a:spcAft>
+                          <a:spcPts val="800"/>
+                        </a:spcAft>
+                      </a:pPr>
+                      <a:r>
+                        <a:rPr lang="pt-BR" sz="1200">
+                          <a:effectLst/>
+                        </a:rPr>
+                        <a:t>251 casos de não AVC</a:t>
+                      </a:r>
+                      <a:endParaRPr lang="pt-BR" sz="1100">
+                        <a:effectLst/>
+                        <a:latin typeface="Calibri" panose="020F0502020204030204" pitchFamily="34" charset="0"/>
+                        <a:ea typeface="Calibri" panose="020F0502020204030204" pitchFamily="34" charset="0"/>
+                        <a:cs typeface="Times New Roman" panose="02020603050405020304" pitchFamily="18" charset="0"/>
+                      </a:endParaRPr>
+                    </a:p>
+                  </a:txBody>
+                  <a:tcPr marL="68580" marR="68580" marT="0" marB="0" anchor="ctr"/>
+                </a:tc>
+                <a:tc>
+                  <a:txBody>
+                    <a:bodyPr/>
+                    <a:lstStyle/>
+                    <a:p>
+                      <a:pPr algn="ctr">
+                        <a:lnSpc>
+                          <a:spcPct val="107000"/>
+                        </a:lnSpc>
+                        <a:spcAft>
+                          <a:spcPts val="800"/>
+                        </a:spcAft>
+                      </a:pPr>
+                      <a:r>
+                        <a:rPr lang="pt-BR" sz="1200">
+                          <a:effectLst/>
+                        </a:rPr>
+                        <a:t>245 valores não nulos (98%)</a:t>
+                      </a:r>
+                      <a:endParaRPr lang="pt-BR" sz="1100">
+                        <a:effectLst/>
+                        <a:latin typeface="Calibri" panose="020F0502020204030204" pitchFamily="34" charset="0"/>
+                        <a:ea typeface="Calibri" panose="020F0502020204030204" pitchFamily="34" charset="0"/>
+                        <a:cs typeface="Times New Roman" panose="02020603050405020304" pitchFamily="18" charset="0"/>
+                      </a:endParaRPr>
+                    </a:p>
+                  </a:txBody>
+                  <a:tcPr marL="68580" marR="68580" marT="0" marB="0" anchor="ctr"/>
+                </a:tc>
+                <a:extLst>
+                  <a:ext uri="{0D108BD9-81ED-4DB2-BD59-A6C34878D82A}">
+                    <a16:rowId xmlns:a16="http://schemas.microsoft.com/office/drawing/2014/main" val="666317125"/>
+                  </a:ext>
+                </a:extLst>
+              </a:tr>
+              <a:tr h="436245">
+                <a:tc vMerge="1">
+                  <a:txBody>
+                    <a:bodyPr/>
+                    <a:lstStyle/>
+                    <a:p>
+                      <a:endParaRPr lang="pt-BR"/>
+                    </a:p>
+                  </a:txBody>
+                  <a:tcPr/>
+                </a:tc>
+                <a:tc vMerge="1">
+                  <a:txBody>
+                    <a:bodyPr/>
+                    <a:lstStyle/>
+                    <a:p>
+                      <a:endParaRPr lang="pt-BR"/>
+                    </a:p>
+                  </a:txBody>
+                  <a:tcPr/>
+                </a:tc>
+                <a:tc>
+                  <a:txBody>
+                    <a:bodyPr/>
+                    <a:lstStyle/>
+                    <a:p>
+                      <a:pPr algn="ctr">
+                        <a:lnSpc>
+                          <a:spcPct val="107000"/>
+                        </a:lnSpc>
+                        <a:spcAft>
+                          <a:spcPts val="800"/>
+                        </a:spcAft>
+                      </a:pPr>
+                      <a:r>
+                        <a:rPr lang="pt-BR" sz="1200" dirty="0">
+                          <a:effectLst/>
+                        </a:rPr>
+                        <a:t>6 valores nulos (2%)</a:t>
+                      </a:r>
+                      <a:endParaRPr lang="pt-BR" sz="1100" dirty="0">
+                        <a:effectLst/>
+                        <a:latin typeface="Calibri" panose="020F0502020204030204" pitchFamily="34" charset="0"/>
+                        <a:ea typeface="Calibri" panose="020F0502020204030204" pitchFamily="34" charset="0"/>
+                        <a:cs typeface="Times New Roman" panose="02020603050405020304" pitchFamily="18" charset="0"/>
+                      </a:endParaRPr>
+                    </a:p>
+                  </a:txBody>
+                  <a:tcPr marL="68580" marR="68580" marT="0" marB="0" anchor="ctr"/>
+                </a:tc>
+                <a:extLst>
+                  <a:ext uri="{0D108BD9-81ED-4DB2-BD59-A6C34878D82A}">
+                    <a16:rowId xmlns:a16="http://schemas.microsoft.com/office/drawing/2014/main" val="2915108915"/>
+                  </a:ext>
+                </a:extLst>
+              </a:tr>
+            </a:tbl>
+          </a:graphicData>
+        </a:graphic>
+      </p:graphicFrame>
+    </p:spTree>
+    <p:extLst>
+      <p:ext uri="{BB962C8B-B14F-4D97-AF65-F5344CB8AC3E}">
+        <p14:creationId xmlns:p14="http://schemas.microsoft.com/office/powerpoint/2010/main" val="3432276869"/>
+      </p:ext>
+    </p:extLst>
+  </p:cSld>
+  <p:clrMapOvr>
+    <a:masterClrMapping/>
+  </p:clrMapOvr>
+</p:sld>
+</file>
+
+<file path=ppt/slides/slide12.xml><?xml version="1.0" encoding="utf-8"?>
+<p:sld xmlns:a="http://schemas.openxmlformats.org/drawingml/2006/main" xmlns:r="http://schemas.openxmlformats.org/officeDocument/2006/relationships" xmlns:p="http://schemas.openxmlformats.org/presentationml/2006/main">
+  <p:cSld>
+    <p:spTree>
+      <p:nvGrpSpPr>
+        <p:cNvPr id="1" name=""/>
+        <p:cNvGrpSpPr/>
+        <p:nvPr/>
+      </p:nvGrpSpPr>
+      <p:grpSpPr>
+        <a:xfrm>
+          <a:off x="0" y="0"/>
+          <a:ext cx="0" cy="0"/>
+          <a:chOff x="0" y="0"/>
+          <a:chExt cx="0" cy="0"/>
+        </a:xfrm>
+      </p:grpSpPr>
+      <p:sp>
+        <p:nvSpPr>
+          <p:cNvPr id="2" name="Título 1">
+            <a:extLst>
+              <a:ext uri="{FF2B5EF4-FFF2-40B4-BE49-F238E27FC236}">
+                <a16:creationId xmlns:a16="http://schemas.microsoft.com/office/drawing/2014/main" id="{84149C11-9ED8-0425-6D7E-35F12A43F9AA}"/>
+              </a:ext>
+            </a:extLst>
+          </p:cNvPr>
+          <p:cNvSpPr>
+            <a:spLocks noGrp="1"/>
+          </p:cNvSpPr>
+          <p:nvPr>
+            <p:ph type="title"/>
+          </p:nvPr>
+        </p:nvSpPr>
+        <p:spPr/>
+        <p:txBody>
+          <a:bodyPr>
+            <a:normAutofit/>
+          </a:bodyPr>
+          <a:lstStyle/>
+          <a:p>
+            <a:r>
+              <a:rPr lang="pt-BR" sz="3200" dirty="0"/>
+              <a:t>Normalização</a:t>
+            </a:r>
+          </a:p>
+        </p:txBody>
+      </p:sp>
+      <p:sp>
+        <p:nvSpPr>
+          <p:cNvPr id="3" name="Espaço Reservado para Conteúdo 2">
+            <a:extLst>
+              <a:ext uri="{FF2B5EF4-FFF2-40B4-BE49-F238E27FC236}">
+                <a16:creationId xmlns:a16="http://schemas.microsoft.com/office/drawing/2014/main" id="{ED5B44EC-AFD8-9AA1-FDE4-CBCB7A90067F}"/>
+              </a:ext>
+            </a:extLst>
+          </p:cNvPr>
+          <p:cNvSpPr>
+            <a:spLocks noGrp="1"/>
+          </p:cNvSpPr>
+          <p:nvPr>
+            <p:ph idx="1"/>
+          </p:nvPr>
+        </p:nvSpPr>
+        <p:spPr/>
+        <p:txBody>
+          <a:bodyPr>
+            <a:normAutofit/>
+          </a:bodyPr>
+          <a:lstStyle/>
+          <a:p>
+            <a:endParaRPr lang="pt-BR" sz="1800" dirty="0">
+              <a:effectLst/>
+              <a:latin typeface="Times New Roman" panose="02020603050405020304" pitchFamily="18" charset="0"/>
+              <a:ea typeface="Calibri" panose="020F0502020204030204" pitchFamily="34" charset="0"/>
+            </a:endParaRPr>
+          </a:p>
+          <a:p>
+            <a:endParaRPr lang="pt-BR" sz="1800" dirty="0">
+              <a:solidFill>
+                <a:srgbClr val="171717"/>
+              </a:solidFill>
+              <a:effectLst/>
+              <a:latin typeface="Calibri" panose="020F0502020204030204" pitchFamily="34" charset="0"/>
+              <a:ea typeface="Calibri" panose="020F0502020204030204" pitchFamily="34" charset="0"/>
+              <a:cs typeface="Times New Roman" panose="02020603050405020304" pitchFamily="18" charset="0"/>
+            </a:endParaRPr>
+          </a:p>
+          <a:p>
+            <a:r>
+              <a:rPr lang="pt-BR" sz="1800" dirty="0">
+                <a:solidFill>
+                  <a:srgbClr val="171717"/>
+                </a:solidFill>
+                <a:effectLst/>
+                <a:latin typeface="Calibri" panose="020F0502020204030204" pitchFamily="34" charset="0"/>
+                <a:ea typeface="Calibri" panose="020F0502020204030204" pitchFamily="34" charset="0"/>
+                <a:cs typeface="Times New Roman" panose="02020603050405020304" pitchFamily="18" charset="0"/>
+              </a:rPr>
+              <a:t>Mudar os valores das colunas numéricas para usar uma escala comum sem distorcer as diferenças nos intervalos de valores</a:t>
+            </a:r>
+          </a:p>
+          <a:p>
+            <a:pPr marL="0" indent="0">
+              <a:buNone/>
+            </a:pPr>
+            <a:endParaRPr lang="pt-BR" sz="1800" dirty="0">
+              <a:solidFill>
+                <a:srgbClr val="171717"/>
+              </a:solidFill>
+              <a:effectLst/>
+              <a:latin typeface="Calibri" panose="020F0502020204030204" pitchFamily="34" charset="0"/>
+              <a:ea typeface="Calibri" panose="020F0502020204030204" pitchFamily="34" charset="0"/>
+              <a:cs typeface="Times New Roman" panose="02020603050405020304" pitchFamily="18" charset="0"/>
+            </a:endParaRPr>
+          </a:p>
+          <a:p>
+            <a:r>
+              <a:rPr lang="pt-BR" dirty="0">
+                <a:solidFill>
+                  <a:srgbClr val="171717"/>
+                </a:solidFill>
+                <a:latin typeface="Calibri" panose="020F0502020204030204" pitchFamily="34" charset="0"/>
+                <a:ea typeface="Calibri" panose="020F0502020204030204" pitchFamily="34" charset="0"/>
+                <a:cs typeface="Times New Roman" panose="02020603050405020304" pitchFamily="18" charset="0"/>
+              </a:rPr>
+              <a:t>N</a:t>
+            </a:r>
+            <a:r>
+              <a:rPr lang="pt-BR" sz="1800" dirty="0">
+                <a:solidFill>
+                  <a:srgbClr val="171717"/>
+                </a:solidFill>
+                <a:effectLst/>
+                <a:latin typeface="Calibri" panose="020F0502020204030204" pitchFamily="34" charset="0"/>
+                <a:ea typeface="Calibri" panose="020F0502020204030204" pitchFamily="34" charset="0"/>
+                <a:cs typeface="Times New Roman" panose="02020603050405020304" pitchFamily="18" charset="0"/>
+              </a:rPr>
+              <a:t>ecessária para alguns algoritmos modelarem os dados corretamente</a:t>
+            </a:r>
+          </a:p>
+        </p:txBody>
+      </p:sp>
+    </p:spTree>
+    <p:extLst>
+      <p:ext uri="{BB962C8B-B14F-4D97-AF65-F5344CB8AC3E}">
+        <p14:creationId xmlns:p14="http://schemas.microsoft.com/office/powerpoint/2010/main" val="472207730"/>
+      </p:ext>
+    </p:extLst>
+  </p:cSld>
+  <p:clrMapOvr>
+    <a:masterClrMapping/>
+  </p:clrMapOvr>
+</p:sld>
+</file>
+
+<file path=ppt/slides/slide13.xml><?xml version="1.0" encoding="utf-8"?>
+<p:sld xmlns:a="http://schemas.openxmlformats.org/drawingml/2006/main" xmlns:r="http://schemas.openxmlformats.org/officeDocument/2006/relationships" xmlns:p="http://schemas.openxmlformats.org/presentationml/2006/main">
+  <p:cSld>
+    <p:spTree>
+      <p:nvGrpSpPr>
+        <p:cNvPr id="1" name=""/>
+        <p:cNvGrpSpPr/>
+        <p:nvPr/>
+      </p:nvGrpSpPr>
+      <p:grpSpPr>
+        <a:xfrm>
+          <a:off x="0" y="0"/>
+          <a:ext cx="0" cy="0"/>
+          <a:chOff x="0" y="0"/>
+          <a:chExt cx="0" cy="0"/>
+        </a:xfrm>
+      </p:grpSpPr>
+      <p:sp>
+        <p:nvSpPr>
+          <p:cNvPr id="2" name="Título 1">
+            <a:extLst>
+              <a:ext uri="{FF2B5EF4-FFF2-40B4-BE49-F238E27FC236}">
+                <a16:creationId xmlns:a16="http://schemas.microsoft.com/office/drawing/2014/main" id="{84149C11-9ED8-0425-6D7E-35F12A43F9AA}"/>
+              </a:ext>
+            </a:extLst>
+          </p:cNvPr>
+          <p:cNvSpPr>
+            <a:spLocks noGrp="1"/>
+          </p:cNvSpPr>
+          <p:nvPr>
+            <p:ph type="title"/>
+          </p:nvPr>
+        </p:nvSpPr>
+        <p:spPr/>
+        <p:txBody>
+          <a:bodyPr>
+            <a:normAutofit/>
+          </a:bodyPr>
+          <a:lstStyle/>
+          <a:p>
+            <a:r>
+              <a:rPr lang="pt-BR" sz="3200" dirty="0"/>
+              <a:t>Normalização</a:t>
+            </a:r>
+          </a:p>
+        </p:txBody>
+      </p:sp>
+      <p:sp>
+        <p:nvSpPr>
+          <p:cNvPr id="3" name="Espaço Reservado para Conteúdo 2">
+            <a:extLst>
+              <a:ext uri="{FF2B5EF4-FFF2-40B4-BE49-F238E27FC236}">
+                <a16:creationId xmlns:a16="http://schemas.microsoft.com/office/drawing/2014/main" id="{ED5B44EC-AFD8-9AA1-FDE4-CBCB7A90067F}"/>
+              </a:ext>
+            </a:extLst>
+          </p:cNvPr>
+          <p:cNvSpPr>
+            <a:spLocks noGrp="1"/>
+          </p:cNvSpPr>
+          <p:nvPr>
+            <p:ph idx="1"/>
+          </p:nvPr>
+        </p:nvSpPr>
+        <p:spPr/>
+        <p:txBody>
+          <a:bodyPr>
+            <a:normAutofit/>
+          </a:bodyPr>
+          <a:lstStyle/>
+          <a:p>
+            <a:endParaRPr lang="pt-BR" sz="1800" dirty="0">
+              <a:effectLst/>
+              <a:latin typeface="Times New Roman" panose="02020603050405020304" pitchFamily="18" charset="0"/>
+              <a:ea typeface="Calibri" panose="020F0502020204030204" pitchFamily="34" charset="0"/>
+            </a:endParaRPr>
+          </a:p>
+          <a:p>
+            <a:endParaRPr lang="pt-BR" dirty="0">
+              <a:latin typeface="Times New Roman" panose="02020603050405020304" pitchFamily="18" charset="0"/>
+              <a:ea typeface="Calibri" panose="020F0502020204030204" pitchFamily="34" charset="0"/>
+            </a:endParaRPr>
+          </a:p>
+          <a:p>
+            <a:r>
+              <a:rPr lang="pt-BR" dirty="0">
+                <a:latin typeface="Times New Roman" panose="02020603050405020304" pitchFamily="18" charset="0"/>
+                <a:ea typeface="Calibri" panose="020F0502020204030204" pitchFamily="34" charset="0"/>
+              </a:rPr>
+              <a:t>Normalização escolhida:</a:t>
+            </a:r>
+            <a:r>
+              <a:rPr lang="pt-BR" b="1" dirty="0">
+                <a:latin typeface="Times New Roman" panose="02020603050405020304" pitchFamily="18" charset="0"/>
+                <a:ea typeface="Calibri" panose="020F0502020204030204" pitchFamily="34" charset="0"/>
+              </a:rPr>
+              <a:t> </a:t>
+            </a:r>
+            <a:r>
+              <a:rPr lang="pt-BR" b="1" i="1" dirty="0">
+                <a:latin typeface="Times New Roman" panose="02020603050405020304" pitchFamily="18" charset="0"/>
+                <a:ea typeface="Calibri" panose="020F0502020204030204" pitchFamily="34" charset="0"/>
+              </a:rPr>
+              <a:t>min-</a:t>
+            </a:r>
+            <a:r>
+              <a:rPr lang="pt-BR" b="1" i="1" dirty="0" err="1">
+                <a:latin typeface="Times New Roman" panose="02020603050405020304" pitchFamily="18" charset="0"/>
+                <a:ea typeface="Calibri" panose="020F0502020204030204" pitchFamily="34" charset="0"/>
+              </a:rPr>
+              <a:t>max</a:t>
+            </a:r>
+            <a:endParaRPr lang="pt-BR" b="1" i="1" dirty="0">
+              <a:latin typeface="Times New Roman" panose="02020603050405020304" pitchFamily="18" charset="0"/>
+              <a:cs typeface="Times New Roman" panose="02020603050405020304" pitchFamily="18" charset="0"/>
+            </a:endParaRPr>
+          </a:p>
+          <a:p>
+            <a:pPr lvl="1"/>
+            <a:r>
+              <a:rPr lang="pt-BR" dirty="0">
+                <a:latin typeface="Times New Roman" panose="02020603050405020304" pitchFamily="18" charset="0"/>
+                <a:cs typeface="Times New Roman" panose="02020603050405020304" pitchFamily="18" charset="0"/>
+              </a:rPr>
+              <a:t>redimensiona para o intervalo [0,1] ou [-1, 1]</a:t>
+            </a:r>
+          </a:p>
+          <a:p>
+            <a:pPr lvl="1"/>
+            <a:r>
+              <a:rPr lang="pt-BR" dirty="0">
+                <a:solidFill>
+                  <a:schemeClr val="tx1"/>
+                </a:solidFill>
+                <a:latin typeface="Times New Roman" panose="02020603050405020304" pitchFamily="18" charset="0"/>
+                <a:ea typeface="Calibri" panose="020F0502020204030204" pitchFamily="34" charset="0"/>
+                <a:cs typeface="Times New Roman" panose="02020603050405020304" pitchFamily="18" charset="0"/>
+              </a:rPr>
+              <a:t>lida melhor com dados de distribuição não normal</a:t>
+            </a:r>
+          </a:p>
+          <a:p>
+            <a:pPr lvl="1"/>
+            <a:endParaRPr lang="pt-BR" dirty="0">
+              <a:solidFill>
+                <a:schemeClr val="tx1"/>
+              </a:solidFill>
+              <a:latin typeface="Times New Roman" panose="02020603050405020304" pitchFamily="18" charset="0"/>
+              <a:ea typeface="Calibri" panose="020F0502020204030204" pitchFamily="34" charset="0"/>
+              <a:cs typeface="Times New Roman" panose="02020603050405020304" pitchFamily="18" charset="0"/>
+            </a:endParaRPr>
+          </a:p>
+          <a:p>
+            <a:pPr lvl="1"/>
+            <a:endParaRPr lang="pt-BR" dirty="0">
+              <a:solidFill>
+                <a:schemeClr val="tx1"/>
+              </a:solidFill>
+              <a:latin typeface="Times New Roman" panose="02020603050405020304" pitchFamily="18" charset="0"/>
+              <a:ea typeface="Calibri" panose="020F0502020204030204" pitchFamily="34" charset="0"/>
+              <a:cs typeface="Times New Roman" panose="02020603050405020304" pitchFamily="18" charset="0"/>
+            </a:endParaRPr>
+          </a:p>
+          <a:p>
+            <a:pPr marL="0" indent="0">
+              <a:buNone/>
+            </a:pPr>
+            <a:endParaRPr lang="pt-BR" dirty="0">
+              <a:solidFill>
+                <a:schemeClr val="tx1"/>
+              </a:solidFill>
+              <a:latin typeface="Times New Roman" panose="02020603050405020304" pitchFamily="18" charset="0"/>
+              <a:ea typeface="Calibri" panose="020F0502020204030204" pitchFamily="34" charset="0"/>
+              <a:cs typeface="Times New Roman" panose="02020603050405020304" pitchFamily="18" charset="0"/>
+            </a:endParaRPr>
+          </a:p>
+        </p:txBody>
+      </p:sp>
+      <p:pic>
+        <p:nvPicPr>
+          <p:cNvPr id="2050" name="Picture 2" descr="python - Can someone explain to me how MinMaxScaler() works? - Stack  Overflow">
+            <a:extLst>
+              <a:ext uri="{FF2B5EF4-FFF2-40B4-BE49-F238E27FC236}">
+                <a16:creationId xmlns:a16="http://schemas.microsoft.com/office/drawing/2014/main" id="{790B74A4-1372-CC13-2E40-012045D8CCE0}"/>
+              </a:ext>
+            </a:extLst>
+          </p:cNvPr>
+          <p:cNvPicPr>
+            <a:picLocks noChangeAspect="1" noChangeArrowheads="1"/>
+          </p:cNvPicPr>
+          <p:nvPr/>
+        </p:nvPicPr>
+        <p:blipFill>
+          <a:blip r:embed="rId2">
+            <a:extLst>
+              <a:ext uri="{28A0092B-C50C-407E-A947-70E740481C1C}">
+                <a14:useLocalDpi xmlns:a14="http://schemas.microsoft.com/office/drawing/2010/main" val="0"/>
+              </a:ext>
+            </a:extLst>
+          </a:blip>
+          <a:srcRect/>
+          <a:stretch>
+            <a:fillRect/>
+          </a:stretch>
+        </p:blipFill>
+        <p:spPr bwMode="auto">
+          <a:xfrm>
+            <a:off x="3793740" y="4192727"/>
+            <a:ext cx="3531624" cy="787773"/>
+          </a:xfrm>
+          <a:prstGeom prst="rect">
+            <a:avLst/>
+          </a:prstGeom>
+          <a:noFill/>
+          <a:extLst>
+            <a:ext uri="{909E8E84-426E-40DD-AFC4-6F175D3DCCD1}">
+              <a14:hiddenFill xmlns:a14="http://schemas.microsoft.com/office/drawing/2010/main">
+                <a:solidFill>
+                  <a:srgbClr val="FFFFFF"/>
+                </a:solidFill>
+              </a14:hiddenFill>
+            </a:ext>
+          </a:extLst>
+        </p:spPr>
+      </p:pic>
+    </p:spTree>
+    <p:extLst>
+      <p:ext uri="{BB962C8B-B14F-4D97-AF65-F5344CB8AC3E}">
+        <p14:creationId xmlns:p14="http://schemas.microsoft.com/office/powerpoint/2010/main" val="3735381996"/>
+      </p:ext>
+    </p:extLst>
+  </p:cSld>
+  <p:clrMapOvr>
+    <a:masterClrMapping/>
+  </p:clrMapOvr>
+</p:sld>
+</file>
+
+<file path=ppt/slides/slide14.xml><?xml version="1.0" encoding="utf-8"?>
+<p:sld xmlns:a="http://schemas.openxmlformats.org/drawingml/2006/main" xmlns:r="http://schemas.openxmlformats.org/officeDocument/2006/relationships" xmlns:p="http://schemas.openxmlformats.org/presentationml/2006/main">
+  <p:cSld>
+    <p:spTree>
+      <p:nvGrpSpPr>
+        <p:cNvPr id="1" name=""/>
+        <p:cNvGrpSpPr/>
+        <p:nvPr/>
+      </p:nvGrpSpPr>
+      <p:grpSpPr>
+        <a:xfrm>
+          <a:off x="0" y="0"/>
+          <a:ext cx="0" cy="0"/>
+          <a:chOff x="0" y="0"/>
+          <a:chExt cx="0" cy="0"/>
+        </a:xfrm>
+      </p:grpSpPr>
+      <p:sp>
+        <p:nvSpPr>
+          <p:cNvPr id="2" name="Título 1">
+            <a:extLst>
+              <a:ext uri="{FF2B5EF4-FFF2-40B4-BE49-F238E27FC236}">
+                <a16:creationId xmlns:a16="http://schemas.microsoft.com/office/drawing/2014/main" id="{E044AE5F-6C45-37FC-9916-D3C19DF8BF90}"/>
+              </a:ext>
+            </a:extLst>
+          </p:cNvPr>
+          <p:cNvSpPr>
+            <a:spLocks noGrp="1"/>
+          </p:cNvSpPr>
+          <p:nvPr>
+            <p:ph type="title"/>
+          </p:nvPr>
+        </p:nvSpPr>
+        <p:spPr>
+          <a:xfrm>
+            <a:off x="1386840" y="0"/>
+            <a:ext cx="9418320" cy="4041648"/>
+          </a:xfrm>
+        </p:spPr>
+        <p:txBody>
+          <a:bodyPr>
+            <a:normAutofit/>
+          </a:bodyPr>
+          <a:lstStyle/>
+          <a:p>
+            <a:r>
+              <a:rPr lang="pt-BR" sz="4400" dirty="0"/>
+              <a:t>Modelagem</a:t>
+            </a:r>
+          </a:p>
+        </p:txBody>
+      </p:sp>
+    </p:spTree>
+    <p:extLst>
+      <p:ext uri="{BB962C8B-B14F-4D97-AF65-F5344CB8AC3E}">
+        <p14:creationId xmlns:p14="http://schemas.microsoft.com/office/powerpoint/2010/main" val="1033565583"/>
+      </p:ext>
+    </p:extLst>
+  </p:cSld>
+  <p:clrMapOvr>
+    <a:masterClrMapping/>
+  </p:clrMapOvr>
+</p:sld>
+</file>
+
+<file path=ppt/slides/slide15.xml><?xml version="1.0" encoding="utf-8"?>
+<p:sld xmlns:a="http://schemas.openxmlformats.org/drawingml/2006/main" xmlns:r="http://schemas.openxmlformats.org/officeDocument/2006/relationships" xmlns:p="http://schemas.openxmlformats.org/presentationml/2006/main">
+  <p:cSld>
+    <p:spTree>
+      <p:nvGrpSpPr>
+        <p:cNvPr id="1" name=""/>
+        <p:cNvGrpSpPr/>
+        <p:nvPr/>
+      </p:nvGrpSpPr>
+      <p:grpSpPr>
+        <a:xfrm>
+          <a:off x="0" y="0"/>
+          <a:ext cx="0" cy="0"/>
+          <a:chOff x="0" y="0"/>
+          <a:chExt cx="0" cy="0"/>
+        </a:xfrm>
+      </p:grpSpPr>
+      <p:sp>
+        <p:nvSpPr>
+          <p:cNvPr id="2" name="Título 1">
+            <a:extLst>
+              <a:ext uri="{FF2B5EF4-FFF2-40B4-BE49-F238E27FC236}">
+                <a16:creationId xmlns:a16="http://schemas.microsoft.com/office/drawing/2014/main" id="{84149C11-9ED8-0425-6D7E-35F12A43F9AA}"/>
+              </a:ext>
+            </a:extLst>
+          </p:cNvPr>
+          <p:cNvSpPr>
+            <a:spLocks noGrp="1"/>
+          </p:cNvSpPr>
+          <p:nvPr>
+            <p:ph type="title"/>
+          </p:nvPr>
+        </p:nvSpPr>
+        <p:spPr/>
+        <p:txBody>
+          <a:bodyPr>
+            <a:normAutofit/>
+          </a:bodyPr>
+          <a:lstStyle/>
+          <a:p>
+            <a:r>
+              <a:rPr lang="pt-BR" sz="3200" dirty="0"/>
+              <a:t>Algoritmos utilizados</a:t>
+            </a:r>
+          </a:p>
+        </p:txBody>
+      </p:sp>
+      <p:sp>
+        <p:nvSpPr>
+          <p:cNvPr id="3" name="Espaço Reservado para Conteúdo 2">
+            <a:extLst>
+              <a:ext uri="{FF2B5EF4-FFF2-40B4-BE49-F238E27FC236}">
+                <a16:creationId xmlns:a16="http://schemas.microsoft.com/office/drawing/2014/main" id="{ED5B44EC-AFD8-9AA1-FDE4-CBCB7A90067F}"/>
+              </a:ext>
+            </a:extLst>
+          </p:cNvPr>
+          <p:cNvSpPr>
+            <a:spLocks noGrp="1"/>
+          </p:cNvSpPr>
+          <p:nvPr>
+            <p:ph idx="1"/>
+          </p:nvPr>
+        </p:nvSpPr>
+        <p:spPr/>
+        <p:txBody>
+          <a:bodyPr>
+            <a:normAutofit/>
+          </a:bodyPr>
+          <a:lstStyle/>
+          <a:p>
+            <a:pPr marL="0" indent="0">
+              <a:buNone/>
+            </a:pPr>
+            <a:endParaRPr lang="pt-BR" sz="1800" dirty="0">
+              <a:effectLst/>
+              <a:latin typeface="Times New Roman" panose="02020603050405020304" pitchFamily="18" charset="0"/>
+              <a:ea typeface="Calibri" panose="020F0502020204030204" pitchFamily="34" charset="0"/>
+            </a:endParaRPr>
+          </a:p>
+          <a:p>
+            <a:endParaRPr lang="pt-BR" dirty="0">
+              <a:latin typeface="Times New Roman" panose="02020603050405020304" pitchFamily="18" charset="0"/>
+              <a:ea typeface="Calibri" panose="020F0502020204030204" pitchFamily="34" charset="0"/>
+              <a:cs typeface="Times New Roman" panose="02020603050405020304" pitchFamily="18" charset="0"/>
+            </a:endParaRPr>
+          </a:p>
+          <a:p>
+            <a:r>
+              <a:rPr lang="pt-BR" dirty="0">
+                <a:latin typeface="Times New Roman" panose="02020603050405020304" pitchFamily="18" charset="0"/>
+                <a:ea typeface="Calibri" panose="020F0502020204030204" pitchFamily="34" charset="0"/>
+                <a:cs typeface="Times New Roman" panose="02020603050405020304" pitchFamily="18" charset="0"/>
+              </a:rPr>
+              <a:t>Algoritmos de aprendizado supervisionado:</a:t>
+            </a:r>
+          </a:p>
+          <a:p>
+            <a:pPr lvl="1"/>
+            <a:r>
+              <a:rPr lang="pt-BR" dirty="0">
+                <a:latin typeface="Times New Roman" panose="02020603050405020304" pitchFamily="18" charset="0"/>
+                <a:ea typeface="Calibri" panose="020F0502020204030204" pitchFamily="34" charset="0"/>
+                <a:cs typeface="Times New Roman" panose="02020603050405020304" pitchFamily="18" charset="0"/>
+              </a:rPr>
+              <a:t>Máquina de vetor de suporte (SVM)</a:t>
+            </a:r>
+          </a:p>
+          <a:p>
+            <a:pPr lvl="1"/>
+            <a:r>
+              <a:rPr lang="pt-BR" dirty="0">
+                <a:latin typeface="Times New Roman" panose="02020603050405020304" pitchFamily="18" charset="0"/>
+                <a:ea typeface="Calibri" panose="020F0502020204030204" pitchFamily="34" charset="0"/>
+                <a:cs typeface="Times New Roman" panose="02020603050405020304" pitchFamily="18" charset="0"/>
+              </a:rPr>
+              <a:t>Floresta aleatória</a:t>
+            </a:r>
+          </a:p>
+          <a:p>
+            <a:pPr marL="274320" lvl="1" indent="0">
+              <a:buNone/>
+            </a:pPr>
+            <a:endParaRPr lang="pt-BR" dirty="0">
+              <a:latin typeface="Times New Roman" panose="02020603050405020304" pitchFamily="18" charset="0"/>
+              <a:ea typeface="Calibri" panose="020F0502020204030204" pitchFamily="34" charset="0"/>
+              <a:cs typeface="Times New Roman" panose="02020603050405020304" pitchFamily="18" charset="0"/>
+            </a:endParaRPr>
+          </a:p>
+          <a:p>
+            <a:r>
+              <a:rPr lang="pt-BR" dirty="0">
+                <a:solidFill>
+                  <a:schemeClr val="tx1"/>
+                </a:solidFill>
+                <a:latin typeface="Times New Roman" panose="02020603050405020304" pitchFamily="18" charset="0"/>
+                <a:ea typeface="Calibri" panose="020F0502020204030204" pitchFamily="34" charset="0"/>
+                <a:cs typeface="Times New Roman" panose="02020603050405020304" pitchFamily="18" charset="0"/>
+              </a:rPr>
+              <a:t>Treinamentos feitos para cada um desses dois com intuito de se escolher o que melhor soluciona o problema</a:t>
+            </a:r>
+          </a:p>
+        </p:txBody>
+      </p:sp>
+    </p:spTree>
+    <p:extLst>
+      <p:ext uri="{BB962C8B-B14F-4D97-AF65-F5344CB8AC3E}">
+        <p14:creationId xmlns:p14="http://schemas.microsoft.com/office/powerpoint/2010/main" val="3233702223"/>
+      </p:ext>
+    </p:extLst>
+  </p:cSld>
+  <p:clrMapOvr>
+    <a:masterClrMapping/>
+  </p:clrMapOvr>
+</p:sld>
+</file>
+
+<file path=ppt/slides/slide16.xml><?xml version="1.0" encoding="utf-8"?>
+<p:sld xmlns:a="http://schemas.openxmlformats.org/drawingml/2006/main" xmlns:r="http://schemas.openxmlformats.org/officeDocument/2006/relationships" xmlns:p="http://schemas.openxmlformats.org/presentationml/2006/main">
+  <p:cSld>
+    <p:spTree>
+      <p:nvGrpSpPr>
+        <p:cNvPr id="1" name=""/>
+        <p:cNvGrpSpPr/>
+        <p:nvPr/>
+      </p:nvGrpSpPr>
+      <p:grpSpPr>
+        <a:xfrm>
+          <a:off x="0" y="0"/>
+          <a:ext cx="0" cy="0"/>
+          <a:chOff x="0" y="0"/>
+          <a:chExt cx="0" cy="0"/>
+        </a:xfrm>
+      </p:grpSpPr>
+      <p:sp>
+        <p:nvSpPr>
+          <p:cNvPr id="2" name="Título 1">
+            <a:extLst>
+              <a:ext uri="{FF2B5EF4-FFF2-40B4-BE49-F238E27FC236}">
+                <a16:creationId xmlns:a16="http://schemas.microsoft.com/office/drawing/2014/main" id="{84149C11-9ED8-0425-6D7E-35F12A43F9AA}"/>
+              </a:ext>
+            </a:extLst>
+          </p:cNvPr>
+          <p:cNvSpPr>
+            <a:spLocks noGrp="1"/>
+          </p:cNvSpPr>
+          <p:nvPr>
+            <p:ph type="title"/>
+          </p:nvPr>
+        </p:nvSpPr>
+        <p:spPr/>
+        <p:txBody>
+          <a:bodyPr>
+            <a:normAutofit/>
+          </a:bodyPr>
+          <a:lstStyle/>
+          <a:p>
+            <a:r>
+              <a:rPr lang="pt-BR" sz="3200" dirty="0"/>
+              <a:t>Conjunto para treino e para teste</a:t>
+            </a:r>
+          </a:p>
+        </p:txBody>
+      </p:sp>
+      <p:sp>
+        <p:nvSpPr>
+          <p:cNvPr id="3" name="Espaço Reservado para Conteúdo 2">
+            <a:extLst>
+              <a:ext uri="{FF2B5EF4-FFF2-40B4-BE49-F238E27FC236}">
+                <a16:creationId xmlns:a16="http://schemas.microsoft.com/office/drawing/2014/main" id="{ED5B44EC-AFD8-9AA1-FDE4-CBCB7A90067F}"/>
+              </a:ext>
+            </a:extLst>
+          </p:cNvPr>
+          <p:cNvSpPr>
+            <a:spLocks noGrp="1"/>
+          </p:cNvSpPr>
+          <p:nvPr>
+            <p:ph idx="1"/>
+          </p:nvPr>
+        </p:nvSpPr>
+        <p:spPr/>
+        <p:txBody>
+          <a:bodyPr>
+            <a:normAutofit/>
+          </a:bodyPr>
+          <a:lstStyle/>
+          <a:p>
+            <a:endParaRPr lang="pt-BR" sz="1800" dirty="0">
+              <a:effectLst/>
+              <a:latin typeface="Times New Roman" panose="02020603050405020304" pitchFamily="18" charset="0"/>
+              <a:ea typeface="Calibri" panose="020F0502020204030204" pitchFamily="34" charset="0"/>
+            </a:endParaRPr>
+          </a:p>
+          <a:p>
+            <a:r>
+              <a:rPr lang="pt-BR" dirty="0">
+                <a:latin typeface="Times New Roman" panose="02020603050405020304" pitchFamily="18" charset="0"/>
+                <a:ea typeface="Calibri" panose="020F0502020204030204" pitchFamily="34" charset="0"/>
+                <a:cs typeface="Times New Roman" panose="02020603050405020304" pitchFamily="18" charset="0"/>
+              </a:rPr>
+              <a:t>Validação cruzada com </a:t>
+            </a:r>
+            <a:r>
+              <a:rPr lang="pt-BR" b="1" dirty="0">
+                <a:latin typeface="Times New Roman" panose="02020603050405020304" pitchFamily="18" charset="0"/>
+                <a:ea typeface="Calibri" panose="020F0502020204030204" pitchFamily="34" charset="0"/>
+                <a:cs typeface="Times New Roman" panose="02020603050405020304" pitchFamily="18" charset="0"/>
+              </a:rPr>
+              <a:t>cinco</a:t>
+            </a:r>
+            <a:r>
+              <a:rPr lang="pt-BR" dirty="0">
+                <a:latin typeface="Times New Roman" panose="02020603050405020304" pitchFamily="18" charset="0"/>
+                <a:ea typeface="Calibri" panose="020F0502020204030204" pitchFamily="34" charset="0"/>
+                <a:cs typeface="Times New Roman" panose="02020603050405020304" pitchFamily="18" charset="0"/>
+              </a:rPr>
+              <a:t> dobras diferentes:</a:t>
+            </a:r>
+          </a:p>
+          <a:p>
+            <a:pPr lvl="1"/>
+            <a:r>
+              <a:rPr lang="pt-BR" dirty="0">
+                <a:solidFill>
+                  <a:schemeClr val="tx1"/>
+                </a:solidFill>
+                <a:latin typeface="Times New Roman" panose="02020603050405020304" pitchFamily="18" charset="0"/>
+                <a:ea typeface="Calibri" panose="020F0502020204030204" pitchFamily="34" charset="0"/>
+                <a:cs typeface="Times New Roman" panose="02020603050405020304" pitchFamily="18" charset="0"/>
+              </a:rPr>
+              <a:t>500 elementos totais → 100 elementos por dobra (escolhidos aleatoriamente)</a:t>
+            </a:r>
+          </a:p>
+          <a:p>
+            <a:pPr lvl="1"/>
+            <a:endParaRPr lang="pt-BR" dirty="0">
+              <a:solidFill>
+                <a:schemeClr val="tx1"/>
+              </a:solidFill>
+              <a:latin typeface="Times New Roman" panose="02020603050405020304" pitchFamily="18" charset="0"/>
+              <a:ea typeface="Calibri" panose="020F0502020204030204" pitchFamily="34" charset="0"/>
+              <a:cs typeface="Times New Roman" panose="02020603050405020304" pitchFamily="18" charset="0"/>
+            </a:endParaRPr>
+          </a:p>
+          <a:p>
+            <a:r>
+              <a:rPr lang="pt-BR" dirty="0">
+                <a:solidFill>
+                  <a:schemeClr val="tx1"/>
+                </a:solidFill>
+                <a:latin typeface="Times New Roman" panose="02020603050405020304" pitchFamily="18" charset="0"/>
+                <a:ea typeface="Calibri" panose="020F0502020204030204" pitchFamily="34" charset="0"/>
+                <a:cs typeface="Times New Roman" panose="02020603050405020304" pitchFamily="18" charset="0"/>
+              </a:rPr>
+              <a:t>Uma dobra para teste e as demais para treino </a:t>
+            </a:r>
+          </a:p>
+          <a:p>
+            <a:pPr lvl="1"/>
+            <a:r>
+              <a:rPr lang="pt-BR" dirty="0">
+                <a:solidFill>
+                  <a:schemeClr val="tx1"/>
+                </a:solidFill>
+                <a:latin typeface="Times New Roman" panose="02020603050405020304" pitchFamily="18" charset="0"/>
+                <a:ea typeface="Calibri" panose="020F0502020204030204" pitchFamily="34" charset="0"/>
+                <a:cs typeface="Times New Roman" panose="02020603050405020304" pitchFamily="18" charset="0"/>
+              </a:rPr>
+              <a:t>100 elementos para teste (20% dos dados totais)</a:t>
+            </a:r>
+          </a:p>
+          <a:p>
+            <a:pPr lvl="1"/>
+            <a:r>
+              <a:rPr lang="pt-BR" dirty="0">
+                <a:solidFill>
+                  <a:schemeClr val="tx1"/>
+                </a:solidFill>
+                <a:latin typeface="Times New Roman" panose="02020603050405020304" pitchFamily="18" charset="0"/>
+                <a:ea typeface="Calibri" panose="020F0502020204030204" pitchFamily="34" charset="0"/>
+                <a:cs typeface="Times New Roman" panose="02020603050405020304" pitchFamily="18" charset="0"/>
+              </a:rPr>
+              <a:t>400 elementos para treino (80% dos dados totais)</a:t>
+            </a:r>
+          </a:p>
+          <a:p>
+            <a:pPr lvl="1"/>
+            <a:endParaRPr lang="pt-BR" dirty="0">
+              <a:solidFill>
+                <a:schemeClr val="tx1"/>
+              </a:solidFill>
+              <a:latin typeface="Times New Roman" panose="02020603050405020304" pitchFamily="18" charset="0"/>
+              <a:ea typeface="Calibri" panose="020F0502020204030204" pitchFamily="34" charset="0"/>
+              <a:cs typeface="Times New Roman" panose="02020603050405020304" pitchFamily="18" charset="0"/>
+            </a:endParaRPr>
+          </a:p>
+          <a:p>
+            <a:r>
+              <a:rPr lang="pt-BR" dirty="0">
+                <a:solidFill>
+                  <a:schemeClr val="tx1"/>
+                </a:solidFill>
+                <a:latin typeface="Times New Roman" panose="02020603050405020304" pitchFamily="18" charset="0"/>
+                <a:ea typeface="Calibri" panose="020F0502020204030204" pitchFamily="34" charset="0"/>
+                <a:cs typeface="Times New Roman" panose="02020603050405020304" pitchFamily="18" charset="0"/>
+              </a:rPr>
+              <a:t>Cinco possibilidades de treinamentos e testagens diferentes</a:t>
+            </a:r>
+            <a:endParaRPr lang="pt-BR" dirty="0">
+              <a:latin typeface="Times New Roman" panose="02020603050405020304" pitchFamily="18" charset="0"/>
+              <a:ea typeface="Calibri" panose="020F0502020204030204" pitchFamily="34" charset="0"/>
+              <a:cs typeface="Times New Roman" panose="02020603050405020304" pitchFamily="18" charset="0"/>
+            </a:endParaRPr>
+          </a:p>
+          <a:p>
+            <a:endParaRPr lang="pt-BR" dirty="0">
+              <a:solidFill>
+                <a:schemeClr val="tx1"/>
+              </a:solidFill>
+              <a:latin typeface="Times New Roman" panose="02020603050405020304" pitchFamily="18" charset="0"/>
+              <a:ea typeface="Calibri" panose="020F0502020204030204" pitchFamily="34" charset="0"/>
+              <a:cs typeface="Times New Roman" panose="02020603050405020304" pitchFamily="18" charset="0"/>
+            </a:endParaRPr>
+          </a:p>
+        </p:txBody>
+      </p:sp>
+    </p:spTree>
+    <p:extLst>
+      <p:ext uri="{BB962C8B-B14F-4D97-AF65-F5344CB8AC3E}">
+        <p14:creationId xmlns:p14="http://schemas.microsoft.com/office/powerpoint/2010/main" val="2415063985"/>
+      </p:ext>
+    </p:extLst>
+  </p:cSld>
+  <p:clrMapOvr>
+    <a:masterClrMapping/>
+  </p:clrMapOvr>
+</p:sld>
+</file>
+
+<file path=ppt/slides/slide17.xml><?xml version="1.0" encoding="utf-8"?>
+<p:sld xmlns:a="http://schemas.openxmlformats.org/drawingml/2006/main" xmlns:r="http://schemas.openxmlformats.org/officeDocument/2006/relationships" xmlns:p="http://schemas.openxmlformats.org/presentationml/2006/main">
+  <p:cSld>
+    <p:spTree>
+      <p:nvGrpSpPr>
+        <p:cNvPr id="1" name=""/>
+        <p:cNvGrpSpPr/>
+        <p:nvPr/>
+      </p:nvGrpSpPr>
+      <p:grpSpPr>
+        <a:xfrm>
+          <a:off x="0" y="0"/>
+          <a:ext cx="0" cy="0"/>
+          <a:chOff x="0" y="0"/>
+          <a:chExt cx="0" cy="0"/>
+        </a:xfrm>
+      </p:grpSpPr>
+      <p:sp>
+        <p:nvSpPr>
+          <p:cNvPr id="2" name="Título 1">
+            <a:extLst>
+              <a:ext uri="{FF2B5EF4-FFF2-40B4-BE49-F238E27FC236}">
+                <a16:creationId xmlns:a16="http://schemas.microsoft.com/office/drawing/2014/main" id="{84149C11-9ED8-0425-6D7E-35F12A43F9AA}"/>
+              </a:ext>
+            </a:extLst>
+          </p:cNvPr>
+          <p:cNvSpPr>
+            <a:spLocks noGrp="1"/>
+          </p:cNvSpPr>
+          <p:nvPr>
+            <p:ph type="title"/>
+          </p:nvPr>
+        </p:nvSpPr>
+        <p:spPr/>
+        <p:txBody>
+          <a:bodyPr>
+            <a:normAutofit/>
+          </a:bodyPr>
+          <a:lstStyle/>
+          <a:p>
+            <a:r>
+              <a:rPr lang="pt-BR" sz="3200" dirty="0"/>
+              <a:t>Separação treino e teste</a:t>
+            </a:r>
+          </a:p>
+        </p:txBody>
+      </p:sp>
+      <p:sp>
+        <p:nvSpPr>
+          <p:cNvPr id="3" name="Espaço Reservado para Conteúdo 2">
+            <a:extLst>
+              <a:ext uri="{FF2B5EF4-FFF2-40B4-BE49-F238E27FC236}">
+                <a16:creationId xmlns:a16="http://schemas.microsoft.com/office/drawing/2014/main" id="{ED5B44EC-AFD8-9AA1-FDE4-CBCB7A90067F}"/>
+              </a:ext>
+            </a:extLst>
+          </p:cNvPr>
+          <p:cNvSpPr>
+            <a:spLocks noGrp="1"/>
+          </p:cNvSpPr>
+          <p:nvPr>
+            <p:ph idx="1"/>
+          </p:nvPr>
+        </p:nvSpPr>
+        <p:spPr/>
+        <p:txBody>
+          <a:bodyPr>
+            <a:normAutofit/>
+          </a:bodyPr>
+          <a:lstStyle/>
+          <a:p>
+            <a:endParaRPr lang="pt-BR" sz="1800" dirty="0">
+              <a:effectLst/>
+              <a:latin typeface="Times New Roman" panose="02020603050405020304" pitchFamily="18" charset="0"/>
+              <a:ea typeface="Calibri" panose="020F0502020204030204" pitchFamily="34" charset="0"/>
+            </a:endParaRPr>
+          </a:p>
+          <a:p>
+            <a:r>
+              <a:rPr lang="pt-BR" dirty="0">
+                <a:latin typeface="Times New Roman" panose="02020603050405020304" pitchFamily="18" charset="0"/>
+                <a:ea typeface="Calibri" panose="020F0502020204030204" pitchFamily="34" charset="0"/>
+                <a:cs typeface="Times New Roman" panose="02020603050405020304" pitchFamily="18" charset="0"/>
+              </a:rPr>
+              <a:t>Exemplo de validação cruzada com </a:t>
+            </a:r>
+            <a:r>
+              <a:rPr lang="pt-BR" b="1" dirty="0">
+                <a:latin typeface="Times New Roman" panose="02020603050405020304" pitchFamily="18" charset="0"/>
+                <a:ea typeface="Calibri" panose="020F0502020204030204" pitchFamily="34" charset="0"/>
+                <a:cs typeface="Times New Roman" panose="02020603050405020304" pitchFamily="18" charset="0"/>
+              </a:rPr>
+              <a:t>quatro dobras</a:t>
+            </a:r>
+            <a:r>
+              <a:rPr lang="pt-BR" dirty="0">
+                <a:latin typeface="Times New Roman" panose="02020603050405020304" pitchFamily="18" charset="0"/>
+                <a:ea typeface="Calibri" panose="020F0502020204030204" pitchFamily="34" charset="0"/>
+                <a:cs typeface="Times New Roman" panose="02020603050405020304" pitchFamily="18" charset="0"/>
+              </a:rPr>
+              <a:t>:</a:t>
+            </a:r>
+          </a:p>
+          <a:p>
+            <a:pPr marL="0" indent="0">
+              <a:buNone/>
+            </a:pPr>
+            <a:endParaRPr lang="pt-BR" dirty="0">
+              <a:solidFill>
+                <a:schemeClr val="tx1"/>
+              </a:solidFill>
+              <a:latin typeface="Times New Roman" panose="02020603050405020304" pitchFamily="18" charset="0"/>
+              <a:ea typeface="Calibri" panose="020F0502020204030204" pitchFamily="34" charset="0"/>
+              <a:cs typeface="Times New Roman" panose="02020603050405020304" pitchFamily="18" charset="0"/>
+            </a:endParaRPr>
+          </a:p>
+        </p:txBody>
+      </p:sp>
+      <p:pic>
+        <p:nvPicPr>
+          <p:cNvPr id="4" name="Imagem 3">
+            <a:extLst>
+              <a:ext uri="{FF2B5EF4-FFF2-40B4-BE49-F238E27FC236}">
+                <a16:creationId xmlns:a16="http://schemas.microsoft.com/office/drawing/2014/main" id="{E305E68E-E26B-6E3F-30FF-D19D9D35DC21}"/>
+              </a:ext>
+            </a:extLst>
+          </p:cNvPr>
+          <p:cNvPicPr>
+            <a:picLocks noChangeAspect="1"/>
+          </p:cNvPicPr>
+          <p:nvPr/>
+        </p:nvPicPr>
+        <p:blipFill>
+          <a:blip r:embed="rId2">
+            <a:extLst>
+              <a:ext uri="{28A0092B-C50C-407E-A947-70E740481C1C}">
+                <a14:useLocalDpi xmlns:a14="http://schemas.microsoft.com/office/drawing/2010/main" val="0"/>
+              </a:ext>
+            </a:extLst>
+          </a:blip>
+          <a:srcRect/>
+          <a:stretch>
+            <a:fillRect/>
+          </a:stretch>
+        </p:blipFill>
+        <p:spPr bwMode="auto">
+          <a:xfrm>
+            <a:off x="1972818" y="3073399"/>
+            <a:ext cx="7383442" cy="1862138"/>
+          </a:xfrm>
+          <a:prstGeom prst="rect">
+            <a:avLst/>
+          </a:prstGeom>
+          <a:noFill/>
+          <a:ln>
+            <a:noFill/>
+          </a:ln>
+        </p:spPr>
+      </p:pic>
+      <p:sp>
+        <p:nvSpPr>
+          <p:cNvPr id="6" name="CaixaDeTexto 5">
+            <a:extLst>
+              <a:ext uri="{FF2B5EF4-FFF2-40B4-BE49-F238E27FC236}">
+                <a16:creationId xmlns:a16="http://schemas.microsoft.com/office/drawing/2014/main" id="{DD1A9761-6541-A42C-83BE-66BBE2AB89FD}"/>
+              </a:ext>
+            </a:extLst>
+          </p:cNvPr>
+          <p:cNvSpPr txBox="1"/>
+          <p:nvPr/>
+        </p:nvSpPr>
+        <p:spPr>
+          <a:xfrm>
+            <a:off x="2334768" y="5021580"/>
+            <a:ext cx="6652783" cy="276999"/>
+          </a:xfrm>
+          <a:prstGeom prst="rect">
+            <a:avLst/>
+          </a:prstGeom>
+          <a:noFill/>
+        </p:spPr>
+        <p:txBody>
+          <a:bodyPr wrap="none" rtlCol="0">
+            <a:spAutoFit/>
+          </a:bodyPr>
+          <a:lstStyle/>
+          <a:p>
+            <a:r>
+              <a:rPr lang="pt-BR" sz="1200" dirty="0"/>
+              <a:t>Fonte: https://docs.aws.amazon.com/pt_br/machine-learning/latest/dg/cross-validation.html</a:t>
+            </a:r>
+          </a:p>
+        </p:txBody>
+      </p:sp>
+    </p:spTree>
+    <p:extLst>
+      <p:ext uri="{BB962C8B-B14F-4D97-AF65-F5344CB8AC3E}">
+        <p14:creationId xmlns:p14="http://schemas.microsoft.com/office/powerpoint/2010/main" val="449490633"/>
+      </p:ext>
+    </p:extLst>
+  </p:cSld>
+  <p:clrMapOvr>
+    <a:masterClrMapping/>
+  </p:clrMapOvr>
+</p:sld>
+</file>
+
+<file path=ppt/slides/slide18.xml><?xml version="1.0" encoding="utf-8"?>
+<p:sld xmlns:a="http://schemas.openxmlformats.org/drawingml/2006/main" xmlns:r="http://schemas.openxmlformats.org/officeDocument/2006/relationships" xmlns:p="http://schemas.openxmlformats.org/presentationml/2006/main">
+  <p:cSld>
+    <p:spTree>
+      <p:nvGrpSpPr>
+        <p:cNvPr id="1" name=""/>
+        <p:cNvGrpSpPr/>
+        <p:nvPr/>
+      </p:nvGrpSpPr>
+      <p:grpSpPr>
+        <a:xfrm>
+          <a:off x="0" y="0"/>
+          <a:ext cx="0" cy="0"/>
+          <a:chOff x="0" y="0"/>
+          <a:chExt cx="0" cy="0"/>
+        </a:xfrm>
+      </p:grpSpPr>
+      <p:sp>
+        <p:nvSpPr>
+          <p:cNvPr id="2" name="Título 1">
+            <a:extLst>
+              <a:ext uri="{FF2B5EF4-FFF2-40B4-BE49-F238E27FC236}">
+                <a16:creationId xmlns:a16="http://schemas.microsoft.com/office/drawing/2014/main" id="{E044AE5F-6C45-37FC-9916-D3C19DF8BF90}"/>
+              </a:ext>
+            </a:extLst>
+          </p:cNvPr>
+          <p:cNvSpPr>
+            <a:spLocks noGrp="1"/>
+          </p:cNvSpPr>
+          <p:nvPr>
+            <p:ph type="title"/>
+          </p:nvPr>
+        </p:nvSpPr>
+        <p:spPr>
+          <a:xfrm>
+            <a:off x="1386840" y="0"/>
+            <a:ext cx="9418320" cy="4041648"/>
+          </a:xfrm>
+        </p:spPr>
+        <p:txBody>
+          <a:bodyPr>
+            <a:normAutofit/>
+          </a:bodyPr>
+          <a:lstStyle/>
+          <a:p>
+            <a:r>
+              <a:rPr lang="pt-BR" sz="4400" dirty="0"/>
+              <a:t>Avaliação dos resultados</a:t>
+            </a:r>
+          </a:p>
+        </p:txBody>
+      </p:sp>
+    </p:spTree>
+    <p:extLst>
+      <p:ext uri="{BB962C8B-B14F-4D97-AF65-F5344CB8AC3E}">
+        <p14:creationId xmlns:p14="http://schemas.microsoft.com/office/powerpoint/2010/main" val="3761241485"/>
+      </p:ext>
+    </p:extLst>
+  </p:cSld>
+  <p:clrMapOvr>
+    <a:masterClrMapping/>
+  </p:clrMapOvr>
+</p:sld>
+</file>
+
+<file path=ppt/slides/slide19.xml><?xml version="1.0" encoding="utf-8"?>
+<p:sld xmlns:a="http://schemas.openxmlformats.org/drawingml/2006/main" xmlns:r="http://schemas.openxmlformats.org/officeDocument/2006/relationships" xmlns:p="http://schemas.openxmlformats.org/presentationml/2006/main">
+  <p:cSld>
+    <p:spTree>
+      <p:nvGrpSpPr>
+        <p:cNvPr id="1" name=""/>
+        <p:cNvGrpSpPr/>
+        <p:nvPr/>
+      </p:nvGrpSpPr>
+      <p:grpSpPr>
+        <a:xfrm>
+          <a:off x="0" y="0"/>
+          <a:ext cx="0" cy="0"/>
+          <a:chOff x="0" y="0"/>
+          <a:chExt cx="0" cy="0"/>
+        </a:xfrm>
+      </p:grpSpPr>
+      <p:sp>
+        <p:nvSpPr>
+          <p:cNvPr id="2" name="Título 1">
+            <a:extLst>
+              <a:ext uri="{FF2B5EF4-FFF2-40B4-BE49-F238E27FC236}">
+                <a16:creationId xmlns:a16="http://schemas.microsoft.com/office/drawing/2014/main" id="{84149C11-9ED8-0425-6D7E-35F12A43F9AA}"/>
+              </a:ext>
+            </a:extLst>
+          </p:cNvPr>
+          <p:cNvSpPr>
+            <a:spLocks noGrp="1"/>
+          </p:cNvSpPr>
+          <p:nvPr>
+            <p:ph type="title"/>
+          </p:nvPr>
+        </p:nvSpPr>
+        <p:spPr/>
+        <p:txBody>
+          <a:bodyPr>
+            <a:normAutofit/>
+          </a:bodyPr>
+          <a:lstStyle/>
+          <a:p>
+            <a:r>
+              <a:rPr lang="pt-BR" sz="3200" dirty="0"/>
+              <a:t>Métricas escolhidas</a:t>
+            </a:r>
+          </a:p>
+        </p:txBody>
+      </p:sp>
+      <p:sp>
+        <p:nvSpPr>
+          <p:cNvPr id="3" name="Espaço Reservado para Conteúdo 2">
+            <a:extLst>
+              <a:ext uri="{FF2B5EF4-FFF2-40B4-BE49-F238E27FC236}">
+                <a16:creationId xmlns:a16="http://schemas.microsoft.com/office/drawing/2014/main" id="{ED5B44EC-AFD8-9AA1-FDE4-CBCB7A90067F}"/>
+              </a:ext>
+            </a:extLst>
+          </p:cNvPr>
+          <p:cNvSpPr>
+            <a:spLocks noGrp="1"/>
+          </p:cNvSpPr>
+          <p:nvPr>
+            <p:ph idx="1"/>
+          </p:nvPr>
+        </p:nvSpPr>
+        <p:spPr/>
+        <p:txBody>
+          <a:bodyPr>
+            <a:normAutofit/>
+          </a:bodyPr>
+          <a:lstStyle/>
+          <a:p>
+            <a:endParaRPr lang="pt-BR" sz="1800" dirty="0">
+              <a:effectLst/>
+              <a:latin typeface="Times New Roman" panose="02020603050405020304" pitchFamily="18" charset="0"/>
+              <a:ea typeface="Calibri" panose="020F0502020204030204" pitchFamily="34" charset="0"/>
+              <a:cs typeface="Times New Roman" panose="02020603050405020304" pitchFamily="18" charset="0"/>
+            </a:endParaRPr>
+          </a:p>
+          <a:p>
+            <a:r>
+              <a:rPr lang="pt-BR" sz="1800" dirty="0">
+                <a:effectLst/>
+                <a:latin typeface="Times New Roman" panose="02020603050405020304" pitchFamily="18" charset="0"/>
+                <a:ea typeface="Calibri" panose="020F0502020204030204" pitchFamily="34" charset="0"/>
+                <a:cs typeface="Times New Roman" panose="02020603050405020304" pitchFamily="18" charset="0"/>
+              </a:rPr>
+              <a:t>Métricas para </a:t>
+            </a:r>
+            <a:r>
+              <a:rPr lang="pt-BR" dirty="0">
+                <a:latin typeface="Times New Roman" panose="02020603050405020304" pitchFamily="18" charset="0"/>
+                <a:ea typeface="Calibri" panose="020F0502020204030204" pitchFamily="34" charset="0"/>
+                <a:cs typeface="Times New Roman" panose="02020603050405020304" pitchFamily="18" charset="0"/>
+              </a:rPr>
+              <a:t>avaliar </a:t>
+            </a:r>
+            <a:r>
+              <a:rPr lang="pt-BR" sz="1800" dirty="0">
+                <a:effectLst/>
+                <a:latin typeface="Times New Roman" panose="02020603050405020304" pitchFamily="18" charset="0"/>
+                <a:ea typeface="Calibri" panose="020F0502020204030204" pitchFamily="34" charset="0"/>
+                <a:cs typeface="Times New Roman" panose="02020603050405020304" pitchFamily="18" charset="0"/>
+              </a:rPr>
+              <a:t>classificação:</a:t>
+            </a:r>
+          </a:p>
+          <a:p>
+            <a:pPr lvl="1"/>
+            <a:r>
+              <a:rPr lang="pt-BR" dirty="0" err="1">
+                <a:effectLst/>
+                <a:latin typeface="Times New Roman" panose="02020603050405020304" pitchFamily="18" charset="0"/>
+                <a:ea typeface="Calibri" panose="020F0502020204030204" pitchFamily="34" charset="0"/>
+              </a:rPr>
+              <a:t>Precision</a:t>
+            </a:r>
+            <a:endParaRPr lang="pt-BR" dirty="0">
+              <a:effectLst/>
+              <a:latin typeface="Times New Roman" panose="02020603050405020304" pitchFamily="18" charset="0"/>
+              <a:ea typeface="Calibri" panose="020F0502020204030204" pitchFamily="34" charset="0"/>
+            </a:endParaRPr>
+          </a:p>
+          <a:p>
+            <a:pPr lvl="1"/>
+            <a:r>
+              <a:rPr lang="pt-BR" dirty="0">
+                <a:latin typeface="Times New Roman" panose="02020603050405020304" pitchFamily="18" charset="0"/>
+                <a:ea typeface="Calibri" panose="020F0502020204030204" pitchFamily="34" charset="0"/>
+              </a:rPr>
+              <a:t>Recall</a:t>
+            </a:r>
+          </a:p>
+          <a:p>
+            <a:pPr lvl="1"/>
+            <a:r>
+              <a:rPr lang="pt-BR" dirty="0">
+                <a:latin typeface="Times New Roman" panose="02020603050405020304" pitchFamily="18" charset="0"/>
+                <a:ea typeface="Calibri" panose="020F0502020204030204" pitchFamily="34" charset="0"/>
+              </a:rPr>
+              <a:t>F1-score</a:t>
+            </a:r>
+          </a:p>
+          <a:p>
+            <a:pPr lvl="1"/>
+            <a:r>
+              <a:rPr lang="pt-BR" dirty="0">
+                <a:effectLst/>
+                <a:latin typeface="Times New Roman" panose="02020603050405020304" pitchFamily="18" charset="0"/>
+                <a:ea typeface="Calibri" panose="020F0502020204030204" pitchFamily="34" charset="0"/>
+              </a:rPr>
+              <a:t>AUC ROC score</a:t>
+            </a:r>
+          </a:p>
+          <a:p>
+            <a:pPr lvl="1"/>
+            <a:endParaRPr lang="pt-BR" dirty="0">
+              <a:latin typeface="Times New Roman" panose="02020603050405020304" pitchFamily="18" charset="0"/>
+              <a:ea typeface="Calibri" panose="020F0502020204030204" pitchFamily="34" charset="0"/>
+            </a:endParaRPr>
+          </a:p>
+          <a:p>
+            <a:r>
+              <a:rPr lang="pt-BR" dirty="0">
+                <a:latin typeface="Times New Roman" panose="02020603050405020304" pitchFamily="18" charset="0"/>
+                <a:ea typeface="Calibri" panose="020F0502020204030204" pitchFamily="34" charset="0"/>
+              </a:rPr>
+              <a:t>Taxa de falso positivo</a:t>
+            </a:r>
+          </a:p>
+          <a:p>
+            <a:r>
+              <a:rPr lang="pt-BR" dirty="0">
+                <a:latin typeface="Times New Roman" panose="02020603050405020304" pitchFamily="18" charset="0"/>
+                <a:ea typeface="Calibri" panose="020F0502020204030204" pitchFamily="34" charset="0"/>
+              </a:rPr>
+              <a:t>Taxa de falso negativo</a:t>
+            </a:r>
+          </a:p>
+        </p:txBody>
+      </p:sp>
+    </p:spTree>
+    <p:extLst>
+      <p:ext uri="{BB962C8B-B14F-4D97-AF65-F5344CB8AC3E}">
+        <p14:creationId xmlns:p14="http://schemas.microsoft.com/office/powerpoint/2010/main" val="2717822608"/>
+      </p:ext>
+    </p:extLst>
+  </p:cSld>
+  <p:clrMapOvr>
+    <a:masterClrMapping/>
+  </p:clrMapOvr>
+</p:sld>
+</file>
+
+<file path=ppt/slides/slide2.xml><?xml version="1.0" encoding="utf-8"?>
+<p:sld xmlns:a="http://schemas.openxmlformats.org/drawingml/2006/main" xmlns:r="http://schemas.openxmlformats.org/officeDocument/2006/relationships" xmlns:p="http://schemas.openxmlformats.org/presentationml/2006/main">
+  <p:cSld>
+    <p:spTree>
+      <p:nvGrpSpPr>
+        <p:cNvPr id="1" name=""/>
+        <p:cNvGrpSpPr/>
+        <p:nvPr/>
+      </p:nvGrpSpPr>
+      <p:grpSpPr>
+        <a:xfrm>
+          <a:off x="0" y="0"/>
+          <a:ext cx="0" cy="0"/>
+          <a:chOff x="0" y="0"/>
+          <a:chExt cx="0" cy="0"/>
+        </a:xfrm>
+      </p:grpSpPr>
+      <p:sp>
+        <p:nvSpPr>
+          <p:cNvPr id="2" name="Título 1">
+            <a:extLst>
+              <a:ext uri="{FF2B5EF4-FFF2-40B4-BE49-F238E27FC236}">
+                <a16:creationId xmlns:a16="http://schemas.microsoft.com/office/drawing/2014/main" id="{53E34F15-1401-6555-7E0C-0775BD73A80D}"/>
+              </a:ext>
+            </a:extLst>
+          </p:cNvPr>
+          <p:cNvSpPr>
+            <a:spLocks noGrp="1"/>
+          </p:cNvSpPr>
+          <p:nvPr>
+            <p:ph type="title"/>
+          </p:nvPr>
+        </p:nvSpPr>
+        <p:spPr/>
+        <p:txBody>
+          <a:bodyPr/>
+          <a:lstStyle/>
+          <a:p>
+            <a:r>
+              <a:rPr lang="pt-BR" sz="3600" dirty="0"/>
+              <a:t>Base de dados para criação do classificador</a:t>
+            </a:r>
+            <a:endParaRPr lang="pt-BR" dirty="0"/>
+          </a:p>
+        </p:txBody>
+      </p:sp>
+      <p:sp>
+        <p:nvSpPr>
+          <p:cNvPr id="3" name="Espaço Reservado para Conteúdo 2">
+            <a:extLst>
+              <a:ext uri="{FF2B5EF4-FFF2-40B4-BE49-F238E27FC236}">
+                <a16:creationId xmlns:a16="http://schemas.microsoft.com/office/drawing/2014/main" id="{3954702C-87FE-AE79-69A5-4DEF476A7AED}"/>
+              </a:ext>
+            </a:extLst>
+          </p:cNvPr>
+          <p:cNvSpPr>
+            <a:spLocks noGrp="1"/>
+          </p:cNvSpPr>
+          <p:nvPr>
+            <p:ph idx="1"/>
+          </p:nvPr>
+        </p:nvSpPr>
+        <p:spPr/>
+        <p:txBody>
+          <a:bodyPr>
+            <a:normAutofit fontScale="92500" lnSpcReduction="20000"/>
+          </a:bodyPr>
+          <a:lstStyle/>
+          <a:p>
+            <a:endParaRPr lang="pt-BR" sz="1800" dirty="0">
+              <a:solidFill>
+                <a:srgbClr val="000000"/>
+              </a:solidFill>
+              <a:effectLst/>
+              <a:latin typeface="Times New Roman" panose="02020603050405020304" pitchFamily="18" charset="0"/>
+              <a:ea typeface="Calibri" panose="020F0502020204030204" pitchFamily="34" charset="0"/>
+            </a:endParaRPr>
+          </a:p>
+          <a:p>
+            <a:pPr algn="l" fontAlgn="base"/>
+            <a:r>
+              <a:rPr lang="pt-BR" dirty="0" err="1">
+                <a:latin typeface="Times New Roman" panose="02020603050405020304" pitchFamily="18" charset="0"/>
+                <a:cs typeface="Times New Roman" panose="02020603050405020304" pitchFamily="18" charset="0"/>
+              </a:rPr>
+              <a:t>Stroke</a:t>
+            </a:r>
+            <a:r>
+              <a:rPr lang="pt-BR" dirty="0">
+                <a:latin typeface="Times New Roman" panose="02020603050405020304" pitchFamily="18" charset="0"/>
+                <a:cs typeface="Times New Roman" panose="02020603050405020304" pitchFamily="18" charset="0"/>
+              </a:rPr>
+              <a:t> </a:t>
+            </a:r>
+            <a:r>
+              <a:rPr lang="pt-BR" dirty="0" err="1">
+                <a:latin typeface="Times New Roman" panose="02020603050405020304" pitchFamily="18" charset="0"/>
+                <a:cs typeface="Times New Roman" panose="02020603050405020304" pitchFamily="18" charset="0"/>
+              </a:rPr>
+              <a:t>Prediction</a:t>
+            </a:r>
+            <a:r>
+              <a:rPr lang="pt-BR" dirty="0">
+                <a:latin typeface="Times New Roman" panose="02020603050405020304" pitchFamily="18" charset="0"/>
+                <a:cs typeface="Times New Roman" panose="02020603050405020304" pitchFamily="18" charset="0"/>
+              </a:rPr>
+              <a:t> Dataset</a:t>
+            </a:r>
+            <a:endParaRPr lang="pt-BR" dirty="0">
+              <a:solidFill>
+                <a:srgbClr val="000000"/>
+              </a:solidFill>
+              <a:latin typeface="Times New Roman" panose="02020603050405020304" pitchFamily="18" charset="0"/>
+              <a:cs typeface="Times New Roman" panose="02020603050405020304" pitchFamily="18" charset="0"/>
+            </a:endParaRPr>
+          </a:p>
+          <a:p>
+            <a:pPr lvl="1" fontAlgn="base"/>
+            <a:r>
+              <a:rPr lang="pt-BR" dirty="0">
+                <a:solidFill>
+                  <a:srgbClr val="000000"/>
+                </a:solidFill>
+                <a:latin typeface="Times New Roman" panose="02020603050405020304" pitchFamily="18" charset="0"/>
+                <a:cs typeface="Times New Roman" panose="02020603050405020304" pitchFamily="18" charset="0"/>
+              </a:rPr>
+              <a:t>12 diferentes características e 5110 entradas</a:t>
+            </a:r>
+          </a:p>
+          <a:p>
+            <a:pPr algn="l" fontAlgn="base"/>
+            <a:r>
+              <a:rPr lang="pt-BR" dirty="0">
+                <a:solidFill>
+                  <a:srgbClr val="000000"/>
+                </a:solidFill>
+                <a:latin typeface="Times New Roman" panose="02020603050405020304" pitchFamily="18" charset="0"/>
+                <a:cs typeface="Times New Roman" panose="02020603050405020304" pitchFamily="18" charset="0"/>
+              </a:rPr>
+              <a:t>Informações presentes no conjunto:</a:t>
+            </a:r>
+          </a:p>
+          <a:p>
+            <a:pPr marL="617220" lvl="1" indent="-342900" fontAlgn="base">
+              <a:buFont typeface="+mj-lt"/>
+              <a:buAutoNum type="arabicPeriod"/>
+            </a:pPr>
+            <a:r>
+              <a:rPr lang="en-US" b="1" i="0" dirty="0">
+                <a:effectLst/>
+                <a:latin typeface="Inter"/>
+              </a:rPr>
+              <a:t>id: </a:t>
+            </a:r>
+            <a:r>
+              <a:rPr lang="en-US" b="0" i="0" dirty="0" err="1">
+                <a:effectLst/>
+                <a:latin typeface="Inter"/>
+              </a:rPr>
+              <a:t>identificador</a:t>
+            </a:r>
+            <a:r>
+              <a:rPr lang="en-US" b="0" i="0" dirty="0">
+                <a:effectLst/>
+                <a:latin typeface="Inter"/>
+              </a:rPr>
+              <a:t> </a:t>
+            </a:r>
+            <a:r>
+              <a:rPr lang="en-US" b="0" i="0" dirty="0" err="1">
+                <a:effectLst/>
+                <a:latin typeface="Inter"/>
+              </a:rPr>
+              <a:t>único</a:t>
+            </a:r>
+            <a:endParaRPr lang="en-US" b="0" i="0" dirty="0">
+              <a:effectLst/>
+              <a:latin typeface="Inter"/>
+            </a:endParaRPr>
+          </a:p>
+          <a:p>
+            <a:pPr marL="617220" lvl="1" indent="-342900" fontAlgn="base">
+              <a:buFont typeface="+mj-lt"/>
+              <a:buAutoNum type="arabicPeriod"/>
+            </a:pPr>
+            <a:r>
+              <a:rPr lang="en-US" b="1" i="0" dirty="0">
+                <a:effectLst/>
+                <a:latin typeface="Inter"/>
+              </a:rPr>
+              <a:t>gender: </a:t>
+            </a:r>
+            <a:r>
+              <a:rPr lang="en-US" b="0" i="0" dirty="0" err="1">
+                <a:effectLst/>
+                <a:latin typeface="Inter"/>
+              </a:rPr>
+              <a:t>sexo</a:t>
+            </a:r>
+            <a:endParaRPr lang="en-US" b="0" i="0" dirty="0">
+              <a:effectLst/>
+              <a:latin typeface="Inter"/>
+            </a:endParaRPr>
+          </a:p>
+          <a:p>
+            <a:pPr marL="617220" lvl="1" indent="-342900" fontAlgn="base">
+              <a:buFont typeface="+mj-lt"/>
+              <a:buAutoNum type="arabicPeriod"/>
+            </a:pPr>
+            <a:r>
+              <a:rPr lang="en-US" b="1" i="0" dirty="0">
+                <a:effectLst/>
+                <a:latin typeface="Inter"/>
+              </a:rPr>
+              <a:t>age: </a:t>
+            </a:r>
+            <a:r>
+              <a:rPr lang="en-US" b="0" i="0" dirty="0" err="1">
+                <a:effectLst/>
+                <a:latin typeface="Inter"/>
+              </a:rPr>
+              <a:t>idade</a:t>
+            </a:r>
+            <a:endParaRPr lang="en-US" b="0" i="0" dirty="0">
+              <a:effectLst/>
+              <a:latin typeface="Inter"/>
+            </a:endParaRPr>
+          </a:p>
+          <a:p>
+            <a:pPr marL="617220" lvl="1" indent="-342900" fontAlgn="base">
+              <a:buFont typeface="+mj-lt"/>
+              <a:buAutoNum type="arabicPeriod"/>
+            </a:pPr>
+            <a:r>
+              <a:rPr lang="en-US" b="1" i="0" dirty="0">
+                <a:effectLst/>
+                <a:latin typeface="Inter"/>
+              </a:rPr>
+              <a:t>hypertension: </a:t>
+            </a:r>
+            <a:r>
+              <a:rPr lang="en-US" i="0" dirty="0">
+                <a:effectLst/>
+                <a:latin typeface="Inter"/>
+              </a:rPr>
+              <a:t>indica se o </a:t>
+            </a:r>
+            <a:r>
+              <a:rPr lang="en-US" i="0" dirty="0" err="1">
+                <a:effectLst/>
+                <a:latin typeface="Inter"/>
+              </a:rPr>
+              <a:t>paciente</a:t>
+            </a:r>
+            <a:r>
+              <a:rPr lang="en-US" i="0" dirty="0">
+                <a:effectLst/>
+                <a:latin typeface="Inter"/>
+              </a:rPr>
+              <a:t> </a:t>
+            </a:r>
+            <a:r>
+              <a:rPr lang="en-US" i="0" dirty="0" err="1">
+                <a:effectLst/>
+                <a:latin typeface="Inter"/>
+              </a:rPr>
+              <a:t>tem</a:t>
+            </a:r>
+            <a:r>
+              <a:rPr lang="en-US" i="0" dirty="0">
+                <a:effectLst/>
+                <a:latin typeface="Inter"/>
+              </a:rPr>
+              <a:t> </a:t>
+            </a:r>
+            <a:r>
+              <a:rPr lang="en-US" i="0" dirty="0" err="1">
+                <a:effectLst/>
+                <a:latin typeface="Inter"/>
+              </a:rPr>
+              <a:t>hipertensão</a:t>
+            </a:r>
+            <a:endParaRPr lang="en-US" i="0" dirty="0">
+              <a:effectLst/>
+              <a:latin typeface="Inter"/>
+            </a:endParaRPr>
+          </a:p>
+          <a:p>
+            <a:pPr marL="617220" lvl="1" indent="-342900" fontAlgn="base">
+              <a:buFont typeface="+mj-lt"/>
+              <a:buAutoNum type="arabicPeriod"/>
+            </a:pPr>
+            <a:r>
+              <a:rPr lang="en-US" b="1" i="0" dirty="0" err="1">
+                <a:effectLst/>
+                <a:latin typeface="Inter"/>
+              </a:rPr>
+              <a:t>heart_disease</a:t>
+            </a:r>
+            <a:r>
+              <a:rPr lang="en-US" b="1" i="0" dirty="0">
+                <a:effectLst/>
+                <a:latin typeface="Inter"/>
+              </a:rPr>
+              <a:t>: </a:t>
+            </a:r>
+            <a:r>
+              <a:rPr lang="en-US" b="0" i="0" dirty="0">
+                <a:effectLst/>
+                <a:latin typeface="Inter"/>
+              </a:rPr>
+              <a:t>indica se o </a:t>
+            </a:r>
+            <a:r>
+              <a:rPr lang="en-US" b="0" i="0" dirty="0" err="1">
+                <a:effectLst/>
+                <a:latin typeface="Inter"/>
+              </a:rPr>
+              <a:t>paciente</a:t>
+            </a:r>
+            <a:r>
+              <a:rPr lang="en-US" b="0" i="0" dirty="0">
+                <a:effectLst/>
+                <a:latin typeface="Inter"/>
+              </a:rPr>
+              <a:t> </a:t>
+            </a:r>
+            <a:r>
+              <a:rPr lang="en-US" b="0" i="0" dirty="0" err="1">
+                <a:effectLst/>
+                <a:latin typeface="Inter"/>
+              </a:rPr>
+              <a:t>tem</a:t>
+            </a:r>
+            <a:r>
+              <a:rPr lang="en-US" b="0" i="0" dirty="0">
+                <a:effectLst/>
+                <a:latin typeface="Inter"/>
+              </a:rPr>
+              <a:t> </a:t>
+            </a:r>
+            <a:r>
+              <a:rPr lang="en-US" b="0" i="0" dirty="0" err="1">
+                <a:effectLst/>
+                <a:latin typeface="Inter"/>
+              </a:rPr>
+              <a:t>alguma</a:t>
+            </a:r>
+            <a:r>
+              <a:rPr lang="en-US" b="0" i="0" dirty="0">
+                <a:effectLst/>
+                <a:latin typeface="Inter"/>
+              </a:rPr>
+              <a:t> </a:t>
+            </a:r>
+            <a:r>
+              <a:rPr lang="en-US" b="0" i="0" dirty="0" err="1">
+                <a:effectLst/>
+                <a:latin typeface="Inter"/>
+              </a:rPr>
+              <a:t>doença</a:t>
+            </a:r>
+            <a:r>
+              <a:rPr lang="en-US" b="0" i="0" dirty="0">
+                <a:effectLst/>
+                <a:latin typeface="Inter"/>
+              </a:rPr>
+              <a:t> </a:t>
+            </a:r>
+            <a:r>
+              <a:rPr lang="en-US" b="0" i="0" dirty="0" err="1">
+                <a:effectLst/>
+                <a:latin typeface="Inter"/>
+              </a:rPr>
+              <a:t>cardíaca</a:t>
+            </a:r>
+            <a:endParaRPr lang="en-US" b="0" i="0" dirty="0">
+              <a:effectLst/>
+              <a:latin typeface="Inter"/>
+            </a:endParaRPr>
+          </a:p>
+          <a:p>
+            <a:pPr marL="617220" lvl="1" indent="-342900" fontAlgn="base">
+              <a:buFont typeface="+mj-lt"/>
+              <a:buAutoNum type="arabicPeriod"/>
+            </a:pPr>
+            <a:r>
+              <a:rPr lang="en-US" b="1" i="0" dirty="0" err="1">
+                <a:effectLst/>
+                <a:latin typeface="Inter"/>
+              </a:rPr>
+              <a:t>ever_married</a:t>
+            </a:r>
+            <a:r>
+              <a:rPr lang="en-US" b="1" i="0" dirty="0">
+                <a:effectLst/>
+                <a:latin typeface="Inter"/>
+              </a:rPr>
+              <a:t>: </a:t>
+            </a:r>
+            <a:r>
+              <a:rPr lang="en-US" b="0" i="0" dirty="0">
+                <a:effectLst/>
+                <a:latin typeface="Inter"/>
+              </a:rPr>
+              <a:t>indica se o </a:t>
+            </a:r>
+            <a:r>
+              <a:rPr lang="en-US" b="0" i="0" dirty="0" err="1">
+                <a:effectLst/>
+                <a:latin typeface="Inter"/>
+              </a:rPr>
+              <a:t>paciente</a:t>
+            </a:r>
+            <a:r>
+              <a:rPr lang="en-US" b="0" i="0" dirty="0">
+                <a:effectLst/>
+                <a:latin typeface="Inter"/>
+              </a:rPr>
+              <a:t> é </a:t>
+            </a:r>
+            <a:r>
+              <a:rPr lang="en-US" b="0" i="0" dirty="0" err="1">
+                <a:effectLst/>
+                <a:latin typeface="Inter"/>
+              </a:rPr>
+              <a:t>casado</a:t>
+            </a:r>
+            <a:endParaRPr lang="en-US" b="0" i="0" dirty="0">
+              <a:effectLst/>
+              <a:latin typeface="Inter"/>
+            </a:endParaRPr>
+          </a:p>
+          <a:p>
+            <a:pPr marL="617220" lvl="1" indent="-342900" fontAlgn="base">
+              <a:buFont typeface="+mj-lt"/>
+              <a:buAutoNum type="arabicPeriod"/>
+            </a:pPr>
+            <a:r>
+              <a:rPr lang="en-US" b="1" i="0" dirty="0" err="1">
+                <a:effectLst/>
+                <a:latin typeface="Inter"/>
+              </a:rPr>
+              <a:t>work_type</a:t>
+            </a:r>
+            <a:r>
+              <a:rPr lang="en-US" b="1" i="0" dirty="0">
+                <a:effectLst/>
+                <a:latin typeface="Inter"/>
+              </a:rPr>
+              <a:t>: </a:t>
+            </a:r>
+            <a:r>
+              <a:rPr lang="en-US" b="0" i="0" dirty="0">
+                <a:effectLst/>
+                <a:latin typeface="Inter"/>
+              </a:rPr>
+              <a:t>indica se o </a:t>
+            </a:r>
+            <a:r>
+              <a:rPr lang="en-US" b="0" i="0" dirty="0" err="1">
+                <a:effectLst/>
+                <a:latin typeface="Inter"/>
+              </a:rPr>
+              <a:t>paciente</a:t>
+            </a:r>
+            <a:r>
+              <a:rPr lang="en-US" b="0" i="0" dirty="0">
+                <a:effectLst/>
+                <a:latin typeface="Inter"/>
+              </a:rPr>
+              <a:t> </a:t>
+            </a:r>
+            <a:r>
+              <a:rPr lang="en-US" b="0" i="0" dirty="0" err="1">
+                <a:effectLst/>
+                <a:latin typeface="Inter"/>
+              </a:rPr>
+              <a:t>trabalha</a:t>
+            </a:r>
+            <a:r>
+              <a:rPr lang="en-US" b="0" i="0" dirty="0">
+                <a:effectLst/>
+                <a:latin typeface="Inter"/>
+              </a:rPr>
+              <a:t> e, se sim, qual o </a:t>
+            </a:r>
+            <a:r>
+              <a:rPr lang="en-US" b="0" i="0" dirty="0" err="1">
+                <a:effectLst/>
+                <a:latin typeface="Inter"/>
+              </a:rPr>
+              <a:t>tipo</a:t>
+            </a:r>
+            <a:r>
+              <a:rPr lang="en-US" b="0" i="0" dirty="0">
+                <a:effectLst/>
+                <a:latin typeface="Inter"/>
+              </a:rPr>
+              <a:t> de </a:t>
+            </a:r>
+            <a:r>
+              <a:rPr lang="en-US" b="0" i="0" dirty="0" err="1">
+                <a:effectLst/>
+                <a:latin typeface="Inter"/>
+              </a:rPr>
+              <a:t>emprego</a:t>
+            </a:r>
+            <a:endParaRPr lang="en-US" b="0" i="0" dirty="0">
+              <a:effectLst/>
+              <a:latin typeface="Inter"/>
+            </a:endParaRPr>
+          </a:p>
+          <a:p>
+            <a:pPr marL="617220" lvl="1" indent="-342900" fontAlgn="base">
+              <a:buFont typeface="+mj-lt"/>
+              <a:buAutoNum type="arabicPeriod"/>
+            </a:pPr>
+            <a:r>
+              <a:rPr lang="en-US" b="1" i="0" dirty="0" err="1">
+                <a:effectLst/>
+                <a:latin typeface="Inter"/>
+              </a:rPr>
+              <a:t>Residence_type</a:t>
+            </a:r>
+            <a:r>
+              <a:rPr lang="en-US" b="1" i="0" dirty="0">
+                <a:effectLst/>
+                <a:latin typeface="Inter"/>
+              </a:rPr>
+              <a:t>: </a:t>
+            </a:r>
+            <a:r>
+              <a:rPr lang="en-US" b="0" i="0" dirty="0" err="1">
+                <a:effectLst/>
+                <a:latin typeface="Inter"/>
+              </a:rPr>
+              <a:t>tipo</a:t>
+            </a:r>
+            <a:r>
+              <a:rPr lang="en-US" b="0" i="0" dirty="0">
+                <a:effectLst/>
+                <a:latin typeface="Inter"/>
+              </a:rPr>
+              <a:t> de residencia, rural </a:t>
+            </a:r>
+            <a:r>
+              <a:rPr lang="en-US" b="0" i="0" dirty="0" err="1">
+                <a:effectLst/>
+                <a:latin typeface="Inter"/>
+              </a:rPr>
+              <a:t>ou</a:t>
+            </a:r>
+            <a:r>
+              <a:rPr lang="en-US" b="0" i="0" dirty="0">
+                <a:effectLst/>
+                <a:latin typeface="Inter"/>
+              </a:rPr>
+              <a:t> </a:t>
+            </a:r>
+            <a:r>
+              <a:rPr lang="en-US" b="0" i="0" dirty="0" err="1">
+                <a:effectLst/>
+                <a:latin typeface="Inter"/>
+              </a:rPr>
+              <a:t>urbana</a:t>
+            </a:r>
+            <a:endParaRPr lang="en-US" b="0" i="0" dirty="0">
+              <a:effectLst/>
+              <a:latin typeface="Inter"/>
+            </a:endParaRPr>
+          </a:p>
+          <a:p>
+            <a:pPr marL="617220" lvl="1" indent="-342900" fontAlgn="base">
+              <a:buFont typeface="+mj-lt"/>
+              <a:buAutoNum type="arabicPeriod"/>
+            </a:pPr>
+            <a:r>
+              <a:rPr lang="en-US" b="1" i="0" dirty="0" err="1">
+                <a:effectLst/>
+                <a:latin typeface="Inter"/>
+              </a:rPr>
+              <a:t>avg_glucose_level</a:t>
+            </a:r>
+            <a:r>
+              <a:rPr lang="en-US" b="1" i="0" dirty="0">
+                <a:effectLst/>
+                <a:latin typeface="Inter"/>
+              </a:rPr>
+              <a:t>: </a:t>
+            </a:r>
+            <a:r>
+              <a:rPr lang="en-US" b="0" i="0" dirty="0">
+                <a:effectLst/>
+                <a:latin typeface="Inter"/>
+              </a:rPr>
+              <a:t>media do </a:t>
+            </a:r>
+            <a:r>
+              <a:rPr lang="en-US" b="0" i="0" dirty="0" err="1">
+                <a:effectLst/>
+                <a:latin typeface="Inter"/>
+              </a:rPr>
+              <a:t>nível</a:t>
+            </a:r>
+            <a:r>
+              <a:rPr lang="en-US" b="0" i="0" dirty="0">
+                <a:effectLst/>
+                <a:latin typeface="Inter"/>
+              </a:rPr>
+              <a:t> de </a:t>
+            </a:r>
+            <a:r>
+              <a:rPr lang="en-US" b="0" i="0" dirty="0" err="1">
+                <a:effectLst/>
+                <a:latin typeface="Inter"/>
+              </a:rPr>
+              <a:t>glicose</a:t>
+            </a:r>
+            <a:r>
+              <a:rPr lang="en-US" b="0" i="0" dirty="0">
+                <a:effectLst/>
+                <a:latin typeface="Inter"/>
+              </a:rPr>
+              <a:t> no </a:t>
+            </a:r>
+            <a:r>
+              <a:rPr lang="en-US" b="0" i="0" dirty="0" err="1">
+                <a:effectLst/>
+                <a:latin typeface="Inter"/>
+              </a:rPr>
+              <a:t>sangue</a:t>
+            </a:r>
+            <a:r>
+              <a:rPr lang="en-US" b="0" i="0" dirty="0">
+                <a:effectLst/>
+                <a:latin typeface="Inter"/>
+              </a:rPr>
+              <a:t> do </a:t>
+            </a:r>
+            <a:r>
+              <a:rPr lang="en-US" b="0" i="0" dirty="0" err="1">
+                <a:effectLst/>
+                <a:latin typeface="Inter"/>
+              </a:rPr>
+              <a:t>paciente</a:t>
+            </a:r>
+            <a:endParaRPr lang="en-US" b="0" i="0" dirty="0">
+              <a:effectLst/>
+              <a:latin typeface="Inter"/>
+            </a:endParaRPr>
+          </a:p>
+          <a:p>
+            <a:pPr marL="617220" lvl="1" indent="-342900" fontAlgn="base">
+              <a:buFont typeface="+mj-lt"/>
+              <a:buAutoNum type="arabicPeriod"/>
+            </a:pPr>
+            <a:r>
+              <a:rPr lang="en-US" b="1" i="0" dirty="0" err="1">
+                <a:effectLst/>
+                <a:latin typeface="Inter"/>
+              </a:rPr>
+              <a:t>bmi</a:t>
+            </a:r>
+            <a:r>
+              <a:rPr lang="en-US" b="1" i="0" dirty="0">
+                <a:effectLst/>
+                <a:latin typeface="Inter"/>
+              </a:rPr>
+              <a:t>: </a:t>
+            </a:r>
+            <a:r>
+              <a:rPr lang="en-US" b="0" i="0" dirty="0" err="1">
+                <a:effectLst/>
+                <a:latin typeface="Inter"/>
+              </a:rPr>
+              <a:t>índice</a:t>
+            </a:r>
+            <a:r>
+              <a:rPr lang="en-US" b="0" i="0" dirty="0">
+                <a:effectLst/>
+                <a:latin typeface="Inter"/>
+              </a:rPr>
+              <a:t> de </a:t>
+            </a:r>
+            <a:r>
+              <a:rPr lang="en-US" b="0" i="0" dirty="0" err="1">
+                <a:effectLst/>
+                <a:latin typeface="Inter"/>
+              </a:rPr>
+              <a:t>massa</a:t>
+            </a:r>
+            <a:r>
+              <a:rPr lang="en-US" b="0" i="0" dirty="0">
+                <a:effectLst/>
+                <a:latin typeface="Inter"/>
+              </a:rPr>
+              <a:t> corporal (</a:t>
+            </a:r>
+            <a:r>
+              <a:rPr lang="en-US" b="0" i="0" dirty="0" err="1">
+                <a:effectLst/>
+                <a:latin typeface="Inter"/>
+              </a:rPr>
+              <a:t>padrão</a:t>
+            </a:r>
+            <a:r>
+              <a:rPr lang="en-US" b="0" i="0" dirty="0">
+                <a:effectLst/>
+                <a:latin typeface="Inter"/>
+              </a:rPr>
+              <a:t> americano)</a:t>
+            </a:r>
+          </a:p>
+          <a:p>
+            <a:pPr marL="617220" lvl="1" indent="-342900" fontAlgn="base">
+              <a:buFont typeface="+mj-lt"/>
+              <a:buAutoNum type="arabicPeriod"/>
+            </a:pPr>
+            <a:r>
+              <a:rPr lang="en-US" b="1" i="0" dirty="0" err="1">
+                <a:effectLst/>
+                <a:latin typeface="Inter"/>
+              </a:rPr>
+              <a:t>smoking_status</a:t>
+            </a:r>
+            <a:r>
+              <a:rPr lang="en-US" b="1" i="0" dirty="0">
+                <a:effectLst/>
+                <a:latin typeface="Inter"/>
+              </a:rPr>
+              <a:t>: </a:t>
+            </a:r>
+            <a:r>
+              <a:rPr lang="en-US" b="0" i="0" dirty="0" err="1">
+                <a:effectLst/>
+                <a:latin typeface="Inter"/>
+              </a:rPr>
+              <a:t>situação</a:t>
+            </a:r>
+            <a:r>
+              <a:rPr lang="en-US" b="0" i="0" dirty="0">
+                <a:effectLst/>
+                <a:latin typeface="Inter"/>
+              </a:rPr>
+              <a:t> do </a:t>
+            </a:r>
+            <a:r>
+              <a:rPr lang="en-US" b="0" i="0" dirty="0" err="1">
+                <a:effectLst/>
+                <a:latin typeface="Inter"/>
+              </a:rPr>
+              <a:t>paciente</a:t>
+            </a:r>
+            <a:r>
+              <a:rPr lang="en-US" b="0" i="0" dirty="0">
+                <a:effectLst/>
+                <a:latin typeface="Inter"/>
+              </a:rPr>
+              <a:t> com </a:t>
+            </a:r>
+            <a:r>
+              <a:rPr lang="en-US" b="0" i="0" dirty="0" err="1">
+                <a:effectLst/>
+                <a:latin typeface="Inter"/>
+              </a:rPr>
+              <a:t>relação</a:t>
+            </a:r>
+            <a:r>
+              <a:rPr lang="en-US" b="0" i="0" dirty="0">
+                <a:effectLst/>
+                <a:latin typeface="Inter"/>
+              </a:rPr>
+              <a:t> a </a:t>
+            </a:r>
+            <a:r>
+              <a:rPr lang="en-US" b="0" i="0" dirty="0" err="1">
+                <a:effectLst/>
+                <a:latin typeface="Inter"/>
+              </a:rPr>
+              <a:t>fumar</a:t>
+            </a:r>
+            <a:endParaRPr lang="en-US" b="0" i="0" dirty="0">
+              <a:effectLst/>
+              <a:latin typeface="Inter"/>
+            </a:endParaRPr>
+          </a:p>
+          <a:p>
+            <a:pPr marL="617220" lvl="1" indent="-342900" fontAlgn="base">
+              <a:buFont typeface="+mj-lt"/>
+              <a:buAutoNum type="arabicPeriod"/>
+            </a:pPr>
+            <a:r>
+              <a:rPr lang="en-US" b="1" i="0" dirty="0">
+                <a:effectLst/>
+                <a:latin typeface="Inter"/>
+              </a:rPr>
+              <a:t>stroke: </a:t>
+            </a:r>
+            <a:r>
+              <a:rPr lang="en-US" b="0" i="0" dirty="0">
+                <a:effectLst/>
+                <a:latin typeface="Inter"/>
+              </a:rPr>
+              <a:t>indica se o </a:t>
+            </a:r>
+            <a:r>
+              <a:rPr lang="en-US" b="0" i="0" dirty="0" err="1">
+                <a:effectLst/>
+                <a:latin typeface="Inter"/>
+              </a:rPr>
+              <a:t>paciente</a:t>
+            </a:r>
+            <a:r>
+              <a:rPr lang="en-US" b="0" i="0" dirty="0">
+                <a:effectLst/>
+                <a:latin typeface="Inter"/>
+              </a:rPr>
+              <a:t> </a:t>
+            </a:r>
+            <a:r>
+              <a:rPr lang="en-US" b="0" i="0" dirty="0" err="1">
+                <a:effectLst/>
+                <a:latin typeface="Inter"/>
+              </a:rPr>
+              <a:t>teve</a:t>
+            </a:r>
+            <a:r>
+              <a:rPr lang="en-US" b="0" i="0" dirty="0">
+                <a:effectLst/>
+                <a:latin typeface="Inter"/>
+              </a:rPr>
+              <a:t> </a:t>
+            </a:r>
+            <a:r>
+              <a:rPr lang="en-US" b="0" i="0" dirty="0" err="1">
+                <a:effectLst/>
+                <a:latin typeface="Inter"/>
+              </a:rPr>
+              <a:t>ou</a:t>
+            </a:r>
+            <a:r>
+              <a:rPr lang="en-US" b="0" i="0" dirty="0">
+                <a:effectLst/>
+                <a:latin typeface="Inter"/>
+              </a:rPr>
+              <a:t> </a:t>
+            </a:r>
+            <a:r>
+              <a:rPr lang="en-US" b="0" i="0" dirty="0" err="1">
+                <a:effectLst/>
+                <a:latin typeface="Inter"/>
+              </a:rPr>
+              <a:t>não</a:t>
+            </a:r>
+            <a:r>
+              <a:rPr lang="en-US" b="0" i="0" dirty="0">
+                <a:effectLst/>
+                <a:latin typeface="Inter"/>
+              </a:rPr>
+              <a:t> </a:t>
+            </a:r>
+            <a:r>
+              <a:rPr lang="en-US" b="0" i="0" dirty="0" err="1">
+                <a:effectLst/>
+                <a:latin typeface="Inter"/>
+              </a:rPr>
+              <a:t>avc</a:t>
+            </a:r>
+            <a:endParaRPr lang="pt-BR" b="0" i="0" dirty="0">
+              <a:effectLst/>
+              <a:latin typeface="Times New Roman" panose="02020603050405020304" pitchFamily="18" charset="0"/>
+              <a:cs typeface="Times New Roman" panose="02020603050405020304" pitchFamily="18" charset="0"/>
+            </a:endParaRPr>
+          </a:p>
+          <a:p>
+            <a:pPr lvl="1" fontAlgn="base"/>
+            <a:endParaRPr lang="pt-BR" dirty="0">
+              <a:latin typeface="Times New Roman" panose="02020603050405020304" pitchFamily="18" charset="0"/>
+              <a:cs typeface="Times New Roman" panose="02020603050405020304" pitchFamily="18" charset="0"/>
+            </a:endParaRPr>
+          </a:p>
+          <a:p>
+            <a:pPr fontAlgn="base"/>
+            <a:endParaRPr lang="en-US" b="0" i="0" dirty="0">
+              <a:effectLst/>
+              <a:latin typeface="Inter"/>
+            </a:endParaRPr>
+          </a:p>
+        </p:txBody>
+      </p:sp>
+    </p:spTree>
+    <p:extLst>
+      <p:ext uri="{BB962C8B-B14F-4D97-AF65-F5344CB8AC3E}">
+        <p14:creationId xmlns:p14="http://schemas.microsoft.com/office/powerpoint/2010/main" val="1319688595"/>
+      </p:ext>
+    </p:extLst>
+  </p:cSld>
+  <p:clrMapOvr>
+    <a:masterClrMapping/>
+  </p:clrMapOvr>
+</p:sld>
+</file>
+
+<file path=ppt/slides/slide20.xml><?xml version="1.0" encoding="utf-8"?>
+<p:sld xmlns:a="http://schemas.openxmlformats.org/drawingml/2006/main" xmlns:r="http://schemas.openxmlformats.org/officeDocument/2006/relationships" xmlns:p="http://schemas.openxmlformats.org/presentationml/2006/main">
+  <p:cSld>
+    <p:spTree>
+      <p:nvGrpSpPr>
+        <p:cNvPr id="1" name=""/>
+        <p:cNvGrpSpPr/>
+        <p:nvPr/>
+      </p:nvGrpSpPr>
+      <p:grpSpPr>
+        <a:xfrm>
+          <a:off x="0" y="0"/>
+          <a:ext cx="0" cy="0"/>
+          <a:chOff x="0" y="0"/>
+          <a:chExt cx="0" cy="0"/>
+        </a:xfrm>
+      </p:grpSpPr>
+      <p:sp>
+        <p:nvSpPr>
+          <p:cNvPr id="2" name="Título 1">
+            <a:extLst>
+              <a:ext uri="{FF2B5EF4-FFF2-40B4-BE49-F238E27FC236}">
+                <a16:creationId xmlns:a16="http://schemas.microsoft.com/office/drawing/2014/main" id="{E044AE5F-6C45-37FC-9916-D3C19DF8BF90}"/>
+              </a:ext>
+            </a:extLst>
+          </p:cNvPr>
+          <p:cNvSpPr>
+            <a:spLocks noGrp="1"/>
+          </p:cNvSpPr>
+          <p:nvPr>
+            <p:ph type="title"/>
+          </p:nvPr>
+        </p:nvSpPr>
+        <p:spPr>
+          <a:xfrm>
+            <a:off x="1386840" y="0"/>
+            <a:ext cx="9418320" cy="4041648"/>
+          </a:xfrm>
+        </p:spPr>
+        <p:txBody>
+          <a:bodyPr>
+            <a:normAutofit/>
+          </a:bodyPr>
+          <a:lstStyle/>
+          <a:p>
+            <a:r>
+              <a:rPr lang="pt-BR" sz="4400" dirty="0"/>
+              <a:t>Obrigado pela atenção!</a:t>
+            </a:r>
+          </a:p>
+        </p:txBody>
+      </p:sp>
+    </p:spTree>
+    <p:extLst>
+      <p:ext uri="{BB962C8B-B14F-4D97-AF65-F5344CB8AC3E}">
+        <p14:creationId xmlns:p14="http://schemas.microsoft.com/office/powerpoint/2010/main" val="2067173605"/>
+      </p:ext>
+    </p:extLst>
+  </p:cSld>
+  <p:clrMapOvr>
+    <a:masterClrMapping/>
+  </p:clrMapOvr>
+</p:sld>
+</file>
+
+<file path=ppt/slides/slide3.xml><?xml version="1.0" encoding="utf-8"?>
+<p:sld xmlns:a="http://schemas.openxmlformats.org/drawingml/2006/main" xmlns:r="http://schemas.openxmlformats.org/officeDocument/2006/relationships" xmlns:p="http://schemas.openxmlformats.org/presentationml/2006/main">
+  <p:cSld>
+    <p:spTree>
+      <p:nvGrpSpPr>
+        <p:cNvPr id="1" name=""/>
+        <p:cNvGrpSpPr/>
+        <p:nvPr/>
+      </p:nvGrpSpPr>
+      <p:grpSpPr>
+        <a:xfrm>
+          <a:off x="0" y="0"/>
+          <a:ext cx="0" cy="0"/>
+          <a:chOff x="0" y="0"/>
+          <a:chExt cx="0" cy="0"/>
+        </a:xfrm>
+      </p:grpSpPr>
+      <p:sp>
+        <p:nvSpPr>
+          <p:cNvPr id="2" name="Título 1">
+            <a:extLst>
+              <a:ext uri="{FF2B5EF4-FFF2-40B4-BE49-F238E27FC236}">
+                <a16:creationId xmlns:a16="http://schemas.microsoft.com/office/drawing/2014/main" id="{53E34F15-1401-6555-7E0C-0775BD73A80D}"/>
+              </a:ext>
+            </a:extLst>
+          </p:cNvPr>
+          <p:cNvSpPr>
+            <a:spLocks noGrp="1"/>
+          </p:cNvSpPr>
+          <p:nvPr>
+            <p:ph type="title"/>
+          </p:nvPr>
+        </p:nvSpPr>
+        <p:spPr/>
+        <p:txBody>
+          <a:bodyPr/>
+          <a:lstStyle/>
+          <a:p>
+            <a:r>
+              <a:rPr lang="pt-BR" sz="3600" dirty="0"/>
+              <a:t>Classificador</a:t>
+            </a:r>
+            <a:endParaRPr lang="pt-BR" dirty="0"/>
+          </a:p>
+        </p:txBody>
+      </p:sp>
+      <p:sp>
+        <p:nvSpPr>
+          <p:cNvPr id="3" name="Espaço Reservado para Conteúdo 2">
+            <a:extLst>
+              <a:ext uri="{FF2B5EF4-FFF2-40B4-BE49-F238E27FC236}">
+                <a16:creationId xmlns:a16="http://schemas.microsoft.com/office/drawing/2014/main" id="{3954702C-87FE-AE79-69A5-4DEF476A7AED}"/>
+              </a:ext>
+            </a:extLst>
+          </p:cNvPr>
+          <p:cNvSpPr>
+            <a:spLocks noGrp="1"/>
+          </p:cNvSpPr>
+          <p:nvPr>
+            <p:ph idx="1"/>
+          </p:nvPr>
+        </p:nvSpPr>
+        <p:spPr/>
+        <p:txBody>
+          <a:bodyPr>
+            <a:normAutofit/>
+          </a:bodyPr>
+          <a:lstStyle/>
+          <a:p>
+            <a:endParaRPr lang="pt-BR" sz="1800" dirty="0">
+              <a:solidFill>
+                <a:srgbClr val="000000"/>
+              </a:solidFill>
+              <a:effectLst/>
+              <a:latin typeface="Times New Roman" panose="02020603050405020304" pitchFamily="18" charset="0"/>
+              <a:ea typeface="Calibri" panose="020F0502020204030204" pitchFamily="34" charset="0"/>
+            </a:endParaRPr>
+          </a:p>
+          <a:p>
+            <a:r>
+              <a:rPr lang="pt-BR" sz="1800" dirty="0">
+                <a:solidFill>
+                  <a:srgbClr val="000000"/>
+                </a:solidFill>
+                <a:effectLst/>
+                <a:latin typeface="Times New Roman" panose="02020603050405020304" pitchFamily="18" charset="0"/>
+                <a:ea typeface="Calibri" panose="020F0502020204030204" pitchFamily="34" charset="0"/>
+              </a:rPr>
+              <a:t>Criar um classificador que indique caso de AVC ou não a partir de dados sobre indivíduos</a:t>
+            </a:r>
+          </a:p>
+          <a:p>
+            <a:endParaRPr lang="pt-BR" dirty="0">
+              <a:solidFill>
+                <a:srgbClr val="000000"/>
+              </a:solidFill>
+              <a:latin typeface="Times New Roman" panose="02020603050405020304" pitchFamily="18" charset="0"/>
+              <a:ea typeface="Calibri" panose="020F0502020204030204" pitchFamily="34" charset="0"/>
+            </a:endParaRPr>
+          </a:p>
+          <a:p>
+            <a:pPr marL="0" indent="0">
+              <a:buNone/>
+            </a:pPr>
+            <a:r>
+              <a:rPr lang="pt-BR" b="1" dirty="0">
+                <a:solidFill>
+                  <a:srgbClr val="000000"/>
+                </a:solidFill>
+                <a:latin typeface="Times New Roman" panose="02020603050405020304" pitchFamily="18" charset="0"/>
+                <a:ea typeface="Calibri" panose="020F0502020204030204" pitchFamily="34" charset="0"/>
+              </a:rPr>
+              <a:t>Fases da criação:</a:t>
+            </a:r>
+            <a:endParaRPr lang="pt-BR" b="1" dirty="0">
+              <a:solidFill>
+                <a:srgbClr val="000000"/>
+              </a:solidFill>
+              <a:effectLst/>
+              <a:latin typeface="Times New Roman" panose="02020603050405020304" pitchFamily="18" charset="0"/>
+              <a:ea typeface="Calibri" panose="020F0502020204030204" pitchFamily="34" charset="0"/>
+            </a:endParaRPr>
+          </a:p>
+          <a:p>
+            <a:pPr marL="342900" indent="-342900">
+              <a:buFont typeface="+mj-lt"/>
+              <a:buAutoNum type="arabicPeriod"/>
+            </a:pPr>
+            <a:r>
+              <a:rPr lang="pt-BR" sz="1800" dirty="0">
+                <a:solidFill>
+                  <a:srgbClr val="000000"/>
+                </a:solidFill>
+                <a:latin typeface="Times New Roman" panose="02020603050405020304" pitchFamily="18" charset="0"/>
+                <a:ea typeface="Calibri" panose="020F0502020204030204" pitchFamily="34" charset="0"/>
+              </a:rPr>
+              <a:t>Preparação dos dados</a:t>
+            </a:r>
+          </a:p>
+          <a:p>
+            <a:pPr marL="342900" indent="-342900">
+              <a:buFont typeface="+mj-lt"/>
+              <a:buAutoNum type="arabicPeriod"/>
+            </a:pPr>
+            <a:r>
+              <a:rPr lang="pt-BR" sz="1800" dirty="0">
+                <a:solidFill>
+                  <a:srgbClr val="000000"/>
+                </a:solidFill>
+                <a:latin typeface="Times New Roman" panose="02020603050405020304" pitchFamily="18" charset="0"/>
+                <a:ea typeface="Calibri" panose="020F0502020204030204" pitchFamily="34" charset="0"/>
+              </a:rPr>
+              <a:t>Modelagem</a:t>
+            </a:r>
+          </a:p>
+          <a:p>
+            <a:pPr marL="342900" indent="-342900">
+              <a:buFont typeface="+mj-lt"/>
+              <a:buAutoNum type="arabicPeriod"/>
+            </a:pPr>
+            <a:r>
+              <a:rPr lang="pt-BR" dirty="0">
+                <a:solidFill>
+                  <a:srgbClr val="000000"/>
+                </a:solidFill>
+                <a:effectLst/>
+                <a:latin typeface="Times New Roman" panose="02020603050405020304" pitchFamily="18" charset="0"/>
+                <a:ea typeface="Calibri" panose="020F0502020204030204" pitchFamily="34" charset="0"/>
+              </a:rPr>
+              <a:t>Avaliação dos resultados</a:t>
+            </a:r>
+            <a:endParaRPr lang="pt-BR" sz="1800" dirty="0">
+              <a:solidFill>
+                <a:srgbClr val="000000"/>
+              </a:solidFill>
+              <a:effectLst/>
+              <a:latin typeface="Times New Roman" panose="02020603050405020304" pitchFamily="18" charset="0"/>
+              <a:ea typeface="Calibri" panose="020F0502020204030204" pitchFamily="34" charset="0"/>
+            </a:endParaRPr>
+          </a:p>
+        </p:txBody>
+      </p:sp>
+    </p:spTree>
+    <p:extLst>
+      <p:ext uri="{BB962C8B-B14F-4D97-AF65-F5344CB8AC3E}">
+        <p14:creationId xmlns:p14="http://schemas.microsoft.com/office/powerpoint/2010/main" val="736646105"/>
+      </p:ext>
+    </p:extLst>
+  </p:cSld>
+  <p:clrMapOvr>
+    <a:masterClrMapping/>
+  </p:clrMapOvr>
+</p:sld>
+</file>
+
+<file path=ppt/slides/slide4.xml><?xml version="1.0" encoding="utf-8"?>
+<p:sld xmlns:a="http://schemas.openxmlformats.org/drawingml/2006/main" xmlns:r="http://schemas.openxmlformats.org/officeDocument/2006/relationships" xmlns:p="http://schemas.openxmlformats.org/presentationml/2006/main">
+  <p:cSld>
+    <p:spTree>
+      <p:nvGrpSpPr>
+        <p:cNvPr id="1" name=""/>
+        <p:cNvGrpSpPr/>
+        <p:nvPr/>
+      </p:nvGrpSpPr>
+      <p:grpSpPr>
+        <a:xfrm>
+          <a:off x="0" y="0"/>
+          <a:ext cx="0" cy="0"/>
+          <a:chOff x="0" y="0"/>
+          <a:chExt cx="0" cy="0"/>
+        </a:xfrm>
+      </p:grpSpPr>
+      <p:sp>
+        <p:nvSpPr>
+          <p:cNvPr id="2" name="Título 1">
+            <a:extLst>
+              <a:ext uri="{FF2B5EF4-FFF2-40B4-BE49-F238E27FC236}">
+                <a16:creationId xmlns:a16="http://schemas.microsoft.com/office/drawing/2014/main" id="{E044AE5F-6C45-37FC-9916-D3C19DF8BF90}"/>
+              </a:ext>
+            </a:extLst>
+          </p:cNvPr>
+          <p:cNvSpPr>
+            <a:spLocks noGrp="1"/>
+          </p:cNvSpPr>
+          <p:nvPr>
+            <p:ph type="title"/>
+          </p:nvPr>
+        </p:nvSpPr>
+        <p:spPr>
+          <a:xfrm>
+            <a:off x="1386840" y="0"/>
+            <a:ext cx="9418320" cy="4041648"/>
+          </a:xfrm>
+        </p:spPr>
+        <p:txBody>
+          <a:bodyPr>
+            <a:normAutofit/>
+          </a:bodyPr>
+          <a:lstStyle/>
+          <a:p>
+            <a:r>
+              <a:rPr lang="pt-BR" sz="4400" dirty="0"/>
+              <a:t>Preparação dos dados</a:t>
+            </a:r>
+          </a:p>
+        </p:txBody>
+      </p:sp>
+    </p:spTree>
+    <p:extLst>
+      <p:ext uri="{BB962C8B-B14F-4D97-AF65-F5344CB8AC3E}">
+        <p14:creationId xmlns:p14="http://schemas.microsoft.com/office/powerpoint/2010/main" val="3288043394"/>
+      </p:ext>
+    </p:extLst>
+  </p:cSld>
+  <p:clrMapOvr>
+    <a:masterClrMapping/>
+  </p:clrMapOvr>
+</p:sld>
+</file>
+
+<file path=ppt/slides/slide5.xml><?xml version="1.0" encoding="utf-8"?>
+<p:sld xmlns:a="http://schemas.openxmlformats.org/drawingml/2006/main" xmlns:r="http://schemas.openxmlformats.org/officeDocument/2006/relationships" xmlns:p="http://schemas.openxmlformats.org/presentationml/2006/main">
+  <p:cSld>
+    <p:spTree>
+      <p:nvGrpSpPr>
+        <p:cNvPr id="1" name=""/>
+        <p:cNvGrpSpPr/>
+        <p:nvPr/>
+      </p:nvGrpSpPr>
+      <p:grpSpPr>
+        <a:xfrm>
+          <a:off x="0" y="0"/>
+          <a:ext cx="0" cy="0"/>
+          <a:chOff x="0" y="0"/>
+          <a:chExt cx="0" cy="0"/>
+        </a:xfrm>
+      </p:grpSpPr>
+      <p:sp>
+        <p:nvSpPr>
+          <p:cNvPr id="2" name="Título 1">
+            <a:extLst>
+              <a:ext uri="{FF2B5EF4-FFF2-40B4-BE49-F238E27FC236}">
+                <a16:creationId xmlns:a16="http://schemas.microsoft.com/office/drawing/2014/main" id="{8D3FA761-08B7-45D9-F3E8-04323A55D0BF}"/>
+              </a:ext>
+            </a:extLst>
+          </p:cNvPr>
+          <p:cNvSpPr>
+            <a:spLocks noGrp="1"/>
+          </p:cNvSpPr>
+          <p:nvPr>
+            <p:ph type="title"/>
+          </p:nvPr>
+        </p:nvSpPr>
+        <p:spPr/>
+        <p:txBody>
+          <a:bodyPr>
+            <a:normAutofit/>
+          </a:bodyPr>
+          <a:lstStyle/>
+          <a:p>
+            <a:r>
+              <a:rPr lang="pt-BR" sz="3200" dirty="0"/>
+              <a:t>Balanceamento</a:t>
+            </a:r>
+          </a:p>
+        </p:txBody>
+      </p:sp>
+      <p:sp>
+        <p:nvSpPr>
+          <p:cNvPr id="3" name="Espaço Reservado para Conteúdo 2">
+            <a:extLst>
+              <a:ext uri="{FF2B5EF4-FFF2-40B4-BE49-F238E27FC236}">
+                <a16:creationId xmlns:a16="http://schemas.microsoft.com/office/drawing/2014/main" id="{F86AB755-B867-90E9-6738-B6EAF65FA8C4}"/>
+              </a:ext>
+            </a:extLst>
+          </p:cNvPr>
+          <p:cNvSpPr>
+            <a:spLocks noGrp="1"/>
+          </p:cNvSpPr>
+          <p:nvPr>
+            <p:ph idx="1"/>
+          </p:nvPr>
+        </p:nvSpPr>
+        <p:spPr/>
+        <p:txBody>
+          <a:bodyPr>
+            <a:normAutofit/>
+          </a:bodyPr>
+          <a:lstStyle/>
+          <a:p>
+            <a:endParaRPr lang="pt-BR" dirty="0"/>
+          </a:p>
+          <a:p>
+            <a:r>
+              <a:rPr lang="pt-BR" dirty="0"/>
+              <a:t>Distribuição original da variável alvo:</a:t>
+            </a:r>
+          </a:p>
+          <a:p>
+            <a:pPr lvl="1" algn="just">
+              <a:lnSpc>
+                <a:spcPct val="150000"/>
+              </a:lnSpc>
+              <a:spcAft>
+                <a:spcPts val="800"/>
+              </a:spcAft>
+            </a:pPr>
+            <a:r>
+              <a:rPr lang="pt-BR" dirty="0">
+                <a:effectLst/>
+                <a:latin typeface="Times New Roman" panose="02020603050405020304" pitchFamily="18" charset="0"/>
+                <a:ea typeface="Calibri" panose="020F0502020204030204" pitchFamily="34" charset="0"/>
+                <a:cs typeface="Times New Roman" panose="02020603050405020304" pitchFamily="18" charset="0"/>
+              </a:rPr>
+              <a:t>249 casos para ocorrência de AVC (5%)</a:t>
+            </a:r>
+          </a:p>
+          <a:p>
+            <a:pPr lvl="1" algn="just">
+              <a:lnSpc>
+                <a:spcPct val="150000"/>
+              </a:lnSpc>
+              <a:spcAft>
+                <a:spcPts val="800"/>
+              </a:spcAft>
+            </a:pPr>
+            <a:r>
+              <a:rPr lang="pt-BR" dirty="0">
+                <a:effectLst/>
+                <a:latin typeface="Times New Roman" panose="02020603050405020304" pitchFamily="18" charset="0"/>
+                <a:ea typeface="Calibri" panose="020F0502020204030204" pitchFamily="34" charset="0"/>
+                <a:cs typeface="Times New Roman" panose="02020603050405020304" pitchFamily="18" charset="0"/>
+              </a:rPr>
+              <a:t>4861 casos de não ocorrência de AVC  (95%)</a:t>
+            </a:r>
+          </a:p>
+          <a:p>
+            <a:pPr algn="just">
+              <a:lnSpc>
+                <a:spcPct val="150000"/>
+              </a:lnSpc>
+              <a:spcAft>
+                <a:spcPts val="800"/>
+              </a:spcAft>
+            </a:pPr>
+            <a:r>
+              <a:rPr lang="pt-BR" b="1" dirty="0">
+                <a:latin typeface="Times New Roman" panose="02020603050405020304" pitchFamily="18" charset="0"/>
+                <a:ea typeface="Calibri" panose="020F0502020204030204" pitchFamily="34" charset="0"/>
+                <a:cs typeface="Times New Roman" panose="02020603050405020304" pitchFamily="18" charset="0"/>
+              </a:rPr>
+              <a:t>Problema:</a:t>
+            </a:r>
+            <a:r>
+              <a:rPr lang="pt-BR" dirty="0">
+                <a:latin typeface="Times New Roman" panose="02020603050405020304" pitchFamily="18" charset="0"/>
+                <a:ea typeface="Calibri" panose="020F0502020204030204" pitchFamily="34" charset="0"/>
+                <a:cs typeface="Times New Roman" panose="02020603050405020304" pitchFamily="18" charset="0"/>
+              </a:rPr>
+              <a:t> sem balanceamento, classificador fica tendencioso</a:t>
+            </a:r>
+          </a:p>
+        </p:txBody>
+      </p:sp>
+    </p:spTree>
+    <p:extLst>
+      <p:ext uri="{BB962C8B-B14F-4D97-AF65-F5344CB8AC3E}">
+        <p14:creationId xmlns:p14="http://schemas.microsoft.com/office/powerpoint/2010/main" val="1501323548"/>
+      </p:ext>
+    </p:extLst>
+  </p:cSld>
+  <p:clrMapOvr>
+    <a:masterClrMapping/>
+  </p:clrMapOvr>
+</p:sld>
+</file>
+
+<file path=ppt/slides/slide6.xml><?xml version="1.0" encoding="utf-8"?>
+<p:sld xmlns:a="http://schemas.openxmlformats.org/drawingml/2006/main" xmlns:r="http://schemas.openxmlformats.org/officeDocument/2006/relationships" xmlns:p="http://schemas.openxmlformats.org/presentationml/2006/main">
+  <p:cSld>
+    <p:spTree>
+      <p:nvGrpSpPr>
+        <p:cNvPr id="1" name=""/>
+        <p:cNvGrpSpPr/>
+        <p:nvPr/>
+      </p:nvGrpSpPr>
+      <p:grpSpPr>
+        <a:xfrm>
+          <a:off x="0" y="0"/>
+          <a:ext cx="0" cy="0"/>
+          <a:chOff x="0" y="0"/>
+          <a:chExt cx="0" cy="0"/>
+        </a:xfrm>
+      </p:grpSpPr>
+      <p:sp>
+        <p:nvSpPr>
+          <p:cNvPr id="2" name="Título 1">
+            <a:extLst>
+              <a:ext uri="{FF2B5EF4-FFF2-40B4-BE49-F238E27FC236}">
+                <a16:creationId xmlns:a16="http://schemas.microsoft.com/office/drawing/2014/main" id="{8D3FA761-08B7-45D9-F3E8-04323A55D0BF}"/>
+              </a:ext>
+            </a:extLst>
+          </p:cNvPr>
+          <p:cNvSpPr>
+            <a:spLocks noGrp="1"/>
+          </p:cNvSpPr>
+          <p:nvPr>
+            <p:ph type="title"/>
+          </p:nvPr>
+        </p:nvSpPr>
+        <p:spPr/>
+        <p:txBody>
+          <a:bodyPr>
+            <a:normAutofit/>
+          </a:bodyPr>
+          <a:lstStyle/>
+          <a:p>
+            <a:r>
+              <a:rPr lang="pt-BR" sz="3200" dirty="0"/>
+              <a:t>Balanceamento</a:t>
+            </a:r>
+          </a:p>
+        </p:txBody>
+      </p:sp>
+      <p:sp>
+        <p:nvSpPr>
+          <p:cNvPr id="3" name="Espaço Reservado para Conteúdo 2">
+            <a:extLst>
+              <a:ext uri="{FF2B5EF4-FFF2-40B4-BE49-F238E27FC236}">
+                <a16:creationId xmlns:a16="http://schemas.microsoft.com/office/drawing/2014/main" id="{F86AB755-B867-90E9-6738-B6EAF65FA8C4}"/>
+              </a:ext>
+            </a:extLst>
+          </p:cNvPr>
+          <p:cNvSpPr>
+            <a:spLocks noGrp="1"/>
+          </p:cNvSpPr>
+          <p:nvPr>
+            <p:ph idx="1"/>
+          </p:nvPr>
+        </p:nvSpPr>
+        <p:spPr/>
+        <p:txBody>
+          <a:bodyPr>
+            <a:normAutofit/>
+          </a:bodyPr>
+          <a:lstStyle/>
+          <a:p>
+            <a:endParaRPr lang="pt-BR" dirty="0"/>
+          </a:p>
+          <a:p>
+            <a:pPr marL="0" indent="0">
+              <a:buNone/>
+            </a:pPr>
+            <a:endParaRPr lang="pt-BR" sz="1800" dirty="0">
+              <a:effectLst/>
+              <a:latin typeface="Times New Roman" panose="02020603050405020304" pitchFamily="18" charset="0"/>
+              <a:ea typeface="Calibri" panose="020F0502020204030204" pitchFamily="34" charset="0"/>
+              <a:cs typeface="Times New Roman" panose="02020603050405020304" pitchFamily="18" charset="0"/>
+            </a:endParaRPr>
+          </a:p>
+          <a:p>
+            <a:pPr marL="342900" indent="-342900">
+              <a:buFont typeface="+mj-lt"/>
+              <a:buAutoNum type="arabicPeriod"/>
+            </a:pPr>
+            <a:r>
+              <a:rPr lang="pt-BR" sz="1800" dirty="0">
+                <a:effectLst/>
+                <a:latin typeface="Times New Roman" panose="02020603050405020304" pitchFamily="18" charset="0"/>
+                <a:ea typeface="Calibri" panose="020F0502020204030204" pitchFamily="34" charset="0"/>
+                <a:cs typeface="Times New Roman" panose="02020603050405020304" pitchFamily="18" charset="0"/>
+              </a:rPr>
+              <a:t>Separação do conjunto total a partir das duas classes: </a:t>
+            </a:r>
+            <a:r>
+              <a:rPr lang="pt-BR" sz="1800" i="1" dirty="0">
+                <a:effectLst/>
+                <a:latin typeface="Times New Roman" panose="02020603050405020304" pitchFamily="18" charset="0"/>
+                <a:ea typeface="Calibri" panose="020F0502020204030204" pitchFamily="34" charset="0"/>
+                <a:cs typeface="Times New Roman" panose="02020603050405020304" pitchFamily="18" charset="0"/>
+              </a:rPr>
+              <a:t>AVC</a:t>
+            </a:r>
+            <a:r>
+              <a:rPr lang="pt-BR" sz="1800" dirty="0">
+                <a:effectLst/>
+                <a:latin typeface="Times New Roman" panose="02020603050405020304" pitchFamily="18" charset="0"/>
+                <a:ea typeface="Calibri" panose="020F0502020204030204" pitchFamily="34" charset="0"/>
+                <a:cs typeface="Times New Roman" panose="02020603050405020304" pitchFamily="18" charset="0"/>
+              </a:rPr>
+              <a:t> (249 elementos) e </a:t>
+            </a:r>
+            <a:r>
+              <a:rPr lang="pt-BR" sz="1800" i="1" dirty="0">
+                <a:effectLst/>
+                <a:latin typeface="Times New Roman" panose="02020603050405020304" pitchFamily="18" charset="0"/>
+                <a:ea typeface="Calibri" panose="020F0502020204030204" pitchFamily="34" charset="0"/>
+                <a:cs typeface="Times New Roman" panose="02020603050405020304" pitchFamily="18" charset="0"/>
+              </a:rPr>
+              <a:t>não AVC </a:t>
+            </a:r>
+            <a:r>
+              <a:rPr lang="pt-BR" sz="1800" dirty="0">
+                <a:effectLst/>
+                <a:latin typeface="Times New Roman" panose="02020603050405020304" pitchFamily="18" charset="0"/>
+                <a:ea typeface="Calibri" panose="020F0502020204030204" pitchFamily="34" charset="0"/>
+                <a:cs typeface="Times New Roman" panose="02020603050405020304" pitchFamily="18" charset="0"/>
+              </a:rPr>
+              <a:t>(4861 elementos)</a:t>
+            </a:r>
+            <a:endParaRPr lang="pt-BR" sz="1800" dirty="0">
+              <a:effectLst/>
+              <a:latin typeface="Calibri" panose="020F0502020204030204" pitchFamily="34" charset="0"/>
+              <a:ea typeface="Calibri" panose="020F0502020204030204" pitchFamily="34" charset="0"/>
+              <a:cs typeface="Times New Roman" panose="02020603050405020304" pitchFamily="18" charset="0"/>
+            </a:endParaRPr>
+          </a:p>
+          <a:p>
+            <a:pPr marL="342900" indent="-342900">
+              <a:buFont typeface="+mj-lt"/>
+              <a:buAutoNum type="arabicPeriod"/>
+            </a:pPr>
+            <a:r>
+              <a:rPr lang="pt-BR" sz="1800" dirty="0" err="1">
+                <a:effectLst/>
+                <a:latin typeface="Times New Roman" panose="02020603050405020304" pitchFamily="18" charset="0"/>
+                <a:ea typeface="Calibri" panose="020F0502020204030204" pitchFamily="34" charset="0"/>
+                <a:cs typeface="Times New Roman" panose="02020603050405020304" pitchFamily="18" charset="0"/>
+              </a:rPr>
+              <a:t>Subamostragem</a:t>
+            </a:r>
+            <a:r>
+              <a:rPr lang="pt-BR" sz="1800" dirty="0">
+                <a:effectLst/>
+                <a:latin typeface="Times New Roman" panose="02020603050405020304" pitchFamily="18" charset="0"/>
+                <a:ea typeface="Calibri" panose="020F0502020204030204" pitchFamily="34" charset="0"/>
+                <a:cs typeface="Times New Roman" panose="02020603050405020304" pitchFamily="18" charset="0"/>
+              </a:rPr>
+              <a:t> do conjunto de dados da classe </a:t>
+            </a:r>
+            <a:r>
+              <a:rPr lang="pt-BR" sz="1800" i="1" dirty="0">
+                <a:effectLst/>
+                <a:latin typeface="Times New Roman" panose="02020603050405020304" pitchFamily="18" charset="0"/>
+                <a:ea typeface="Calibri" panose="020F0502020204030204" pitchFamily="34" charset="0"/>
+                <a:cs typeface="Times New Roman" panose="02020603050405020304" pitchFamily="18" charset="0"/>
+              </a:rPr>
+              <a:t>não AVC (4861 → 251)</a:t>
+            </a:r>
+            <a:endParaRPr lang="pt-BR" sz="1800" dirty="0">
+              <a:effectLst/>
+              <a:latin typeface="Calibri" panose="020F0502020204030204" pitchFamily="34" charset="0"/>
+              <a:ea typeface="Calibri" panose="020F0502020204030204" pitchFamily="34" charset="0"/>
+              <a:cs typeface="Times New Roman" panose="02020603050405020304" pitchFamily="18" charset="0"/>
+            </a:endParaRPr>
+          </a:p>
+          <a:p>
+            <a:pPr marL="342900" indent="-342900">
+              <a:buFont typeface="+mj-lt"/>
+              <a:buAutoNum type="arabicPeriod"/>
+            </a:pPr>
+            <a:r>
+              <a:rPr lang="pt-BR" sz="1800" dirty="0">
+                <a:effectLst/>
+                <a:latin typeface="Times New Roman" panose="02020603050405020304" pitchFamily="18" charset="0"/>
+                <a:ea typeface="Calibri" panose="020F0502020204030204" pitchFamily="34" charset="0"/>
+                <a:cs typeface="Times New Roman" panose="02020603050405020304" pitchFamily="18" charset="0"/>
+              </a:rPr>
+              <a:t>Junção do conjunto de dados da classe </a:t>
+            </a:r>
+            <a:r>
+              <a:rPr lang="pt-BR" sz="1800" i="1" dirty="0">
+                <a:effectLst/>
+                <a:latin typeface="Times New Roman" panose="02020603050405020304" pitchFamily="18" charset="0"/>
+                <a:ea typeface="Calibri" panose="020F0502020204030204" pitchFamily="34" charset="0"/>
+                <a:cs typeface="Times New Roman" panose="02020603050405020304" pitchFamily="18" charset="0"/>
+              </a:rPr>
+              <a:t>AVC</a:t>
+            </a:r>
+            <a:r>
+              <a:rPr lang="pt-BR" sz="1800" dirty="0">
+                <a:effectLst/>
+                <a:latin typeface="Times New Roman" panose="02020603050405020304" pitchFamily="18" charset="0"/>
+                <a:ea typeface="Calibri" panose="020F0502020204030204" pitchFamily="34" charset="0"/>
+                <a:cs typeface="Times New Roman" panose="02020603050405020304" pitchFamily="18" charset="0"/>
+              </a:rPr>
+              <a:t> com o novo conjunto de dados da classe </a:t>
+            </a:r>
+            <a:r>
+              <a:rPr lang="pt-BR" sz="1800" i="1" dirty="0">
+                <a:effectLst/>
+                <a:latin typeface="Times New Roman" panose="02020603050405020304" pitchFamily="18" charset="0"/>
+                <a:ea typeface="Calibri" panose="020F0502020204030204" pitchFamily="34" charset="0"/>
+                <a:cs typeface="Times New Roman" panose="02020603050405020304" pitchFamily="18" charset="0"/>
+              </a:rPr>
+              <a:t>não AVC </a:t>
+            </a:r>
+            <a:r>
+              <a:rPr lang="pt-BR" sz="1800" dirty="0">
+                <a:effectLst/>
+                <a:latin typeface="Times New Roman" panose="02020603050405020304" pitchFamily="18" charset="0"/>
+                <a:ea typeface="Calibri" panose="020F0502020204030204" pitchFamily="34" charset="0"/>
+                <a:cs typeface="Times New Roman" panose="02020603050405020304" pitchFamily="18" charset="0"/>
+              </a:rPr>
+              <a:t>(total: 5110 </a:t>
+            </a:r>
+            <a:r>
+              <a:rPr lang="pt-BR" sz="1800" i="1" dirty="0">
+                <a:effectLst/>
+                <a:latin typeface="Times New Roman" panose="02020603050405020304" pitchFamily="18" charset="0"/>
+                <a:ea typeface="Calibri" panose="020F0502020204030204" pitchFamily="34" charset="0"/>
+                <a:cs typeface="Times New Roman" panose="02020603050405020304" pitchFamily="18" charset="0"/>
+              </a:rPr>
+              <a:t>→</a:t>
+            </a:r>
+            <a:r>
+              <a:rPr lang="pt-BR" sz="1800" dirty="0">
+                <a:effectLst/>
+                <a:latin typeface="Times New Roman" panose="02020603050405020304" pitchFamily="18" charset="0"/>
+                <a:ea typeface="Calibri" panose="020F0502020204030204" pitchFamily="34" charset="0"/>
+                <a:cs typeface="Times New Roman" panose="02020603050405020304" pitchFamily="18" charset="0"/>
+              </a:rPr>
+              <a:t> 500 elementos)</a:t>
+            </a:r>
+            <a:endParaRPr lang="pt-BR" sz="1800" dirty="0">
+              <a:effectLst/>
+              <a:latin typeface="Calibri" panose="020F0502020204030204" pitchFamily="34" charset="0"/>
+              <a:ea typeface="Calibri" panose="020F0502020204030204" pitchFamily="34" charset="0"/>
+              <a:cs typeface="Times New Roman" panose="02020603050405020304" pitchFamily="18" charset="0"/>
+            </a:endParaRPr>
+          </a:p>
+          <a:p>
+            <a:endParaRPr lang="pt-BR" dirty="0">
+              <a:latin typeface="Times New Roman" panose="02020603050405020304" pitchFamily="18" charset="0"/>
+              <a:ea typeface="Calibri" panose="020F0502020204030204" pitchFamily="34" charset="0"/>
+              <a:cs typeface="Times New Roman" panose="02020603050405020304" pitchFamily="18" charset="0"/>
+            </a:endParaRPr>
+          </a:p>
+        </p:txBody>
+      </p:sp>
+    </p:spTree>
+    <p:extLst>
+      <p:ext uri="{BB962C8B-B14F-4D97-AF65-F5344CB8AC3E}">
+        <p14:creationId xmlns:p14="http://schemas.microsoft.com/office/powerpoint/2010/main" val="2158900547"/>
+      </p:ext>
+    </p:extLst>
+  </p:cSld>
+  <p:clrMapOvr>
+    <a:masterClrMapping/>
+  </p:clrMapOvr>
+</p:sld>
+</file>
+
+<file path=ppt/slides/slide7.xml><?xml version="1.0" encoding="utf-8"?>
+<p:sld xmlns:a="http://schemas.openxmlformats.org/drawingml/2006/main" xmlns:r="http://schemas.openxmlformats.org/officeDocument/2006/relationships" xmlns:p="http://schemas.openxmlformats.org/presentationml/2006/main">
+  <p:cSld>
+    <p:spTree>
+      <p:nvGrpSpPr>
+        <p:cNvPr id="1" name=""/>
+        <p:cNvGrpSpPr/>
+        <p:nvPr/>
+      </p:nvGrpSpPr>
+      <p:grpSpPr>
+        <a:xfrm>
+          <a:off x="0" y="0"/>
+          <a:ext cx="0" cy="0"/>
+          <a:chOff x="0" y="0"/>
+          <a:chExt cx="0" cy="0"/>
+        </a:xfrm>
+      </p:grpSpPr>
+      <p:sp>
+        <p:nvSpPr>
+          <p:cNvPr id="2" name="Título 1">
+            <a:extLst>
+              <a:ext uri="{FF2B5EF4-FFF2-40B4-BE49-F238E27FC236}">
+                <a16:creationId xmlns:a16="http://schemas.microsoft.com/office/drawing/2014/main" id="{84149C11-9ED8-0425-6D7E-35F12A43F9AA}"/>
+              </a:ext>
+            </a:extLst>
+          </p:cNvPr>
+          <p:cNvSpPr>
+            <a:spLocks noGrp="1"/>
+          </p:cNvSpPr>
+          <p:nvPr>
+            <p:ph type="title"/>
+          </p:nvPr>
+        </p:nvSpPr>
+        <p:spPr/>
+        <p:txBody>
+          <a:bodyPr>
+            <a:normAutofit/>
+          </a:bodyPr>
+          <a:lstStyle/>
+          <a:p>
+            <a:r>
+              <a:rPr lang="pt-BR" sz="3200" dirty="0"/>
+              <a:t>Correção de formato</a:t>
+            </a:r>
+          </a:p>
+        </p:txBody>
+      </p:sp>
+      <p:sp>
+        <p:nvSpPr>
+          <p:cNvPr id="3" name="Espaço Reservado para Conteúdo 2">
+            <a:extLst>
+              <a:ext uri="{FF2B5EF4-FFF2-40B4-BE49-F238E27FC236}">
+                <a16:creationId xmlns:a16="http://schemas.microsoft.com/office/drawing/2014/main" id="{ED5B44EC-AFD8-9AA1-FDE4-CBCB7A90067F}"/>
+              </a:ext>
+            </a:extLst>
+          </p:cNvPr>
+          <p:cNvSpPr>
+            <a:spLocks noGrp="1"/>
+          </p:cNvSpPr>
+          <p:nvPr>
+            <p:ph idx="1"/>
+          </p:nvPr>
+        </p:nvSpPr>
+        <p:spPr/>
+        <p:txBody>
+          <a:bodyPr/>
+          <a:lstStyle/>
+          <a:p>
+            <a:endParaRPr lang="pt-BR" sz="1800" dirty="0">
+              <a:effectLst/>
+              <a:latin typeface="Times New Roman" panose="02020603050405020304" pitchFamily="18" charset="0"/>
+              <a:ea typeface="Calibri" panose="020F0502020204030204" pitchFamily="34" charset="0"/>
+            </a:endParaRPr>
+          </a:p>
+          <a:p>
+            <a:endParaRPr lang="pt-BR" dirty="0">
+              <a:effectLst/>
+              <a:latin typeface="Times New Roman" panose="02020603050405020304" pitchFamily="18" charset="0"/>
+              <a:ea typeface="Calibri" panose="020F0502020204030204" pitchFamily="34" charset="0"/>
+            </a:endParaRPr>
+          </a:p>
+          <a:p>
+            <a:r>
+              <a:rPr lang="pt-BR" sz="1800" dirty="0">
+                <a:effectLst/>
+                <a:latin typeface="Times New Roman" panose="02020603050405020304" pitchFamily="18" charset="0"/>
+                <a:ea typeface="Calibri" panose="020F0502020204030204" pitchFamily="34" charset="0"/>
+              </a:rPr>
+              <a:t>Maioria dos algoritmos de Machine Learning conseguem trabalhar apenas com atributos de formato numérico</a:t>
+            </a:r>
+          </a:p>
+          <a:p>
+            <a:endParaRPr lang="pt-BR" dirty="0">
+              <a:latin typeface="Times New Roman" panose="02020603050405020304" pitchFamily="18" charset="0"/>
+            </a:endParaRPr>
+          </a:p>
+          <a:p>
+            <a:r>
+              <a:rPr lang="pt-BR" dirty="0"/>
+              <a:t>Necessário conversão dos dados para este formato</a:t>
+            </a:r>
+          </a:p>
+        </p:txBody>
+      </p:sp>
+    </p:spTree>
+    <p:extLst>
+      <p:ext uri="{BB962C8B-B14F-4D97-AF65-F5344CB8AC3E}">
+        <p14:creationId xmlns:p14="http://schemas.microsoft.com/office/powerpoint/2010/main" val="129950208"/>
+      </p:ext>
+    </p:extLst>
+  </p:cSld>
+  <p:clrMapOvr>
+    <a:masterClrMapping/>
+  </p:clrMapOvr>
+</p:sld>
+</file>
+
+<file path=ppt/slides/slide8.xml><?xml version="1.0" encoding="utf-8"?>
+<p:sld xmlns:a="http://schemas.openxmlformats.org/drawingml/2006/main" xmlns:r="http://schemas.openxmlformats.org/officeDocument/2006/relationships" xmlns:p="http://schemas.openxmlformats.org/presentationml/2006/main">
+  <p:cSld>
+    <p:spTree>
+      <p:nvGrpSpPr>
+        <p:cNvPr id="1" name=""/>
+        <p:cNvGrpSpPr/>
+        <p:nvPr/>
+      </p:nvGrpSpPr>
+      <p:grpSpPr>
+        <a:xfrm>
+          <a:off x="0" y="0"/>
+          <a:ext cx="0" cy="0"/>
+          <a:chOff x="0" y="0"/>
+          <a:chExt cx="0" cy="0"/>
+        </a:xfrm>
+      </p:grpSpPr>
+      <p:sp>
+        <p:nvSpPr>
+          <p:cNvPr id="2" name="Título 1">
+            <a:extLst>
+              <a:ext uri="{FF2B5EF4-FFF2-40B4-BE49-F238E27FC236}">
+                <a16:creationId xmlns:a16="http://schemas.microsoft.com/office/drawing/2014/main" id="{84149C11-9ED8-0425-6D7E-35F12A43F9AA}"/>
+              </a:ext>
+            </a:extLst>
+          </p:cNvPr>
+          <p:cNvSpPr>
+            <a:spLocks noGrp="1"/>
+          </p:cNvSpPr>
+          <p:nvPr>
+            <p:ph type="title"/>
+          </p:nvPr>
+        </p:nvSpPr>
+        <p:spPr/>
+        <p:txBody>
+          <a:bodyPr>
+            <a:normAutofit/>
+          </a:bodyPr>
+          <a:lstStyle/>
+          <a:p>
+            <a:r>
+              <a:rPr lang="pt-BR" sz="3200" dirty="0"/>
+              <a:t>Correção de formato</a:t>
             </a:r>
           </a:p>
         </p:txBody>
@@ -4240,7 +8351,7 @@
 </p:sld>
 </file>
 
-<file path=ppt/slides/slide11.xml><?xml version="1.0" encoding="utf-8"?>
+<file path=ppt/slides/slide9.xml><?xml version="1.0" encoding="utf-8"?>
 <p:sld xmlns:a="http://schemas.openxmlformats.org/drawingml/2006/main" xmlns:r="http://schemas.openxmlformats.org/officeDocument/2006/relationships" xmlns:p="http://schemas.openxmlformats.org/presentationml/2006/main">
   <p:cSld>
     <p:spTree>
@@ -4282,7 +8393,7 @@
           <a:p>
             <a:r>
               <a:rPr lang="pt-BR" sz="3200" dirty="0"/>
-              <a:t>Preparação dos dados – correção de formato</a:t>
+              <a:t>Correção de formato</a:t>
             </a:r>
           </a:p>
         </p:txBody>
@@ -5252,3838 +9363,6 @@
 </p:sld>
 </file>
 
-<file path=ppt/slides/slide12.xml><?xml version="1.0" encoding="utf-8"?>
-<p:sld xmlns:a="http://schemas.openxmlformats.org/drawingml/2006/main" xmlns:r="http://schemas.openxmlformats.org/officeDocument/2006/relationships" xmlns:p="http://schemas.openxmlformats.org/presentationml/2006/main">
-  <p:cSld>
-    <p:spTree>
-      <p:nvGrpSpPr>
-        <p:cNvPr id="1" name=""/>
-        <p:cNvGrpSpPr/>
-        <p:nvPr/>
-      </p:nvGrpSpPr>
-      <p:grpSpPr>
-        <a:xfrm>
-          <a:off x="0" y="0"/>
-          <a:ext cx="0" cy="0"/>
-          <a:chOff x="0" y="0"/>
-          <a:chExt cx="0" cy="0"/>
-        </a:xfrm>
-      </p:grpSpPr>
-      <p:sp>
-        <p:nvSpPr>
-          <p:cNvPr id="2" name="Título 1">
-            <a:extLst>
-              <a:ext uri="{FF2B5EF4-FFF2-40B4-BE49-F238E27FC236}">
-                <a16:creationId xmlns:a16="http://schemas.microsoft.com/office/drawing/2014/main" id="{84149C11-9ED8-0425-6D7E-35F12A43F9AA}"/>
-              </a:ext>
-            </a:extLst>
-          </p:cNvPr>
-          <p:cNvSpPr>
-            <a:spLocks noGrp="1"/>
-          </p:cNvSpPr>
-          <p:nvPr>
-            <p:ph type="title"/>
-          </p:nvPr>
-        </p:nvSpPr>
-        <p:spPr/>
-        <p:txBody>
-          <a:bodyPr>
-            <a:normAutofit/>
-          </a:bodyPr>
-          <a:lstStyle/>
-          <a:p>
-            <a:r>
-              <a:rPr lang="pt-BR" sz="3200" dirty="0"/>
-              <a:t>Preparação dos dados – correção de dados nulos</a:t>
-            </a:r>
-          </a:p>
-        </p:txBody>
-      </p:sp>
-      <p:sp>
-        <p:nvSpPr>
-          <p:cNvPr id="3" name="Espaço Reservado para Conteúdo 2">
-            <a:extLst>
-              <a:ext uri="{FF2B5EF4-FFF2-40B4-BE49-F238E27FC236}">
-                <a16:creationId xmlns:a16="http://schemas.microsoft.com/office/drawing/2014/main" id="{ED5B44EC-AFD8-9AA1-FDE4-CBCB7A90067F}"/>
-              </a:ext>
-            </a:extLst>
-          </p:cNvPr>
-          <p:cNvSpPr>
-            <a:spLocks noGrp="1"/>
-          </p:cNvSpPr>
-          <p:nvPr>
-            <p:ph idx="1"/>
-          </p:nvPr>
-        </p:nvSpPr>
-        <p:spPr/>
-        <p:txBody>
-          <a:bodyPr/>
-          <a:lstStyle/>
-          <a:p>
-            <a:endParaRPr lang="pt-BR" sz="1800" dirty="0">
-              <a:effectLst/>
-              <a:latin typeface="Times New Roman" panose="02020603050405020304" pitchFamily="18" charset="0"/>
-              <a:ea typeface="Calibri" panose="020F0502020204030204" pitchFamily="34" charset="0"/>
-            </a:endParaRPr>
-          </a:p>
-          <a:p>
-            <a:pPr marL="0" indent="0">
-              <a:buNone/>
-            </a:pPr>
-            <a:endParaRPr lang="pt-BR" sz="1800" dirty="0">
-              <a:effectLst/>
-              <a:latin typeface="Times New Roman" panose="02020603050405020304" pitchFamily="18" charset="0"/>
-              <a:ea typeface="Calibri" panose="020F0502020204030204" pitchFamily="34" charset="0"/>
-            </a:endParaRPr>
-          </a:p>
-          <a:p>
-            <a:r>
-              <a:rPr lang="pt-BR" sz="1800" dirty="0">
-                <a:effectLst/>
-                <a:latin typeface="Times New Roman" panose="02020603050405020304" pitchFamily="18" charset="0"/>
-                <a:ea typeface="Calibri" panose="020F0502020204030204" pitchFamily="34" charset="0"/>
-              </a:rPr>
-              <a:t>Dados nulos não trazem informação</a:t>
-            </a:r>
-          </a:p>
-          <a:p>
-            <a:r>
-              <a:rPr lang="pt-BR" sz="1800" dirty="0">
-                <a:effectLst/>
-                <a:latin typeface="Times New Roman" panose="02020603050405020304" pitchFamily="18" charset="0"/>
-                <a:ea typeface="Calibri" panose="020F0502020204030204" pitchFamily="34" charset="0"/>
-              </a:rPr>
-              <a:t>Classificador não consegue interpretá-los</a:t>
-            </a:r>
-            <a:endParaRPr lang="pt-BR" dirty="0">
-              <a:latin typeface="Times New Roman" panose="02020603050405020304" pitchFamily="18" charset="0"/>
-              <a:ea typeface="Calibri" panose="020F0502020204030204" pitchFamily="34" charset="0"/>
-            </a:endParaRPr>
-          </a:p>
-          <a:p>
-            <a:r>
-              <a:rPr lang="pt-BR" sz="1800" b="1" dirty="0">
-                <a:effectLst/>
-                <a:latin typeface="Times New Roman" panose="02020603050405020304" pitchFamily="18" charset="0"/>
-                <a:ea typeface="Calibri" panose="020F0502020204030204" pitchFamily="34" charset="0"/>
-              </a:rPr>
-              <a:t>Correção: </a:t>
-            </a:r>
-            <a:r>
-              <a:rPr lang="pt-BR" sz="1800" dirty="0">
-                <a:effectLst/>
-                <a:latin typeface="Times New Roman" panose="02020603050405020304" pitchFamily="18" charset="0"/>
-                <a:ea typeface="Calibri" panose="020F0502020204030204" pitchFamily="34" charset="0"/>
-              </a:rPr>
-              <a:t>substituição pela média, mediana... ou </a:t>
-            </a:r>
-            <a:r>
-              <a:rPr lang="pt-BR" dirty="0">
-                <a:latin typeface="Times New Roman" panose="02020603050405020304" pitchFamily="18" charset="0"/>
-                <a:ea typeface="Calibri" panose="020F0502020204030204" pitchFamily="34" charset="0"/>
-              </a:rPr>
-              <a:t>e</a:t>
-            </a:r>
-            <a:r>
-              <a:rPr lang="pt-BR" sz="1800" dirty="0">
-                <a:effectLst/>
-                <a:latin typeface="Times New Roman" panose="02020603050405020304" pitchFamily="18" charset="0"/>
-                <a:ea typeface="Calibri" panose="020F0502020204030204" pitchFamily="34" charset="0"/>
-              </a:rPr>
-              <a:t>liminação</a:t>
-            </a:r>
-          </a:p>
-        </p:txBody>
-      </p:sp>
-    </p:spTree>
-    <p:extLst>
-      <p:ext uri="{BB962C8B-B14F-4D97-AF65-F5344CB8AC3E}">
-        <p14:creationId xmlns:p14="http://schemas.microsoft.com/office/powerpoint/2010/main" val="2111789964"/>
-      </p:ext>
-    </p:extLst>
-  </p:cSld>
-  <p:clrMapOvr>
-    <a:masterClrMapping/>
-  </p:clrMapOvr>
-</p:sld>
-</file>
-
-<file path=ppt/slides/slide13.xml><?xml version="1.0" encoding="utf-8"?>
-<p:sld xmlns:a="http://schemas.openxmlformats.org/drawingml/2006/main" xmlns:r="http://schemas.openxmlformats.org/officeDocument/2006/relationships" xmlns:p="http://schemas.openxmlformats.org/presentationml/2006/main">
-  <p:cSld>
-    <p:spTree>
-      <p:nvGrpSpPr>
-        <p:cNvPr id="1" name=""/>
-        <p:cNvGrpSpPr/>
-        <p:nvPr/>
-      </p:nvGrpSpPr>
-      <p:grpSpPr>
-        <a:xfrm>
-          <a:off x="0" y="0"/>
-          <a:ext cx="0" cy="0"/>
-          <a:chOff x="0" y="0"/>
-          <a:chExt cx="0" cy="0"/>
-        </a:xfrm>
-      </p:grpSpPr>
-      <p:sp>
-        <p:nvSpPr>
-          <p:cNvPr id="2" name="Título 1">
-            <a:extLst>
-              <a:ext uri="{FF2B5EF4-FFF2-40B4-BE49-F238E27FC236}">
-                <a16:creationId xmlns:a16="http://schemas.microsoft.com/office/drawing/2014/main" id="{84149C11-9ED8-0425-6D7E-35F12A43F9AA}"/>
-              </a:ext>
-            </a:extLst>
-          </p:cNvPr>
-          <p:cNvSpPr>
-            <a:spLocks noGrp="1"/>
-          </p:cNvSpPr>
-          <p:nvPr>
-            <p:ph type="title"/>
-          </p:nvPr>
-        </p:nvSpPr>
-        <p:spPr/>
-        <p:txBody>
-          <a:bodyPr>
-            <a:normAutofit/>
-          </a:bodyPr>
-          <a:lstStyle/>
-          <a:p>
-            <a:r>
-              <a:rPr lang="pt-BR" sz="3200" dirty="0"/>
-              <a:t>Preparação dos dados – correção de dados nulos</a:t>
-            </a:r>
-          </a:p>
-        </p:txBody>
-      </p:sp>
-      <p:sp>
-        <p:nvSpPr>
-          <p:cNvPr id="3" name="Espaço Reservado para Conteúdo 2">
-            <a:extLst>
-              <a:ext uri="{FF2B5EF4-FFF2-40B4-BE49-F238E27FC236}">
-                <a16:creationId xmlns:a16="http://schemas.microsoft.com/office/drawing/2014/main" id="{ED5B44EC-AFD8-9AA1-FDE4-CBCB7A90067F}"/>
-              </a:ext>
-            </a:extLst>
-          </p:cNvPr>
-          <p:cNvSpPr>
-            <a:spLocks noGrp="1"/>
-          </p:cNvSpPr>
-          <p:nvPr>
-            <p:ph idx="1"/>
-          </p:nvPr>
-        </p:nvSpPr>
-        <p:spPr/>
-        <p:txBody>
-          <a:bodyPr/>
-          <a:lstStyle/>
-          <a:p>
-            <a:endParaRPr lang="pt-BR" sz="1800" dirty="0">
-              <a:effectLst/>
-              <a:latin typeface="Times New Roman" panose="02020603050405020304" pitchFamily="18" charset="0"/>
-              <a:ea typeface="Calibri" panose="020F0502020204030204" pitchFamily="34" charset="0"/>
-            </a:endParaRPr>
-          </a:p>
-          <a:p>
-            <a:pPr marL="0" indent="0">
-              <a:buNone/>
-            </a:pPr>
-            <a:endParaRPr lang="pt-BR" sz="1800" dirty="0">
-              <a:effectLst/>
-              <a:latin typeface="Times New Roman" panose="02020603050405020304" pitchFamily="18" charset="0"/>
-              <a:ea typeface="Calibri" panose="020F0502020204030204" pitchFamily="34" charset="0"/>
-            </a:endParaRPr>
-          </a:p>
-          <a:p>
-            <a:r>
-              <a:rPr lang="pt-BR" sz="1800" dirty="0">
-                <a:effectLst/>
-                <a:latin typeface="Times New Roman" panose="02020603050405020304" pitchFamily="18" charset="0"/>
-                <a:ea typeface="Calibri" panose="020F0502020204030204" pitchFamily="34" charset="0"/>
-              </a:rPr>
-              <a:t>Única coluna com dados nulos foi </a:t>
-            </a:r>
-            <a:r>
-              <a:rPr lang="pt-BR" sz="1800" i="1" dirty="0" err="1">
-                <a:effectLst/>
-                <a:latin typeface="Times New Roman" panose="02020603050405020304" pitchFamily="18" charset="0"/>
-                <a:ea typeface="Calibri" panose="020F0502020204030204" pitchFamily="34" charset="0"/>
-              </a:rPr>
-              <a:t>bmi</a:t>
-            </a:r>
-            <a:r>
-              <a:rPr lang="pt-BR" sz="1800" dirty="0">
-                <a:effectLst/>
-                <a:latin typeface="Times New Roman" panose="02020603050405020304" pitchFamily="18" charset="0"/>
-                <a:ea typeface="Calibri" panose="020F0502020204030204" pitchFamily="34" charset="0"/>
-              </a:rPr>
-              <a:t>: </a:t>
-            </a:r>
-          </a:p>
-          <a:p>
-            <a:endParaRPr lang="pt-BR" dirty="0">
-              <a:latin typeface="Times New Roman" panose="02020603050405020304" pitchFamily="18" charset="0"/>
-              <a:ea typeface="Calibri" panose="020F0502020204030204" pitchFamily="34" charset="0"/>
-            </a:endParaRPr>
-          </a:p>
-          <a:p>
-            <a:endParaRPr lang="pt-BR" sz="1800" dirty="0">
-              <a:effectLst/>
-              <a:latin typeface="Times New Roman" panose="02020603050405020304" pitchFamily="18" charset="0"/>
-              <a:ea typeface="Calibri" panose="020F0502020204030204" pitchFamily="34" charset="0"/>
-            </a:endParaRPr>
-          </a:p>
-          <a:p>
-            <a:endParaRPr lang="pt-BR" dirty="0">
-              <a:latin typeface="Times New Roman" panose="02020603050405020304" pitchFamily="18" charset="0"/>
-              <a:ea typeface="Calibri" panose="020F0502020204030204" pitchFamily="34" charset="0"/>
-            </a:endParaRPr>
-          </a:p>
-          <a:p>
-            <a:endParaRPr lang="pt-BR" sz="1800" dirty="0">
-              <a:effectLst/>
-              <a:latin typeface="Times New Roman" panose="02020603050405020304" pitchFamily="18" charset="0"/>
-              <a:ea typeface="Calibri" panose="020F0502020204030204" pitchFamily="34" charset="0"/>
-            </a:endParaRPr>
-          </a:p>
-          <a:p>
-            <a:endParaRPr lang="pt-BR" dirty="0">
-              <a:latin typeface="Times New Roman" panose="02020603050405020304" pitchFamily="18" charset="0"/>
-              <a:ea typeface="Calibri" panose="020F0502020204030204" pitchFamily="34" charset="0"/>
-            </a:endParaRPr>
-          </a:p>
-          <a:p>
-            <a:r>
-              <a:rPr lang="pt-BR" dirty="0">
-                <a:latin typeface="Times New Roman" panose="02020603050405020304" pitchFamily="18" charset="0"/>
-                <a:ea typeface="Calibri" panose="020F0502020204030204" pitchFamily="34" charset="0"/>
-              </a:rPr>
-              <a:t>Correção feita: substituição pela mediana</a:t>
-            </a:r>
-          </a:p>
-        </p:txBody>
-      </p:sp>
-      <p:graphicFrame>
-        <p:nvGraphicFramePr>
-          <p:cNvPr id="4" name="Tabela 3">
-            <a:extLst>
-              <a:ext uri="{FF2B5EF4-FFF2-40B4-BE49-F238E27FC236}">
-                <a16:creationId xmlns:a16="http://schemas.microsoft.com/office/drawing/2014/main" id="{D9F66D3D-2E38-1F7E-224A-6B66EC04B017}"/>
-              </a:ext>
-            </a:extLst>
-          </p:cNvPr>
-          <p:cNvGraphicFramePr>
-            <a:graphicFrameLocks noGrp="1"/>
-          </p:cNvGraphicFramePr>
-          <p:nvPr>
-            <p:extLst>
-              <p:ext uri="{D42A27DB-BD31-4B8C-83A1-F6EECF244321}">
-                <p14:modId xmlns:p14="http://schemas.microsoft.com/office/powerpoint/2010/main" val="967895234"/>
-              </p:ext>
-            </p:extLst>
-          </p:nvPr>
-        </p:nvGraphicFramePr>
-        <p:xfrm>
-          <a:off x="2190559" y="3286125"/>
-          <a:ext cx="6737985" cy="1987550"/>
-        </p:xfrm>
-        <a:graphic>
-          <a:graphicData uri="http://schemas.openxmlformats.org/drawingml/2006/table">
-            <a:tbl>
-              <a:tblPr firstRow="1" firstCol="1" bandRow="1">
-                <a:tableStyleId>{5C22544A-7EE6-4342-B048-85BDC9FD1C3A}</a:tableStyleId>
-              </a:tblPr>
-              <a:tblGrid>
-                <a:gridCol w="2245995">
-                  <a:extLst>
-                    <a:ext uri="{9D8B030D-6E8A-4147-A177-3AD203B41FA5}">
-                      <a16:colId xmlns:a16="http://schemas.microsoft.com/office/drawing/2014/main" val="175596780"/>
-                    </a:ext>
-                  </a:extLst>
-                </a:gridCol>
-                <a:gridCol w="2245995">
-                  <a:extLst>
-                    <a:ext uri="{9D8B030D-6E8A-4147-A177-3AD203B41FA5}">
-                      <a16:colId xmlns:a16="http://schemas.microsoft.com/office/drawing/2014/main" val="4203103227"/>
-                    </a:ext>
-                  </a:extLst>
-                </a:gridCol>
-                <a:gridCol w="2245995">
-                  <a:extLst>
-                    <a:ext uri="{9D8B030D-6E8A-4147-A177-3AD203B41FA5}">
-                      <a16:colId xmlns:a16="http://schemas.microsoft.com/office/drawing/2014/main" val="1685441160"/>
-                    </a:ext>
-                  </a:extLst>
-                </a:gridCol>
-              </a:tblGrid>
-              <a:tr h="375285">
-                <a:tc gridSpan="3">
-                  <a:txBody>
-                    <a:bodyPr/>
-                    <a:lstStyle/>
-                    <a:p>
-                      <a:pPr algn="ctr">
-                        <a:lnSpc>
-                          <a:spcPct val="107000"/>
-                        </a:lnSpc>
-                        <a:spcAft>
-                          <a:spcPts val="800"/>
-                        </a:spcAft>
-                      </a:pPr>
-                      <a:r>
-                        <a:rPr lang="pt-BR" sz="1200">
-                          <a:effectLst/>
-                        </a:rPr>
-                        <a:t>Distribuição da variável BMI com relação a dados nulos</a:t>
-                      </a:r>
-                      <a:endParaRPr lang="pt-BR" sz="1100">
-                        <a:effectLst/>
-                        <a:latin typeface="Calibri" panose="020F0502020204030204" pitchFamily="34" charset="0"/>
-                        <a:ea typeface="Calibri" panose="020F0502020204030204" pitchFamily="34" charset="0"/>
-                        <a:cs typeface="Times New Roman" panose="02020603050405020304" pitchFamily="18" charset="0"/>
-                      </a:endParaRPr>
-                    </a:p>
-                  </a:txBody>
-                  <a:tcPr marL="68580" marR="68580" marT="0" marB="0" anchor="ctr"/>
-                </a:tc>
-                <a:tc hMerge="1">
-                  <a:txBody>
-                    <a:bodyPr/>
-                    <a:lstStyle/>
-                    <a:p>
-                      <a:endParaRPr lang="pt-BR"/>
-                    </a:p>
-                  </a:txBody>
-                  <a:tcPr/>
-                </a:tc>
-                <a:tc hMerge="1">
-                  <a:txBody>
-                    <a:bodyPr/>
-                    <a:lstStyle/>
-                    <a:p>
-                      <a:endParaRPr lang="pt-BR"/>
-                    </a:p>
-                  </a:txBody>
-                  <a:tcPr/>
-                </a:tc>
-                <a:extLst>
-                  <a:ext uri="{0D108BD9-81ED-4DB2-BD59-A6C34878D82A}">
-                    <a16:rowId xmlns:a16="http://schemas.microsoft.com/office/drawing/2014/main" val="4038456728"/>
-                  </a:ext>
-                </a:extLst>
-              </a:tr>
-              <a:tr h="375285">
-                <a:tc rowSpan="4">
-                  <a:txBody>
-                    <a:bodyPr/>
-                    <a:lstStyle/>
-                    <a:p>
-                      <a:pPr algn="ctr">
-                        <a:lnSpc>
-                          <a:spcPct val="107000"/>
-                        </a:lnSpc>
-                        <a:spcAft>
-                          <a:spcPts val="800"/>
-                        </a:spcAft>
-                      </a:pPr>
-                      <a:r>
-                        <a:rPr lang="pt-BR" sz="1200" dirty="0">
-                          <a:effectLst/>
-                        </a:rPr>
-                        <a:t>Conjunto de dados total</a:t>
-                      </a:r>
-                      <a:endParaRPr lang="pt-BR" sz="1100" dirty="0">
-                        <a:effectLst/>
-                        <a:latin typeface="Calibri" panose="020F0502020204030204" pitchFamily="34" charset="0"/>
-                        <a:ea typeface="Calibri" panose="020F0502020204030204" pitchFamily="34" charset="0"/>
-                        <a:cs typeface="Times New Roman" panose="02020603050405020304" pitchFamily="18" charset="0"/>
-                      </a:endParaRPr>
-                    </a:p>
-                  </a:txBody>
-                  <a:tcPr marL="68580" marR="68580" marT="0" marB="0" anchor="ctr"/>
-                </a:tc>
-                <a:tc rowSpan="2">
-                  <a:txBody>
-                    <a:bodyPr/>
-                    <a:lstStyle/>
-                    <a:p>
-                      <a:pPr algn="ctr">
-                        <a:lnSpc>
-                          <a:spcPct val="107000"/>
-                        </a:lnSpc>
-                        <a:spcAft>
-                          <a:spcPts val="800"/>
-                        </a:spcAft>
-                      </a:pPr>
-                      <a:r>
-                        <a:rPr lang="pt-BR" sz="1200">
-                          <a:effectLst/>
-                        </a:rPr>
-                        <a:t>249 casos de AVC</a:t>
-                      </a:r>
-                      <a:endParaRPr lang="pt-BR" sz="1100">
-                        <a:effectLst/>
-                        <a:latin typeface="Calibri" panose="020F0502020204030204" pitchFamily="34" charset="0"/>
-                        <a:ea typeface="Calibri" panose="020F0502020204030204" pitchFamily="34" charset="0"/>
-                        <a:cs typeface="Times New Roman" panose="02020603050405020304" pitchFamily="18" charset="0"/>
-                      </a:endParaRPr>
-                    </a:p>
-                  </a:txBody>
-                  <a:tcPr marL="68580" marR="68580" marT="0" marB="0" anchor="ctr"/>
-                </a:tc>
-                <a:tc>
-                  <a:txBody>
-                    <a:bodyPr/>
-                    <a:lstStyle/>
-                    <a:p>
-                      <a:pPr algn="ctr">
-                        <a:lnSpc>
-                          <a:spcPct val="107000"/>
-                        </a:lnSpc>
-                        <a:spcAft>
-                          <a:spcPts val="800"/>
-                        </a:spcAft>
-                      </a:pPr>
-                      <a:r>
-                        <a:rPr lang="pt-BR" sz="1200">
-                          <a:effectLst/>
-                        </a:rPr>
-                        <a:t>209 valores não nulos (84%)</a:t>
-                      </a:r>
-                      <a:endParaRPr lang="pt-BR" sz="1100">
-                        <a:effectLst/>
-                        <a:latin typeface="Calibri" panose="020F0502020204030204" pitchFamily="34" charset="0"/>
-                        <a:ea typeface="Calibri" panose="020F0502020204030204" pitchFamily="34" charset="0"/>
-                        <a:cs typeface="Times New Roman" panose="02020603050405020304" pitchFamily="18" charset="0"/>
-                      </a:endParaRPr>
-                    </a:p>
-                  </a:txBody>
-                  <a:tcPr marL="68580" marR="68580" marT="0" marB="0" anchor="ctr"/>
-                </a:tc>
-                <a:extLst>
-                  <a:ext uri="{0D108BD9-81ED-4DB2-BD59-A6C34878D82A}">
-                    <a16:rowId xmlns:a16="http://schemas.microsoft.com/office/drawing/2014/main" val="2417468624"/>
-                  </a:ext>
-                </a:extLst>
-              </a:tr>
-              <a:tr h="369570">
-                <a:tc vMerge="1">
-                  <a:txBody>
-                    <a:bodyPr/>
-                    <a:lstStyle/>
-                    <a:p>
-                      <a:endParaRPr lang="pt-BR"/>
-                    </a:p>
-                  </a:txBody>
-                  <a:tcPr/>
-                </a:tc>
-                <a:tc vMerge="1">
-                  <a:txBody>
-                    <a:bodyPr/>
-                    <a:lstStyle/>
-                    <a:p>
-                      <a:endParaRPr lang="pt-BR"/>
-                    </a:p>
-                  </a:txBody>
-                  <a:tcPr/>
-                </a:tc>
-                <a:tc>
-                  <a:txBody>
-                    <a:bodyPr/>
-                    <a:lstStyle/>
-                    <a:p>
-                      <a:pPr algn="ctr">
-                        <a:lnSpc>
-                          <a:spcPct val="107000"/>
-                        </a:lnSpc>
-                        <a:spcAft>
-                          <a:spcPts val="800"/>
-                        </a:spcAft>
-                      </a:pPr>
-                      <a:r>
-                        <a:rPr lang="pt-BR" sz="1200">
-                          <a:effectLst/>
-                        </a:rPr>
-                        <a:t>40 valores nulos (16%)</a:t>
-                      </a:r>
-                      <a:endParaRPr lang="pt-BR" sz="1100">
-                        <a:effectLst/>
-                        <a:latin typeface="Calibri" panose="020F0502020204030204" pitchFamily="34" charset="0"/>
-                        <a:ea typeface="Calibri" panose="020F0502020204030204" pitchFamily="34" charset="0"/>
-                        <a:cs typeface="Times New Roman" panose="02020603050405020304" pitchFamily="18" charset="0"/>
-                      </a:endParaRPr>
-                    </a:p>
-                  </a:txBody>
-                  <a:tcPr marL="68580" marR="68580" marT="0" marB="0" anchor="ctr"/>
-                </a:tc>
-                <a:extLst>
-                  <a:ext uri="{0D108BD9-81ED-4DB2-BD59-A6C34878D82A}">
-                    <a16:rowId xmlns:a16="http://schemas.microsoft.com/office/drawing/2014/main" val="3193643054"/>
-                  </a:ext>
-                </a:extLst>
-              </a:tr>
-              <a:tr h="431165">
-                <a:tc vMerge="1">
-                  <a:txBody>
-                    <a:bodyPr/>
-                    <a:lstStyle/>
-                    <a:p>
-                      <a:endParaRPr lang="pt-BR"/>
-                    </a:p>
-                  </a:txBody>
-                  <a:tcPr/>
-                </a:tc>
-                <a:tc rowSpan="2">
-                  <a:txBody>
-                    <a:bodyPr/>
-                    <a:lstStyle/>
-                    <a:p>
-                      <a:pPr algn="ctr">
-                        <a:lnSpc>
-                          <a:spcPct val="107000"/>
-                        </a:lnSpc>
-                        <a:spcAft>
-                          <a:spcPts val="800"/>
-                        </a:spcAft>
-                      </a:pPr>
-                      <a:r>
-                        <a:rPr lang="pt-BR" sz="1200">
-                          <a:effectLst/>
-                        </a:rPr>
-                        <a:t>251 casos de não AVC</a:t>
-                      </a:r>
-                      <a:endParaRPr lang="pt-BR" sz="1100">
-                        <a:effectLst/>
-                        <a:latin typeface="Calibri" panose="020F0502020204030204" pitchFamily="34" charset="0"/>
-                        <a:ea typeface="Calibri" panose="020F0502020204030204" pitchFamily="34" charset="0"/>
-                        <a:cs typeface="Times New Roman" panose="02020603050405020304" pitchFamily="18" charset="0"/>
-                      </a:endParaRPr>
-                    </a:p>
-                  </a:txBody>
-                  <a:tcPr marL="68580" marR="68580" marT="0" marB="0" anchor="ctr"/>
-                </a:tc>
-                <a:tc>
-                  <a:txBody>
-                    <a:bodyPr/>
-                    <a:lstStyle/>
-                    <a:p>
-                      <a:pPr algn="ctr">
-                        <a:lnSpc>
-                          <a:spcPct val="107000"/>
-                        </a:lnSpc>
-                        <a:spcAft>
-                          <a:spcPts val="800"/>
-                        </a:spcAft>
-                      </a:pPr>
-                      <a:r>
-                        <a:rPr lang="pt-BR" sz="1200">
-                          <a:effectLst/>
-                        </a:rPr>
-                        <a:t>245 valores não nulos (98%)</a:t>
-                      </a:r>
-                      <a:endParaRPr lang="pt-BR" sz="1100">
-                        <a:effectLst/>
-                        <a:latin typeface="Calibri" panose="020F0502020204030204" pitchFamily="34" charset="0"/>
-                        <a:ea typeface="Calibri" panose="020F0502020204030204" pitchFamily="34" charset="0"/>
-                        <a:cs typeface="Times New Roman" panose="02020603050405020304" pitchFamily="18" charset="0"/>
-                      </a:endParaRPr>
-                    </a:p>
-                  </a:txBody>
-                  <a:tcPr marL="68580" marR="68580" marT="0" marB="0" anchor="ctr"/>
-                </a:tc>
-                <a:extLst>
-                  <a:ext uri="{0D108BD9-81ED-4DB2-BD59-A6C34878D82A}">
-                    <a16:rowId xmlns:a16="http://schemas.microsoft.com/office/drawing/2014/main" val="666317125"/>
-                  </a:ext>
-                </a:extLst>
-              </a:tr>
-              <a:tr h="436245">
-                <a:tc vMerge="1">
-                  <a:txBody>
-                    <a:bodyPr/>
-                    <a:lstStyle/>
-                    <a:p>
-                      <a:endParaRPr lang="pt-BR"/>
-                    </a:p>
-                  </a:txBody>
-                  <a:tcPr/>
-                </a:tc>
-                <a:tc vMerge="1">
-                  <a:txBody>
-                    <a:bodyPr/>
-                    <a:lstStyle/>
-                    <a:p>
-                      <a:endParaRPr lang="pt-BR"/>
-                    </a:p>
-                  </a:txBody>
-                  <a:tcPr/>
-                </a:tc>
-                <a:tc>
-                  <a:txBody>
-                    <a:bodyPr/>
-                    <a:lstStyle/>
-                    <a:p>
-                      <a:pPr algn="ctr">
-                        <a:lnSpc>
-                          <a:spcPct val="107000"/>
-                        </a:lnSpc>
-                        <a:spcAft>
-                          <a:spcPts val="800"/>
-                        </a:spcAft>
-                      </a:pPr>
-                      <a:r>
-                        <a:rPr lang="pt-BR" sz="1200" dirty="0">
-                          <a:effectLst/>
-                        </a:rPr>
-                        <a:t>6 valores nulos (2%)</a:t>
-                      </a:r>
-                      <a:endParaRPr lang="pt-BR" sz="1100" dirty="0">
-                        <a:effectLst/>
-                        <a:latin typeface="Calibri" panose="020F0502020204030204" pitchFamily="34" charset="0"/>
-                        <a:ea typeface="Calibri" panose="020F0502020204030204" pitchFamily="34" charset="0"/>
-                        <a:cs typeface="Times New Roman" panose="02020603050405020304" pitchFamily="18" charset="0"/>
-                      </a:endParaRPr>
-                    </a:p>
-                  </a:txBody>
-                  <a:tcPr marL="68580" marR="68580" marT="0" marB="0" anchor="ctr"/>
-                </a:tc>
-                <a:extLst>
-                  <a:ext uri="{0D108BD9-81ED-4DB2-BD59-A6C34878D82A}">
-                    <a16:rowId xmlns:a16="http://schemas.microsoft.com/office/drawing/2014/main" val="2915108915"/>
-                  </a:ext>
-                </a:extLst>
-              </a:tr>
-            </a:tbl>
-          </a:graphicData>
-        </a:graphic>
-      </p:graphicFrame>
-    </p:spTree>
-    <p:extLst>
-      <p:ext uri="{BB962C8B-B14F-4D97-AF65-F5344CB8AC3E}">
-        <p14:creationId xmlns:p14="http://schemas.microsoft.com/office/powerpoint/2010/main" val="3432276869"/>
-      </p:ext>
-    </p:extLst>
-  </p:cSld>
-  <p:clrMapOvr>
-    <a:masterClrMapping/>
-  </p:clrMapOvr>
-</p:sld>
-</file>
-
-<file path=ppt/slides/slide14.xml><?xml version="1.0" encoding="utf-8"?>
-<p:sld xmlns:a="http://schemas.openxmlformats.org/drawingml/2006/main" xmlns:r="http://schemas.openxmlformats.org/officeDocument/2006/relationships" xmlns:p="http://schemas.openxmlformats.org/presentationml/2006/main">
-  <p:cSld>
-    <p:spTree>
-      <p:nvGrpSpPr>
-        <p:cNvPr id="1" name=""/>
-        <p:cNvGrpSpPr/>
-        <p:nvPr/>
-      </p:nvGrpSpPr>
-      <p:grpSpPr>
-        <a:xfrm>
-          <a:off x="0" y="0"/>
-          <a:ext cx="0" cy="0"/>
-          <a:chOff x="0" y="0"/>
-          <a:chExt cx="0" cy="0"/>
-        </a:xfrm>
-      </p:grpSpPr>
-      <p:sp>
-        <p:nvSpPr>
-          <p:cNvPr id="2" name="Título 1">
-            <a:extLst>
-              <a:ext uri="{FF2B5EF4-FFF2-40B4-BE49-F238E27FC236}">
-                <a16:creationId xmlns:a16="http://schemas.microsoft.com/office/drawing/2014/main" id="{84149C11-9ED8-0425-6D7E-35F12A43F9AA}"/>
-              </a:ext>
-            </a:extLst>
-          </p:cNvPr>
-          <p:cNvSpPr>
-            <a:spLocks noGrp="1"/>
-          </p:cNvSpPr>
-          <p:nvPr>
-            <p:ph type="title"/>
-          </p:nvPr>
-        </p:nvSpPr>
-        <p:spPr/>
-        <p:txBody>
-          <a:bodyPr>
-            <a:normAutofit/>
-          </a:bodyPr>
-          <a:lstStyle/>
-          <a:p>
-            <a:r>
-              <a:rPr lang="pt-BR" sz="3200" dirty="0"/>
-              <a:t>Preparação dos dados – normalização</a:t>
-            </a:r>
-          </a:p>
-        </p:txBody>
-      </p:sp>
-      <p:sp>
-        <p:nvSpPr>
-          <p:cNvPr id="3" name="Espaço Reservado para Conteúdo 2">
-            <a:extLst>
-              <a:ext uri="{FF2B5EF4-FFF2-40B4-BE49-F238E27FC236}">
-                <a16:creationId xmlns:a16="http://schemas.microsoft.com/office/drawing/2014/main" id="{ED5B44EC-AFD8-9AA1-FDE4-CBCB7A90067F}"/>
-              </a:ext>
-            </a:extLst>
-          </p:cNvPr>
-          <p:cNvSpPr>
-            <a:spLocks noGrp="1"/>
-          </p:cNvSpPr>
-          <p:nvPr>
-            <p:ph idx="1"/>
-          </p:nvPr>
-        </p:nvSpPr>
-        <p:spPr/>
-        <p:txBody>
-          <a:bodyPr>
-            <a:normAutofit/>
-          </a:bodyPr>
-          <a:lstStyle/>
-          <a:p>
-            <a:endParaRPr lang="pt-BR" sz="1800" dirty="0">
-              <a:effectLst/>
-              <a:latin typeface="Times New Roman" panose="02020603050405020304" pitchFamily="18" charset="0"/>
-              <a:ea typeface="Calibri" panose="020F0502020204030204" pitchFamily="34" charset="0"/>
-            </a:endParaRPr>
-          </a:p>
-          <a:p>
-            <a:r>
-              <a:rPr lang="pt-BR" sz="1800" dirty="0">
-                <a:solidFill>
-                  <a:srgbClr val="171717"/>
-                </a:solidFill>
-                <a:effectLst/>
-                <a:latin typeface="Calibri" panose="020F0502020204030204" pitchFamily="34" charset="0"/>
-                <a:ea typeface="Calibri" panose="020F0502020204030204" pitchFamily="34" charset="0"/>
-                <a:cs typeface="Times New Roman" panose="02020603050405020304" pitchFamily="18" charset="0"/>
-              </a:rPr>
-              <a:t>Mudar os valores das colunas numéricas para usar uma escala comum sem distorcer as diferenças nos intervalos de valores</a:t>
-            </a:r>
-          </a:p>
-          <a:p>
-            <a:pPr marL="0" indent="0">
-              <a:buNone/>
-            </a:pPr>
-            <a:endParaRPr lang="pt-BR" sz="1800" dirty="0">
-              <a:solidFill>
-                <a:srgbClr val="171717"/>
-              </a:solidFill>
-              <a:effectLst/>
-              <a:latin typeface="Calibri" panose="020F0502020204030204" pitchFamily="34" charset="0"/>
-              <a:ea typeface="Calibri" panose="020F0502020204030204" pitchFamily="34" charset="0"/>
-              <a:cs typeface="Times New Roman" panose="02020603050405020304" pitchFamily="18" charset="0"/>
-            </a:endParaRPr>
-          </a:p>
-          <a:p>
-            <a:r>
-              <a:rPr lang="pt-BR" dirty="0">
-                <a:solidFill>
-                  <a:srgbClr val="171717"/>
-                </a:solidFill>
-                <a:latin typeface="Calibri" panose="020F0502020204030204" pitchFamily="34" charset="0"/>
-                <a:ea typeface="Calibri" panose="020F0502020204030204" pitchFamily="34" charset="0"/>
-                <a:cs typeface="Times New Roman" panose="02020603050405020304" pitchFamily="18" charset="0"/>
-              </a:rPr>
-              <a:t>N</a:t>
-            </a:r>
-            <a:r>
-              <a:rPr lang="pt-BR" sz="1800" dirty="0">
-                <a:solidFill>
-                  <a:srgbClr val="171717"/>
-                </a:solidFill>
-                <a:effectLst/>
-                <a:latin typeface="Calibri" panose="020F0502020204030204" pitchFamily="34" charset="0"/>
-                <a:ea typeface="Calibri" panose="020F0502020204030204" pitchFamily="34" charset="0"/>
-                <a:cs typeface="Times New Roman" panose="02020603050405020304" pitchFamily="18" charset="0"/>
-              </a:rPr>
-              <a:t>ecessária para alguns algoritmos modelarem os dados corretamente</a:t>
-            </a:r>
-          </a:p>
-          <a:p>
-            <a:pPr marL="0" indent="0">
-              <a:buNone/>
-            </a:pPr>
-            <a:endParaRPr lang="pt-BR" i="1" dirty="0">
-              <a:latin typeface="Times New Roman" panose="02020603050405020304" pitchFamily="18" charset="0"/>
-              <a:cs typeface="Times New Roman" panose="02020603050405020304" pitchFamily="18" charset="0"/>
-            </a:endParaRPr>
-          </a:p>
-          <a:p>
-            <a:r>
-              <a:rPr lang="pt-BR" dirty="0">
-                <a:latin typeface="Times New Roman" panose="02020603050405020304" pitchFamily="18" charset="0"/>
-                <a:ea typeface="Calibri" panose="020F0502020204030204" pitchFamily="34" charset="0"/>
-              </a:rPr>
-              <a:t>Normalização escolhida:</a:t>
-            </a:r>
-            <a:r>
-              <a:rPr lang="pt-BR" b="1" dirty="0">
-                <a:latin typeface="Times New Roman" panose="02020603050405020304" pitchFamily="18" charset="0"/>
-                <a:ea typeface="Calibri" panose="020F0502020204030204" pitchFamily="34" charset="0"/>
-              </a:rPr>
-              <a:t> </a:t>
-            </a:r>
-            <a:r>
-              <a:rPr lang="pt-BR" b="1" i="1" dirty="0">
-                <a:latin typeface="Times New Roman" panose="02020603050405020304" pitchFamily="18" charset="0"/>
-                <a:ea typeface="Calibri" panose="020F0502020204030204" pitchFamily="34" charset="0"/>
-              </a:rPr>
-              <a:t>min-</a:t>
-            </a:r>
-            <a:r>
-              <a:rPr lang="pt-BR" b="1" i="1" dirty="0" err="1">
-                <a:latin typeface="Times New Roman" panose="02020603050405020304" pitchFamily="18" charset="0"/>
-                <a:ea typeface="Calibri" panose="020F0502020204030204" pitchFamily="34" charset="0"/>
-              </a:rPr>
-              <a:t>max</a:t>
-            </a:r>
-            <a:endParaRPr lang="pt-BR" b="1" i="1" dirty="0">
-              <a:latin typeface="Times New Roman" panose="02020603050405020304" pitchFamily="18" charset="0"/>
-              <a:cs typeface="Times New Roman" panose="02020603050405020304" pitchFamily="18" charset="0"/>
-            </a:endParaRPr>
-          </a:p>
-          <a:p>
-            <a:pPr lvl="1"/>
-            <a:r>
-              <a:rPr lang="pt-BR" dirty="0">
-                <a:latin typeface="Times New Roman" panose="02020603050405020304" pitchFamily="18" charset="0"/>
-                <a:cs typeface="Times New Roman" panose="02020603050405020304" pitchFamily="18" charset="0"/>
-              </a:rPr>
-              <a:t>redimensiona para o intervalo [0,1] ou [-1, 1]</a:t>
-            </a:r>
-          </a:p>
-          <a:p>
-            <a:pPr lvl="1"/>
-            <a:r>
-              <a:rPr lang="pt-BR" dirty="0">
-                <a:solidFill>
-                  <a:schemeClr val="tx1"/>
-                </a:solidFill>
-                <a:latin typeface="Times New Roman" panose="02020603050405020304" pitchFamily="18" charset="0"/>
-                <a:ea typeface="Calibri" panose="020F0502020204030204" pitchFamily="34" charset="0"/>
-                <a:cs typeface="Times New Roman" panose="02020603050405020304" pitchFamily="18" charset="0"/>
-              </a:rPr>
-              <a:t>lida melhor com dados de distribuição não normal</a:t>
-            </a:r>
-          </a:p>
-        </p:txBody>
-      </p:sp>
-    </p:spTree>
-    <p:extLst>
-      <p:ext uri="{BB962C8B-B14F-4D97-AF65-F5344CB8AC3E}">
-        <p14:creationId xmlns:p14="http://schemas.microsoft.com/office/powerpoint/2010/main" val="472207730"/>
-      </p:ext>
-    </p:extLst>
-  </p:cSld>
-  <p:clrMapOvr>
-    <a:masterClrMapping/>
-  </p:clrMapOvr>
-</p:sld>
-</file>
-
-<file path=ppt/slides/slide15.xml><?xml version="1.0" encoding="utf-8"?>
-<p:sld xmlns:a="http://schemas.openxmlformats.org/drawingml/2006/main" xmlns:r="http://schemas.openxmlformats.org/officeDocument/2006/relationships" xmlns:p="http://schemas.openxmlformats.org/presentationml/2006/main">
-  <p:cSld>
-    <p:spTree>
-      <p:nvGrpSpPr>
-        <p:cNvPr id="1" name=""/>
-        <p:cNvGrpSpPr/>
-        <p:nvPr/>
-      </p:nvGrpSpPr>
-      <p:grpSpPr>
-        <a:xfrm>
-          <a:off x="0" y="0"/>
-          <a:ext cx="0" cy="0"/>
-          <a:chOff x="0" y="0"/>
-          <a:chExt cx="0" cy="0"/>
-        </a:xfrm>
-      </p:grpSpPr>
-      <p:sp>
-        <p:nvSpPr>
-          <p:cNvPr id="2" name="Título 1">
-            <a:extLst>
-              <a:ext uri="{FF2B5EF4-FFF2-40B4-BE49-F238E27FC236}">
-                <a16:creationId xmlns:a16="http://schemas.microsoft.com/office/drawing/2014/main" id="{E044AE5F-6C45-37FC-9916-D3C19DF8BF90}"/>
-              </a:ext>
-            </a:extLst>
-          </p:cNvPr>
-          <p:cNvSpPr>
-            <a:spLocks noGrp="1"/>
-          </p:cNvSpPr>
-          <p:nvPr>
-            <p:ph type="title"/>
-          </p:nvPr>
-        </p:nvSpPr>
-        <p:spPr>
-          <a:xfrm>
-            <a:off x="1386840" y="0"/>
-            <a:ext cx="9418320" cy="4041648"/>
-          </a:xfrm>
-        </p:spPr>
-        <p:txBody>
-          <a:bodyPr>
-            <a:normAutofit/>
-          </a:bodyPr>
-          <a:lstStyle/>
-          <a:p>
-            <a:r>
-              <a:rPr lang="pt-BR" sz="4400" dirty="0"/>
-              <a:t>Modelagem</a:t>
-            </a:r>
-          </a:p>
-        </p:txBody>
-      </p:sp>
-    </p:spTree>
-    <p:extLst>
-      <p:ext uri="{BB962C8B-B14F-4D97-AF65-F5344CB8AC3E}">
-        <p14:creationId xmlns:p14="http://schemas.microsoft.com/office/powerpoint/2010/main" val="1033565583"/>
-      </p:ext>
-    </p:extLst>
-  </p:cSld>
-  <p:clrMapOvr>
-    <a:masterClrMapping/>
-  </p:clrMapOvr>
-</p:sld>
-</file>
-
-<file path=ppt/slides/slide16.xml><?xml version="1.0" encoding="utf-8"?>
-<p:sld xmlns:a="http://schemas.openxmlformats.org/drawingml/2006/main" xmlns:r="http://schemas.openxmlformats.org/officeDocument/2006/relationships" xmlns:p="http://schemas.openxmlformats.org/presentationml/2006/main">
-  <p:cSld>
-    <p:spTree>
-      <p:nvGrpSpPr>
-        <p:cNvPr id="1" name=""/>
-        <p:cNvGrpSpPr/>
-        <p:nvPr/>
-      </p:nvGrpSpPr>
-      <p:grpSpPr>
-        <a:xfrm>
-          <a:off x="0" y="0"/>
-          <a:ext cx="0" cy="0"/>
-          <a:chOff x="0" y="0"/>
-          <a:chExt cx="0" cy="0"/>
-        </a:xfrm>
-      </p:grpSpPr>
-      <p:sp>
-        <p:nvSpPr>
-          <p:cNvPr id="2" name="Título 1">
-            <a:extLst>
-              <a:ext uri="{FF2B5EF4-FFF2-40B4-BE49-F238E27FC236}">
-                <a16:creationId xmlns:a16="http://schemas.microsoft.com/office/drawing/2014/main" id="{84149C11-9ED8-0425-6D7E-35F12A43F9AA}"/>
-              </a:ext>
-            </a:extLst>
-          </p:cNvPr>
-          <p:cNvSpPr>
-            <a:spLocks noGrp="1"/>
-          </p:cNvSpPr>
-          <p:nvPr>
-            <p:ph type="title"/>
-          </p:nvPr>
-        </p:nvSpPr>
-        <p:spPr/>
-        <p:txBody>
-          <a:bodyPr>
-            <a:normAutofit/>
-          </a:bodyPr>
-          <a:lstStyle/>
-          <a:p>
-            <a:r>
-              <a:rPr lang="pt-BR" sz="3200" dirty="0"/>
-              <a:t>Modelagem – algoritmos utilizados</a:t>
-            </a:r>
-          </a:p>
-        </p:txBody>
-      </p:sp>
-      <p:sp>
-        <p:nvSpPr>
-          <p:cNvPr id="3" name="Espaço Reservado para Conteúdo 2">
-            <a:extLst>
-              <a:ext uri="{FF2B5EF4-FFF2-40B4-BE49-F238E27FC236}">
-                <a16:creationId xmlns:a16="http://schemas.microsoft.com/office/drawing/2014/main" id="{ED5B44EC-AFD8-9AA1-FDE4-CBCB7A90067F}"/>
-              </a:ext>
-            </a:extLst>
-          </p:cNvPr>
-          <p:cNvSpPr>
-            <a:spLocks noGrp="1"/>
-          </p:cNvSpPr>
-          <p:nvPr>
-            <p:ph idx="1"/>
-          </p:nvPr>
-        </p:nvSpPr>
-        <p:spPr/>
-        <p:txBody>
-          <a:bodyPr>
-            <a:normAutofit/>
-          </a:bodyPr>
-          <a:lstStyle/>
-          <a:p>
-            <a:pPr marL="0" indent="0">
-              <a:buNone/>
-            </a:pPr>
-            <a:endParaRPr lang="pt-BR" sz="1800" dirty="0">
-              <a:effectLst/>
-              <a:latin typeface="Times New Roman" panose="02020603050405020304" pitchFamily="18" charset="0"/>
-              <a:ea typeface="Calibri" panose="020F0502020204030204" pitchFamily="34" charset="0"/>
-            </a:endParaRPr>
-          </a:p>
-          <a:p>
-            <a:r>
-              <a:rPr lang="pt-BR" dirty="0">
-                <a:latin typeface="Times New Roman" panose="02020603050405020304" pitchFamily="18" charset="0"/>
-                <a:ea typeface="Calibri" panose="020F0502020204030204" pitchFamily="34" charset="0"/>
-                <a:cs typeface="Times New Roman" panose="02020603050405020304" pitchFamily="18" charset="0"/>
-              </a:rPr>
-              <a:t>Algoritmos de aprendizado supervisionado:</a:t>
-            </a:r>
-          </a:p>
-          <a:p>
-            <a:pPr lvl="1"/>
-            <a:r>
-              <a:rPr lang="pt-BR" dirty="0">
-                <a:latin typeface="Times New Roman" panose="02020603050405020304" pitchFamily="18" charset="0"/>
-                <a:ea typeface="Calibri" panose="020F0502020204030204" pitchFamily="34" charset="0"/>
-                <a:cs typeface="Times New Roman" panose="02020603050405020304" pitchFamily="18" charset="0"/>
-              </a:rPr>
-              <a:t>Máquina de vetor de suporte (SVM)</a:t>
-            </a:r>
-          </a:p>
-          <a:p>
-            <a:pPr lvl="1"/>
-            <a:r>
-              <a:rPr lang="pt-BR" dirty="0">
-                <a:latin typeface="Times New Roman" panose="02020603050405020304" pitchFamily="18" charset="0"/>
-                <a:ea typeface="Calibri" panose="020F0502020204030204" pitchFamily="34" charset="0"/>
-                <a:cs typeface="Times New Roman" panose="02020603050405020304" pitchFamily="18" charset="0"/>
-              </a:rPr>
-              <a:t>Floresta aleatória</a:t>
-            </a:r>
-          </a:p>
-          <a:p>
-            <a:pPr marL="274320" lvl="1" indent="0">
-              <a:buNone/>
-            </a:pPr>
-            <a:endParaRPr lang="pt-BR" dirty="0">
-              <a:latin typeface="Times New Roman" panose="02020603050405020304" pitchFamily="18" charset="0"/>
-              <a:ea typeface="Calibri" panose="020F0502020204030204" pitchFamily="34" charset="0"/>
-              <a:cs typeface="Times New Roman" panose="02020603050405020304" pitchFamily="18" charset="0"/>
-            </a:endParaRPr>
-          </a:p>
-          <a:p>
-            <a:r>
-              <a:rPr lang="pt-BR" dirty="0">
-                <a:solidFill>
-                  <a:schemeClr val="tx1"/>
-                </a:solidFill>
-                <a:latin typeface="Times New Roman" panose="02020603050405020304" pitchFamily="18" charset="0"/>
-                <a:ea typeface="Calibri" panose="020F0502020204030204" pitchFamily="34" charset="0"/>
-                <a:cs typeface="Times New Roman" panose="02020603050405020304" pitchFamily="18" charset="0"/>
-              </a:rPr>
-              <a:t>Treinamentos feitos para cada um desses dois com intuito de se escolher o que melhor soluciona o problema</a:t>
-            </a:r>
-          </a:p>
-        </p:txBody>
-      </p:sp>
-    </p:spTree>
-    <p:extLst>
-      <p:ext uri="{BB962C8B-B14F-4D97-AF65-F5344CB8AC3E}">
-        <p14:creationId xmlns:p14="http://schemas.microsoft.com/office/powerpoint/2010/main" val="3233702223"/>
-      </p:ext>
-    </p:extLst>
-  </p:cSld>
-  <p:clrMapOvr>
-    <a:masterClrMapping/>
-  </p:clrMapOvr>
-</p:sld>
-</file>
-
-<file path=ppt/slides/slide17.xml><?xml version="1.0" encoding="utf-8"?>
-<p:sld xmlns:a="http://schemas.openxmlformats.org/drawingml/2006/main" xmlns:r="http://schemas.openxmlformats.org/officeDocument/2006/relationships" xmlns:p="http://schemas.openxmlformats.org/presentationml/2006/main">
-  <p:cSld>
-    <p:spTree>
-      <p:nvGrpSpPr>
-        <p:cNvPr id="1" name=""/>
-        <p:cNvGrpSpPr/>
-        <p:nvPr/>
-      </p:nvGrpSpPr>
-      <p:grpSpPr>
-        <a:xfrm>
-          <a:off x="0" y="0"/>
-          <a:ext cx="0" cy="0"/>
-          <a:chOff x="0" y="0"/>
-          <a:chExt cx="0" cy="0"/>
-        </a:xfrm>
-      </p:grpSpPr>
-      <p:sp>
-        <p:nvSpPr>
-          <p:cNvPr id="2" name="Título 1">
-            <a:extLst>
-              <a:ext uri="{FF2B5EF4-FFF2-40B4-BE49-F238E27FC236}">
-                <a16:creationId xmlns:a16="http://schemas.microsoft.com/office/drawing/2014/main" id="{84149C11-9ED8-0425-6D7E-35F12A43F9AA}"/>
-              </a:ext>
-            </a:extLst>
-          </p:cNvPr>
-          <p:cNvSpPr>
-            <a:spLocks noGrp="1"/>
-          </p:cNvSpPr>
-          <p:nvPr>
-            <p:ph type="title"/>
-          </p:nvPr>
-        </p:nvSpPr>
-        <p:spPr/>
-        <p:txBody>
-          <a:bodyPr>
-            <a:normAutofit/>
-          </a:bodyPr>
-          <a:lstStyle/>
-          <a:p>
-            <a:r>
-              <a:rPr lang="pt-BR" sz="3200" dirty="0"/>
-              <a:t>Modelagem – conjunto para treino e para teste</a:t>
-            </a:r>
-          </a:p>
-        </p:txBody>
-      </p:sp>
-      <p:sp>
-        <p:nvSpPr>
-          <p:cNvPr id="3" name="Espaço Reservado para Conteúdo 2">
-            <a:extLst>
-              <a:ext uri="{FF2B5EF4-FFF2-40B4-BE49-F238E27FC236}">
-                <a16:creationId xmlns:a16="http://schemas.microsoft.com/office/drawing/2014/main" id="{ED5B44EC-AFD8-9AA1-FDE4-CBCB7A90067F}"/>
-              </a:ext>
-            </a:extLst>
-          </p:cNvPr>
-          <p:cNvSpPr>
-            <a:spLocks noGrp="1"/>
-          </p:cNvSpPr>
-          <p:nvPr>
-            <p:ph idx="1"/>
-          </p:nvPr>
-        </p:nvSpPr>
-        <p:spPr/>
-        <p:txBody>
-          <a:bodyPr>
-            <a:normAutofit/>
-          </a:bodyPr>
-          <a:lstStyle/>
-          <a:p>
-            <a:endParaRPr lang="pt-BR" sz="1800" dirty="0">
-              <a:effectLst/>
-              <a:latin typeface="Times New Roman" panose="02020603050405020304" pitchFamily="18" charset="0"/>
-              <a:ea typeface="Calibri" panose="020F0502020204030204" pitchFamily="34" charset="0"/>
-            </a:endParaRPr>
-          </a:p>
-          <a:p>
-            <a:r>
-              <a:rPr lang="pt-BR" dirty="0">
-                <a:latin typeface="Times New Roman" panose="02020603050405020304" pitchFamily="18" charset="0"/>
-                <a:ea typeface="Calibri" panose="020F0502020204030204" pitchFamily="34" charset="0"/>
-                <a:cs typeface="Times New Roman" panose="02020603050405020304" pitchFamily="18" charset="0"/>
-              </a:rPr>
-              <a:t>Validação cruzada com </a:t>
-            </a:r>
-            <a:r>
-              <a:rPr lang="pt-BR" b="1" dirty="0">
-                <a:latin typeface="Times New Roman" panose="02020603050405020304" pitchFamily="18" charset="0"/>
-                <a:ea typeface="Calibri" panose="020F0502020204030204" pitchFamily="34" charset="0"/>
-                <a:cs typeface="Times New Roman" panose="02020603050405020304" pitchFamily="18" charset="0"/>
-              </a:rPr>
-              <a:t>cinco</a:t>
-            </a:r>
-            <a:r>
-              <a:rPr lang="pt-BR" dirty="0">
-                <a:latin typeface="Times New Roman" panose="02020603050405020304" pitchFamily="18" charset="0"/>
-                <a:ea typeface="Calibri" panose="020F0502020204030204" pitchFamily="34" charset="0"/>
-                <a:cs typeface="Times New Roman" panose="02020603050405020304" pitchFamily="18" charset="0"/>
-              </a:rPr>
-              <a:t> dobras diferentes:</a:t>
-            </a:r>
-          </a:p>
-          <a:p>
-            <a:pPr lvl="1"/>
-            <a:r>
-              <a:rPr lang="pt-BR" dirty="0">
-                <a:solidFill>
-                  <a:schemeClr val="tx1"/>
-                </a:solidFill>
-                <a:latin typeface="Times New Roman" panose="02020603050405020304" pitchFamily="18" charset="0"/>
-                <a:ea typeface="Calibri" panose="020F0502020204030204" pitchFamily="34" charset="0"/>
-                <a:cs typeface="Times New Roman" panose="02020603050405020304" pitchFamily="18" charset="0"/>
-              </a:rPr>
-              <a:t>500 elementos totais → 100 elementos por dobra (escolhidos aleatoriamente)</a:t>
-            </a:r>
-          </a:p>
-          <a:p>
-            <a:pPr lvl="1"/>
-            <a:endParaRPr lang="pt-BR" dirty="0">
-              <a:solidFill>
-                <a:schemeClr val="tx1"/>
-              </a:solidFill>
-              <a:latin typeface="Times New Roman" panose="02020603050405020304" pitchFamily="18" charset="0"/>
-              <a:ea typeface="Calibri" panose="020F0502020204030204" pitchFamily="34" charset="0"/>
-              <a:cs typeface="Times New Roman" panose="02020603050405020304" pitchFamily="18" charset="0"/>
-            </a:endParaRPr>
-          </a:p>
-          <a:p>
-            <a:r>
-              <a:rPr lang="pt-BR" dirty="0">
-                <a:solidFill>
-                  <a:schemeClr val="tx1"/>
-                </a:solidFill>
-                <a:latin typeface="Times New Roman" panose="02020603050405020304" pitchFamily="18" charset="0"/>
-                <a:ea typeface="Calibri" panose="020F0502020204030204" pitchFamily="34" charset="0"/>
-                <a:cs typeface="Times New Roman" panose="02020603050405020304" pitchFamily="18" charset="0"/>
-              </a:rPr>
-              <a:t>Uma dobra para teste e as demais para treino </a:t>
-            </a:r>
-          </a:p>
-          <a:p>
-            <a:pPr lvl="1"/>
-            <a:r>
-              <a:rPr lang="pt-BR" dirty="0">
-                <a:solidFill>
-                  <a:schemeClr val="tx1"/>
-                </a:solidFill>
-                <a:latin typeface="Times New Roman" panose="02020603050405020304" pitchFamily="18" charset="0"/>
-                <a:ea typeface="Calibri" panose="020F0502020204030204" pitchFamily="34" charset="0"/>
-                <a:cs typeface="Times New Roman" panose="02020603050405020304" pitchFamily="18" charset="0"/>
-              </a:rPr>
-              <a:t>100 elementos para teste (20% dos dados totais)</a:t>
-            </a:r>
-          </a:p>
-          <a:p>
-            <a:pPr lvl="1"/>
-            <a:r>
-              <a:rPr lang="pt-BR" dirty="0">
-                <a:solidFill>
-                  <a:schemeClr val="tx1"/>
-                </a:solidFill>
-                <a:latin typeface="Times New Roman" panose="02020603050405020304" pitchFamily="18" charset="0"/>
-                <a:ea typeface="Calibri" panose="020F0502020204030204" pitchFamily="34" charset="0"/>
-                <a:cs typeface="Times New Roman" panose="02020603050405020304" pitchFamily="18" charset="0"/>
-              </a:rPr>
-              <a:t>400 elementos para treino (80% dos dados totais)</a:t>
-            </a:r>
-          </a:p>
-          <a:p>
-            <a:pPr lvl="1"/>
-            <a:endParaRPr lang="pt-BR" dirty="0">
-              <a:solidFill>
-                <a:schemeClr val="tx1"/>
-              </a:solidFill>
-              <a:latin typeface="Times New Roman" panose="02020603050405020304" pitchFamily="18" charset="0"/>
-              <a:ea typeface="Calibri" panose="020F0502020204030204" pitchFamily="34" charset="0"/>
-              <a:cs typeface="Times New Roman" panose="02020603050405020304" pitchFamily="18" charset="0"/>
-            </a:endParaRPr>
-          </a:p>
-          <a:p>
-            <a:r>
-              <a:rPr lang="pt-BR" dirty="0">
-                <a:solidFill>
-                  <a:schemeClr val="tx1"/>
-                </a:solidFill>
-                <a:latin typeface="Times New Roman" panose="02020603050405020304" pitchFamily="18" charset="0"/>
-                <a:ea typeface="Calibri" panose="020F0502020204030204" pitchFamily="34" charset="0"/>
-                <a:cs typeface="Times New Roman" panose="02020603050405020304" pitchFamily="18" charset="0"/>
-              </a:rPr>
-              <a:t>Cinco possibilidades de treinamentos e testagens diferentes</a:t>
-            </a:r>
-            <a:endParaRPr lang="pt-BR" dirty="0">
-              <a:latin typeface="Times New Roman" panose="02020603050405020304" pitchFamily="18" charset="0"/>
-              <a:ea typeface="Calibri" panose="020F0502020204030204" pitchFamily="34" charset="0"/>
-              <a:cs typeface="Times New Roman" panose="02020603050405020304" pitchFamily="18" charset="0"/>
-            </a:endParaRPr>
-          </a:p>
-          <a:p>
-            <a:endParaRPr lang="pt-BR" dirty="0">
-              <a:solidFill>
-                <a:schemeClr val="tx1"/>
-              </a:solidFill>
-              <a:latin typeface="Times New Roman" panose="02020603050405020304" pitchFamily="18" charset="0"/>
-              <a:ea typeface="Calibri" panose="020F0502020204030204" pitchFamily="34" charset="0"/>
-              <a:cs typeface="Times New Roman" panose="02020603050405020304" pitchFamily="18" charset="0"/>
-            </a:endParaRPr>
-          </a:p>
-        </p:txBody>
-      </p:sp>
-    </p:spTree>
-    <p:extLst>
-      <p:ext uri="{BB962C8B-B14F-4D97-AF65-F5344CB8AC3E}">
-        <p14:creationId xmlns:p14="http://schemas.microsoft.com/office/powerpoint/2010/main" val="2415063985"/>
-      </p:ext>
-    </p:extLst>
-  </p:cSld>
-  <p:clrMapOvr>
-    <a:masterClrMapping/>
-  </p:clrMapOvr>
-</p:sld>
-</file>
-
-<file path=ppt/slides/slide18.xml><?xml version="1.0" encoding="utf-8"?>
-<p:sld xmlns:a="http://schemas.openxmlformats.org/drawingml/2006/main" xmlns:r="http://schemas.openxmlformats.org/officeDocument/2006/relationships" xmlns:p="http://schemas.openxmlformats.org/presentationml/2006/main">
-  <p:cSld>
-    <p:spTree>
-      <p:nvGrpSpPr>
-        <p:cNvPr id="1" name=""/>
-        <p:cNvGrpSpPr/>
-        <p:nvPr/>
-      </p:nvGrpSpPr>
-      <p:grpSpPr>
-        <a:xfrm>
-          <a:off x="0" y="0"/>
-          <a:ext cx="0" cy="0"/>
-          <a:chOff x="0" y="0"/>
-          <a:chExt cx="0" cy="0"/>
-        </a:xfrm>
-      </p:grpSpPr>
-      <p:sp>
-        <p:nvSpPr>
-          <p:cNvPr id="2" name="Título 1">
-            <a:extLst>
-              <a:ext uri="{FF2B5EF4-FFF2-40B4-BE49-F238E27FC236}">
-                <a16:creationId xmlns:a16="http://schemas.microsoft.com/office/drawing/2014/main" id="{84149C11-9ED8-0425-6D7E-35F12A43F9AA}"/>
-              </a:ext>
-            </a:extLst>
-          </p:cNvPr>
-          <p:cNvSpPr>
-            <a:spLocks noGrp="1"/>
-          </p:cNvSpPr>
-          <p:nvPr>
-            <p:ph type="title"/>
-          </p:nvPr>
-        </p:nvSpPr>
-        <p:spPr/>
-        <p:txBody>
-          <a:bodyPr>
-            <a:normAutofit/>
-          </a:bodyPr>
-          <a:lstStyle/>
-          <a:p>
-            <a:r>
-              <a:rPr lang="pt-BR" sz="3200" dirty="0"/>
-              <a:t>Modelagem – separação treino e teste</a:t>
-            </a:r>
-          </a:p>
-        </p:txBody>
-      </p:sp>
-      <p:sp>
-        <p:nvSpPr>
-          <p:cNvPr id="3" name="Espaço Reservado para Conteúdo 2">
-            <a:extLst>
-              <a:ext uri="{FF2B5EF4-FFF2-40B4-BE49-F238E27FC236}">
-                <a16:creationId xmlns:a16="http://schemas.microsoft.com/office/drawing/2014/main" id="{ED5B44EC-AFD8-9AA1-FDE4-CBCB7A90067F}"/>
-              </a:ext>
-            </a:extLst>
-          </p:cNvPr>
-          <p:cNvSpPr>
-            <a:spLocks noGrp="1"/>
-          </p:cNvSpPr>
-          <p:nvPr>
-            <p:ph idx="1"/>
-          </p:nvPr>
-        </p:nvSpPr>
-        <p:spPr/>
-        <p:txBody>
-          <a:bodyPr>
-            <a:normAutofit/>
-          </a:bodyPr>
-          <a:lstStyle/>
-          <a:p>
-            <a:endParaRPr lang="pt-BR" sz="1800" dirty="0">
-              <a:effectLst/>
-              <a:latin typeface="Times New Roman" panose="02020603050405020304" pitchFamily="18" charset="0"/>
-              <a:ea typeface="Calibri" panose="020F0502020204030204" pitchFamily="34" charset="0"/>
-            </a:endParaRPr>
-          </a:p>
-          <a:p>
-            <a:r>
-              <a:rPr lang="pt-BR" dirty="0">
-                <a:latin typeface="Times New Roman" panose="02020603050405020304" pitchFamily="18" charset="0"/>
-                <a:ea typeface="Calibri" panose="020F0502020204030204" pitchFamily="34" charset="0"/>
-                <a:cs typeface="Times New Roman" panose="02020603050405020304" pitchFamily="18" charset="0"/>
-              </a:rPr>
-              <a:t>Exemplo de validação cruzada com </a:t>
-            </a:r>
-            <a:r>
-              <a:rPr lang="pt-BR" b="1" dirty="0">
-                <a:latin typeface="Times New Roman" panose="02020603050405020304" pitchFamily="18" charset="0"/>
-                <a:ea typeface="Calibri" panose="020F0502020204030204" pitchFamily="34" charset="0"/>
-                <a:cs typeface="Times New Roman" panose="02020603050405020304" pitchFamily="18" charset="0"/>
-              </a:rPr>
-              <a:t>quatro dobras</a:t>
-            </a:r>
-            <a:r>
-              <a:rPr lang="pt-BR" dirty="0">
-                <a:latin typeface="Times New Roman" panose="02020603050405020304" pitchFamily="18" charset="0"/>
-                <a:ea typeface="Calibri" panose="020F0502020204030204" pitchFamily="34" charset="0"/>
-                <a:cs typeface="Times New Roman" panose="02020603050405020304" pitchFamily="18" charset="0"/>
-              </a:rPr>
-              <a:t>:</a:t>
-            </a:r>
-          </a:p>
-          <a:p>
-            <a:pPr marL="0" indent="0">
-              <a:buNone/>
-            </a:pPr>
-            <a:endParaRPr lang="pt-BR" dirty="0">
-              <a:solidFill>
-                <a:schemeClr val="tx1"/>
-              </a:solidFill>
-              <a:latin typeface="Times New Roman" panose="02020603050405020304" pitchFamily="18" charset="0"/>
-              <a:ea typeface="Calibri" panose="020F0502020204030204" pitchFamily="34" charset="0"/>
-              <a:cs typeface="Times New Roman" panose="02020603050405020304" pitchFamily="18" charset="0"/>
-            </a:endParaRPr>
-          </a:p>
-        </p:txBody>
-      </p:sp>
-      <p:pic>
-        <p:nvPicPr>
-          <p:cNvPr id="4" name="Imagem 3">
-            <a:extLst>
-              <a:ext uri="{FF2B5EF4-FFF2-40B4-BE49-F238E27FC236}">
-                <a16:creationId xmlns:a16="http://schemas.microsoft.com/office/drawing/2014/main" id="{E305E68E-E26B-6E3F-30FF-D19D9D35DC21}"/>
-              </a:ext>
-            </a:extLst>
-          </p:cNvPr>
-          <p:cNvPicPr>
-            <a:picLocks noChangeAspect="1"/>
-          </p:cNvPicPr>
-          <p:nvPr/>
-        </p:nvPicPr>
-        <p:blipFill>
-          <a:blip r:embed="rId2">
-            <a:extLst>
-              <a:ext uri="{28A0092B-C50C-407E-A947-70E740481C1C}">
-                <a14:useLocalDpi xmlns:a14="http://schemas.microsoft.com/office/drawing/2010/main" val="0"/>
-              </a:ext>
-            </a:extLst>
-          </a:blip>
-          <a:srcRect/>
-          <a:stretch>
-            <a:fillRect/>
-          </a:stretch>
-        </p:blipFill>
-        <p:spPr bwMode="auto">
-          <a:xfrm>
-            <a:off x="1972818" y="3073399"/>
-            <a:ext cx="7383442" cy="1862138"/>
-          </a:xfrm>
-          <a:prstGeom prst="rect">
-            <a:avLst/>
-          </a:prstGeom>
-          <a:noFill/>
-          <a:ln>
-            <a:noFill/>
-          </a:ln>
-        </p:spPr>
-      </p:pic>
-      <p:sp>
-        <p:nvSpPr>
-          <p:cNvPr id="6" name="CaixaDeTexto 5">
-            <a:extLst>
-              <a:ext uri="{FF2B5EF4-FFF2-40B4-BE49-F238E27FC236}">
-                <a16:creationId xmlns:a16="http://schemas.microsoft.com/office/drawing/2014/main" id="{DD1A9761-6541-A42C-83BE-66BBE2AB89FD}"/>
-              </a:ext>
-            </a:extLst>
-          </p:cNvPr>
-          <p:cNvSpPr txBox="1"/>
-          <p:nvPr/>
-        </p:nvSpPr>
-        <p:spPr>
-          <a:xfrm>
-            <a:off x="2334768" y="5021580"/>
-            <a:ext cx="6652783" cy="276999"/>
-          </a:xfrm>
-          <a:prstGeom prst="rect">
-            <a:avLst/>
-          </a:prstGeom>
-          <a:noFill/>
-        </p:spPr>
-        <p:txBody>
-          <a:bodyPr wrap="none" rtlCol="0">
-            <a:spAutoFit/>
-          </a:bodyPr>
-          <a:lstStyle/>
-          <a:p>
-            <a:r>
-              <a:rPr lang="pt-BR" sz="1200" dirty="0"/>
-              <a:t>Fonte: https://docs.aws.amazon.com/pt_br/machine-learning/latest/dg/cross-validation.html</a:t>
-            </a:r>
-          </a:p>
-        </p:txBody>
-      </p:sp>
-    </p:spTree>
-    <p:extLst>
-      <p:ext uri="{BB962C8B-B14F-4D97-AF65-F5344CB8AC3E}">
-        <p14:creationId xmlns:p14="http://schemas.microsoft.com/office/powerpoint/2010/main" val="449490633"/>
-      </p:ext>
-    </p:extLst>
-  </p:cSld>
-  <p:clrMapOvr>
-    <a:masterClrMapping/>
-  </p:clrMapOvr>
-</p:sld>
-</file>
-
-<file path=ppt/slides/slide19.xml><?xml version="1.0" encoding="utf-8"?>
-<p:sld xmlns:a="http://schemas.openxmlformats.org/drawingml/2006/main" xmlns:r="http://schemas.openxmlformats.org/officeDocument/2006/relationships" xmlns:p="http://schemas.openxmlformats.org/presentationml/2006/main">
-  <p:cSld>
-    <p:spTree>
-      <p:nvGrpSpPr>
-        <p:cNvPr id="1" name=""/>
-        <p:cNvGrpSpPr/>
-        <p:nvPr/>
-      </p:nvGrpSpPr>
-      <p:grpSpPr>
-        <a:xfrm>
-          <a:off x="0" y="0"/>
-          <a:ext cx="0" cy="0"/>
-          <a:chOff x="0" y="0"/>
-          <a:chExt cx="0" cy="0"/>
-        </a:xfrm>
-      </p:grpSpPr>
-      <p:sp>
-        <p:nvSpPr>
-          <p:cNvPr id="2" name="Título 1">
-            <a:extLst>
-              <a:ext uri="{FF2B5EF4-FFF2-40B4-BE49-F238E27FC236}">
-                <a16:creationId xmlns:a16="http://schemas.microsoft.com/office/drawing/2014/main" id="{E044AE5F-6C45-37FC-9916-D3C19DF8BF90}"/>
-              </a:ext>
-            </a:extLst>
-          </p:cNvPr>
-          <p:cNvSpPr>
-            <a:spLocks noGrp="1"/>
-          </p:cNvSpPr>
-          <p:nvPr>
-            <p:ph type="title"/>
-          </p:nvPr>
-        </p:nvSpPr>
-        <p:spPr>
-          <a:xfrm>
-            <a:off x="1386840" y="0"/>
-            <a:ext cx="9418320" cy="4041648"/>
-          </a:xfrm>
-        </p:spPr>
-        <p:txBody>
-          <a:bodyPr>
-            <a:normAutofit/>
-          </a:bodyPr>
-          <a:lstStyle/>
-          <a:p>
-            <a:r>
-              <a:rPr lang="pt-BR" sz="4400" dirty="0"/>
-              <a:t>Avaliação dos resultados</a:t>
-            </a:r>
-          </a:p>
-        </p:txBody>
-      </p:sp>
-    </p:spTree>
-    <p:extLst>
-      <p:ext uri="{BB962C8B-B14F-4D97-AF65-F5344CB8AC3E}">
-        <p14:creationId xmlns:p14="http://schemas.microsoft.com/office/powerpoint/2010/main" val="3761241485"/>
-      </p:ext>
-    </p:extLst>
-  </p:cSld>
-  <p:clrMapOvr>
-    <a:masterClrMapping/>
-  </p:clrMapOvr>
-</p:sld>
-</file>
-
-<file path=ppt/slides/slide2.xml><?xml version="1.0" encoding="utf-8"?>
-<p:sld xmlns:a="http://schemas.openxmlformats.org/drawingml/2006/main" xmlns:r="http://schemas.openxmlformats.org/officeDocument/2006/relationships" xmlns:p="http://schemas.openxmlformats.org/presentationml/2006/main">
-  <p:cSld>
-    <p:spTree>
-      <p:nvGrpSpPr>
-        <p:cNvPr id="1" name=""/>
-        <p:cNvGrpSpPr/>
-        <p:nvPr/>
-      </p:nvGrpSpPr>
-      <p:grpSpPr>
-        <a:xfrm>
-          <a:off x="0" y="0"/>
-          <a:ext cx="0" cy="0"/>
-          <a:chOff x="0" y="0"/>
-          <a:chExt cx="0" cy="0"/>
-        </a:xfrm>
-      </p:grpSpPr>
-      <p:sp>
-        <p:nvSpPr>
-          <p:cNvPr id="2" name="Título 1">
-            <a:extLst>
-              <a:ext uri="{FF2B5EF4-FFF2-40B4-BE49-F238E27FC236}">
-                <a16:creationId xmlns:a16="http://schemas.microsoft.com/office/drawing/2014/main" id="{53E34F15-1401-6555-7E0C-0775BD73A80D}"/>
-              </a:ext>
-            </a:extLst>
-          </p:cNvPr>
-          <p:cNvSpPr>
-            <a:spLocks noGrp="1"/>
-          </p:cNvSpPr>
-          <p:nvPr>
-            <p:ph type="title"/>
-          </p:nvPr>
-        </p:nvSpPr>
-        <p:spPr/>
-        <p:txBody>
-          <a:bodyPr/>
-          <a:lstStyle/>
-          <a:p>
-            <a:r>
-              <a:rPr lang="pt-BR" sz="3600" dirty="0"/>
-              <a:t>Base de dados para criação do classificador</a:t>
-            </a:r>
-            <a:endParaRPr lang="pt-BR" dirty="0"/>
-          </a:p>
-        </p:txBody>
-      </p:sp>
-      <p:sp>
-        <p:nvSpPr>
-          <p:cNvPr id="3" name="Espaço Reservado para Conteúdo 2">
-            <a:extLst>
-              <a:ext uri="{FF2B5EF4-FFF2-40B4-BE49-F238E27FC236}">
-                <a16:creationId xmlns:a16="http://schemas.microsoft.com/office/drawing/2014/main" id="{3954702C-87FE-AE79-69A5-4DEF476A7AED}"/>
-              </a:ext>
-            </a:extLst>
-          </p:cNvPr>
-          <p:cNvSpPr>
-            <a:spLocks noGrp="1"/>
-          </p:cNvSpPr>
-          <p:nvPr>
-            <p:ph idx="1"/>
-          </p:nvPr>
-        </p:nvSpPr>
-        <p:spPr/>
-        <p:txBody>
-          <a:bodyPr>
-            <a:normAutofit fontScale="92500" lnSpcReduction="20000"/>
-          </a:bodyPr>
-          <a:lstStyle/>
-          <a:p>
-            <a:endParaRPr lang="pt-BR" sz="1800" dirty="0">
-              <a:solidFill>
-                <a:srgbClr val="000000"/>
-              </a:solidFill>
-              <a:effectLst/>
-              <a:latin typeface="Times New Roman" panose="02020603050405020304" pitchFamily="18" charset="0"/>
-              <a:ea typeface="Calibri" panose="020F0502020204030204" pitchFamily="34" charset="0"/>
-            </a:endParaRPr>
-          </a:p>
-          <a:p>
-            <a:pPr algn="l" fontAlgn="base"/>
-            <a:r>
-              <a:rPr lang="pt-BR" dirty="0" err="1">
-                <a:latin typeface="Times New Roman" panose="02020603050405020304" pitchFamily="18" charset="0"/>
-                <a:cs typeface="Times New Roman" panose="02020603050405020304" pitchFamily="18" charset="0"/>
-              </a:rPr>
-              <a:t>Stroke</a:t>
-            </a:r>
-            <a:r>
-              <a:rPr lang="pt-BR" dirty="0">
-                <a:latin typeface="Times New Roman" panose="02020603050405020304" pitchFamily="18" charset="0"/>
-                <a:cs typeface="Times New Roman" panose="02020603050405020304" pitchFamily="18" charset="0"/>
-              </a:rPr>
-              <a:t> </a:t>
-            </a:r>
-            <a:r>
-              <a:rPr lang="pt-BR" dirty="0" err="1">
-                <a:latin typeface="Times New Roman" panose="02020603050405020304" pitchFamily="18" charset="0"/>
-                <a:cs typeface="Times New Roman" panose="02020603050405020304" pitchFamily="18" charset="0"/>
-              </a:rPr>
-              <a:t>Prediction</a:t>
-            </a:r>
-            <a:r>
-              <a:rPr lang="pt-BR" dirty="0">
-                <a:latin typeface="Times New Roman" panose="02020603050405020304" pitchFamily="18" charset="0"/>
-                <a:cs typeface="Times New Roman" panose="02020603050405020304" pitchFamily="18" charset="0"/>
-              </a:rPr>
-              <a:t> Dataset</a:t>
-            </a:r>
-            <a:endParaRPr lang="pt-BR" dirty="0">
-              <a:solidFill>
-                <a:srgbClr val="000000"/>
-              </a:solidFill>
-              <a:latin typeface="Times New Roman" panose="02020603050405020304" pitchFamily="18" charset="0"/>
-              <a:cs typeface="Times New Roman" panose="02020603050405020304" pitchFamily="18" charset="0"/>
-            </a:endParaRPr>
-          </a:p>
-          <a:p>
-            <a:pPr lvl="1" fontAlgn="base"/>
-            <a:r>
-              <a:rPr lang="pt-BR" dirty="0">
-                <a:solidFill>
-                  <a:srgbClr val="000000"/>
-                </a:solidFill>
-                <a:latin typeface="Times New Roman" panose="02020603050405020304" pitchFamily="18" charset="0"/>
-                <a:cs typeface="Times New Roman" panose="02020603050405020304" pitchFamily="18" charset="0"/>
-              </a:rPr>
-              <a:t>12 diferentes características e 5110 entradas</a:t>
-            </a:r>
-          </a:p>
-          <a:p>
-            <a:pPr algn="l" fontAlgn="base"/>
-            <a:r>
-              <a:rPr lang="pt-BR" dirty="0">
-                <a:solidFill>
-                  <a:srgbClr val="000000"/>
-                </a:solidFill>
-                <a:latin typeface="Times New Roman" panose="02020603050405020304" pitchFamily="18" charset="0"/>
-                <a:cs typeface="Times New Roman" panose="02020603050405020304" pitchFamily="18" charset="0"/>
-              </a:rPr>
-              <a:t>Informações presentes no conjunto:</a:t>
-            </a:r>
-          </a:p>
-          <a:p>
-            <a:pPr marL="617220" lvl="1" indent="-342900" fontAlgn="base">
-              <a:buFont typeface="+mj-lt"/>
-              <a:buAutoNum type="arabicPeriod"/>
-            </a:pPr>
-            <a:r>
-              <a:rPr lang="en-US" b="1" i="0" dirty="0">
-                <a:effectLst/>
-                <a:latin typeface="Inter"/>
-              </a:rPr>
-              <a:t>id: </a:t>
-            </a:r>
-            <a:r>
-              <a:rPr lang="en-US" b="0" i="0" dirty="0" err="1">
-                <a:effectLst/>
-                <a:latin typeface="Inter"/>
-              </a:rPr>
-              <a:t>identificador</a:t>
-            </a:r>
-            <a:r>
-              <a:rPr lang="en-US" b="0" i="0" dirty="0">
-                <a:effectLst/>
-                <a:latin typeface="Inter"/>
-              </a:rPr>
-              <a:t> </a:t>
-            </a:r>
-            <a:r>
-              <a:rPr lang="en-US" b="0" i="0" dirty="0" err="1">
-                <a:effectLst/>
-                <a:latin typeface="Inter"/>
-              </a:rPr>
-              <a:t>único</a:t>
-            </a:r>
-            <a:endParaRPr lang="en-US" b="0" i="0" dirty="0">
-              <a:effectLst/>
-              <a:latin typeface="Inter"/>
-            </a:endParaRPr>
-          </a:p>
-          <a:p>
-            <a:pPr marL="617220" lvl="1" indent="-342900" fontAlgn="base">
-              <a:buFont typeface="+mj-lt"/>
-              <a:buAutoNum type="arabicPeriod"/>
-            </a:pPr>
-            <a:r>
-              <a:rPr lang="en-US" b="1" i="0" dirty="0">
-                <a:effectLst/>
-                <a:latin typeface="Inter"/>
-              </a:rPr>
-              <a:t>gender: </a:t>
-            </a:r>
-            <a:r>
-              <a:rPr lang="en-US" b="0" i="0" dirty="0" err="1">
-                <a:effectLst/>
-                <a:latin typeface="Inter"/>
-              </a:rPr>
-              <a:t>sexo</a:t>
-            </a:r>
-            <a:endParaRPr lang="en-US" b="0" i="0" dirty="0">
-              <a:effectLst/>
-              <a:latin typeface="Inter"/>
-            </a:endParaRPr>
-          </a:p>
-          <a:p>
-            <a:pPr marL="617220" lvl="1" indent="-342900" fontAlgn="base">
-              <a:buFont typeface="+mj-lt"/>
-              <a:buAutoNum type="arabicPeriod"/>
-            </a:pPr>
-            <a:r>
-              <a:rPr lang="en-US" b="1" i="0" dirty="0">
-                <a:effectLst/>
-                <a:latin typeface="Inter"/>
-              </a:rPr>
-              <a:t>age: </a:t>
-            </a:r>
-            <a:r>
-              <a:rPr lang="en-US" b="0" i="0" dirty="0" err="1">
-                <a:effectLst/>
-                <a:latin typeface="Inter"/>
-              </a:rPr>
-              <a:t>idade</a:t>
-            </a:r>
-            <a:endParaRPr lang="en-US" b="0" i="0" dirty="0">
-              <a:effectLst/>
-              <a:latin typeface="Inter"/>
-            </a:endParaRPr>
-          </a:p>
-          <a:p>
-            <a:pPr marL="617220" lvl="1" indent="-342900" fontAlgn="base">
-              <a:buFont typeface="+mj-lt"/>
-              <a:buAutoNum type="arabicPeriod"/>
-            </a:pPr>
-            <a:r>
-              <a:rPr lang="en-US" b="1" i="0" dirty="0">
-                <a:effectLst/>
-                <a:latin typeface="Inter"/>
-              </a:rPr>
-              <a:t>hypertension: </a:t>
-            </a:r>
-            <a:r>
-              <a:rPr lang="en-US" i="0" dirty="0">
-                <a:effectLst/>
-                <a:latin typeface="Inter"/>
-              </a:rPr>
-              <a:t>indica se o </a:t>
-            </a:r>
-            <a:r>
-              <a:rPr lang="en-US" i="0" dirty="0" err="1">
-                <a:effectLst/>
-                <a:latin typeface="Inter"/>
-              </a:rPr>
-              <a:t>paciente</a:t>
-            </a:r>
-            <a:r>
-              <a:rPr lang="en-US" i="0" dirty="0">
-                <a:effectLst/>
-                <a:latin typeface="Inter"/>
-              </a:rPr>
-              <a:t> </a:t>
-            </a:r>
-            <a:r>
-              <a:rPr lang="en-US" i="0" dirty="0" err="1">
-                <a:effectLst/>
-                <a:latin typeface="Inter"/>
-              </a:rPr>
-              <a:t>tem</a:t>
-            </a:r>
-            <a:r>
-              <a:rPr lang="en-US" i="0" dirty="0">
-                <a:effectLst/>
-                <a:latin typeface="Inter"/>
-              </a:rPr>
-              <a:t> </a:t>
-            </a:r>
-            <a:r>
-              <a:rPr lang="en-US" i="0" dirty="0" err="1">
-                <a:effectLst/>
-                <a:latin typeface="Inter"/>
-              </a:rPr>
-              <a:t>hipertensão</a:t>
-            </a:r>
-            <a:endParaRPr lang="en-US" i="0" dirty="0">
-              <a:effectLst/>
-              <a:latin typeface="Inter"/>
-            </a:endParaRPr>
-          </a:p>
-          <a:p>
-            <a:pPr marL="617220" lvl="1" indent="-342900" fontAlgn="base">
-              <a:buFont typeface="+mj-lt"/>
-              <a:buAutoNum type="arabicPeriod"/>
-            </a:pPr>
-            <a:r>
-              <a:rPr lang="en-US" b="1" i="0" dirty="0" err="1">
-                <a:effectLst/>
-                <a:latin typeface="Inter"/>
-              </a:rPr>
-              <a:t>heart_disease</a:t>
-            </a:r>
-            <a:r>
-              <a:rPr lang="en-US" b="1" i="0" dirty="0">
-                <a:effectLst/>
-                <a:latin typeface="Inter"/>
-              </a:rPr>
-              <a:t>: </a:t>
-            </a:r>
-            <a:r>
-              <a:rPr lang="en-US" b="0" i="0" dirty="0">
-                <a:effectLst/>
-                <a:latin typeface="Inter"/>
-              </a:rPr>
-              <a:t>indica se o </a:t>
-            </a:r>
-            <a:r>
-              <a:rPr lang="en-US" b="0" i="0" dirty="0" err="1">
-                <a:effectLst/>
-                <a:latin typeface="Inter"/>
-              </a:rPr>
-              <a:t>paciente</a:t>
-            </a:r>
-            <a:r>
-              <a:rPr lang="en-US" b="0" i="0" dirty="0">
-                <a:effectLst/>
-                <a:latin typeface="Inter"/>
-              </a:rPr>
-              <a:t> </a:t>
-            </a:r>
-            <a:r>
-              <a:rPr lang="en-US" b="0" i="0" dirty="0" err="1">
-                <a:effectLst/>
-                <a:latin typeface="Inter"/>
-              </a:rPr>
-              <a:t>tem</a:t>
-            </a:r>
-            <a:r>
-              <a:rPr lang="en-US" b="0" i="0" dirty="0">
-                <a:effectLst/>
-                <a:latin typeface="Inter"/>
-              </a:rPr>
-              <a:t> </a:t>
-            </a:r>
-            <a:r>
-              <a:rPr lang="en-US" b="0" i="0" dirty="0" err="1">
-                <a:effectLst/>
-                <a:latin typeface="Inter"/>
-              </a:rPr>
-              <a:t>alguma</a:t>
-            </a:r>
-            <a:r>
-              <a:rPr lang="en-US" b="0" i="0" dirty="0">
-                <a:effectLst/>
-                <a:latin typeface="Inter"/>
-              </a:rPr>
-              <a:t> </a:t>
-            </a:r>
-            <a:r>
-              <a:rPr lang="en-US" b="0" i="0" dirty="0" err="1">
-                <a:effectLst/>
-                <a:latin typeface="Inter"/>
-              </a:rPr>
-              <a:t>doença</a:t>
-            </a:r>
-            <a:r>
-              <a:rPr lang="en-US" b="0" i="0" dirty="0">
-                <a:effectLst/>
-                <a:latin typeface="Inter"/>
-              </a:rPr>
-              <a:t> </a:t>
-            </a:r>
-            <a:r>
-              <a:rPr lang="en-US" b="0" i="0" dirty="0" err="1">
-                <a:effectLst/>
-                <a:latin typeface="Inter"/>
-              </a:rPr>
-              <a:t>cardíaca</a:t>
-            </a:r>
-            <a:endParaRPr lang="en-US" b="0" i="0" dirty="0">
-              <a:effectLst/>
-              <a:latin typeface="Inter"/>
-            </a:endParaRPr>
-          </a:p>
-          <a:p>
-            <a:pPr marL="617220" lvl="1" indent="-342900" fontAlgn="base">
-              <a:buFont typeface="+mj-lt"/>
-              <a:buAutoNum type="arabicPeriod"/>
-            </a:pPr>
-            <a:r>
-              <a:rPr lang="en-US" b="1" i="0" dirty="0" err="1">
-                <a:effectLst/>
-                <a:latin typeface="Inter"/>
-              </a:rPr>
-              <a:t>ever_married</a:t>
-            </a:r>
-            <a:r>
-              <a:rPr lang="en-US" b="1" i="0" dirty="0">
-                <a:effectLst/>
-                <a:latin typeface="Inter"/>
-              </a:rPr>
-              <a:t>: </a:t>
-            </a:r>
-            <a:r>
-              <a:rPr lang="en-US" b="0" i="0" dirty="0">
-                <a:effectLst/>
-                <a:latin typeface="Inter"/>
-              </a:rPr>
-              <a:t>indica se o </a:t>
-            </a:r>
-            <a:r>
-              <a:rPr lang="en-US" b="0" i="0" dirty="0" err="1">
-                <a:effectLst/>
-                <a:latin typeface="Inter"/>
-              </a:rPr>
-              <a:t>paciente</a:t>
-            </a:r>
-            <a:r>
-              <a:rPr lang="en-US" b="0" i="0" dirty="0">
-                <a:effectLst/>
-                <a:latin typeface="Inter"/>
-              </a:rPr>
-              <a:t> é </a:t>
-            </a:r>
-            <a:r>
-              <a:rPr lang="en-US" b="0" i="0" dirty="0" err="1">
-                <a:effectLst/>
-                <a:latin typeface="Inter"/>
-              </a:rPr>
-              <a:t>casado</a:t>
-            </a:r>
-            <a:endParaRPr lang="en-US" b="0" i="0" dirty="0">
-              <a:effectLst/>
-              <a:latin typeface="Inter"/>
-            </a:endParaRPr>
-          </a:p>
-          <a:p>
-            <a:pPr marL="617220" lvl="1" indent="-342900" fontAlgn="base">
-              <a:buFont typeface="+mj-lt"/>
-              <a:buAutoNum type="arabicPeriod"/>
-            </a:pPr>
-            <a:r>
-              <a:rPr lang="en-US" b="1" i="0" dirty="0" err="1">
-                <a:effectLst/>
-                <a:latin typeface="Inter"/>
-              </a:rPr>
-              <a:t>work_type</a:t>
-            </a:r>
-            <a:r>
-              <a:rPr lang="en-US" b="1" i="0" dirty="0">
-                <a:effectLst/>
-                <a:latin typeface="Inter"/>
-              </a:rPr>
-              <a:t>: </a:t>
-            </a:r>
-            <a:r>
-              <a:rPr lang="en-US" b="0" i="0" dirty="0">
-                <a:effectLst/>
-                <a:latin typeface="Inter"/>
-              </a:rPr>
-              <a:t>indica se o </a:t>
-            </a:r>
-            <a:r>
-              <a:rPr lang="en-US" b="0" i="0" dirty="0" err="1">
-                <a:effectLst/>
-                <a:latin typeface="Inter"/>
-              </a:rPr>
-              <a:t>paciente</a:t>
-            </a:r>
-            <a:r>
-              <a:rPr lang="en-US" b="0" i="0" dirty="0">
-                <a:effectLst/>
-                <a:latin typeface="Inter"/>
-              </a:rPr>
-              <a:t> </a:t>
-            </a:r>
-            <a:r>
-              <a:rPr lang="en-US" b="0" i="0" dirty="0" err="1">
-                <a:effectLst/>
-                <a:latin typeface="Inter"/>
-              </a:rPr>
-              <a:t>trabalha</a:t>
-            </a:r>
-            <a:r>
-              <a:rPr lang="en-US" b="0" i="0" dirty="0">
-                <a:effectLst/>
-                <a:latin typeface="Inter"/>
-              </a:rPr>
-              <a:t> e, se sim, qual o </a:t>
-            </a:r>
-            <a:r>
-              <a:rPr lang="en-US" b="0" i="0" dirty="0" err="1">
-                <a:effectLst/>
-                <a:latin typeface="Inter"/>
-              </a:rPr>
-              <a:t>tipo</a:t>
-            </a:r>
-            <a:r>
-              <a:rPr lang="en-US" b="0" i="0" dirty="0">
-                <a:effectLst/>
-                <a:latin typeface="Inter"/>
-              </a:rPr>
-              <a:t> de </a:t>
-            </a:r>
-            <a:r>
-              <a:rPr lang="en-US" b="0" i="0" dirty="0" err="1">
-                <a:effectLst/>
-                <a:latin typeface="Inter"/>
-              </a:rPr>
-              <a:t>emprego</a:t>
-            </a:r>
-            <a:endParaRPr lang="en-US" b="0" i="0" dirty="0">
-              <a:effectLst/>
-              <a:latin typeface="Inter"/>
-            </a:endParaRPr>
-          </a:p>
-          <a:p>
-            <a:pPr marL="617220" lvl="1" indent="-342900" fontAlgn="base">
-              <a:buFont typeface="+mj-lt"/>
-              <a:buAutoNum type="arabicPeriod"/>
-            </a:pPr>
-            <a:r>
-              <a:rPr lang="en-US" b="1" i="0" dirty="0" err="1">
-                <a:effectLst/>
-                <a:latin typeface="Inter"/>
-              </a:rPr>
-              <a:t>Residence_type</a:t>
-            </a:r>
-            <a:r>
-              <a:rPr lang="en-US" b="1" i="0" dirty="0">
-                <a:effectLst/>
-                <a:latin typeface="Inter"/>
-              </a:rPr>
-              <a:t>: </a:t>
-            </a:r>
-            <a:r>
-              <a:rPr lang="en-US" b="0" i="0" dirty="0" err="1">
-                <a:effectLst/>
-                <a:latin typeface="Inter"/>
-              </a:rPr>
-              <a:t>tipo</a:t>
-            </a:r>
-            <a:r>
-              <a:rPr lang="en-US" b="0" i="0" dirty="0">
-                <a:effectLst/>
-                <a:latin typeface="Inter"/>
-              </a:rPr>
-              <a:t> de residencia, rural </a:t>
-            </a:r>
-            <a:r>
-              <a:rPr lang="en-US" b="0" i="0" dirty="0" err="1">
-                <a:effectLst/>
-                <a:latin typeface="Inter"/>
-              </a:rPr>
-              <a:t>ou</a:t>
-            </a:r>
-            <a:r>
-              <a:rPr lang="en-US" b="0" i="0" dirty="0">
-                <a:effectLst/>
-                <a:latin typeface="Inter"/>
-              </a:rPr>
-              <a:t> </a:t>
-            </a:r>
-            <a:r>
-              <a:rPr lang="en-US" b="0" i="0" dirty="0" err="1">
-                <a:effectLst/>
-                <a:latin typeface="Inter"/>
-              </a:rPr>
-              <a:t>urbana</a:t>
-            </a:r>
-            <a:endParaRPr lang="en-US" b="0" i="0" dirty="0">
-              <a:effectLst/>
-              <a:latin typeface="Inter"/>
-            </a:endParaRPr>
-          </a:p>
-          <a:p>
-            <a:pPr marL="617220" lvl="1" indent="-342900" fontAlgn="base">
-              <a:buFont typeface="+mj-lt"/>
-              <a:buAutoNum type="arabicPeriod"/>
-            </a:pPr>
-            <a:r>
-              <a:rPr lang="en-US" b="1" i="0" dirty="0" err="1">
-                <a:effectLst/>
-                <a:latin typeface="Inter"/>
-              </a:rPr>
-              <a:t>avg_glucose_level</a:t>
-            </a:r>
-            <a:r>
-              <a:rPr lang="en-US" b="1" i="0" dirty="0">
-                <a:effectLst/>
-                <a:latin typeface="Inter"/>
-              </a:rPr>
-              <a:t>: </a:t>
-            </a:r>
-            <a:r>
-              <a:rPr lang="en-US" b="0" i="0" dirty="0">
-                <a:effectLst/>
-                <a:latin typeface="Inter"/>
-              </a:rPr>
-              <a:t>media do </a:t>
-            </a:r>
-            <a:r>
-              <a:rPr lang="en-US" b="0" i="0" dirty="0" err="1">
-                <a:effectLst/>
-                <a:latin typeface="Inter"/>
-              </a:rPr>
-              <a:t>nível</a:t>
-            </a:r>
-            <a:r>
-              <a:rPr lang="en-US" b="0" i="0" dirty="0">
-                <a:effectLst/>
-                <a:latin typeface="Inter"/>
-              </a:rPr>
-              <a:t> de </a:t>
-            </a:r>
-            <a:r>
-              <a:rPr lang="en-US" b="0" i="0" dirty="0" err="1">
-                <a:effectLst/>
-                <a:latin typeface="Inter"/>
-              </a:rPr>
-              <a:t>glicose</a:t>
-            </a:r>
-            <a:r>
-              <a:rPr lang="en-US" b="0" i="0" dirty="0">
-                <a:effectLst/>
-                <a:latin typeface="Inter"/>
-              </a:rPr>
-              <a:t> no </a:t>
-            </a:r>
-            <a:r>
-              <a:rPr lang="en-US" b="0" i="0" dirty="0" err="1">
-                <a:effectLst/>
-                <a:latin typeface="Inter"/>
-              </a:rPr>
-              <a:t>sangue</a:t>
-            </a:r>
-            <a:r>
-              <a:rPr lang="en-US" b="0" i="0" dirty="0">
-                <a:effectLst/>
-                <a:latin typeface="Inter"/>
-              </a:rPr>
-              <a:t> do </a:t>
-            </a:r>
-            <a:r>
-              <a:rPr lang="en-US" b="0" i="0" dirty="0" err="1">
-                <a:effectLst/>
-                <a:latin typeface="Inter"/>
-              </a:rPr>
-              <a:t>paciente</a:t>
-            </a:r>
-            <a:endParaRPr lang="en-US" b="0" i="0" dirty="0">
-              <a:effectLst/>
-              <a:latin typeface="Inter"/>
-            </a:endParaRPr>
-          </a:p>
-          <a:p>
-            <a:pPr marL="617220" lvl="1" indent="-342900" fontAlgn="base">
-              <a:buFont typeface="+mj-lt"/>
-              <a:buAutoNum type="arabicPeriod"/>
-            </a:pPr>
-            <a:r>
-              <a:rPr lang="en-US" b="1" i="0" dirty="0" err="1">
-                <a:effectLst/>
-                <a:latin typeface="Inter"/>
-              </a:rPr>
-              <a:t>bmi</a:t>
-            </a:r>
-            <a:r>
-              <a:rPr lang="en-US" b="1" i="0" dirty="0">
-                <a:effectLst/>
-                <a:latin typeface="Inter"/>
-              </a:rPr>
-              <a:t>: </a:t>
-            </a:r>
-            <a:r>
-              <a:rPr lang="en-US" b="0" i="0" dirty="0" err="1">
-                <a:effectLst/>
-                <a:latin typeface="Inter"/>
-              </a:rPr>
-              <a:t>índice</a:t>
-            </a:r>
-            <a:r>
-              <a:rPr lang="en-US" b="0" i="0" dirty="0">
-                <a:effectLst/>
-                <a:latin typeface="Inter"/>
-              </a:rPr>
-              <a:t> de </a:t>
-            </a:r>
-            <a:r>
-              <a:rPr lang="en-US" b="0" i="0" dirty="0" err="1">
-                <a:effectLst/>
-                <a:latin typeface="Inter"/>
-              </a:rPr>
-              <a:t>massa</a:t>
-            </a:r>
-            <a:r>
-              <a:rPr lang="en-US" b="0" i="0" dirty="0">
-                <a:effectLst/>
-                <a:latin typeface="Inter"/>
-              </a:rPr>
-              <a:t> corporal (</a:t>
-            </a:r>
-            <a:r>
-              <a:rPr lang="en-US" b="0" i="0" dirty="0" err="1">
-                <a:effectLst/>
-                <a:latin typeface="Inter"/>
-              </a:rPr>
-              <a:t>padrão</a:t>
-            </a:r>
-            <a:r>
-              <a:rPr lang="en-US" b="0" i="0" dirty="0">
-                <a:effectLst/>
-                <a:latin typeface="Inter"/>
-              </a:rPr>
-              <a:t> americano)</a:t>
-            </a:r>
-          </a:p>
-          <a:p>
-            <a:pPr marL="617220" lvl="1" indent="-342900" fontAlgn="base">
-              <a:buFont typeface="+mj-lt"/>
-              <a:buAutoNum type="arabicPeriod"/>
-            </a:pPr>
-            <a:r>
-              <a:rPr lang="en-US" b="1" i="0" dirty="0" err="1">
-                <a:effectLst/>
-                <a:latin typeface="Inter"/>
-              </a:rPr>
-              <a:t>smoking_status</a:t>
-            </a:r>
-            <a:r>
-              <a:rPr lang="en-US" b="1" i="0" dirty="0">
-                <a:effectLst/>
-                <a:latin typeface="Inter"/>
-              </a:rPr>
-              <a:t>: </a:t>
-            </a:r>
-            <a:r>
-              <a:rPr lang="en-US" b="0" i="0" dirty="0" err="1">
-                <a:effectLst/>
-                <a:latin typeface="Inter"/>
-              </a:rPr>
-              <a:t>situação</a:t>
-            </a:r>
-            <a:r>
-              <a:rPr lang="en-US" b="0" i="0" dirty="0">
-                <a:effectLst/>
-                <a:latin typeface="Inter"/>
-              </a:rPr>
-              <a:t> do </a:t>
-            </a:r>
-            <a:r>
-              <a:rPr lang="en-US" b="0" i="0" dirty="0" err="1">
-                <a:effectLst/>
-                <a:latin typeface="Inter"/>
-              </a:rPr>
-              <a:t>paciente</a:t>
-            </a:r>
-            <a:r>
-              <a:rPr lang="en-US" b="0" i="0" dirty="0">
-                <a:effectLst/>
-                <a:latin typeface="Inter"/>
-              </a:rPr>
-              <a:t> com </a:t>
-            </a:r>
-            <a:r>
-              <a:rPr lang="en-US" b="0" i="0" dirty="0" err="1">
-                <a:effectLst/>
-                <a:latin typeface="Inter"/>
-              </a:rPr>
-              <a:t>relação</a:t>
-            </a:r>
-            <a:r>
-              <a:rPr lang="en-US" b="0" i="0" dirty="0">
-                <a:effectLst/>
-                <a:latin typeface="Inter"/>
-              </a:rPr>
-              <a:t> a </a:t>
-            </a:r>
-            <a:r>
-              <a:rPr lang="en-US" b="0" i="0" dirty="0" err="1">
-                <a:effectLst/>
-                <a:latin typeface="Inter"/>
-              </a:rPr>
-              <a:t>fumar</a:t>
-            </a:r>
-            <a:endParaRPr lang="en-US" b="0" i="0" dirty="0">
-              <a:effectLst/>
-              <a:latin typeface="Inter"/>
-            </a:endParaRPr>
-          </a:p>
-          <a:p>
-            <a:pPr marL="617220" lvl="1" indent="-342900" fontAlgn="base">
-              <a:buFont typeface="+mj-lt"/>
-              <a:buAutoNum type="arabicPeriod"/>
-            </a:pPr>
-            <a:r>
-              <a:rPr lang="en-US" b="1" i="0" dirty="0">
-                <a:effectLst/>
-                <a:latin typeface="Inter"/>
-              </a:rPr>
-              <a:t>stroke: </a:t>
-            </a:r>
-            <a:r>
-              <a:rPr lang="en-US" b="0" i="0" dirty="0">
-                <a:effectLst/>
-                <a:latin typeface="Inter"/>
-              </a:rPr>
-              <a:t>indica se o </a:t>
-            </a:r>
-            <a:r>
-              <a:rPr lang="en-US" b="0" i="0" dirty="0" err="1">
-                <a:effectLst/>
-                <a:latin typeface="Inter"/>
-              </a:rPr>
-              <a:t>paciente</a:t>
-            </a:r>
-            <a:r>
-              <a:rPr lang="en-US" b="0" i="0" dirty="0">
-                <a:effectLst/>
-                <a:latin typeface="Inter"/>
-              </a:rPr>
-              <a:t> </a:t>
-            </a:r>
-            <a:r>
-              <a:rPr lang="en-US" b="0" i="0" dirty="0" err="1">
-                <a:effectLst/>
-                <a:latin typeface="Inter"/>
-              </a:rPr>
-              <a:t>teve</a:t>
-            </a:r>
-            <a:r>
-              <a:rPr lang="en-US" b="0" i="0" dirty="0">
-                <a:effectLst/>
-                <a:latin typeface="Inter"/>
-              </a:rPr>
-              <a:t> </a:t>
-            </a:r>
-            <a:r>
-              <a:rPr lang="en-US" b="0" i="0" dirty="0" err="1">
-                <a:effectLst/>
-                <a:latin typeface="Inter"/>
-              </a:rPr>
-              <a:t>ou</a:t>
-            </a:r>
-            <a:r>
-              <a:rPr lang="en-US" b="0" i="0" dirty="0">
-                <a:effectLst/>
-                <a:latin typeface="Inter"/>
-              </a:rPr>
-              <a:t> </a:t>
-            </a:r>
-            <a:r>
-              <a:rPr lang="en-US" b="0" i="0" dirty="0" err="1">
-                <a:effectLst/>
-                <a:latin typeface="Inter"/>
-              </a:rPr>
-              <a:t>não</a:t>
-            </a:r>
-            <a:r>
-              <a:rPr lang="en-US" b="0" i="0" dirty="0">
-                <a:effectLst/>
-                <a:latin typeface="Inter"/>
-              </a:rPr>
-              <a:t> </a:t>
-            </a:r>
-            <a:r>
-              <a:rPr lang="en-US" b="0" i="0" dirty="0" err="1">
-                <a:effectLst/>
-                <a:latin typeface="Inter"/>
-              </a:rPr>
-              <a:t>avc</a:t>
-            </a:r>
-            <a:endParaRPr lang="pt-BR" b="0" i="0" dirty="0">
-              <a:effectLst/>
-              <a:latin typeface="Times New Roman" panose="02020603050405020304" pitchFamily="18" charset="0"/>
-              <a:cs typeface="Times New Roman" panose="02020603050405020304" pitchFamily="18" charset="0"/>
-            </a:endParaRPr>
-          </a:p>
-          <a:p>
-            <a:pPr lvl="1" fontAlgn="base"/>
-            <a:endParaRPr lang="pt-BR" dirty="0">
-              <a:latin typeface="Times New Roman" panose="02020603050405020304" pitchFamily="18" charset="0"/>
-              <a:cs typeface="Times New Roman" panose="02020603050405020304" pitchFamily="18" charset="0"/>
-            </a:endParaRPr>
-          </a:p>
-          <a:p>
-            <a:pPr fontAlgn="base"/>
-            <a:endParaRPr lang="en-US" b="0" i="0" dirty="0">
-              <a:effectLst/>
-              <a:latin typeface="Inter"/>
-            </a:endParaRPr>
-          </a:p>
-        </p:txBody>
-      </p:sp>
-    </p:spTree>
-    <p:extLst>
-      <p:ext uri="{BB962C8B-B14F-4D97-AF65-F5344CB8AC3E}">
-        <p14:creationId xmlns:p14="http://schemas.microsoft.com/office/powerpoint/2010/main" val="1319688595"/>
-      </p:ext>
-    </p:extLst>
-  </p:cSld>
-  <p:clrMapOvr>
-    <a:masterClrMapping/>
-  </p:clrMapOvr>
-</p:sld>
-</file>
-
-<file path=ppt/slides/slide20.xml><?xml version="1.0" encoding="utf-8"?>
-<p:sld xmlns:a="http://schemas.openxmlformats.org/drawingml/2006/main" xmlns:r="http://schemas.openxmlformats.org/officeDocument/2006/relationships" xmlns:p="http://schemas.openxmlformats.org/presentationml/2006/main">
-  <p:cSld>
-    <p:spTree>
-      <p:nvGrpSpPr>
-        <p:cNvPr id="1" name=""/>
-        <p:cNvGrpSpPr/>
-        <p:nvPr/>
-      </p:nvGrpSpPr>
-      <p:grpSpPr>
-        <a:xfrm>
-          <a:off x="0" y="0"/>
-          <a:ext cx="0" cy="0"/>
-          <a:chOff x="0" y="0"/>
-          <a:chExt cx="0" cy="0"/>
-        </a:xfrm>
-      </p:grpSpPr>
-      <p:sp>
-        <p:nvSpPr>
-          <p:cNvPr id="2" name="Título 1">
-            <a:extLst>
-              <a:ext uri="{FF2B5EF4-FFF2-40B4-BE49-F238E27FC236}">
-                <a16:creationId xmlns:a16="http://schemas.microsoft.com/office/drawing/2014/main" id="{84149C11-9ED8-0425-6D7E-35F12A43F9AA}"/>
-              </a:ext>
-            </a:extLst>
-          </p:cNvPr>
-          <p:cNvSpPr>
-            <a:spLocks noGrp="1"/>
-          </p:cNvSpPr>
-          <p:nvPr>
-            <p:ph type="title"/>
-          </p:nvPr>
-        </p:nvSpPr>
-        <p:spPr/>
-        <p:txBody>
-          <a:bodyPr>
-            <a:normAutofit/>
-          </a:bodyPr>
-          <a:lstStyle/>
-          <a:p>
-            <a:r>
-              <a:rPr lang="pt-BR" sz="3200" dirty="0"/>
-              <a:t>Avaliação dos resultados – métricas escolhidas</a:t>
-            </a:r>
-          </a:p>
-        </p:txBody>
-      </p:sp>
-      <p:sp>
-        <p:nvSpPr>
-          <p:cNvPr id="3" name="Espaço Reservado para Conteúdo 2">
-            <a:extLst>
-              <a:ext uri="{FF2B5EF4-FFF2-40B4-BE49-F238E27FC236}">
-                <a16:creationId xmlns:a16="http://schemas.microsoft.com/office/drawing/2014/main" id="{ED5B44EC-AFD8-9AA1-FDE4-CBCB7A90067F}"/>
-              </a:ext>
-            </a:extLst>
-          </p:cNvPr>
-          <p:cNvSpPr>
-            <a:spLocks noGrp="1"/>
-          </p:cNvSpPr>
-          <p:nvPr>
-            <p:ph idx="1"/>
-          </p:nvPr>
-        </p:nvSpPr>
-        <p:spPr/>
-        <p:txBody>
-          <a:bodyPr>
-            <a:normAutofit/>
-          </a:bodyPr>
-          <a:lstStyle/>
-          <a:p>
-            <a:endParaRPr lang="pt-BR" sz="1800" dirty="0">
-              <a:effectLst/>
-              <a:latin typeface="Times New Roman" panose="02020603050405020304" pitchFamily="18" charset="0"/>
-              <a:ea typeface="Calibri" panose="020F0502020204030204" pitchFamily="34" charset="0"/>
-              <a:cs typeface="Times New Roman" panose="02020603050405020304" pitchFamily="18" charset="0"/>
-            </a:endParaRPr>
-          </a:p>
-          <a:p>
-            <a:r>
-              <a:rPr lang="pt-BR" sz="1800" dirty="0">
-                <a:effectLst/>
-                <a:latin typeface="Times New Roman" panose="02020603050405020304" pitchFamily="18" charset="0"/>
-                <a:ea typeface="Calibri" panose="020F0502020204030204" pitchFamily="34" charset="0"/>
-                <a:cs typeface="Times New Roman" panose="02020603050405020304" pitchFamily="18" charset="0"/>
-              </a:rPr>
-              <a:t>Métricas para </a:t>
-            </a:r>
-            <a:r>
-              <a:rPr lang="pt-BR" dirty="0">
-                <a:latin typeface="Times New Roman" panose="02020603050405020304" pitchFamily="18" charset="0"/>
-                <a:ea typeface="Calibri" panose="020F0502020204030204" pitchFamily="34" charset="0"/>
-                <a:cs typeface="Times New Roman" panose="02020603050405020304" pitchFamily="18" charset="0"/>
-              </a:rPr>
-              <a:t>avaliar </a:t>
-            </a:r>
-            <a:r>
-              <a:rPr lang="pt-BR" sz="1800" dirty="0">
-                <a:effectLst/>
-                <a:latin typeface="Times New Roman" panose="02020603050405020304" pitchFamily="18" charset="0"/>
-                <a:ea typeface="Calibri" panose="020F0502020204030204" pitchFamily="34" charset="0"/>
-                <a:cs typeface="Times New Roman" panose="02020603050405020304" pitchFamily="18" charset="0"/>
-              </a:rPr>
-              <a:t>classificação:</a:t>
-            </a:r>
-          </a:p>
-          <a:p>
-            <a:pPr lvl="1"/>
-            <a:r>
-              <a:rPr lang="pt-BR" dirty="0" err="1">
-                <a:effectLst/>
-                <a:latin typeface="Times New Roman" panose="02020603050405020304" pitchFamily="18" charset="0"/>
-                <a:ea typeface="Calibri" panose="020F0502020204030204" pitchFamily="34" charset="0"/>
-              </a:rPr>
-              <a:t>Precision</a:t>
-            </a:r>
-            <a:endParaRPr lang="pt-BR" dirty="0">
-              <a:effectLst/>
-              <a:latin typeface="Times New Roman" panose="02020603050405020304" pitchFamily="18" charset="0"/>
-              <a:ea typeface="Calibri" panose="020F0502020204030204" pitchFamily="34" charset="0"/>
-            </a:endParaRPr>
-          </a:p>
-          <a:p>
-            <a:pPr lvl="1"/>
-            <a:r>
-              <a:rPr lang="pt-BR" dirty="0">
-                <a:latin typeface="Times New Roman" panose="02020603050405020304" pitchFamily="18" charset="0"/>
-                <a:ea typeface="Calibri" panose="020F0502020204030204" pitchFamily="34" charset="0"/>
-              </a:rPr>
-              <a:t>Recall</a:t>
-            </a:r>
-          </a:p>
-          <a:p>
-            <a:pPr lvl="1"/>
-            <a:r>
-              <a:rPr lang="pt-BR" dirty="0">
-                <a:latin typeface="Times New Roman" panose="02020603050405020304" pitchFamily="18" charset="0"/>
-                <a:ea typeface="Calibri" panose="020F0502020204030204" pitchFamily="34" charset="0"/>
-              </a:rPr>
-              <a:t>F1-score</a:t>
-            </a:r>
-          </a:p>
-          <a:p>
-            <a:pPr lvl="1"/>
-            <a:r>
-              <a:rPr lang="pt-BR" dirty="0">
-                <a:effectLst/>
-                <a:latin typeface="Times New Roman" panose="02020603050405020304" pitchFamily="18" charset="0"/>
-                <a:ea typeface="Calibri" panose="020F0502020204030204" pitchFamily="34" charset="0"/>
-              </a:rPr>
-              <a:t>AUC ROC score</a:t>
-            </a:r>
-          </a:p>
-          <a:p>
-            <a:pPr lvl="1"/>
-            <a:endParaRPr lang="pt-BR" dirty="0">
-              <a:latin typeface="Times New Roman" panose="02020603050405020304" pitchFamily="18" charset="0"/>
-              <a:ea typeface="Calibri" panose="020F0502020204030204" pitchFamily="34" charset="0"/>
-            </a:endParaRPr>
-          </a:p>
-          <a:p>
-            <a:r>
-              <a:rPr lang="pt-BR" dirty="0">
-                <a:latin typeface="Times New Roman" panose="02020603050405020304" pitchFamily="18" charset="0"/>
-                <a:ea typeface="Calibri" panose="020F0502020204030204" pitchFamily="34" charset="0"/>
-              </a:rPr>
-              <a:t>Taxa de falso positivo</a:t>
-            </a:r>
-          </a:p>
-          <a:p>
-            <a:r>
-              <a:rPr lang="pt-BR" dirty="0">
-                <a:latin typeface="Times New Roman" panose="02020603050405020304" pitchFamily="18" charset="0"/>
-                <a:ea typeface="Calibri" panose="020F0502020204030204" pitchFamily="34" charset="0"/>
-              </a:rPr>
-              <a:t>Taxa de falso negativo</a:t>
-            </a:r>
-          </a:p>
-        </p:txBody>
-      </p:sp>
-    </p:spTree>
-    <p:extLst>
-      <p:ext uri="{BB962C8B-B14F-4D97-AF65-F5344CB8AC3E}">
-        <p14:creationId xmlns:p14="http://schemas.microsoft.com/office/powerpoint/2010/main" val="2717822608"/>
-      </p:ext>
-    </p:extLst>
-  </p:cSld>
-  <p:clrMapOvr>
-    <a:masterClrMapping/>
-  </p:clrMapOvr>
-</p:sld>
-</file>
-
-<file path=ppt/slides/slide3.xml><?xml version="1.0" encoding="utf-8"?>
-<p:sld xmlns:a="http://schemas.openxmlformats.org/drawingml/2006/main" xmlns:r="http://schemas.openxmlformats.org/officeDocument/2006/relationships" xmlns:p="http://schemas.openxmlformats.org/presentationml/2006/main">
-  <p:cSld>
-    <p:spTree>
-      <p:nvGrpSpPr>
-        <p:cNvPr id="1" name=""/>
-        <p:cNvGrpSpPr/>
-        <p:nvPr/>
-      </p:nvGrpSpPr>
-      <p:grpSpPr>
-        <a:xfrm>
-          <a:off x="0" y="0"/>
-          <a:ext cx="0" cy="0"/>
-          <a:chOff x="0" y="0"/>
-          <a:chExt cx="0" cy="0"/>
-        </a:xfrm>
-      </p:grpSpPr>
-      <p:sp>
-        <p:nvSpPr>
-          <p:cNvPr id="2" name="Título 1">
-            <a:extLst>
-              <a:ext uri="{FF2B5EF4-FFF2-40B4-BE49-F238E27FC236}">
-                <a16:creationId xmlns:a16="http://schemas.microsoft.com/office/drawing/2014/main" id="{53E34F15-1401-6555-7E0C-0775BD73A80D}"/>
-              </a:ext>
-            </a:extLst>
-          </p:cNvPr>
-          <p:cNvSpPr>
-            <a:spLocks noGrp="1"/>
-          </p:cNvSpPr>
-          <p:nvPr>
-            <p:ph type="title"/>
-          </p:nvPr>
-        </p:nvSpPr>
-        <p:spPr/>
-        <p:txBody>
-          <a:bodyPr/>
-          <a:lstStyle/>
-          <a:p>
-            <a:r>
-              <a:rPr lang="pt-BR" sz="3600" dirty="0"/>
-              <a:t>Classificador</a:t>
-            </a:r>
-            <a:endParaRPr lang="pt-BR" dirty="0"/>
-          </a:p>
-        </p:txBody>
-      </p:sp>
-      <p:sp>
-        <p:nvSpPr>
-          <p:cNvPr id="3" name="Espaço Reservado para Conteúdo 2">
-            <a:extLst>
-              <a:ext uri="{FF2B5EF4-FFF2-40B4-BE49-F238E27FC236}">
-                <a16:creationId xmlns:a16="http://schemas.microsoft.com/office/drawing/2014/main" id="{3954702C-87FE-AE79-69A5-4DEF476A7AED}"/>
-              </a:ext>
-            </a:extLst>
-          </p:cNvPr>
-          <p:cNvSpPr>
-            <a:spLocks noGrp="1"/>
-          </p:cNvSpPr>
-          <p:nvPr>
-            <p:ph idx="1"/>
-          </p:nvPr>
-        </p:nvSpPr>
-        <p:spPr/>
-        <p:txBody>
-          <a:bodyPr>
-            <a:normAutofit/>
-          </a:bodyPr>
-          <a:lstStyle/>
-          <a:p>
-            <a:endParaRPr lang="pt-BR" sz="1800" dirty="0">
-              <a:solidFill>
-                <a:srgbClr val="000000"/>
-              </a:solidFill>
-              <a:effectLst/>
-              <a:latin typeface="Times New Roman" panose="02020603050405020304" pitchFamily="18" charset="0"/>
-              <a:ea typeface="Calibri" panose="020F0502020204030204" pitchFamily="34" charset="0"/>
-            </a:endParaRPr>
-          </a:p>
-          <a:p>
-            <a:r>
-              <a:rPr lang="pt-BR" sz="1800" dirty="0">
-                <a:solidFill>
-                  <a:srgbClr val="000000"/>
-                </a:solidFill>
-                <a:effectLst/>
-                <a:latin typeface="Times New Roman" panose="02020603050405020304" pitchFamily="18" charset="0"/>
-                <a:ea typeface="Calibri" panose="020F0502020204030204" pitchFamily="34" charset="0"/>
-              </a:rPr>
-              <a:t>Criar um classificador que indique caso de AVC ou não a partir de dados sobre indivíduos</a:t>
-            </a:r>
-          </a:p>
-          <a:p>
-            <a:endParaRPr lang="pt-BR" dirty="0">
-              <a:solidFill>
-                <a:srgbClr val="000000"/>
-              </a:solidFill>
-              <a:latin typeface="Times New Roman" panose="02020603050405020304" pitchFamily="18" charset="0"/>
-              <a:ea typeface="Calibri" panose="020F0502020204030204" pitchFamily="34" charset="0"/>
-            </a:endParaRPr>
-          </a:p>
-          <a:p>
-            <a:pPr marL="0" indent="0">
-              <a:buNone/>
-            </a:pPr>
-            <a:r>
-              <a:rPr lang="pt-BR" b="1" dirty="0">
-                <a:solidFill>
-                  <a:srgbClr val="000000"/>
-                </a:solidFill>
-                <a:latin typeface="Times New Roman" panose="02020603050405020304" pitchFamily="18" charset="0"/>
-                <a:ea typeface="Calibri" panose="020F0502020204030204" pitchFamily="34" charset="0"/>
-              </a:rPr>
-              <a:t>Fases da criação:</a:t>
-            </a:r>
-            <a:endParaRPr lang="pt-BR" b="1" dirty="0">
-              <a:solidFill>
-                <a:srgbClr val="000000"/>
-              </a:solidFill>
-              <a:effectLst/>
-              <a:latin typeface="Times New Roman" panose="02020603050405020304" pitchFamily="18" charset="0"/>
-              <a:ea typeface="Calibri" panose="020F0502020204030204" pitchFamily="34" charset="0"/>
-            </a:endParaRPr>
-          </a:p>
-          <a:p>
-            <a:pPr marL="342900" indent="-342900">
-              <a:buFont typeface="+mj-lt"/>
-              <a:buAutoNum type="arabicPeriod"/>
-            </a:pPr>
-            <a:r>
-              <a:rPr lang="pt-BR" sz="1800" dirty="0">
-                <a:solidFill>
-                  <a:srgbClr val="000000"/>
-                </a:solidFill>
-                <a:latin typeface="Times New Roman" panose="02020603050405020304" pitchFamily="18" charset="0"/>
-                <a:ea typeface="Calibri" panose="020F0502020204030204" pitchFamily="34" charset="0"/>
-              </a:rPr>
-              <a:t>Preparação dos dados</a:t>
-            </a:r>
-          </a:p>
-          <a:p>
-            <a:pPr marL="342900" indent="-342900">
-              <a:buFont typeface="+mj-lt"/>
-              <a:buAutoNum type="arabicPeriod"/>
-            </a:pPr>
-            <a:r>
-              <a:rPr lang="pt-BR" sz="1800" dirty="0">
-                <a:solidFill>
-                  <a:srgbClr val="000000"/>
-                </a:solidFill>
-                <a:latin typeface="Times New Roman" panose="02020603050405020304" pitchFamily="18" charset="0"/>
-                <a:ea typeface="Calibri" panose="020F0502020204030204" pitchFamily="34" charset="0"/>
-              </a:rPr>
-              <a:t>Modelagem</a:t>
-            </a:r>
-          </a:p>
-          <a:p>
-            <a:pPr marL="342900" indent="-342900">
-              <a:buFont typeface="+mj-lt"/>
-              <a:buAutoNum type="arabicPeriod"/>
-            </a:pPr>
-            <a:r>
-              <a:rPr lang="pt-BR" dirty="0">
-                <a:solidFill>
-                  <a:srgbClr val="000000"/>
-                </a:solidFill>
-                <a:effectLst/>
-                <a:latin typeface="Times New Roman" panose="02020603050405020304" pitchFamily="18" charset="0"/>
-                <a:ea typeface="Calibri" panose="020F0502020204030204" pitchFamily="34" charset="0"/>
-              </a:rPr>
-              <a:t>Avaliação dos resultados</a:t>
-            </a:r>
-            <a:endParaRPr lang="pt-BR" sz="1800" dirty="0">
-              <a:solidFill>
-                <a:srgbClr val="000000"/>
-              </a:solidFill>
-              <a:effectLst/>
-              <a:latin typeface="Times New Roman" panose="02020603050405020304" pitchFamily="18" charset="0"/>
-              <a:ea typeface="Calibri" panose="020F0502020204030204" pitchFamily="34" charset="0"/>
-            </a:endParaRPr>
-          </a:p>
-        </p:txBody>
-      </p:sp>
-    </p:spTree>
-    <p:extLst>
-      <p:ext uri="{BB962C8B-B14F-4D97-AF65-F5344CB8AC3E}">
-        <p14:creationId xmlns:p14="http://schemas.microsoft.com/office/powerpoint/2010/main" val="736646105"/>
-      </p:ext>
-    </p:extLst>
-  </p:cSld>
-  <p:clrMapOvr>
-    <a:masterClrMapping/>
-  </p:clrMapOvr>
-</p:sld>
-</file>
-
-<file path=ppt/slides/slide4.xml><?xml version="1.0" encoding="utf-8"?>
-<p:sld xmlns:a="http://schemas.openxmlformats.org/drawingml/2006/main" xmlns:r="http://schemas.openxmlformats.org/officeDocument/2006/relationships" xmlns:p="http://schemas.openxmlformats.org/presentationml/2006/main">
-  <p:cSld>
-    <p:spTree>
-      <p:nvGrpSpPr>
-        <p:cNvPr id="1" name=""/>
-        <p:cNvGrpSpPr/>
-        <p:nvPr/>
-      </p:nvGrpSpPr>
-      <p:grpSpPr>
-        <a:xfrm>
-          <a:off x="0" y="0"/>
-          <a:ext cx="0" cy="0"/>
-          <a:chOff x="0" y="0"/>
-          <a:chExt cx="0" cy="0"/>
-        </a:xfrm>
-      </p:grpSpPr>
-      <p:sp>
-        <p:nvSpPr>
-          <p:cNvPr id="2" name="Título 1">
-            <a:extLst>
-              <a:ext uri="{FF2B5EF4-FFF2-40B4-BE49-F238E27FC236}">
-                <a16:creationId xmlns:a16="http://schemas.microsoft.com/office/drawing/2014/main" id="{E044AE5F-6C45-37FC-9916-D3C19DF8BF90}"/>
-              </a:ext>
-            </a:extLst>
-          </p:cNvPr>
-          <p:cNvSpPr>
-            <a:spLocks noGrp="1"/>
-          </p:cNvSpPr>
-          <p:nvPr>
-            <p:ph type="title"/>
-          </p:nvPr>
-        </p:nvSpPr>
-        <p:spPr>
-          <a:xfrm>
-            <a:off x="1386840" y="0"/>
-            <a:ext cx="9418320" cy="4041648"/>
-          </a:xfrm>
-        </p:spPr>
-        <p:txBody>
-          <a:bodyPr>
-            <a:normAutofit/>
-          </a:bodyPr>
-          <a:lstStyle/>
-          <a:p>
-            <a:r>
-              <a:rPr lang="pt-BR" sz="4400" dirty="0"/>
-              <a:t>Preparação dos dados</a:t>
-            </a:r>
-          </a:p>
-        </p:txBody>
-      </p:sp>
-    </p:spTree>
-    <p:extLst>
-      <p:ext uri="{BB962C8B-B14F-4D97-AF65-F5344CB8AC3E}">
-        <p14:creationId xmlns:p14="http://schemas.microsoft.com/office/powerpoint/2010/main" val="3288043394"/>
-      </p:ext>
-    </p:extLst>
-  </p:cSld>
-  <p:clrMapOvr>
-    <a:masterClrMapping/>
-  </p:clrMapOvr>
-</p:sld>
-</file>
-
-<file path=ppt/slides/slide5.xml><?xml version="1.0" encoding="utf-8"?>
-<p:sld xmlns:a="http://schemas.openxmlformats.org/drawingml/2006/main" xmlns:r="http://schemas.openxmlformats.org/officeDocument/2006/relationships" xmlns:p="http://schemas.openxmlformats.org/presentationml/2006/main">
-  <p:cSld>
-    <p:spTree>
-      <p:nvGrpSpPr>
-        <p:cNvPr id="1" name=""/>
-        <p:cNvGrpSpPr/>
-        <p:nvPr/>
-      </p:nvGrpSpPr>
-      <p:grpSpPr>
-        <a:xfrm>
-          <a:off x="0" y="0"/>
-          <a:ext cx="0" cy="0"/>
-          <a:chOff x="0" y="0"/>
-          <a:chExt cx="0" cy="0"/>
-        </a:xfrm>
-      </p:grpSpPr>
-      <p:sp>
-        <p:nvSpPr>
-          <p:cNvPr id="2" name="Título 1">
-            <a:extLst>
-              <a:ext uri="{FF2B5EF4-FFF2-40B4-BE49-F238E27FC236}">
-                <a16:creationId xmlns:a16="http://schemas.microsoft.com/office/drawing/2014/main" id="{8D3FA761-08B7-45D9-F3E8-04323A55D0BF}"/>
-              </a:ext>
-            </a:extLst>
-          </p:cNvPr>
-          <p:cNvSpPr>
-            <a:spLocks noGrp="1"/>
-          </p:cNvSpPr>
-          <p:nvPr>
-            <p:ph type="title"/>
-          </p:nvPr>
-        </p:nvSpPr>
-        <p:spPr/>
-        <p:txBody>
-          <a:bodyPr>
-            <a:normAutofit/>
-          </a:bodyPr>
-          <a:lstStyle/>
-          <a:p>
-            <a:r>
-              <a:rPr lang="pt-BR" sz="3200" dirty="0"/>
-              <a:t>Preparação dos dados - balanceamento</a:t>
-            </a:r>
-          </a:p>
-        </p:txBody>
-      </p:sp>
-      <p:sp>
-        <p:nvSpPr>
-          <p:cNvPr id="3" name="Espaço Reservado para Conteúdo 2">
-            <a:extLst>
-              <a:ext uri="{FF2B5EF4-FFF2-40B4-BE49-F238E27FC236}">
-                <a16:creationId xmlns:a16="http://schemas.microsoft.com/office/drawing/2014/main" id="{F86AB755-B867-90E9-6738-B6EAF65FA8C4}"/>
-              </a:ext>
-            </a:extLst>
-          </p:cNvPr>
-          <p:cNvSpPr>
-            <a:spLocks noGrp="1"/>
-          </p:cNvSpPr>
-          <p:nvPr>
-            <p:ph idx="1"/>
-          </p:nvPr>
-        </p:nvSpPr>
-        <p:spPr/>
-        <p:txBody>
-          <a:bodyPr>
-            <a:normAutofit/>
-          </a:bodyPr>
-          <a:lstStyle/>
-          <a:p>
-            <a:endParaRPr lang="pt-BR" dirty="0"/>
-          </a:p>
-          <a:p>
-            <a:r>
-              <a:rPr lang="pt-BR" dirty="0"/>
-              <a:t>Distribuição original da variável alvo:</a:t>
-            </a:r>
-          </a:p>
-          <a:p>
-            <a:pPr lvl="1" algn="just">
-              <a:lnSpc>
-                <a:spcPct val="150000"/>
-              </a:lnSpc>
-              <a:spcAft>
-                <a:spcPts val="800"/>
-              </a:spcAft>
-            </a:pPr>
-            <a:r>
-              <a:rPr lang="pt-BR" dirty="0">
-                <a:effectLst/>
-                <a:latin typeface="Times New Roman" panose="02020603050405020304" pitchFamily="18" charset="0"/>
-                <a:ea typeface="Calibri" panose="020F0502020204030204" pitchFamily="34" charset="0"/>
-                <a:cs typeface="Times New Roman" panose="02020603050405020304" pitchFamily="18" charset="0"/>
-              </a:rPr>
-              <a:t>249 casos para ocorrência de AVC (5%)</a:t>
-            </a:r>
-          </a:p>
-          <a:p>
-            <a:pPr lvl="1" algn="just">
-              <a:lnSpc>
-                <a:spcPct val="150000"/>
-              </a:lnSpc>
-              <a:spcAft>
-                <a:spcPts val="800"/>
-              </a:spcAft>
-            </a:pPr>
-            <a:r>
-              <a:rPr lang="pt-BR" dirty="0">
-                <a:effectLst/>
-                <a:latin typeface="Times New Roman" panose="02020603050405020304" pitchFamily="18" charset="0"/>
-                <a:ea typeface="Calibri" panose="020F0502020204030204" pitchFamily="34" charset="0"/>
-                <a:cs typeface="Times New Roman" panose="02020603050405020304" pitchFamily="18" charset="0"/>
-              </a:rPr>
-              <a:t>4861 casos de não ocorrência de AVC  (95%)</a:t>
-            </a:r>
-          </a:p>
-          <a:p>
-            <a:pPr algn="just">
-              <a:lnSpc>
-                <a:spcPct val="150000"/>
-              </a:lnSpc>
-              <a:spcAft>
-                <a:spcPts val="800"/>
-              </a:spcAft>
-            </a:pPr>
-            <a:r>
-              <a:rPr lang="pt-BR" b="1" dirty="0">
-                <a:latin typeface="Times New Roman" panose="02020603050405020304" pitchFamily="18" charset="0"/>
-                <a:ea typeface="Calibri" panose="020F0502020204030204" pitchFamily="34" charset="0"/>
-                <a:cs typeface="Times New Roman" panose="02020603050405020304" pitchFamily="18" charset="0"/>
-              </a:rPr>
-              <a:t>Problema:</a:t>
-            </a:r>
-            <a:r>
-              <a:rPr lang="pt-BR" dirty="0">
-                <a:latin typeface="Times New Roman" panose="02020603050405020304" pitchFamily="18" charset="0"/>
-                <a:ea typeface="Calibri" panose="020F0502020204030204" pitchFamily="34" charset="0"/>
-                <a:cs typeface="Times New Roman" panose="02020603050405020304" pitchFamily="18" charset="0"/>
-              </a:rPr>
-              <a:t> sem balanceamento, classificador fica tendencioso</a:t>
-            </a:r>
-          </a:p>
-        </p:txBody>
-      </p:sp>
-    </p:spTree>
-    <p:extLst>
-      <p:ext uri="{BB962C8B-B14F-4D97-AF65-F5344CB8AC3E}">
-        <p14:creationId xmlns:p14="http://schemas.microsoft.com/office/powerpoint/2010/main" val="1501323548"/>
-      </p:ext>
-    </p:extLst>
-  </p:cSld>
-  <p:clrMapOvr>
-    <a:masterClrMapping/>
-  </p:clrMapOvr>
-</p:sld>
-</file>
-
-<file path=ppt/slides/slide6.xml><?xml version="1.0" encoding="utf-8"?>
-<p:sld xmlns:a="http://schemas.openxmlformats.org/drawingml/2006/main" xmlns:r="http://schemas.openxmlformats.org/officeDocument/2006/relationships" xmlns:p="http://schemas.openxmlformats.org/presentationml/2006/main">
-  <p:cSld>
-    <p:spTree>
-      <p:nvGrpSpPr>
-        <p:cNvPr id="1" name=""/>
-        <p:cNvGrpSpPr/>
-        <p:nvPr/>
-      </p:nvGrpSpPr>
-      <p:grpSpPr>
-        <a:xfrm>
-          <a:off x="0" y="0"/>
-          <a:ext cx="0" cy="0"/>
-          <a:chOff x="0" y="0"/>
-          <a:chExt cx="0" cy="0"/>
-        </a:xfrm>
-      </p:grpSpPr>
-      <p:sp>
-        <p:nvSpPr>
-          <p:cNvPr id="2" name="Título 1">
-            <a:extLst>
-              <a:ext uri="{FF2B5EF4-FFF2-40B4-BE49-F238E27FC236}">
-                <a16:creationId xmlns:a16="http://schemas.microsoft.com/office/drawing/2014/main" id="{8D3FA761-08B7-45D9-F3E8-04323A55D0BF}"/>
-              </a:ext>
-            </a:extLst>
-          </p:cNvPr>
-          <p:cNvSpPr>
-            <a:spLocks noGrp="1"/>
-          </p:cNvSpPr>
-          <p:nvPr>
-            <p:ph type="title"/>
-          </p:nvPr>
-        </p:nvSpPr>
-        <p:spPr/>
-        <p:txBody>
-          <a:bodyPr>
-            <a:normAutofit/>
-          </a:bodyPr>
-          <a:lstStyle/>
-          <a:p>
-            <a:r>
-              <a:rPr lang="pt-BR" sz="3200" dirty="0"/>
-              <a:t>Preparação dos dados - balanceamento</a:t>
-            </a:r>
-          </a:p>
-        </p:txBody>
-      </p:sp>
-      <p:sp>
-        <p:nvSpPr>
-          <p:cNvPr id="3" name="Espaço Reservado para Conteúdo 2">
-            <a:extLst>
-              <a:ext uri="{FF2B5EF4-FFF2-40B4-BE49-F238E27FC236}">
-                <a16:creationId xmlns:a16="http://schemas.microsoft.com/office/drawing/2014/main" id="{F86AB755-B867-90E9-6738-B6EAF65FA8C4}"/>
-              </a:ext>
-            </a:extLst>
-          </p:cNvPr>
-          <p:cNvSpPr>
-            <a:spLocks noGrp="1"/>
-          </p:cNvSpPr>
-          <p:nvPr>
-            <p:ph idx="1"/>
-          </p:nvPr>
-        </p:nvSpPr>
-        <p:spPr/>
-        <p:txBody>
-          <a:bodyPr>
-            <a:normAutofit/>
-          </a:bodyPr>
-          <a:lstStyle/>
-          <a:p>
-            <a:endParaRPr lang="pt-BR" dirty="0"/>
-          </a:p>
-          <a:p>
-            <a:pPr marL="0" indent="0">
-              <a:buNone/>
-            </a:pPr>
-            <a:endParaRPr lang="pt-BR" sz="1800" dirty="0">
-              <a:effectLst/>
-              <a:latin typeface="Times New Roman" panose="02020603050405020304" pitchFamily="18" charset="0"/>
-              <a:ea typeface="Calibri" panose="020F0502020204030204" pitchFamily="34" charset="0"/>
-              <a:cs typeface="Times New Roman" panose="02020603050405020304" pitchFamily="18" charset="0"/>
-            </a:endParaRPr>
-          </a:p>
-          <a:p>
-            <a:pPr marL="0" indent="0">
-              <a:buNone/>
-            </a:pPr>
-            <a:r>
-              <a:rPr lang="pt-BR" sz="1800" dirty="0">
-                <a:effectLst/>
-                <a:latin typeface="Times New Roman" panose="02020603050405020304" pitchFamily="18" charset="0"/>
-                <a:ea typeface="Calibri" panose="020F0502020204030204" pitchFamily="34" charset="0"/>
-                <a:cs typeface="Times New Roman" panose="02020603050405020304" pitchFamily="18" charset="0"/>
-              </a:rPr>
-              <a:t>1. Separação do conjunto total a partir das duas classes:</a:t>
-            </a:r>
-            <a:endParaRPr lang="pt-BR" sz="1800" dirty="0">
-              <a:effectLst/>
-              <a:latin typeface="Calibri" panose="020F0502020204030204" pitchFamily="34" charset="0"/>
-              <a:ea typeface="Calibri" panose="020F0502020204030204" pitchFamily="34" charset="0"/>
-              <a:cs typeface="Times New Roman" panose="02020603050405020304" pitchFamily="18" charset="0"/>
-            </a:endParaRPr>
-          </a:p>
-          <a:p>
-            <a:endParaRPr lang="pt-BR" dirty="0">
-              <a:latin typeface="Times New Roman" panose="02020603050405020304" pitchFamily="18" charset="0"/>
-              <a:ea typeface="Calibri" panose="020F0502020204030204" pitchFamily="34" charset="0"/>
-              <a:cs typeface="Times New Roman" panose="02020603050405020304" pitchFamily="18" charset="0"/>
-            </a:endParaRPr>
-          </a:p>
-        </p:txBody>
-      </p:sp>
-      <p:pic>
-        <p:nvPicPr>
-          <p:cNvPr id="7" name="Imagem 6">
-            <a:extLst>
-              <a:ext uri="{FF2B5EF4-FFF2-40B4-BE49-F238E27FC236}">
-                <a16:creationId xmlns:a16="http://schemas.microsoft.com/office/drawing/2014/main" id="{B1B74E42-48DE-029E-F55A-EFC12117B168}"/>
-              </a:ext>
-            </a:extLst>
-          </p:cNvPr>
-          <p:cNvPicPr>
-            <a:picLocks noChangeAspect="1"/>
-          </p:cNvPicPr>
-          <p:nvPr/>
-        </p:nvPicPr>
-        <p:blipFill>
-          <a:blip r:embed="rId2">
-            <a:extLst>
-              <a:ext uri="{28A0092B-C50C-407E-A947-70E740481C1C}">
-                <a14:useLocalDpi xmlns:a14="http://schemas.microsoft.com/office/drawing/2010/main" val="0"/>
-              </a:ext>
-            </a:extLst>
-          </a:blip>
-          <a:srcRect/>
-          <a:stretch>
-            <a:fillRect/>
-          </a:stretch>
-        </p:blipFill>
-        <p:spPr bwMode="auto">
-          <a:xfrm>
-            <a:off x="3608382" y="3429000"/>
-            <a:ext cx="4359937" cy="1355481"/>
-          </a:xfrm>
-          <a:prstGeom prst="rect">
-            <a:avLst/>
-          </a:prstGeom>
-          <a:noFill/>
-          <a:ln>
-            <a:noFill/>
-          </a:ln>
-        </p:spPr>
-      </p:pic>
-    </p:spTree>
-    <p:extLst>
-      <p:ext uri="{BB962C8B-B14F-4D97-AF65-F5344CB8AC3E}">
-        <p14:creationId xmlns:p14="http://schemas.microsoft.com/office/powerpoint/2010/main" val="2158900547"/>
-      </p:ext>
-    </p:extLst>
-  </p:cSld>
-  <p:clrMapOvr>
-    <a:masterClrMapping/>
-  </p:clrMapOvr>
-</p:sld>
-</file>
-
-<file path=ppt/slides/slide7.xml><?xml version="1.0" encoding="utf-8"?>
-<p:sld xmlns:a="http://schemas.openxmlformats.org/drawingml/2006/main" xmlns:r="http://schemas.openxmlformats.org/officeDocument/2006/relationships" xmlns:p="http://schemas.openxmlformats.org/presentationml/2006/main">
-  <p:cSld>
-    <p:spTree>
-      <p:nvGrpSpPr>
-        <p:cNvPr id="1" name=""/>
-        <p:cNvGrpSpPr/>
-        <p:nvPr/>
-      </p:nvGrpSpPr>
-      <p:grpSpPr>
-        <a:xfrm>
-          <a:off x="0" y="0"/>
-          <a:ext cx="0" cy="0"/>
-          <a:chOff x="0" y="0"/>
-          <a:chExt cx="0" cy="0"/>
-        </a:xfrm>
-      </p:grpSpPr>
-      <p:sp>
-        <p:nvSpPr>
-          <p:cNvPr id="2" name="Título 1">
-            <a:extLst>
-              <a:ext uri="{FF2B5EF4-FFF2-40B4-BE49-F238E27FC236}">
-                <a16:creationId xmlns:a16="http://schemas.microsoft.com/office/drawing/2014/main" id="{8D3FA761-08B7-45D9-F3E8-04323A55D0BF}"/>
-              </a:ext>
-            </a:extLst>
-          </p:cNvPr>
-          <p:cNvSpPr>
-            <a:spLocks noGrp="1"/>
-          </p:cNvSpPr>
-          <p:nvPr>
-            <p:ph type="title"/>
-          </p:nvPr>
-        </p:nvSpPr>
-        <p:spPr/>
-        <p:txBody>
-          <a:bodyPr>
-            <a:normAutofit/>
-          </a:bodyPr>
-          <a:lstStyle/>
-          <a:p>
-            <a:r>
-              <a:rPr lang="pt-BR" sz="3200" dirty="0"/>
-              <a:t>Preparação dos dados - balanceamento</a:t>
-            </a:r>
-          </a:p>
-        </p:txBody>
-      </p:sp>
-      <p:sp>
-        <p:nvSpPr>
-          <p:cNvPr id="3" name="Espaço Reservado para Conteúdo 2">
-            <a:extLst>
-              <a:ext uri="{FF2B5EF4-FFF2-40B4-BE49-F238E27FC236}">
-                <a16:creationId xmlns:a16="http://schemas.microsoft.com/office/drawing/2014/main" id="{F86AB755-B867-90E9-6738-B6EAF65FA8C4}"/>
-              </a:ext>
-            </a:extLst>
-          </p:cNvPr>
-          <p:cNvSpPr>
-            <a:spLocks noGrp="1"/>
-          </p:cNvSpPr>
-          <p:nvPr>
-            <p:ph idx="1"/>
-          </p:nvPr>
-        </p:nvSpPr>
-        <p:spPr/>
-        <p:txBody>
-          <a:bodyPr>
-            <a:normAutofit/>
-          </a:bodyPr>
-          <a:lstStyle/>
-          <a:p>
-            <a:pPr marL="0" lvl="0" indent="0" algn="just">
-              <a:lnSpc>
-                <a:spcPct val="150000"/>
-              </a:lnSpc>
-              <a:spcAft>
-                <a:spcPts val="800"/>
-              </a:spcAft>
-              <a:buNone/>
-            </a:pPr>
-            <a:endParaRPr lang="pt-BR" dirty="0"/>
-          </a:p>
-          <a:p>
-            <a:pPr marL="0" lvl="0" indent="0" algn="just">
-              <a:lnSpc>
-                <a:spcPct val="150000"/>
-              </a:lnSpc>
-              <a:spcAft>
-                <a:spcPts val="800"/>
-              </a:spcAft>
-              <a:buNone/>
-            </a:pPr>
-            <a:r>
-              <a:rPr lang="pt-BR" sz="1800" dirty="0">
-                <a:effectLst/>
-                <a:latin typeface="Times New Roman" panose="02020603050405020304" pitchFamily="18" charset="0"/>
-                <a:ea typeface="Calibri" panose="020F0502020204030204" pitchFamily="34" charset="0"/>
-                <a:cs typeface="Times New Roman" panose="02020603050405020304" pitchFamily="18" charset="0"/>
-              </a:rPr>
-              <a:t>2. Subamostragem do conjunto de dados da classe </a:t>
-            </a:r>
-            <a:r>
-              <a:rPr lang="pt-BR" sz="1800" i="1" dirty="0">
-                <a:effectLst/>
-                <a:latin typeface="Times New Roman" panose="02020603050405020304" pitchFamily="18" charset="0"/>
-                <a:ea typeface="Calibri" panose="020F0502020204030204" pitchFamily="34" charset="0"/>
-                <a:cs typeface="Times New Roman" panose="02020603050405020304" pitchFamily="18" charset="0"/>
-              </a:rPr>
-              <a:t>não AVC</a:t>
-            </a:r>
-            <a:r>
-              <a:rPr lang="pt-BR" sz="1800" dirty="0">
-                <a:effectLst/>
-                <a:latin typeface="Times New Roman" panose="02020603050405020304" pitchFamily="18" charset="0"/>
-                <a:ea typeface="Calibri" panose="020F0502020204030204" pitchFamily="34" charset="0"/>
-                <a:cs typeface="Times New Roman" panose="02020603050405020304" pitchFamily="18" charset="0"/>
-              </a:rPr>
-              <a:t>:</a:t>
-            </a:r>
-            <a:endParaRPr lang="pt-BR" sz="1800" dirty="0">
-              <a:effectLst/>
-              <a:latin typeface="Calibri" panose="020F0502020204030204" pitchFamily="34" charset="0"/>
-              <a:ea typeface="Calibri" panose="020F0502020204030204" pitchFamily="34" charset="0"/>
-              <a:cs typeface="Times New Roman" panose="02020603050405020304" pitchFamily="18" charset="0"/>
-            </a:endParaRPr>
-          </a:p>
-          <a:p>
-            <a:endParaRPr lang="pt-BR" dirty="0">
-              <a:latin typeface="Times New Roman" panose="02020603050405020304" pitchFamily="18" charset="0"/>
-              <a:ea typeface="Calibri" panose="020F0502020204030204" pitchFamily="34" charset="0"/>
-              <a:cs typeface="Times New Roman" panose="02020603050405020304" pitchFamily="18" charset="0"/>
-            </a:endParaRPr>
-          </a:p>
-        </p:txBody>
-      </p:sp>
-      <p:pic>
-        <p:nvPicPr>
-          <p:cNvPr id="4" name="Imagem 3">
-            <a:extLst>
-              <a:ext uri="{FF2B5EF4-FFF2-40B4-BE49-F238E27FC236}">
-                <a16:creationId xmlns:a16="http://schemas.microsoft.com/office/drawing/2014/main" id="{E0517B1F-5D95-0618-EA79-B4C3568A35E0}"/>
-              </a:ext>
-            </a:extLst>
-          </p:cNvPr>
-          <p:cNvPicPr>
-            <a:picLocks noChangeAspect="1"/>
-          </p:cNvPicPr>
-          <p:nvPr/>
-        </p:nvPicPr>
-        <p:blipFill>
-          <a:blip r:embed="rId2">
-            <a:extLst>
-              <a:ext uri="{28A0092B-C50C-407E-A947-70E740481C1C}">
-                <a14:useLocalDpi xmlns:a14="http://schemas.microsoft.com/office/drawing/2010/main" val="0"/>
-              </a:ext>
-            </a:extLst>
-          </a:blip>
-          <a:srcRect/>
-          <a:stretch>
-            <a:fillRect/>
-          </a:stretch>
-        </p:blipFill>
-        <p:spPr bwMode="auto">
-          <a:xfrm>
-            <a:off x="3560253" y="3429000"/>
-            <a:ext cx="4241510" cy="1295046"/>
-          </a:xfrm>
-          <a:prstGeom prst="rect">
-            <a:avLst/>
-          </a:prstGeom>
-          <a:noFill/>
-          <a:ln>
-            <a:noFill/>
-          </a:ln>
-        </p:spPr>
-      </p:pic>
-    </p:spTree>
-    <p:extLst>
-      <p:ext uri="{BB962C8B-B14F-4D97-AF65-F5344CB8AC3E}">
-        <p14:creationId xmlns:p14="http://schemas.microsoft.com/office/powerpoint/2010/main" val="2981701091"/>
-      </p:ext>
-    </p:extLst>
-  </p:cSld>
-  <p:clrMapOvr>
-    <a:masterClrMapping/>
-  </p:clrMapOvr>
-</p:sld>
-</file>
-
-<file path=ppt/slides/slide8.xml><?xml version="1.0" encoding="utf-8"?>
-<p:sld xmlns:a="http://schemas.openxmlformats.org/drawingml/2006/main" xmlns:r="http://schemas.openxmlformats.org/officeDocument/2006/relationships" xmlns:p="http://schemas.openxmlformats.org/presentationml/2006/main">
-  <p:cSld>
-    <p:spTree>
-      <p:nvGrpSpPr>
-        <p:cNvPr id="1" name=""/>
-        <p:cNvGrpSpPr/>
-        <p:nvPr/>
-      </p:nvGrpSpPr>
-      <p:grpSpPr>
-        <a:xfrm>
-          <a:off x="0" y="0"/>
-          <a:ext cx="0" cy="0"/>
-          <a:chOff x="0" y="0"/>
-          <a:chExt cx="0" cy="0"/>
-        </a:xfrm>
-      </p:grpSpPr>
-      <p:sp>
-        <p:nvSpPr>
-          <p:cNvPr id="2" name="Título 1">
-            <a:extLst>
-              <a:ext uri="{FF2B5EF4-FFF2-40B4-BE49-F238E27FC236}">
-                <a16:creationId xmlns:a16="http://schemas.microsoft.com/office/drawing/2014/main" id="{8D3FA761-08B7-45D9-F3E8-04323A55D0BF}"/>
-              </a:ext>
-            </a:extLst>
-          </p:cNvPr>
-          <p:cNvSpPr>
-            <a:spLocks noGrp="1"/>
-          </p:cNvSpPr>
-          <p:nvPr>
-            <p:ph type="title"/>
-          </p:nvPr>
-        </p:nvSpPr>
-        <p:spPr/>
-        <p:txBody>
-          <a:bodyPr>
-            <a:normAutofit/>
-          </a:bodyPr>
-          <a:lstStyle/>
-          <a:p>
-            <a:r>
-              <a:rPr lang="pt-BR" sz="3200" dirty="0"/>
-              <a:t>Preparação dos dados - balanceamento</a:t>
-            </a:r>
-          </a:p>
-        </p:txBody>
-      </p:sp>
-      <p:sp>
-        <p:nvSpPr>
-          <p:cNvPr id="3" name="Espaço Reservado para Conteúdo 2">
-            <a:extLst>
-              <a:ext uri="{FF2B5EF4-FFF2-40B4-BE49-F238E27FC236}">
-                <a16:creationId xmlns:a16="http://schemas.microsoft.com/office/drawing/2014/main" id="{F86AB755-B867-90E9-6738-B6EAF65FA8C4}"/>
-              </a:ext>
-            </a:extLst>
-          </p:cNvPr>
-          <p:cNvSpPr>
-            <a:spLocks noGrp="1"/>
-          </p:cNvSpPr>
-          <p:nvPr>
-            <p:ph idx="1"/>
-          </p:nvPr>
-        </p:nvSpPr>
-        <p:spPr/>
-        <p:txBody>
-          <a:bodyPr>
-            <a:normAutofit/>
-          </a:bodyPr>
-          <a:lstStyle/>
-          <a:p>
-            <a:pPr marL="0" lvl="0" indent="0" algn="just">
-              <a:lnSpc>
-                <a:spcPct val="150000"/>
-              </a:lnSpc>
-              <a:spcAft>
-                <a:spcPts val="800"/>
-              </a:spcAft>
-              <a:buNone/>
-            </a:pPr>
-            <a:endParaRPr lang="pt-BR" dirty="0"/>
-          </a:p>
-          <a:p>
-            <a:pPr marL="0" lvl="0" indent="0" algn="just">
-              <a:lnSpc>
-                <a:spcPct val="150000"/>
-              </a:lnSpc>
-              <a:spcAft>
-                <a:spcPts val="800"/>
-              </a:spcAft>
-              <a:buNone/>
-            </a:pPr>
-            <a:r>
-              <a:rPr lang="pt-BR" dirty="0">
-                <a:latin typeface="Times New Roman" panose="02020603050405020304" pitchFamily="18" charset="0"/>
-                <a:ea typeface="Calibri" panose="020F0502020204030204" pitchFamily="34" charset="0"/>
-                <a:cs typeface="Times New Roman" panose="02020603050405020304" pitchFamily="18" charset="0"/>
-              </a:rPr>
-              <a:t>3</a:t>
-            </a:r>
-            <a:r>
-              <a:rPr lang="pt-BR" sz="1800" dirty="0">
-                <a:effectLst/>
-                <a:latin typeface="Times New Roman" panose="02020603050405020304" pitchFamily="18" charset="0"/>
-                <a:ea typeface="Calibri" panose="020F0502020204030204" pitchFamily="34" charset="0"/>
-                <a:cs typeface="Times New Roman" panose="02020603050405020304" pitchFamily="18" charset="0"/>
-              </a:rPr>
-              <a:t>. Junção do conjunto de dados da classe </a:t>
-            </a:r>
-            <a:r>
-              <a:rPr lang="pt-BR" sz="1800" i="1" dirty="0">
-                <a:effectLst/>
-                <a:latin typeface="Times New Roman" panose="02020603050405020304" pitchFamily="18" charset="0"/>
-                <a:ea typeface="Calibri" panose="020F0502020204030204" pitchFamily="34" charset="0"/>
-                <a:cs typeface="Times New Roman" panose="02020603050405020304" pitchFamily="18" charset="0"/>
-              </a:rPr>
-              <a:t>AVC</a:t>
-            </a:r>
-            <a:r>
-              <a:rPr lang="pt-BR" sz="1800" dirty="0">
-                <a:effectLst/>
-                <a:latin typeface="Times New Roman" panose="02020603050405020304" pitchFamily="18" charset="0"/>
-                <a:ea typeface="Calibri" panose="020F0502020204030204" pitchFamily="34" charset="0"/>
-                <a:cs typeface="Times New Roman" panose="02020603050405020304" pitchFamily="18" charset="0"/>
-              </a:rPr>
-              <a:t> com o novo conjunto de dados da classe </a:t>
-            </a:r>
-            <a:r>
-              <a:rPr lang="pt-BR" sz="1800" i="1" dirty="0">
-                <a:effectLst/>
-                <a:latin typeface="Times New Roman" panose="02020603050405020304" pitchFamily="18" charset="0"/>
-                <a:ea typeface="Calibri" panose="020F0502020204030204" pitchFamily="34" charset="0"/>
-                <a:cs typeface="Times New Roman" panose="02020603050405020304" pitchFamily="18" charset="0"/>
-              </a:rPr>
-              <a:t>não AVC</a:t>
-            </a:r>
-            <a:r>
-              <a:rPr lang="pt-BR" sz="1800" dirty="0">
-                <a:effectLst/>
-                <a:latin typeface="Times New Roman" panose="02020603050405020304" pitchFamily="18" charset="0"/>
-                <a:ea typeface="Calibri" panose="020F0502020204030204" pitchFamily="34" charset="0"/>
-                <a:cs typeface="Times New Roman" panose="02020603050405020304" pitchFamily="18" charset="0"/>
-              </a:rPr>
-              <a:t>:</a:t>
-            </a:r>
-            <a:endParaRPr lang="pt-BR" sz="1800" dirty="0">
-              <a:effectLst/>
-              <a:latin typeface="Calibri" panose="020F0502020204030204" pitchFamily="34" charset="0"/>
-              <a:ea typeface="Calibri" panose="020F0502020204030204" pitchFamily="34" charset="0"/>
-              <a:cs typeface="Times New Roman" panose="02020603050405020304" pitchFamily="18" charset="0"/>
-            </a:endParaRPr>
-          </a:p>
-          <a:p>
-            <a:endParaRPr lang="pt-BR" dirty="0">
-              <a:latin typeface="Times New Roman" panose="02020603050405020304" pitchFamily="18" charset="0"/>
-              <a:ea typeface="Calibri" panose="020F0502020204030204" pitchFamily="34" charset="0"/>
-              <a:cs typeface="Times New Roman" panose="02020603050405020304" pitchFamily="18" charset="0"/>
-            </a:endParaRPr>
-          </a:p>
-        </p:txBody>
-      </p:sp>
-      <p:pic>
-        <p:nvPicPr>
-          <p:cNvPr id="4" name="Imagem 3">
-            <a:extLst>
-              <a:ext uri="{FF2B5EF4-FFF2-40B4-BE49-F238E27FC236}">
-                <a16:creationId xmlns:a16="http://schemas.microsoft.com/office/drawing/2014/main" id="{7EC035F8-DC41-14DF-61F6-E45AE0346413}"/>
-              </a:ext>
-            </a:extLst>
-          </p:cNvPr>
-          <p:cNvPicPr>
-            <a:picLocks noChangeAspect="1"/>
-          </p:cNvPicPr>
-          <p:nvPr/>
-        </p:nvPicPr>
-        <p:blipFill>
-          <a:blip r:embed="rId2">
-            <a:extLst>
-              <a:ext uri="{28A0092B-C50C-407E-A947-70E740481C1C}">
-                <a14:useLocalDpi xmlns:a14="http://schemas.microsoft.com/office/drawing/2010/main" val="0"/>
-              </a:ext>
-            </a:extLst>
-          </a:blip>
-          <a:srcRect/>
-          <a:stretch>
-            <a:fillRect/>
-          </a:stretch>
-        </p:blipFill>
-        <p:spPr bwMode="auto">
-          <a:xfrm>
-            <a:off x="3386803" y="3546446"/>
-            <a:ext cx="4118383" cy="1319169"/>
-          </a:xfrm>
-          <a:prstGeom prst="rect">
-            <a:avLst/>
-          </a:prstGeom>
-          <a:noFill/>
-          <a:ln>
-            <a:noFill/>
-          </a:ln>
-        </p:spPr>
-      </p:pic>
-    </p:spTree>
-    <p:extLst>
-      <p:ext uri="{BB962C8B-B14F-4D97-AF65-F5344CB8AC3E}">
-        <p14:creationId xmlns:p14="http://schemas.microsoft.com/office/powerpoint/2010/main" val="3110985787"/>
-      </p:ext>
-    </p:extLst>
-  </p:cSld>
-  <p:clrMapOvr>
-    <a:masterClrMapping/>
-  </p:clrMapOvr>
-</p:sld>
-</file>
-
-<file path=ppt/slides/slide9.xml><?xml version="1.0" encoding="utf-8"?>
-<p:sld xmlns:a="http://schemas.openxmlformats.org/drawingml/2006/main" xmlns:r="http://schemas.openxmlformats.org/officeDocument/2006/relationships" xmlns:p="http://schemas.openxmlformats.org/presentationml/2006/main">
-  <p:cSld>
-    <p:spTree>
-      <p:nvGrpSpPr>
-        <p:cNvPr id="1" name=""/>
-        <p:cNvGrpSpPr/>
-        <p:nvPr/>
-      </p:nvGrpSpPr>
-      <p:grpSpPr>
-        <a:xfrm>
-          <a:off x="0" y="0"/>
-          <a:ext cx="0" cy="0"/>
-          <a:chOff x="0" y="0"/>
-          <a:chExt cx="0" cy="0"/>
-        </a:xfrm>
-      </p:grpSpPr>
-      <p:sp>
-        <p:nvSpPr>
-          <p:cNvPr id="2" name="Título 1">
-            <a:extLst>
-              <a:ext uri="{FF2B5EF4-FFF2-40B4-BE49-F238E27FC236}">
-                <a16:creationId xmlns:a16="http://schemas.microsoft.com/office/drawing/2014/main" id="{84149C11-9ED8-0425-6D7E-35F12A43F9AA}"/>
-              </a:ext>
-            </a:extLst>
-          </p:cNvPr>
-          <p:cNvSpPr>
-            <a:spLocks noGrp="1"/>
-          </p:cNvSpPr>
-          <p:nvPr>
-            <p:ph type="title"/>
-          </p:nvPr>
-        </p:nvSpPr>
-        <p:spPr/>
-        <p:txBody>
-          <a:bodyPr>
-            <a:normAutofit/>
-          </a:bodyPr>
-          <a:lstStyle/>
-          <a:p>
-            <a:r>
-              <a:rPr lang="pt-BR" sz="3200" dirty="0"/>
-              <a:t>Preparação dos dados – correção de formato</a:t>
-            </a:r>
-          </a:p>
-        </p:txBody>
-      </p:sp>
-      <p:sp>
-        <p:nvSpPr>
-          <p:cNvPr id="3" name="Espaço Reservado para Conteúdo 2">
-            <a:extLst>
-              <a:ext uri="{FF2B5EF4-FFF2-40B4-BE49-F238E27FC236}">
-                <a16:creationId xmlns:a16="http://schemas.microsoft.com/office/drawing/2014/main" id="{ED5B44EC-AFD8-9AA1-FDE4-CBCB7A90067F}"/>
-              </a:ext>
-            </a:extLst>
-          </p:cNvPr>
-          <p:cNvSpPr>
-            <a:spLocks noGrp="1"/>
-          </p:cNvSpPr>
-          <p:nvPr>
-            <p:ph idx="1"/>
-          </p:nvPr>
-        </p:nvSpPr>
-        <p:spPr/>
-        <p:txBody>
-          <a:bodyPr/>
-          <a:lstStyle/>
-          <a:p>
-            <a:endParaRPr lang="pt-BR" sz="1800" dirty="0">
-              <a:effectLst/>
-              <a:latin typeface="Times New Roman" panose="02020603050405020304" pitchFamily="18" charset="0"/>
-              <a:ea typeface="Calibri" panose="020F0502020204030204" pitchFamily="34" charset="0"/>
-            </a:endParaRPr>
-          </a:p>
-          <a:p>
-            <a:endParaRPr lang="pt-BR" dirty="0">
-              <a:effectLst/>
-              <a:latin typeface="Times New Roman" panose="02020603050405020304" pitchFamily="18" charset="0"/>
-              <a:ea typeface="Calibri" panose="020F0502020204030204" pitchFamily="34" charset="0"/>
-            </a:endParaRPr>
-          </a:p>
-          <a:p>
-            <a:r>
-              <a:rPr lang="pt-BR" sz="1800" dirty="0">
-                <a:effectLst/>
-                <a:latin typeface="Times New Roman" panose="02020603050405020304" pitchFamily="18" charset="0"/>
-                <a:ea typeface="Calibri" panose="020F0502020204030204" pitchFamily="34" charset="0"/>
-              </a:rPr>
-              <a:t>Maioria dos algoritmos de Machine Learning conseguem trabalhar apenas com atributos de formato numérico</a:t>
-            </a:r>
-          </a:p>
-          <a:p>
-            <a:endParaRPr lang="pt-BR" dirty="0">
-              <a:latin typeface="Times New Roman" panose="02020603050405020304" pitchFamily="18" charset="0"/>
-            </a:endParaRPr>
-          </a:p>
-          <a:p>
-            <a:r>
-              <a:rPr lang="pt-BR" dirty="0"/>
-              <a:t>Necessário conversão dos dados para este formato</a:t>
-            </a:r>
-          </a:p>
-        </p:txBody>
-      </p:sp>
-    </p:spTree>
-    <p:extLst>
-      <p:ext uri="{BB962C8B-B14F-4D97-AF65-F5344CB8AC3E}">
-        <p14:creationId xmlns:p14="http://schemas.microsoft.com/office/powerpoint/2010/main" val="129950208"/>
-      </p:ext>
-    </p:extLst>
-  </p:cSld>
-  <p:clrMapOvr>
-    <a:masterClrMapping/>
-  </p:clrMapOvr>
-</p:sld>
-</file>
-
 <file path=ppt/theme/theme1.xml><?xml version="1.0" encoding="utf-8"?>
 <a:theme xmlns:a="http://schemas.openxmlformats.org/drawingml/2006/main" name="Exibir">
   <a:themeElements>
